--- a/0 발표용 파워포인트/project06 - 파워포인트 종합.pptx
+++ b/0 발표용 파워포인트/project06 - 파워포인트 종합.pptx
@@ -35,21 +35,21 @@
   <p:notesSz cx="6858000" cy="9144000"/>
   <p:embeddedFontLst>
     <p:embeddedFont>
-      <p:font typeface="Montserrat" panose="020B0604020202020204" charset="0"/>
+      <p:font typeface="나눔바른고딕" panose="020B0603020101020101" pitchFamily="50" charset="-127"/>
       <p:regular r:id="rId25"/>
       <p:bold r:id="rId26"/>
-      <p:italic r:id="rId27"/>
-      <p:boldItalic r:id="rId28"/>
     </p:embeddedFont>
     <p:embeddedFont>
       <p:font typeface="맑은 고딕" panose="020B0503020000020004" pitchFamily="50" charset="-127"/>
+      <p:regular r:id="rId27"/>
+      <p:bold r:id="rId28"/>
+    </p:embeddedFont>
+    <p:embeddedFont>
+      <p:font typeface="Montserrat" panose="020B0604020202020204" charset="0"/>
       <p:regular r:id="rId29"/>
       <p:bold r:id="rId30"/>
-    </p:embeddedFont>
-    <p:embeddedFont>
-      <p:font typeface="나눔바른고딕" panose="020B0603020101020101" pitchFamily="50" charset="-127"/>
-      <p:regular r:id="rId31"/>
-      <p:bold r:id="rId32"/>
+      <p:italic r:id="rId31"/>
+      <p:boldItalic r:id="rId32"/>
     </p:embeddedFont>
   </p:embeddedFontLst>
   <p:defaultTextStyle>
@@ -2888,7 +2888,7 @@
           <p:cNvPr id="2" name="제목 1">
             <a:extLst>
               <a:ext uri="{FF2B5EF4-FFF2-40B4-BE49-F238E27FC236}">
-                <a16:creationId xmlns:a16="http://schemas.microsoft.com/office/drawing/2014/main" xmlns="" id="{BC4B5A23-C81F-4AF5-A748-1D1EE93505F9}"/>
+                <a16:creationId xmlns="" xmlns:a16="http://schemas.microsoft.com/office/drawing/2014/main" id="{BC4B5A23-C81F-4AF5-A748-1D1EE93505F9}"/>
               </a:ext>
             </a:extLst>
           </p:cNvPr>
@@ -2925,7 +2925,7 @@
           <p:cNvPr id="3" name="부제목 2">
             <a:extLst>
               <a:ext uri="{FF2B5EF4-FFF2-40B4-BE49-F238E27FC236}">
-                <a16:creationId xmlns:a16="http://schemas.microsoft.com/office/drawing/2014/main" xmlns="" id="{26F8B85E-9692-4475-9B5C-3E3DB5D88828}"/>
+                <a16:creationId xmlns="" xmlns:a16="http://schemas.microsoft.com/office/drawing/2014/main" id="{26F8B85E-9692-4475-9B5C-3E3DB5D88828}"/>
               </a:ext>
             </a:extLst>
           </p:cNvPr>
@@ -2995,7 +2995,7 @@
           <p:cNvPr id="4" name="날짜 개체 틀 3">
             <a:extLst>
               <a:ext uri="{FF2B5EF4-FFF2-40B4-BE49-F238E27FC236}">
-                <a16:creationId xmlns:a16="http://schemas.microsoft.com/office/drawing/2014/main" xmlns="" id="{BC005B73-604A-4AB5-8137-DDC71FB7678B}"/>
+                <a16:creationId xmlns="" xmlns:a16="http://schemas.microsoft.com/office/drawing/2014/main" id="{BC005B73-604A-4AB5-8137-DDC71FB7678B}"/>
               </a:ext>
             </a:extLst>
           </p:cNvPr>
@@ -3045,7 +3045,7 @@
           <p:cNvPr id="5" name="바닥글 개체 틀 4">
             <a:extLst>
               <a:ext uri="{FF2B5EF4-FFF2-40B4-BE49-F238E27FC236}">
-                <a16:creationId xmlns:a16="http://schemas.microsoft.com/office/drawing/2014/main" xmlns="" id="{D657B5ED-EDEA-4726-A63A-ABCD88DDA24F}"/>
+                <a16:creationId xmlns="" xmlns:a16="http://schemas.microsoft.com/office/drawing/2014/main" id="{D657B5ED-EDEA-4726-A63A-ABCD88DDA24F}"/>
               </a:ext>
             </a:extLst>
           </p:cNvPr>
@@ -3084,7 +3084,7 @@
           <p:cNvPr id="6" name="슬라이드 번호 개체 틀 5">
             <a:extLst>
               <a:ext uri="{FF2B5EF4-FFF2-40B4-BE49-F238E27FC236}">
-                <a16:creationId xmlns:a16="http://schemas.microsoft.com/office/drawing/2014/main" xmlns="" id="{EE561B83-F1A6-46DA-BD34-3B375CB3487C}"/>
+                <a16:creationId xmlns="" xmlns:a16="http://schemas.microsoft.com/office/drawing/2014/main" id="{EE561B83-F1A6-46DA-BD34-3B375CB3487C}"/>
               </a:ext>
             </a:extLst>
           </p:cNvPr>
@@ -4717,7 +4717,7 @@
           <p:cNvPr id="28" name="그룹 27">
             <a:extLst>
               <a:ext uri="{FF2B5EF4-FFF2-40B4-BE49-F238E27FC236}">
-                <a16:creationId xmlns:a16="http://schemas.microsoft.com/office/drawing/2014/main" xmlns="" id="{93ED6B66-45E2-4F28-BD4E-9A683E3FCF6D}"/>
+                <a16:creationId xmlns="" xmlns:a16="http://schemas.microsoft.com/office/drawing/2014/main" id="{93ED6B66-45E2-4F28-BD4E-9A683E3FCF6D}"/>
               </a:ext>
             </a:extLst>
           </p:cNvPr>
@@ -4744,7 +4744,7 @@
             <p:cNvPr id="29" name="Freeform 37">
               <a:extLst>
                 <a:ext uri="{FF2B5EF4-FFF2-40B4-BE49-F238E27FC236}">
-                  <a16:creationId xmlns:a16="http://schemas.microsoft.com/office/drawing/2014/main" xmlns="" id="{ADEA0806-DE38-475A-BD55-F8D173EB52A5}"/>
+                  <a16:creationId xmlns="" xmlns:a16="http://schemas.microsoft.com/office/drawing/2014/main" id="{ADEA0806-DE38-475A-BD55-F8D173EB52A5}"/>
                 </a:ext>
               </a:extLst>
             </p:cNvPr>
@@ -5329,7 +5329,7 @@
             <p:cNvPr id="30" name="Freeform 38">
               <a:extLst>
                 <a:ext uri="{FF2B5EF4-FFF2-40B4-BE49-F238E27FC236}">
-                  <a16:creationId xmlns:a16="http://schemas.microsoft.com/office/drawing/2014/main" xmlns="" id="{D13F76C6-5E5B-4424-A081-09B1E62D8939}"/>
+                  <a16:creationId xmlns="" xmlns:a16="http://schemas.microsoft.com/office/drawing/2014/main" id="{D13F76C6-5E5B-4424-A081-09B1E62D8939}"/>
                 </a:ext>
               </a:extLst>
             </p:cNvPr>
@@ -5883,7 +5883,7 @@
             <p:cNvPr id="31" name="Freeform 39">
               <a:extLst>
                 <a:ext uri="{FF2B5EF4-FFF2-40B4-BE49-F238E27FC236}">
-                  <a16:creationId xmlns:a16="http://schemas.microsoft.com/office/drawing/2014/main" xmlns="" id="{8AA3F8FD-3833-44C4-84F6-6C15FA66A33B}"/>
+                  <a16:creationId xmlns="" xmlns:a16="http://schemas.microsoft.com/office/drawing/2014/main" id="{8AA3F8FD-3833-44C4-84F6-6C15FA66A33B}"/>
                 </a:ext>
               </a:extLst>
             </p:cNvPr>
@@ -6371,7 +6371,7 @@
             <p:cNvPr id="32" name="Freeform 40">
               <a:extLst>
                 <a:ext uri="{FF2B5EF4-FFF2-40B4-BE49-F238E27FC236}">
-                  <a16:creationId xmlns:a16="http://schemas.microsoft.com/office/drawing/2014/main" xmlns="" id="{82A8B903-85D9-4AC8-B553-A53FF1528DD6}"/>
+                  <a16:creationId xmlns="" xmlns:a16="http://schemas.microsoft.com/office/drawing/2014/main" id="{82A8B903-85D9-4AC8-B553-A53FF1528DD6}"/>
                 </a:ext>
               </a:extLst>
             </p:cNvPr>
@@ -6683,7 +6683,7 @@
             <p:cNvPr id="33" name="Freeform 41">
               <a:extLst>
                 <a:ext uri="{FF2B5EF4-FFF2-40B4-BE49-F238E27FC236}">
-                  <a16:creationId xmlns:a16="http://schemas.microsoft.com/office/drawing/2014/main" xmlns="" id="{23150D66-8A0D-4D47-BDFD-CEC8C82F95CB}"/>
+                  <a16:creationId xmlns="" xmlns:a16="http://schemas.microsoft.com/office/drawing/2014/main" id="{23150D66-8A0D-4D47-BDFD-CEC8C82F95CB}"/>
                 </a:ext>
               </a:extLst>
             </p:cNvPr>
@@ -7292,7 +7292,7 @@
             <p:cNvPr id="34" name="Freeform 51">
               <a:extLst>
                 <a:ext uri="{FF2B5EF4-FFF2-40B4-BE49-F238E27FC236}">
-                  <a16:creationId xmlns:a16="http://schemas.microsoft.com/office/drawing/2014/main" xmlns="" id="{D1395DDB-4798-4901-96C1-6E8A0C25E5BB}"/>
+                  <a16:creationId xmlns="" xmlns:a16="http://schemas.microsoft.com/office/drawing/2014/main" id="{D1395DDB-4798-4901-96C1-6E8A0C25E5BB}"/>
                 </a:ext>
               </a:extLst>
             </p:cNvPr>
@@ -7788,7 +7788,7 @@
             <p:cNvPr id="35" name="Freeform 52">
               <a:extLst>
                 <a:ext uri="{FF2B5EF4-FFF2-40B4-BE49-F238E27FC236}">
-                  <a16:creationId xmlns:a16="http://schemas.microsoft.com/office/drawing/2014/main" xmlns="" id="{3FFE6A3B-C3E4-4B4C-A5AF-30A6ED7A63F0}"/>
+                  <a16:creationId xmlns="" xmlns:a16="http://schemas.microsoft.com/office/drawing/2014/main" id="{3FFE6A3B-C3E4-4B4C-A5AF-30A6ED7A63F0}"/>
                 </a:ext>
               </a:extLst>
             </p:cNvPr>
@@ -7896,7 +7896,7 @@
             <p:cNvPr id="36" name="Freeform 53">
               <a:extLst>
                 <a:ext uri="{FF2B5EF4-FFF2-40B4-BE49-F238E27FC236}">
-                  <a16:creationId xmlns:a16="http://schemas.microsoft.com/office/drawing/2014/main" xmlns="" id="{02E90574-0A63-4622-B924-3593D481085C}"/>
+                  <a16:creationId xmlns="" xmlns:a16="http://schemas.microsoft.com/office/drawing/2014/main" id="{02E90574-0A63-4622-B924-3593D481085C}"/>
                 </a:ext>
               </a:extLst>
             </p:cNvPr>
@@ -7953,7 +7953,7 @@
             <p:cNvPr id="37" name="Freeform 54">
               <a:extLst>
                 <a:ext uri="{FF2B5EF4-FFF2-40B4-BE49-F238E27FC236}">
-                  <a16:creationId xmlns:a16="http://schemas.microsoft.com/office/drawing/2014/main" xmlns="" id="{EF4B07AC-CF9B-451A-A3AF-0F38C9A9E8FD}"/>
+                  <a16:creationId xmlns="" xmlns:a16="http://schemas.microsoft.com/office/drawing/2014/main" id="{EF4B07AC-CF9B-451A-A3AF-0F38C9A9E8FD}"/>
                 </a:ext>
               </a:extLst>
             </p:cNvPr>
@@ -8321,7 +8321,7 @@
           <p:cNvPr id="11" name="Freeform 6">
             <a:extLst>
               <a:ext uri="{FF2B5EF4-FFF2-40B4-BE49-F238E27FC236}">
-                <a16:creationId xmlns:a16="http://schemas.microsoft.com/office/drawing/2014/main" xmlns="" id="{35433E1F-1BF4-44C0-B509-EB1742FF1405}"/>
+                <a16:creationId xmlns="" xmlns:a16="http://schemas.microsoft.com/office/drawing/2014/main" id="{35433E1F-1BF4-44C0-B509-EB1742FF1405}"/>
               </a:ext>
             </a:extLst>
           </p:cNvPr>
@@ -8720,7 +8720,7 @@
           <p:cNvPr id="13" name="Freeform 8">
             <a:extLst>
               <a:ext uri="{FF2B5EF4-FFF2-40B4-BE49-F238E27FC236}">
-                <a16:creationId xmlns:a16="http://schemas.microsoft.com/office/drawing/2014/main" xmlns="" id="{19190BD7-A4C5-49EB-A60F-06D7B1F74A20}"/>
+                <a16:creationId xmlns="" xmlns:a16="http://schemas.microsoft.com/office/drawing/2014/main" id="{19190BD7-A4C5-49EB-A60F-06D7B1F74A20}"/>
               </a:ext>
             </a:extLst>
           </p:cNvPr>
@@ -9388,7 +9388,7 @@
           <p:cNvPr id="18" name="사각형: 둥근 위쪽 모서리 17">
             <a:extLst>
               <a:ext uri="{FF2B5EF4-FFF2-40B4-BE49-F238E27FC236}">
-                <a16:creationId xmlns:a16="http://schemas.microsoft.com/office/drawing/2014/main" xmlns="" id="{BDEA6046-5656-4E1F-B418-5AD4F1F65CD1}"/>
+                <a16:creationId xmlns="" xmlns:a16="http://schemas.microsoft.com/office/drawing/2014/main" id="{BDEA6046-5656-4E1F-B418-5AD4F1F65CD1}"/>
               </a:ext>
             </a:extLst>
           </p:cNvPr>
@@ -9449,7 +9449,7 @@
           <p:cNvPr id="12" name="사각형: 둥근 위쪽 모서리 11">
             <a:extLst>
               <a:ext uri="{FF2B5EF4-FFF2-40B4-BE49-F238E27FC236}">
-                <a16:creationId xmlns:a16="http://schemas.microsoft.com/office/drawing/2014/main" xmlns="" id="{75627340-CA4C-4FDF-AC15-1D3AE4A4C536}"/>
+                <a16:creationId xmlns="" xmlns:a16="http://schemas.microsoft.com/office/drawing/2014/main" id="{75627340-CA4C-4FDF-AC15-1D3AE4A4C536}"/>
               </a:ext>
             </a:extLst>
           </p:cNvPr>
@@ -9510,7 +9510,7 @@
           <p:cNvPr id="14" name="사각형: 둥근 위쪽 모서리 13">
             <a:extLst>
               <a:ext uri="{FF2B5EF4-FFF2-40B4-BE49-F238E27FC236}">
-                <a16:creationId xmlns:a16="http://schemas.microsoft.com/office/drawing/2014/main" xmlns="" id="{FBB8B854-0C91-4123-8602-729BD5DB54ED}"/>
+                <a16:creationId xmlns="" xmlns:a16="http://schemas.microsoft.com/office/drawing/2014/main" id="{FBB8B854-0C91-4123-8602-729BD5DB54ED}"/>
               </a:ext>
             </a:extLst>
           </p:cNvPr>
@@ -9571,7 +9571,7 @@
           <p:cNvPr id="15" name="사각형: 둥근 위쪽 모서리 14">
             <a:extLst>
               <a:ext uri="{FF2B5EF4-FFF2-40B4-BE49-F238E27FC236}">
-                <a16:creationId xmlns:a16="http://schemas.microsoft.com/office/drawing/2014/main" xmlns="" id="{167316CA-8CC3-403B-8C11-60B19A432E91}"/>
+                <a16:creationId xmlns="" xmlns:a16="http://schemas.microsoft.com/office/drawing/2014/main" id="{167316CA-8CC3-403B-8C11-60B19A432E91}"/>
               </a:ext>
             </a:extLst>
           </p:cNvPr>
@@ -9632,7 +9632,7 @@
           <p:cNvPr id="6" name="자유형: 도형 5">
             <a:extLst>
               <a:ext uri="{FF2B5EF4-FFF2-40B4-BE49-F238E27FC236}">
-                <a16:creationId xmlns:a16="http://schemas.microsoft.com/office/drawing/2014/main" xmlns="" id="{01D0019B-4C1B-4151-B5F9-B30DF72D2F9C}"/>
+                <a16:creationId xmlns="" xmlns:a16="http://schemas.microsoft.com/office/drawing/2014/main" id="{01D0019B-4C1B-4151-B5F9-B30DF72D2F9C}"/>
               </a:ext>
             </a:extLst>
           </p:cNvPr>
@@ -9786,7 +9786,7 @@
           <p:cNvPr id="27" name="직사각형 26">
             <a:extLst>
               <a:ext uri="{FF2B5EF4-FFF2-40B4-BE49-F238E27FC236}">
-                <a16:creationId xmlns:a16="http://schemas.microsoft.com/office/drawing/2014/main" xmlns="" id="{C7A07ABD-FE64-47B7-8F0D-7531598644C5}"/>
+                <a16:creationId xmlns="" xmlns:a16="http://schemas.microsoft.com/office/drawing/2014/main" id="{C7A07ABD-FE64-47B7-8F0D-7531598644C5}"/>
               </a:ext>
             </a:extLst>
           </p:cNvPr>
@@ -9865,7 +9865,7 @@
           <p:cNvPr id="9" name="직선 연결선 8">
             <a:extLst>
               <a:ext uri="{FF2B5EF4-FFF2-40B4-BE49-F238E27FC236}">
-                <a16:creationId xmlns:a16="http://schemas.microsoft.com/office/drawing/2014/main" xmlns="" id="{ADD6F06E-82C7-4691-81A5-6FCAAE8DF971}"/>
+                <a16:creationId xmlns="" xmlns:a16="http://schemas.microsoft.com/office/drawing/2014/main" id="{ADD6F06E-82C7-4691-81A5-6FCAAE8DF971}"/>
               </a:ext>
             </a:extLst>
           </p:cNvPr>
@@ -9909,7 +9909,7 @@
           <p:cNvPr id="38" name="그룹 37">
             <a:extLst>
               <a:ext uri="{FF2B5EF4-FFF2-40B4-BE49-F238E27FC236}">
-                <a16:creationId xmlns:a16="http://schemas.microsoft.com/office/drawing/2014/main" xmlns="" id="{2C2E7834-32AF-460A-AC90-7CBE17CCC694}"/>
+                <a16:creationId xmlns="" xmlns:a16="http://schemas.microsoft.com/office/drawing/2014/main" id="{2C2E7834-32AF-460A-AC90-7CBE17CCC694}"/>
               </a:ext>
             </a:extLst>
           </p:cNvPr>
@@ -9929,7 +9929,7 @@
             <p:cNvPr id="39" name="자유형 65">
               <a:extLst>
                 <a:ext uri="{FF2B5EF4-FFF2-40B4-BE49-F238E27FC236}">
-                  <a16:creationId xmlns:a16="http://schemas.microsoft.com/office/drawing/2014/main" xmlns="" id="{3C6B5641-9309-4B54-BE3F-E1640860354C}"/>
+                  <a16:creationId xmlns="" xmlns:a16="http://schemas.microsoft.com/office/drawing/2014/main" id="{3C6B5641-9309-4B54-BE3F-E1640860354C}"/>
                 </a:ext>
               </a:extLst>
             </p:cNvPr>
@@ -10170,7 +10170,7 @@
             <p:cNvPr id="40" name="자유형 66">
               <a:extLst>
                 <a:ext uri="{FF2B5EF4-FFF2-40B4-BE49-F238E27FC236}">
-                  <a16:creationId xmlns:a16="http://schemas.microsoft.com/office/drawing/2014/main" xmlns="" id="{C39EC402-9800-4866-9F84-6E9C068471CD}"/>
+                  <a16:creationId xmlns="" xmlns:a16="http://schemas.microsoft.com/office/drawing/2014/main" id="{C39EC402-9800-4866-9F84-6E9C068471CD}"/>
                 </a:ext>
               </a:extLst>
             </p:cNvPr>
@@ -10348,7 +10348,7 @@
           <p:cNvPr id="44" name="Freeform 8">
             <a:extLst>
               <a:ext uri="{FF2B5EF4-FFF2-40B4-BE49-F238E27FC236}">
-                <a16:creationId xmlns:a16="http://schemas.microsoft.com/office/drawing/2014/main" xmlns="" id="{D86CAE7F-6907-4E6F-B42C-12470D4C17BF}"/>
+                <a16:creationId xmlns="" xmlns:a16="http://schemas.microsoft.com/office/drawing/2014/main" id="{D86CAE7F-6907-4E6F-B42C-12470D4C17BF}"/>
               </a:ext>
             </a:extLst>
           </p:cNvPr>

--- a/0 발표용 파워포인트/project06 - 파워포인트 종합.pptx
+++ b/0 발표용 파워포인트/project06 - 파워포인트 종합.pptx
@@ -5,7 +5,7 @@
     <p:sldMasterId id="2147483658" r:id="rId1"/>
   </p:sldMasterIdLst>
   <p:notesMasterIdLst>
-    <p:notesMasterId r:id="rId24"/>
+    <p:notesMasterId r:id="rId26"/>
   </p:notesMasterIdLst>
   <p:sldIdLst>
     <p:sldId id="301" r:id="rId2"/>
@@ -13,43 +13,45 @@
     <p:sldId id="259" r:id="rId4"/>
     <p:sldId id="285" r:id="rId5"/>
     <p:sldId id="307" r:id="rId6"/>
-    <p:sldId id="286" r:id="rId7"/>
-    <p:sldId id="294" r:id="rId8"/>
-    <p:sldId id="295" r:id="rId9"/>
-    <p:sldId id="296" r:id="rId10"/>
-    <p:sldId id="297" r:id="rId11"/>
-    <p:sldId id="298" r:id="rId12"/>
-    <p:sldId id="299" r:id="rId13"/>
-    <p:sldId id="287" r:id="rId14"/>
-    <p:sldId id="292" r:id="rId15"/>
-    <p:sldId id="288" r:id="rId16"/>
-    <p:sldId id="302" r:id="rId17"/>
-    <p:sldId id="303" r:id="rId18"/>
-    <p:sldId id="304" r:id="rId19"/>
-    <p:sldId id="305" r:id="rId20"/>
-    <p:sldId id="306" r:id="rId21"/>
-    <p:sldId id="312" r:id="rId22"/>
-    <p:sldId id="313" r:id="rId23"/>
+    <p:sldId id="314" r:id="rId7"/>
+    <p:sldId id="315" r:id="rId8"/>
+    <p:sldId id="286" r:id="rId9"/>
+    <p:sldId id="294" r:id="rId10"/>
+    <p:sldId id="295" r:id="rId11"/>
+    <p:sldId id="296" r:id="rId12"/>
+    <p:sldId id="297" r:id="rId13"/>
+    <p:sldId id="298" r:id="rId14"/>
+    <p:sldId id="299" r:id="rId15"/>
+    <p:sldId id="287" r:id="rId16"/>
+    <p:sldId id="292" r:id="rId17"/>
+    <p:sldId id="288" r:id="rId18"/>
+    <p:sldId id="302" r:id="rId19"/>
+    <p:sldId id="303" r:id="rId20"/>
+    <p:sldId id="304" r:id="rId21"/>
+    <p:sldId id="305" r:id="rId22"/>
+    <p:sldId id="306" r:id="rId23"/>
+    <p:sldId id="312" r:id="rId24"/>
+    <p:sldId id="313" r:id="rId25"/>
   </p:sldIdLst>
   <p:sldSz cx="9144000" cy="5143500" type="screen16x9"/>
   <p:notesSz cx="6858000" cy="9144000"/>
   <p:embeddedFontLst>
     <p:embeddedFont>
       <p:font typeface="나눔바른고딕" panose="020B0603020101020101" pitchFamily="50" charset="-127"/>
-      <p:regular r:id="rId25"/>
-      <p:bold r:id="rId26"/>
-    </p:embeddedFont>
-    <p:embeddedFont>
-      <p:font typeface="맑은 고딕" panose="020B0503020000020004" pitchFamily="50" charset="-127"/>
       <p:regular r:id="rId27"/>
       <p:bold r:id="rId28"/>
     </p:embeddedFont>
     <p:embeddedFont>
-      <p:font typeface="Montserrat" panose="020B0604020202020204" charset="0"/>
+      <p:font typeface="맑은 고딕" panose="020B0503020000020004" pitchFamily="50" charset="-127"/>
       <p:regular r:id="rId29"/>
       <p:bold r:id="rId30"/>
-      <p:italic r:id="rId31"/>
-      <p:boldItalic r:id="rId32"/>
+    </p:embeddedFont>
+    <p:embeddedFont>
+      <p:font typeface="Montserrat" panose="020B0604020202020204" charset="0"/>
+      <p:regular r:id="rId31"/>
+      <p:bold r:id="rId32"/>
+      <p:italic r:id="rId33"/>
+      <p:boldItalic r:id="rId34"/>
     </p:embeddedFont>
   </p:embeddedFontLst>
   <p:defaultTextStyle>
@@ -1250,6 +1252,214 @@
 </p:notes>
 </file>
 
+<file path=ppt/notesSlides/notesSlide14.xml><?xml version="1.0" encoding="utf-8"?>
+<p:notes xmlns:a="http://schemas.openxmlformats.org/drawingml/2006/main" xmlns:r="http://schemas.openxmlformats.org/officeDocument/2006/relationships" xmlns:p="http://schemas.openxmlformats.org/presentationml/2006/main" showMasterSp="0" showMasterPhAnim="0">
+  <p:cSld>
+    <p:spTree>
+      <p:nvGrpSpPr>
+        <p:cNvPr id="1" name="Shape 98"/>
+        <p:cNvGrpSpPr/>
+        <p:nvPr/>
+      </p:nvGrpSpPr>
+      <p:grpSpPr>
+        <a:xfrm>
+          <a:off x="0" y="0"/>
+          <a:ext cx="0" cy="0"/>
+          <a:chOff x="0" y="0"/>
+          <a:chExt cx="0" cy="0"/>
+        </a:xfrm>
+      </p:grpSpPr>
+      <p:sp>
+        <p:nvSpPr>
+          <p:cNvPr id="99" name="Google Shape;99;g35ed75ccf_015:notes"/>
+          <p:cNvSpPr>
+            <a:spLocks noGrp="1" noRot="1" noChangeAspect="1"/>
+          </p:cNvSpPr>
+          <p:nvPr>
+            <p:ph type="sldImg" idx="2"/>
+          </p:nvPr>
+        </p:nvSpPr>
+        <p:spPr>
+          <a:xfrm>
+            <a:off x="381000" y="685800"/>
+            <a:ext cx="6096000" cy="3429000"/>
+          </a:xfrm>
+          <a:custGeom>
+            <a:avLst/>
+            <a:gdLst/>
+            <a:ahLst/>
+            <a:cxnLst/>
+            <a:rect l="l" t="t" r="r" b="b"/>
+            <a:pathLst>
+              <a:path w="120000" h="120000" extrusionOk="0">
+                <a:moveTo>
+                  <a:pt x="0" y="0"/>
+                </a:moveTo>
+                <a:lnTo>
+                  <a:pt x="120000" y="0"/>
+                </a:lnTo>
+                <a:lnTo>
+                  <a:pt x="120000" y="120000"/>
+                </a:lnTo>
+                <a:lnTo>
+                  <a:pt x="0" y="120000"/>
+                </a:lnTo>
+                <a:close/>
+              </a:path>
+            </a:pathLst>
+          </a:custGeom>
+        </p:spPr>
+      </p:sp>
+      <p:sp>
+        <p:nvSpPr>
+          <p:cNvPr id="100" name="Google Shape;100;g35ed75ccf_015:notes"/>
+          <p:cNvSpPr txBox="1">
+            <a:spLocks noGrp="1"/>
+          </p:cNvSpPr>
+          <p:nvPr>
+            <p:ph type="body" idx="1"/>
+          </p:nvPr>
+        </p:nvSpPr>
+        <p:spPr>
+          <a:xfrm>
+            <a:off x="685800" y="4343400"/>
+            <a:ext cx="5486400" cy="4114800"/>
+          </a:xfrm>
+          <a:prstGeom prst="rect">
+            <a:avLst/>
+          </a:prstGeom>
+        </p:spPr>
+        <p:txBody>
+          <a:bodyPr spcFirstLastPara="1" wrap="square" lIns="91425" tIns="91425" rIns="91425" bIns="91425" anchor="t" anchorCtr="0">
+            <a:noAutofit/>
+          </a:bodyPr>
+          <a:lstStyle/>
+          <a:p>
+            <a:pPr marL="0" lvl="0" indent="0" algn="l" rtl="0">
+              <a:spcBef>
+                <a:spcPts val="0"/>
+              </a:spcBef>
+              <a:spcAft>
+                <a:spcPts val="0"/>
+              </a:spcAft>
+              <a:buNone/>
+            </a:pPr>
+            <a:endParaRPr/>
+          </a:p>
+        </p:txBody>
+      </p:sp>
+    </p:spTree>
+  </p:cSld>
+  <p:clrMapOvr>
+    <a:masterClrMapping/>
+  </p:clrMapOvr>
+</p:notes>
+</file>
+
+<file path=ppt/notesSlides/notesSlide15.xml><?xml version="1.0" encoding="utf-8"?>
+<p:notes xmlns:a="http://schemas.openxmlformats.org/drawingml/2006/main" xmlns:r="http://schemas.openxmlformats.org/officeDocument/2006/relationships" xmlns:p="http://schemas.openxmlformats.org/presentationml/2006/main" showMasterSp="0" showMasterPhAnim="0">
+  <p:cSld>
+    <p:spTree>
+      <p:nvGrpSpPr>
+        <p:cNvPr id="1" name="Shape 98"/>
+        <p:cNvGrpSpPr/>
+        <p:nvPr/>
+      </p:nvGrpSpPr>
+      <p:grpSpPr>
+        <a:xfrm>
+          <a:off x="0" y="0"/>
+          <a:ext cx="0" cy="0"/>
+          <a:chOff x="0" y="0"/>
+          <a:chExt cx="0" cy="0"/>
+        </a:xfrm>
+      </p:grpSpPr>
+      <p:sp>
+        <p:nvSpPr>
+          <p:cNvPr id="99" name="Google Shape;99;g35ed75ccf_015:notes"/>
+          <p:cNvSpPr>
+            <a:spLocks noGrp="1" noRot="1" noChangeAspect="1"/>
+          </p:cNvSpPr>
+          <p:nvPr>
+            <p:ph type="sldImg" idx="2"/>
+          </p:nvPr>
+        </p:nvSpPr>
+        <p:spPr>
+          <a:xfrm>
+            <a:off x="381000" y="685800"/>
+            <a:ext cx="6096000" cy="3429000"/>
+          </a:xfrm>
+          <a:custGeom>
+            <a:avLst/>
+            <a:gdLst/>
+            <a:ahLst/>
+            <a:cxnLst/>
+            <a:rect l="l" t="t" r="r" b="b"/>
+            <a:pathLst>
+              <a:path w="120000" h="120000" extrusionOk="0">
+                <a:moveTo>
+                  <a:pt x="0" y="0"/>
+                </a:moveTo>
+                <a:lnTo>
+                  <a:pt x="120000" y="0"/>
+                </a:lnTo>
+                <a:lnTo>
+                  <a:pt x="120000" y="120000"/>
+                </a:lnTo>
+                <a:lnTo>
+                  <a:pt x="0" y="120000"/>
+                </a:lnTo>
+                <a:close/>
+              </a:path>
+            </a:pathLst>
+          </a:custGeom>
+        </p:spPr>
+      </p:sp>
+      <p:sp>
+        <p:nvSpPr>
+          <p:cNvPr id="100" name="Google Shape;100;g35ed75ccf_015:notes"/>
+          <p:cNvSpPr txBox="1">
+            <a:spLocks noGrp="1"/>
+          </p:cNvSpPr>
+          <p:nvPr>
+            <p:ph type="body" idx="1"/>
+          </p:nvPr>
+        </p:nvSpPr>
+        <p:spPr>
+          <a:xfrm>
+            <a:off x="685800" y="4343400"/>
+            <a:ext cx="5486400" cy="4114800"/>
+          </a:xfrm>
+          <a:prstGeom prst="rect">
+            <a:avLst/>
+          </a:prstGeom>
+        </p:spPr>
+        <p:txBody>
+          <a:bodyPr spcFirstLastPara="1" wrap="square" lIns="91425" tIns="91425" rIns="91425" bIns="91425" anchor="t" anchorCtr="0">
+            <a:noAutofit/>
+          </a:bodyPr>
+          <a:lstStyle/>
+          <a:p>
+            <a:pPr marL="0" lvl="0" indent="0" algn="l" rtl="0">
+              <a:spcBef>
+                <a:spcPts val="0"/>
+              </a:spcBef>
+              <a:spcAft>
+                <a:spcPts val="0"/>
+              </a:spcAft>
+              <a:buNone/>
+            </a:pPr>
+            <a:endParaRPr/>
+          </a:p>
+        </p:txBody>
+      </p:sp>
+    </p:spTree>
+  </p:cSld>
+  <p:clrMapOvr>
+    <a:masterClrMapping/>
+  </p:clrMapOvr>
+</p:notes>
+</file>
+
 <file path=ppt/notesSlides/notesSlide2.xml><?xml version="1.0" encoding="utf-8"?>
 <p:notes xmlns:a="http://schemas.openxmlformats.org/drawingml/2006/main" xmlns:r="http://schemas.openxmlformats.org/officeDocument/2006/relationships" xmlns:p="http://schemas.openxmlformats.org/presentationml/2006/main" showMasterSp="0" showMasterPhAnim="0">
   <p:cSld>
@@ -1671,7 +1881,7 @@
   <p:cSld>
     <p:spTree>
       <p:nvGrpSpPr>
-        <p:cNvPr id="1" name="Shape 98"/>
+        <p:cNvPr id="1" name="Shape 77"/>
         <p:cNvGrpSpPr/>
         <p:nvPr/>
       </p:nvGrpSpPr>
@@ -1685,7 +1895,7 @@
       </p:grpSpPr>
       <p:sp>
         <p:nvSpPr>
-          <p:cNvPr id="99" name="Google Shape;99;g35ed75ccf_015:notes"/>
+          <p:cNvPr id="78" name="Google Shape;78;g35f391192_029:notes"/>
           <p:cNvSpPr>
             <a:spLocks noGrp="1" noRot="1" noChangeAspect="1"/>
           </p:cNvSpPr>
@@ -1726,7 +1936,7 @@
       </p:sp>
       <p:sp>
         <p:nvSpPr>
-          <p:cNvPr id="100" name="Google Shape;100;g35ed75ccf_015:notes"/>
+          <p:cNvPr id="79" name="Google Shape;79;g35f391192_029:notes"/>
           <p:cNvSpPr txBox="1">
             <a:spLocks noGrp="1"/>
           </p:cNvSpPr>
@@ -1775,7 +1985,7 @@
   <p:cSld>
     <p:spTree>
       <p:nvGrpSpPr>
-        <p:cNvPr id="1" name="Shape 77"/>
+        <p:cNvPr id="1" name="Shape 98"/>
         <p:cNvGrpSpPr/>
         <p:nvPr/>
       </p:nvGrpSpPr>
@@ -1789,7 +1999,7 @@
       </p:grpSpPr>
       <p:sp>
         <p:nvSpPr>
-          <p:cNvPr id="78" name="Google Shape;78;g35f391192_029:notes"/>
+          <p:cNvPr id="99" name="Google Shape;99;g35ed75ccf_015:notes"/>
           <p:cNvSpPr>
             <a:spLocks noGrp="1" noRot="1" noChangeAspect="1"/>
           </p:cNvSpPr>
@@ -1830,7 +2040,7 @@
       </p:sp>
       <p:sp>
         <p:nvSpPr>
-          <p:cNvPr id="79" name="Google Shape;79;g35f391192_029:notes"/>
+          <p:cNvPr id="100" name="Google Shape;100;g35ed75ccf_015:notes"/>
           <p:cNvSpPr txBox="1">
             <a:spLocks noGrp="1"/>
           </p:cNvSpPr>
@@ -1983,7 +2193,7 @@
   <p:cSld>
     <p:spTree>
       <p:nvGrpSpPr>
-        <p:cNvPr id="1" name="Shape 98"/>
+        <p:cNvPr id="1" name="Shape 77"/>
         <p:cNvGrpSpPr/>
         <p:nvPr/>
       </p:nvGrpSpPr>
@@ -1997,7 +2207,7 @@
       </p:grpSpPr>
       <p:sp>
         <p:nvSpPr>
-          <p:cNvPr id="99" name="Google Shape;99;g35ed75ccf_015:notes"/>
+          <p:cNvPr id="78" name="Google Shape;78;g35f391192_029:notes"/>
           <p:cNvSpPr>
             <a:spLocks noGrp="1" noRot="1" noChangeAspect="1"/>
           </p:cNvSpPr>
@@ -2038,7 +2248,7 @@
       </p:sp>
       <p:sp>
         <p:nvSpPr>
-          <p:cNvPr id="100" name="Google Shape;100;g35ed75ccf_015:notes"/>
+          <p:cNvPr id="79" name="Google Shape;79;g35f391192_029:notes"/>
           <p:cNvSpPr txBox="1">
             <a:spLocks noGrp="1"/>
           </p:cNvSpPr>
@@ -2888,7 +3098,7 @@
           <p:cNvPr id="2" name="제목 1">
             <a:extLst>
               <a:ext uri="{FF2B5EF4-FFF2-40B4-BE49-F238E27FC236}">
-                <a16:creationId xmlns="" xmlns:a16="http://schemas.microsoft.com/office/drawing/2014/main" id="{BC4B5A23-C81F-4AF5-A748-1D1EE93505F9}"/>
+                <a16:creationId xmlns:a16="http://schemas.microsoft.com/office/drawing/2014/main" xmlns="" id="{BC4B5A23-C81F-4AF5-A748-1D1EE93505F9}"/>
               </a:ext>
             </a:extLst>
           </p:cNvPr>
@@ -2925,7 +3135,7 @@
           <p:cNvPr id="3" name="부제목 2">
             <a:extLst>
               <a:ext uri="{FF2B5EF4-FFF2-40B4-BE49-F238E27FC236}">
-                <a16:creationId xmlns="" xmlns:a16="http://schemas.microsoft.com/office/drawing/2014/main" id="{26F8B85E-9692-4475-9B5C-3E3DB5D88828}"/>
+                <a16:creationId xmlns:a16="http://schemas.microsoft.com/office/drawing/2014/main" xmlns="" id="{26F8B85E-9692-4475-9B5C-3E3DB5D88828}"/>
               </a:ext>
             </a:extLst>
           </p:cNvPr>
@@ -2995,7 +3205,7 @@
           <p:cNvPr id="4" name="날짜 개체 틀 3">
             <a:extLst>
               <a:ext uri="{FF2B5EF4-FFF2-40B4-BE49-F238E27FC236}">
-                <a16:creationId xmlns="" xmlns:a16="http://schemas.microsoft.com/office/drawing/2014/main" id="{BC005B73-604A-4AB5-8137-DDC71FB7678B}"/>
+                <a16:creationId xmlns:a16="http://schemas.microsoft.com/office/drawing/2014/main" xmlns="" id="{BC005B73-604A-4AB5-8137-DDC71FB7678B}"/>
               </a:ext>
             </a:extLst>
           </p:cNvPr>
@@ -3045,7 +3255,7 @@
           <p:cNvPr id="5" name="바닥글 개체 틀 4">
             <a:extLst>
               <a:ext uri="{FF2B5EF4-FFF2-40B4-BE49-F238E27FC236}">
-                <a16:creationId xmlns="" xmlns:a16="http://schemas.microsoft.com/office/drawing/2014/main" id="{D657B5ED-EDEA-4726-A63A-ABCD88DDA24F}"/>
+                <a16:creationId xmlns:a16="http://schemas.microsoft.com/office/drawing/2014/main" xmlns="" id="{D657B5ED-EDEA-4726-A63A-ABCD88DDA24F}"/>
               </a:ext>
             </a:extLst>
           </p:cNvPr>
@@ -3084,7 +3294,7 @@
           <p:cNvPr id="6" name="슬라이드 번호 개체 틀 5">
             <a:extLst>
               <a:ext uri="{FF2B5EF4-FFF2-40B4-BE49-F238E27FC236}">
-                <a16:creationId xmlns="" xmlns:a16="http://schemas.microsoft.com/office/drawing/2014/main" id="{EE561B83-F1A6-46DA-BD34-3B375CB3487C}"/>
+                <a16:creationId xmlns:a16="http://schemas.microsoft.com/office/drawing/2014/main" xmlns="" id="{EE561B83-F1A6-46DA-BD34-3B375CB3487C}"/>
               </a:ext>
             </a:extLst>
           </p:cNvPr>
@@ -4717,7 +4927,7 @@
           <p:cNvPr id="28" name="그룹 27">
             <a:extLst>
               <a:ext uri="{FF2B5EF4-FFF2-40B4-BE49-F238E27FC236}">
-                <a16:creationId xmlns="" xmlns:a16="http://schemas.microsoft.com/office/drawing/2014/main" id="{93ED6B66-45E2-4F28-BD4E-9A683E3FCF6D}"/>
+                <a16:creationId xmlns:a16="http://schemas.microsoft.com/office/drawing/2014/main" xmlns="" id="{93ED6B66-45E2-4F28-BD4E-9A683E3FCF6D}"/>
               </a:ext>
             </a:extLst>
           </p:cNvPr>
@@ -4744,7 +4954,7 @@
             <p:cNvPr id="29" name="Freeform 37">
               <a:extLst>
                 <a:ext uri="{FF2B5EF4-FFF2-40B4-BE49-F238E27FC236}">
-                  <a16:creationId xmlns="" xmlns:a16="http://schemas.microsoft.com/office/drawing/2014/main" id="{ADEA0806-DE38-475A-BD55-F8D173EB52A5}"/>
+                  <a16:creationId xmlns:a16="http://schemas.microsoft.com/office/drawing/2014/main" xmlns="" id="{ADEA0806-DE38-475A-BD55-F8D173EB52A5}"/>
                 </a:ext>
               </a:extLst>
             </p:cNvPr>
@@ -5329,7 +5539,7 @@
             <p:cNvPr id="30" name="Freeform 38">
               <a:extLst>
                 <a:ext uri="{FF2B5EF4-FFF2-40B4-BE49-F238E27FC236}">
-                  <a16:creationId xmlns="" xmlns:a16="http://schemas.microsoft.com/office/drawing/2014/main" id="{D13F76C6-5E5B-4424-A081-09B1E62D8939}"/>
+                  <a16:creationId xmlns:a16="http://schemas.microsoft.com/office/drawing/2014/main" xmlns="" id="{D13F76C6-5E5B-4424-A081-09B1E62D8939}"/>
                 </a:ext>
               </a:extLst>
             </p:cNvPr>
@@ -5883,7 +6093,7 @@
             <p:cNvPr id="31" name="Freeform 39">
               <a:extLst>
                 <a:ext uri="{FF2B5EF4-FFF2-40B4-BE49-F238E27FC236}">
-                  <a16:creationId xmlns="" xmlns:a16="http://schemas.microsoft.com/office/drawing/2014/main" id="{8AA3F8FD-3833-44C4-84F6-6C15FA66A33B}"/>
+                  <a16:creationId xmlns:a16="http://schemas.microsoft.com/office/drawing/2014/main" xmlns="" id="{8AA3F8FD-3833-44C4-84F6-6C15FA66A33B}"/>
                 </a:ext>
               </a:extLst>
             </p:cNvPr>
@@ -6371,7 +6581,7 @@
             <p:cNvPr id="32" name="Freeform 40">
               <a:extLst>
                 <a:ext uri="{FF2B5EF4-FFF2-40B4-BE49-F238E27FC236}">
-                  <a16:creationId xmlns="" xmlns:a16="http://schemas.microsoft.com/office/drawing/2014/main" id="{82A8B903-85D9-4AC8-B553-A53FF1528DD6}"/>
+                  <a16:creationId xmlns:a16="http://schemas.microsoft.com/office/drawing/2014/main" xmlns="" id="{82A8B903-85D9-4AC8-B553-A53FF1528DD6}"/>
                 </a:ext>
               </a:extLst>
             </p:cNvPr>
@@ -6683,7 +6893,7 @@
             <p:cNvPr id="33" name="Freeform 41">
               <a:extLst>
                 <a:ext uri="{FF2B5EF4-FFF2-40B4-BE49-F238E27FC236}">
-                  <a16:creationId xmlns="" xmlns:a16="http://schemas.microsoft.com/office/drawing/2014/main" id="{23150D66-8A0D-4D47-BDFD-CEC8C82F95CB}"/>
+                  <a16:creationId xmlns:a16="http://schemas.microsoft.com/office/drawing/2014/main" xmlns="" id="{23150D66-8A0D-4D47-BDFD-CEC8C82F95CB}"/>
                 </a:ext>
               </a:extLst>
             </p:cNvPr>
@@ -7292,7 +7502,7 @@
             <p:cNvPr id="34" name="Freeform 51">
               <a:extLst>
                 <a:ext uri="{FF2B5EF4-FFF2-40B4-BE49-F238E27FC236}">
-                  <a16:creationId xmlns="" xmlns:a16="http://schemas.microsoft.com/office/drawing/2014/main" id="{D1395DDB-4798-4901-96C1-6E8A0C25E5BB}"/>
+                  <a16:creationId xmlns:a16="http://schemas.microsoft.com/office/drawing/2014/main" xmlns="" id="{D1395DDB-4798-4901-96C1-6E8A0C25E5BB}"/>
                 </a:ext>
               </a:extLst>
             </p:cNvPr>
@@ -7788,7 +7998,7 @@
             <p:cNvPr id="35" name="Freeform 52">
               <a:extLst>
                 <a:ext uri="{FF2B5EF4-FFF2-40B4-BE49-F238E27FC236}">
-                  <a16:creationId xmlns="" xmlns:a16="http://schemas.microsoft.com/office/drawing/2014/main" id="{3FFE6A3B-C3E4-4B4C-A5AF-30A6ED7A63F0}"/>
+                  <a16:creationId xmlns:a16="http://schemas.microsoft.com/office/drawing/2014/main" xmlns="" id="{3FFE6A3B-C3E4-4B4C-A5AF-30A6ED7A63F0}"/>
                 </a:ext>
               </a:extLst>
             </p:cNvPr>
@@ -7896,7 +8106,7 @@
             <p:cNvPr id="36" name="Freeform 53">
               <a:extLst>
                 <a:ext uri="{FF2B5EF4-FFF2-40B4-BE49-F238E27FC236}">
-                  <a16:creationId xmlns="" xmlns:a16="http://schemas.microsoft.com/office/drawing/2014/main" id="{02E90574-0A63-4622-B924-3593D481085C}"/>
+                  <a16:creationId xmlns:a16="http://schemas.microsoft.com/office/drawing/2014/main" xmlns="" id="{02E90574-0A63-4622-B924-3593D481085C}"/>
                 </a:ext>
               </a:extLst>
             </p:cNvPr>
@@ -7953,7 +8163,7 @@
             <p:cNvPr id="37" name="Freeform 54">
               <a:extLst>
                 <a:ext uri="{FF2B5EF4-FFF2-40B4-BE49-F238E27FC236}">
-                  <a16:creationId xmlns="" xmlns:a16="http://schemas.microsoft.com/office/drawing/2014/main" id="{EF4B07AC-CF9B-451A-A3AF-0F38C9A9E8FD}"/>
+                  <a16:creationId xmlns:a16="http://schemas.microsoft.com/office/drawing/2014/main" xmlns="" id="{EF4B07AC-CF9B-451A-A3AF-0F38C9A9E8FD}"/>
                 </a:ext>
               </a:extLst>
             </p:cNvPr>
@@ -8321,7 +8531,7 @@
           <p:cNvPr id="11" name="Freeform 6">
             <a:extLst>
               <a:ext uri="{FF2B5EF4-FFF2-40B4-BE49-F238E27FC236}">
-                <a16:creationId xmlns="" xmlns:a16="http://schemas.microsoft.com/office/drawing/2014/main" id="{35433E1F-1BF4-44C0-B509-EB1742FF1405}"/>
+                <a16:creationId xmlns:a16="http://schemas.microsoft.com/office/drawing/2014/main" xmlns="" id="{35433E1F-1BF4-44C0-B509-EB1742FF1405}"/>
               </a:ext>
             </a:extLst>
           </p:cNvPr>
@@ -8720,7 +8930,7 @@
           <p:cNvPr id="13" name="Freeform 8">
             <a:extLst>
               <a:ext uri="{FF2B5EF4-FFF2-40B4-BE49-F238E27FC236}">
-                <a16:creationId xmlns="" xmlns:a16="http://schemas.microsoft.com/office/drawing/2014/main" id="{19190BD7-A4C5-49EB-A60F-06D7B1F74A20}"/>
+                <a16:creationId xmlns:a16="http://schemas.microsoft.com/office/drawing/2014/main" xmlns="" id="{19190BD7-A4C5-49EB-A60F-06D7B1F74A20}"/>
               </a:ext>
             </a:extLst>
           </p:cNvPr>
@@ -9388,7 +9598,7 @@
           <p:cNvPr id="18" name="사각형: 둥근 위쪽 모서리 17">
             <a:extLst>
               <a:ext uri="{FF2B5EF4-FFF2-40B4-BE49-F238E27FC236}">
-                <a16:creationId xmlns="" xmlns:a16="http://schemas.microsoft.com/office/drawing/2014/main" id="{BDEA6046-5656-4E1F-B418-5AD4F1F65CD1}"/>
+                <a16:creationId xmlns:a16="http://schemas.microsoft.com/office/drawing/2014/main" xmlns="" id="{BDEA6046-5656-4E1F-B418-5AD4F1F65CD1}"/>
               </a:ext>
             </a:extLst>
           </p:cNvPr>
@@ -9449,7 +9659,7 @@
           <p:cNvPr id="12" name="사각형: 둥근 위쪽 모서리 11">
             <a:extLst>
               <a:ext uri="{FF2B5EF4-FFF2-40B4-BE49-F238E27FC236}">
-                <a16:creationId xmlns="" xmlns:a16="http://schemas.microsoft.com/office/drawing/2014/main" id="{75627340-CA4C-4FDF-AC15-1D3AE4A4C536}"/>
+                <a16:creationId xmlns:a16="http://schemas.microsoft.com/office/drawing/2014/main" xmlns="" id="{75627340-CA4C-4FDF-AC15-1D3AE4A4C536}"/>
               </a:ext>
             </a:extLst>
           </p:cNvPr>
@@ -9510,7 +9720,7 @@
           <p:cNvPr id="14" name="사각형: 둥근 위쪽 모서리 13">
             <a:extLst>
               <a:ext uri="{FF2B5EF4-FFF2-40B4-BE49-F238E27FC236}">
-                <a16:creationId xmlns="" xmlns:a16="http://schemas.microsoft.com/office/drawing/2014/main" id="{FBB8B854-0C91-4123-8602-729BD5DB54ED}"/>
+                <a16:creationId xmlns:a16="http://schemas.microsoft.com/office/drawing/2014/main" xmlns="" id="{FBB8B854-0C91-4123-8602-729BD5DB54ED}"/>
               </a:ext>
             </a:extLst>
           </p:cNvPr>
@@ -9571,7 +9781,7 @@
           <p:cNvPr id="15" name="사각형: 둥근 위쪽 모서리 14">
             <a:extLst>
               <a:ext uri="{FF2B5EF4-FFF2-40B4-BE49-F238E27FC236}">
-                <a16:creationId xmlns="" xmlns:a16="http://schemas.microsoft.com/office/drawing/2014/main" id="{167316CA-8CC3-403B-8C11-60B19A432E91}"/>
+                <a16:creationId xmlns:a16="http://schemas.microsoft.com/office/drawing/2014/main" xmlns="" id="{167316CA-8CC3-403B-8C11-60B19A432E91}"/>
               </a:ext>
             </a:extLst>
           </p:cNvPr>
@@ -9632,7 +9842,7 @@
           <p:cNvPr id="6" name="자유형: 도형 5">
             <a:extLst>
               <a:ext uri="{FF2B5EF4-FFF2-40B4-BE49-F238E27FC236}">
-                <a16:creationId xmlns="" xmlns:a16="http://schemas.microsoft.com/office/drawing/2014/main" id="{01D0019B-4C1B-4151-B5F9-B30DF72D2F9C}"/>
+                <a16:creationId xmlns:a16="http://schemas.microsoft.com/office/drawing/2014/main" xmlns="" id="{01D0019B-4C1B-4151-B5F9-B30DF72D2F9C}"/>
               </a:ext>
             </a:extLst>
           </p:cNvPr>
@@ -9786,7 +9996,7 @@
           <p:cNvPr id="27" name="직사각형 26">
             <a:extLst>
               <a:ext uri="{FF2B5EF4-FFF2-40B4-BE49-F238E27FC236}">
-                <a16:creationId xmlns="" xmlns:a16="http://schemas.microsoft.com/office/drawing/2014/main" id="{C7A07ABD-FE64-47B7-8F0D-7531598644C5}"/>
+                <a16:creationId xmlns:a16="http://schemas.microsoft.com/office/drawing/2014/main" xmlns="" id="{C7A07ABD-FE64-47B7-8F0D-7531598644C5}"/>
               </a:ext>
             </a:extLst>
           </p:cNvPr>
@@ -9865,7 +10075,7 @@
           <p:cNvPr id="9" name="직선 연결선 8">
             <a:extLst>
               <a:ext uri="{FF2B5EF4-FFF2-40B4-BE49-F238E27FC236}">
-                <a16:creationId xmlns="" xmlns:a16="http://schemas.microsoft.com/office/drawing/2014/main" id="{ADD6F06E-82C7-4691-81A5-6FCAAE8DF971}"/>
+                <a16:creationId xmlns:a16="http://schemas.microsoft.com/office/drawing/2014/main" xmlns="" id="{ADD6F06E-82C7-4691-81A5-6FCAAE8DF971}"/>
               </a:ext>
             </a:extLst>
           </p:cNvPr>
@@ -9909,7 +10119,7 @@
           <p:cNvPr id="38" name="그룹 37">
             <a:extLst>
               <a:ext uri="{FF2B5EF4-FFF2-40B4-BE49-F238E27FC236}">
-                <a16:creationId xmlns="" xmlns:a16="http://schemas.microsoft.com/office/drawing/2014/main" id="{2C2E7834-32AF-460A-AC90-7CBE17CCC694}"/>
+                <a16:creationId xmlns:a16="http://schemas.microsoft.com/office/drawing/2014/main" xmlns="" id="{2C2E7834-32AF-460A-AC90-7CBE17CCC694}"/>
               </a:ext>
             </a:extLst>
           </p:cNvPr>
@@ -9929,7 +10139,7 @@
             <p:cNvPr id="39" name="자유형 65">
               <a:extLst>
                 <a:ext uri="{FF2B5EF4-FFF2-40B4-BE49-F238E27FC236}">
-                  <a16:creationId xmlns="" xmlns:a16="http://schemas.microsoft.com/office/drawing/2014/main" id="{3C6B5641-9309-4B54-BE3F-E1640860354C}"/>
+                  <a16:creationId xmlns:a16="http://schemas.microsoft.com/office/drawing/2014/main" xmlns="" id="{3C6B5641-9309-4B54-BE3F-E1640860354C}"/>
                 </a:ext>
               </a:extLst>
             </p:cNvPr>
@@ -10170,7 +10380,7 @@
             <p:cNvPr id="40" name="자유형 66">
               <a:extLst>
                 <a:ext uri="{FF2B5EF4-FFF2-40B4-BE49-F238E27FC236}">
-                  <a16:creationId xmlns="" xmlns:a16="http://schemas.microsoft.com/office/drawing/2014/main" id="{C39EC402-9800-4866-9F84-6E9C068471CD}"/>
+                  <a16:creationId xmlns:a16="http://schemas.microsoft.com/office/drawing/2014/main" xmlns="" id="{C39EC402-9800-4866-9F84-6E9C068471CD}"/>
                 </a:ext>
               </a:extLst>
             </p:cNvPr>
@@ -10348,7 +10558,7 @@
           <p:cNvPr id="44" name="Freeform 8">
             <a:extLst>
               <a:ext uri="{FF2B5EF4-FFF2-40B4-BE49-F238E27FC236}">
-                <a16:creationId xmlns="" xmlns:a16="http://schemas.microsoft.com/office/drawing/2014/main" id="{D86CAE7F-6907-4E6F-B42C-12470D4C17BF}"/>
+                <a16:creationId xmlns:a16="http://schemas.microsoft.com/office/drawing/2014/main" xmlns="" id="{D86CAE7F-6907-4E6F-B42C-12470D4C17BF}"/>
               </a:ext>
             </a:extLst>
           </p:cNvPr>
@@ -11791,6 +12001,1792 @@
       </p:grpSpPr>
       <p:sp>
         <p:nvSpPr>
+          <p:cNvPr id="2" name="슬라이드 번호 개체 틀 1"/>
+          <p:cNvSpPr>
+            <a:spLocks noGrp="1"/>
+          </p:cNvSpPr>
+          <p:nvPr>
+            <p:ph type="sldNum" idx="12"/>
+          </p:nvPr>
+        </p:nvSpPr>
+        <p:spPr/>
+        <p:txBody>
+          <a:bodyPr/>
+          <a:lstStyle/>
+          <a:p>
+            <a:pPr marL="0" lvl="0" indent="0" algn="ctr" rtl="0">
+              <a:spcBef>
+                <a:spcPts val="0"/>
+              </a:spcBef>
+              <a:spcAft>
+                <a:spcPts val="0"/>
+              </a:spcAft>
+              <a:buNone/>
+            </a:pPr>
+            <a:fld id="{00000000-1234-1234-1234-123412341234}" type="slidenum">
+              <a:rPr lang="en" smtClean="0"/>
+              <a:t>10</a:t>
+            </a:fld>
+            <a:endParaRPr lang="en"/>
+          </a:p>
+        </p:txBody>
+      </p:sp>
+      <p:sp>
+        <p:nvSpPr>
+          <p:cNvPr id="3" name="직사각형 2"/>
+          <p:cNvSpPr/>
+          <p:nvPr/>
+        </p:nvSpPr>
+        <p:spPr>
+          <a:xfrm>
+            <a:off x="0" y="0"/>
+            <a:ext cx="9144000" cy="5143500"/>
+          </a:xfrm>
+          <a:prstGeom prst="rect">
+            <a:avLst/>
+          </a:prstGeom>
+          <a:solidFill>
+            <a:schemeClr val="bg1"/>
+          </a:solidFill>
+          <a:ln>
+            <a:noFill/>
+          </a:ln>
+        </p:spPr>
+        <p:style>
+          <a:lnRef idx="2">
+            <a:schemeClr val="accent1">
+              <a:shade val="50000"/>
+            </a:schemeClr>
+          </a:lnRef>
+          <a:fillRef idx="1">
+            <a:schemeClr val="accent1"/>
+          </a:fillRef>
+          <a:effectRef idx="0">
+            <a:schemeClr val="accent1"/>
+          </a:effectRef>
+          <a:fontRef idx="minor">
+            <a:schemeClr val="lt1"/>
+          </a:fontRef>
+        </p:style>
+        <p:txBody>
+          <a:bodyPr rtlCol="0" anchor="ctr"/>
+          <a:lstStyle/>
+          <a:p>
+            <a:pPr algn="ctr"/>
+            <a:endParaRPr lang="ko-KR" altLang="en-US"/>
+          </a:p>
+        </p:txBody>
+      </p:sp>
+      <p:graphicFrame>
+        <p:nvGraphicFramePr>
+          <p:cNvPr id="5" name="표 4"/>
+          <p:cNvGraphicFramePr>
+            <a:graphicFrameLocks noGrp="1"/>
+          </p:cNvGraphicFramePr>
+          <p:nvPr>
+            <p:extLst>
+              <p:ext uri="{D42A27DB-BD31-4B8C-83A1-F6EECF244321}">
+                <p14:modId xmlns:p14="http://schemas.microsoft.com/office/powerpoint/2010/main" val="3802768189"/>
+              </p:ext>
+            </p:extLst>
+          </p:nvPr>
+        </p:nvGraphicFramePr>
+        <p:xfrm>
+          <a:off x="251519" y="771545"/>
+          <a:ext cx="8640961" cy="3974949"/>
+        </p:xfrm>
+        <a:graphic>
+          <a:graphicData uri="http://schemas.openxmlformats.org/drawingml/2006/table">
+            <a:tbl>
+              <a:tblPr>
+                <a:tableStyleId>{FA2A6AB6-C1E5-4FC5-B20B-5785A829AD62}</a:tableStyleId>
+              </a:tblPr>
+              <a:tblGrid>
+                <a:gridCol w="836896"/>
+                <a:gridCol w="1223962"/>
+                <a:gridCol w="1690533"/>
+                <a:gridCol w="4889570"/>
+              </a:tblGrid>
+              <a:tr h="360045">
+                <a:tc>
+                  <a:txBody>
+                    <a:bodyPr/>
+                    <a:lstStyle/>
+                    <a:p>
+                      <a:pPr algn="ctr" fontAlgn="ctr"/>
+                      <a:r>
+                        <a:rPr lang="ko-KR" altLang="en-US" sz="800" b="1" u="none" strike="noStrike" dirty="0">
+                          <a:solidFill>
+                            <a:schemeClr val="bg1"/>
+                          </a:solidFill>
+                          <a:effectLst/>
+                        </a:rPr>
+                        <a:t>구분</a:t>
+                      </a:r>
+                      <a:endParaRPr lang="ko-KR" altLang="en-US" sz="800" b="1" i="0" u="none" strike="noStrike" dirty="0">
+                        <a:solidFill>
+                          <a:schemeClr val="bg1"/>
+                        </a:solidFill>
+                        <a:effectLst/>
+                        <a:latin typeface="Dotum"/>
+                      </a:endParaRPr>
+                    </a:p>
+                  </a:txBody>
+                  <a:tcPr marL="5314" marR="5314" marT="5314" marB="0" anchor="ctr">
+                    <a:solidFill>
+                      <a:srgbClr val="FF9E00"/>
+                    </a:solidFill>
+                  </a:tcPr>
+                </a:tc>
+                <a:tc>
+                  <a:txBody>
+                    <a:bodyPr/>
+                    <a:lstStyle/>
+                    <a:p>
+                      <a:pPr algn="ctr" fontAlgn="ctr"/>
+                      <a:r>
+                        <a:rPr lang="ko-KR" altLang="en-US" sz="800" b="1" u="none" strike="noStrike" dirty="0">
+                          <a:solidFill>
+                            <a:schemeClr val="bg1"/>
+                          </a:solidFill>
+                          <a:effectLst/>
+                        </a:rPr>
+                        <a:t>서비스</a:t>
+                      </a:r>
+                      <a:r>
+                        <a:rPr lang="en-US" altLang="ko-KR" sz="800" b="1" u="none" strike="noStrike" dirty="0">
+                          <a:solidFill>
+                            <a:schemeClr val="bg1"/>
+                          </a:solidFill>
+                          <a:effectLst/>
+                        </a:rPr>
+                        <a:t>(</a:t>
+                      </a:r>
+                      <a:r>
+                        <a:rPr lang="ko-KR" altLang="en-US" sz="800" b="1" u="none" strike="noStrike" dirty="0">
+                          <a:solidFill>
+                            <a:schemeClr val="bg1"/>
+                          </a:solidFill>
+                          <a:effectLst/>
+                        </a:rPr>
+                        <a:t>메뉴</a:t>
+                      </a:r>
+                      <a:r>
+                        <a:rPr lang="en-US" altLang="ko-KR" sz="800" b="1" u="none" strike="noStrike" dirty="0">
+                          <a:solidFill>
+                            <a:schemeClr val="bg1"/>
+                          </a:solidFill>
+                          <a:effectLst/>
+                        </a:rPr>
+                        <a:t>)</a:t>
+                      </a:r>
+                      <a:endParaRPr lang="en-US" altLang="ko-KR" sz="800" b="1" i="0" u="none" strike="noStrike" dirty="0">
+                        <a:solidFill>
+                          <a:schemeClr val="bg1"/>
+                        </a:solidFill>
+                        <a:effectLst/>
+                        <a:latin typeface="Dotum"/>
+                      </a:endParaRPr>
+                    </a:p>
+                  </a:txBody>
+                  <a:tcPr marL="5314" marR="5314" marT="5314" marB="0" anchor="ctr">
+                    <a:solidFill>
+                      <a:srgbClr val="FF9E00"/>
+                    </a:solidFill>
+                  </a:tcPr>
+                </a:tc>
+                <a:tc>
+                  <a:txBody>
+                    <a:bodyPr/>
+                    <a:lstStyle/>
+                    <a:p>
+                      <a:pPr algn="ctr" fontAlgn="ctr"/>
+                      <a:r>
+                        <a:rPr lang="ko-KR" altLang="en-US" sz="800" b="1" u="none" strike="noStrike" dirty="0">
+                          <a:solidFill>
+                            <a:schemeClr val="bg1"/>
+                          </a:solidFill>
+                          <a:effectLst/>
+                        </a:rPr>
+                        <a:t>필요 기능</a:t>
+                      </a:r>
+                      <a:endParaRPr lang="ko-KR" altLang="en-US" sz="800" b="1" i="0" u="none" strike="noStrike" dirty="0">
+                        <a:solidFill>
+                          <a:schemeClr val="bg1"/>
+                        </a:solidFill>
+                        <a:effectLst/>
+                        <a:latin typeface="Dotum"/>
+                      </a:endParaRPr>
+                    </a:p>
+                  </a:txBody>
+                  <a:tcPr marL="5314" marR="5314" marT="5314" marB="0" anchor="ctr">
+                    <a:solidFill>
+                      <a:srgbClr val="FF9E00"/>
+                    </a:solidFill>
+                  </a:tcPr>
+                </a:tc>
+                <a:tc>
+                  <a:txBody>
+                    <a:bodyPr/>
+                    <a:lstStyle/>
+                    <a:p>
+                      <a:pPr algn="ctr" fontAlgn="ctr"/>
+                      <a:r>
+                        <a:rPr lang="ko-KR" altLang="en-US" sz="800" b="1" u="none" strike="noStrike" dirty="0">
+                          <a:solidFill>
+                            <a:schemeClr val="bg1"/>
+                          </a:solidFill>
+                          <a:effectLst/>
+                        </a:rPr>
+                        <a:t>기능 설명</a:t>
+                      </a:r>
+                      <a:endParaRPr lang="ko-KR" altLang="en-US" sz="800" b="1" i="0" u="none" strike="noStrike" dirty="0">
+                        <a:solidFill>
+                          <a:schemeClr val="bg1"/>
+                        </a:solidFill>
+                        <a:effectLst/>
+                        <a:latin typeface="Dotum"/>
+                      </a:endParaRPr>
+                    </a:p>
+                  </a:txBody>
+                  <a:tcPr marL="5314" marR="5314" marT="5314" marB="0" anchor="ctr">
+                    <a:solidFill>
+                      <a:srgbClr val="FF9E00"/>
+                    </a:solidFill>
+                  </a:tcPr>
+                </a:tc>
+              </a:tr>
+              <a:tr h="602484">
+                <a:tc rowSpan="3">
+                  <a:txBody>
+                    <a:bodyPr/>
+                    <a:lstStyle/>
+                    <a:p>
+                      <a:pPr algn="ctr" fontAlgn="ctr"/>
+                      <a:r>
+                        <a:rPr lang="ko-KR" altLang="en-US" sz="800" u="none" strike="noStrike" dirty="0" smtClean="0">
+                          <a:effectLst/>
+                        </a:rPr>
+                        <a:t>사용자</a:t>
+                      </a:r>
+                      <a:endParaRPr lang="ko-KR" altLang="en-US" sz="800" b="0" i="0" u="none" strike="noStrike" dirty="0">
+                        <a:solidFill>
+                          <a:srgbClr val="000000"/>
+                        </a:solidFill>
+                        <a:effectLst/>
+                        <a:latin typeface="맑은 고딕"/>
+                      </a:endParaRPr>
+                    </a:p>
+                  </a:txBody>
+                  <a:tcPr marL="5314" marR="5314" marT="5314" marB="0" anchor="ctr"/>
+                </a:tc>
+                <a:tc rowSpan="3">
+                  <a:txBody>
+                    <a:bodyPr/>
+                    <a:lstStyle/>
+                    <a:p>
+                      <a:pPr algn="ctr" fontAlgn="ctr"/>
+                      <a:r>
+                        <a:rPr lang="ko-KR" altLang="en-US" sz="800" u="none" strike="noStrike" dirty="0">
+                          <a:effectLst/>
+                        </a:rPr>
+                        <a:t>고객센터</a:t>
+                      </a:r>
+                      <a:endParaRPr lang="ko-KR" altLang="en-US" sz="800" b="0" i="0" u="none" strike="noStrike" dirty="0">
+                        <a:solidFill>
+                          <a:srgbClr val="000000"/>
+                        </a:solidFill>
+                        <a:effectLst/>
+                        <a:latin typeface="맑은 고딕"/>
+                      </a:endParaRPr>
+                    </a:p>
+                  </a:txBody>
+                  <a:tcPr marL="5314" marR="5314" marT="5314" marB="0" anchor="ctr"/>
+                </a:tc>
+                <a:tc>
+                  <a:txBody>
+                    <a:bodyPr/>
+                    <a:lstStyle/>
+                    <a:p>
+                      <a:pPr algn="ctr" fontAlgn="ctr"/>
+                      <a:r>
+                        <a:rPr lang="ko-KR" altLang="en-US" sz="800" u="none" strike="noStrike" dirty="0">
+                          <a:effectLst/>
+                        </a:rPr>
+                        <a:t>실시간 채팅 상담</a:t>
+                      </a:r>
+                      <a:endParaRPr lang="ko-KR" altLang="en-US" sz="800" b="0" i="0" u="none" strike="noStrike" dirty="0">
+                        <a:solidFill>
+                          <a:srgbClr val="000000"/>
+                        </a:solidFill>
+                        <a:effectLst/>
+                        <a:latin typeface="맑은 고딕"/>
+                      </a:endParaRPr>
+                    </a:p>
+                  </a:txBody>
+                  <a:tcPr marL="5314" marR="5314" marT="5314" marB="0" anchor="ctr"/>
+                </a:tc>
+                <a:tc>
+                  <a:txBody>
+                    <a:bodyPr/>
+                    <a:lstStyle/>
+                    <a:p>
+                      <a:pPr algn="l" fontAlgn="ctr"/>
+                      <a:r>
+                        <a:rPr lang="ko-KR" altLang="en-US" sz="800" u="none" strike="noStrike" dirty="0">
+                          <a:effectLst/>
+                        </a:rPr>
+                        <a:t>문의 글 등록하면 관리자가 답변을 해주는 형태</a:t>
+                      </a:r>
+                      <a:r>
+                        <a:rPr lang="en-US" altLang="ko-KR" sz="800" u="none" strike="noStrike" dirty="0">
+                          <a:effectLst/>
+                        </a:rPr>
+                        <a:t>, </a:t>
+                      </a:r>
+                      <a:r>
+                        <a:rPr lang="ko-KR" altLang="en-US" sz="800" u="none" strike="noStrike" dirty="0">
+                          <a:effectLst/>
+                        </a:rPr>
+                        <a:t>바로 답변이 진행이 되면 채팅 형식으로 진행</a:t>
+                      </a:r>
+                      <a:r>
+                        <a:rPr lang="en-US" altLang="ko-KR" sz="800" u="none" strike="noStrike" dirty="0">
+                          <a:effectLst/>
+                        </a:rPr>
+                        <a:t>, </a:t>
+                      </a:r>
+                      <a:r>
+                        <a:rPr lang="ko-KR" altLang="en-US" sz="800" u="none" strike="noStrike" dirty="0">
+                          <a:effectLst/>
+                        </a:rPr>
+                        <a:t>바로 답변이 안되면 시간이 지난 후 확인 가능 하도록</a:t>
+                      </a:r>
+                      <a:endParaRPr lang="ko-KR" altLang="en-US" sz="800" b="0" i="0" u="none" strike="noStrike" dirty="0">
+                        <a:solidFill>
+                          <a:srgbClr val="000000"/>
+                        </a:solidFill>
+                        <a:effectLst/>
+                        <a:latin typeface="맑은 고딕"/>
+                      </a:endParaRPr>
+                    </a:p>
+                  </a:txBody>
+                  <a:tcPr marL="63768" marR="5314" marT="5314" marB="0" anchor="ctr"/>
+                </a:tc>
+              </a:tr>
+              <a:tr h="602484">
+                <a:tc vMerge="1">
+                  <a:txBody>
+                    <a:bodyPr/>
+                    <a:lstStyle/>
+                    <a:p>
+                      <a:pPr algn="l" fontAlgn="ctr"/>
+                      <a:endParaRPr lang="ko-KR" altLang="en-US" sz="600" b="0" i="0" u="none" strike="noStrike" dirty="0">
+                        <a:solidFill>
+                          <a:srgbClr val="000000"/>
+                        </a:solidFill>
+                        <a:effectLst/>
+                        <a:latin typeface="맑은 고딕"/>
+                      </a:endParaRPr>
+                    </a:p>
+                  </a:txBody>
+                  <a:tcPr marL="5314" marR="5314" marT="5314" marB="0" anchor="ctr"/>
+                </a:tc>
+                <a:tc vMerge="1">
+                  <a:txBody>
+                    <a:bodyPr/>
+                    <a:lstStyle/>
+                    <a:p>
+                      <a:pPr latinLnBrk="1"/>
+                      <a:endParaRPr lang="ko-KR" altLang="en-US"/>
+                    </a:p>
+                  </a:txBody>
+                  <a:tcPr/>
+                </a:tc>
+                <a:tc>
+                  <a:txBody>
+                    <a:bodyPr/>
+                    <a:lstStyle/>
+                    <a:p>
+                      <a:pPr algn="ctr" fontAlgn="ctr"/>
+                      <a:r>
+                        <a:rPr lang="ko-KR" altLang="en-US" sz="800" u="none" strike="noStrike">
+                          <a:effectLst/>
+                        </a:rPr>
+                        <a:t>공지사항</a:t>
+                      </a:r>
+                      <a:endParaRPr lang="ko-KR" altLang="en-US" sz="800" b="0" i="0" u="none" strike="noStrike">
+                        <a:solidFill>
+                          <a:srgbClr val="000000"/>
+                        </a:solidFill>
+                        <a:effectLst/>
+                        <a:latin typeface="맑은 고딕"/>
+                      </a:endParaRPr>
+                    </a:p>
+                  </a:txBody>
+                  <a:tcPr marL="5314" marR="5314" marT="5314" marB="0" anchor="ctr"/>
+                </a:tc>
+                <a:tc>
+                  <a:txBody>
+                    <a:bodyPr/>
+                    <a:lstStyle/>
+                    <a:p>
+                      <a:pPr algn="l" fontAlgn="ctr"/>
+                      <a:r>
+                        <a:rPr lang="ko-KR" altLang="en-US" sz="800" u="none" strike="noStrike">
+                          <a:effectLst/>
+                        </a:rPr>
+                        <a:t>이슈 및 사이트 공지사항</a:t>
+                      </a:r>
+                      <a:endParaRPr lang="ko-KR" altLang="en-US" sz="800" b="0" i="0" u="none" strike="noStrike">
+                        <a:solidFill>
+                          <a:srgbClr val="000000"/>
+                        </a:solidFill>
+                        <a:effectLst/>
+                        <a:latin typeface="맑은 고딕"/>
+                      </a:endParaRPr>
+                    </a:p>
+                  </a:txBody>
+                  <a:tcPr marL="63768" marR="5314" marT="5314" marB="0" anchor="ctr"/>
+                </a:tc>
+              </a:tr>
+              <a:tr h="602484">
+                <a:tc vMerge="1">
+                  <a:txBody>
+                    <a:bodyPr/>
+                    <a:lstStyle/>
+                    <a:p>
+                      <a:pPr algn="l" fontAlgn="ctr"/>
+                      <a:endParaRPr lang="ko-KR" altLang="en-US" sz="600" b="0" i="0" u="none" strike="noStrike" dirty="0">
+                        <a:solidFill>
+                          <a:srgbClr val="000000"/>
+                        </a:solidFill>
+                        <a:effectLst/>
+                        <a:latin typeface="맑은 고딕"/>
+                      </a:endParaRPr>
+                    </a:p>
+                  </a:txBody>
+                  <a:tcPr marL="5314" marR="5314" marT="5314" marB="0" anchor="ctr"/>
+                </a:tc>
+                <a:tc vMerge="1">
+                  <a:txBody>
+                    <a:bodyPr/>
+                    <a:lstStyle/>
+                    <a:p>
+                      <a:pPr latinLnBrk="1"/>
+                      <a:endParaRPr lang="ko-KR" altLang="en-US"/>
+                    </a:p>
+                  </a:txBody>
+                  <a:tcPr/>
+                </a:tc>
+                <a:tc>
+                  <a:txBody>
+                    <a:bodyPr/>
+                    <a:lstStyle/>
+                    <a:p>
+                      <a:pPr algn="ctr" fontAlgn="ctr"/>
+                      <a:r>
+                        <a:rPr lang="en-US" sz="800" u="none" strike="noStrike" dirty="0">
+                          <a:effectLst/>
+                        </a:rPr>
+                        <a:t>FAQ</a:t>
+                      </a:r>
+                      <a:endParaRPr lang="en-US" sz="800" b="0" i="0" u="none" strike="noStrike" dirty="0">
+                        <a:solidFill>
+                          <a:srgbClr val="000000"/>
+                        </a:solidFill>
+                        <a:effectLst/>
+                        <a:latin typeface="맑은 고딕"/>
+                      </a:endParaRPr>
+                    </a:p>
+                  </a:txBody>
+                  <a:tcPr marL="5314" marR="5314" marT="5314" marB="0" anchor="ctr"/>
+                </a:tc>
+                <a:tc>
+                  <a:txBody>
+                    <a:bodyPr/>
+                    <a:lstStyle/>
+                    <a:p>
+                      <a:pPr algn="l" fontAlgn="ctr"/>
+                      <a:r>
+                        <a:rPr lang="ko-KR" altLang="en-US" sz="800" u="none" strike="noStrike">
+                          <a:effectLst/>
+                        </a:rPr>
+                        <a:t>회사 메인 컨셉 소개 및 펀딩 참여</a:t>
+                      </a:r>
+                      <a:r>
+                        <a:rPr lang="en-US" altLang="ko-KR" sz="800" u="none" strike="noStrike">
+                          <a:effectLst/>
+                        </a:rPr>
+                        <a:t>, </a:t>
+                      </a:r>
+                      <a:r>
+                        <a:rPr lang="ko-KR" altLang="en-US" sz="800" u="none" strike="noStrike">
+                          <a:effectLst/>
+                        </a:rPr>
+                        <a:t>펀딩 오픈</a:t>
+                      </a:r>
+                      <a:r>
+                        <a:rPr lang="en-US" altLang="ko-KR" sz="800" u="none" strike="noStrike">
+                          <a:effectLst/>
+                        </a:rPr>
+                        <a:t>, </a:t>
+                      </a:r>
+                      <a:r>
+                        <a:rPr lang="ko-KR" altLang="en-US" sz="800" u="none" strike="noStrike">
+                          <a:effectLst/>
+                        </a:rPr>
+                        <a:t>사이트 이용 방법 등 자주 묻는 질문</a:t>
+                      </a:r>
+                      <a:endParaRPr lang="ko-KR" altLang="en-US" sz="800" b="0" i="0" u="none" strike="noStrike">
+                        <a:solidFill>
+                          <a:srgbClr val="000000"/>
+                        </a:solidFill>
+                        <a:effectLst/>
+                        <a:latin typeface="맑은 고딕"/>
+                      </a:endParaRPr>
+                    </a:p>
+                  </a:txBody>
+                  <a:tcPr marL="63768" marR="5314" marT="5314" marB="0" anchor="ctr"/>
+                </a:tc>
+              </a:tr>
+              <a:tr h="602484">
+                <a:tc rowSpan="3">
+                  <a:txBody>
+                    <a:bodyPr/>
+                    <a:lstStyle/>
+                    <a:p>
+                      <a:pPr algn="ctr" fontAlgn="ctr"/>
+                      <a:r>
+                        <a:rPr lang="ko-KR" altLang="en-US" sz="800" u="none" strike="noStrike" dirty="0" smtClean="0">
+                          <a:effectLst/>
+                        </a:rPr>
+                        <a:t>관리자</a:t>
+                      </a:r>
+                      <a:endParaRPr lang="ko-KR" altLang="en-US" sz="800" b="0" i="0" u="none" strike="noStrike" dirty="0">
+                        <a:solidFill>
+                          <a:srgbClr val="000000"/>
+                        </a:solidFill>
+                        <a:effectLst/>
+                        <a:latin typeface="Dotum"/>
+                      </a:endParaRPr>
+                    </a:p>
+                  </a:txBody>
+                  <a:tcPr marL="5314" marR="5314" marT="5314" marB="0" anchor="ctr"/>
+                </a:tc>
+                <a:tc rowSpan="3">
+                  <a:txBody>
+                    <a:bodyPr/>
+                    <a:lstStyle/>
+                    <a:p>
+                      <a:pPr algn="ctr" fontAlgn="ctr"/>
+                      <a:r>
+                        <a:rPr lang="ko-KR" altLang="en-US" sz="800" u="none" strike="noStrike">
+                          <a:effectLst/>
+                        </a:rPr>
+                        <a:t>고객센터 관리</a:t>
+                      </a:r>
+                      <a:endParaRPr lang="ko-KR" altLang="en-US" sz="800" b="0" i="0" u="none" strike="noStrike">
+                        <a:solidFill>
+                          <a:srgbClr val="000000"/>
+                        </a:solidFill>
+                        <a:effectLst/>
+                        <a:latin typeface="Dotum"/>
+                      </a:endParaRPr>
+                    </a:p>
+                  </a:txBody>
+                  <a:tcPr marL="5314" marR="5314" marT="5314" marB="0" anchor="ctr"/>
+                </a:tc>
+                <a:tc>
+                  <a:txBody>
+                    <a:bodyPr/>
+                    <a:lstStyle/>
+                    <a:p>
+                      <a:pPr algn="ctr" fontAlgn="ctr"/>
+                      <a:r>
+                        <a:rPr lang="ko-KR" altLang="en-US" sz="800" u="none" strike="noStrike" dirty="0">
+                          <a:effectLst/>
+                        </a:rPr>
+                        <a:t>공지사항 </a:t>
+                      </a:r>
+                      <a:endParaRPr lang="ko-KR" altLang="en-US" sz="800" b="0" i="0" u="none" strike="noStrike" dirty="0">
+                        <a:solidFill>
+                          <a:srgbClr val="000000"/>
+                        </a:solidFill>
+                        <a:effectLst/>
+                        <a:latin typeface="Dotum"/>
+                      </a:endParaRPr>
+                    </a:p>
+                  </a:txBody>
+                  <a:tcPr marL="5314" marR="5314" marT="5314" marB="0" anchor="ctr"/>
+                </a:tc>
+                <a:tc>
+                  <a:txBody>
+                    <a:bodyPr/>
+                    <a:lstStyle/>
+                    <a:p>
+                      <a:pPr algn="l" fontAlgn="ctr"/>
+                      <a:r>
+                        <a:rPr lang="ko-KR" altLang="en-US" sz="800" u="none" strike="noStrike" dirty="0">
+                          <a:effectLst/>
+                        </a:rPr>
+                        <a:t>공지사항 목록</a:t>
+                      </a:r>
+                      <a:r>
+                        <a:rPr lang="en-US" altLang="ko-KR" sz="800" u="none" strike="noStrike" dirty="0">
+                          <a:effectLst/>
+                        </a:rPr>
+                        <a:t>, </a:t>
+                      </a:r>
+                      <a:r>
+                        <a:rPr lang="ko-KR" altLang="en-US" sz="800" u="none" strike="noStrike" dirty="0">
+                          <a:effectLst/>
+                        </a:rPr>
+                        <a:t>공지사항 등록 및 수정</a:t>
+                      </a:r>
+                      <a:endParaRPr lang="ko-KR" altLang="en-US" sz="800" b="0" i="0" u="none" strike="noStrike" dirty="0">
+                        <a:solidFill>
+                          <a:srgbClr val="000000"/>
+                        </a:solidFill>
+                        <a:effectLst/>
+                        <a:latin typeface="Dotum"/>
+                      </a:endParaRPr>
+                    </a:p>
+                  </a:txBody>
+                  <a:tcPr marL="63768" marR="5314" marT="5314" marB="0" anchor="ctr"/>
+                </a:tc>
+              </a:tr>
+              <a:tr h="602484">
+                <a:tc vMerge="1">
+                  <a:txBody>
+                    <a:bodyPr/>
+                    <a:lstStyle/>
+                    <a:p>
+                      <a:pPr algn="ctr" fontAlgn="ctr"/>
+                      <a:endParaRPr lang="ko-KR" altLang="en-US" sz="600" b="0" i="0" u="none" strike="noStrike" dirty="0">
+                        <a:solidFill>
+                          <a:srgbClr val="000000"/>
+                        </a:solidFill>
+                        <a:effectLst/>
+                        <a:latin typeface="Dotum"/>
+                      </a:endParaRPr>
+                    </a:p>
+                  </a:txBody>
+                  <a:tcPr marL="5314" marR="5314" marT="5314" marB="0" anchor="ctr"/>
+                </a:tc>
+                <a:tc vMerge="1">
+                  <a:txBody>
+                    <a:bodyPr/>
+                    <a:lstStyle/>
+                    <a:p>
+                      <a:pPr latinLnBrk="1"/>
+                      <a:endParaRPr lang="ko-KR" altLang="en-US"/>
+                    </a:p>
+                  </a:txBody>
+                  <a:tcPr/>
+                </a:tc>
+                <a:tc>
+                  <a:txBody>
+                    <a:bodyPr/>
+                    <a:lstStyle/>
+                    <a:p>
+                      <a:pPr algn="ctr" fontAlgn="ctr"/>
+                      <a:r>
+                        <a:rPr lang="en-US" sz="800" u="none" strike="noStrike" dirty="0">
+                          <a:effectLst/>
+                        </a:rPr>
+                        <a:t>FAQ</a:t>
+                      </a:r>
+                      <a:endParaRPr lang="en-US" sz="800" b="0" i="0" u="none" strike="noStrike" dirty="0">
+                        <a:solidFill>
+                          <a:srgbClr val="000000"/>
+                        </a:solidFill>
+                        <a:effectLst/>
+                        <a:latin typeface="Dotum"/>
+                      </a:endParaRPr>
+                    </a:p>
+                  </a:txBody>
+                  <a:tcPr marL="5314" marR="5314" marT="5314" marB="0" anchor="ctr"/>
+                </a:tc>
+                <a:tc>
+                  <a:txBody>
+                    <a:bodyPr/>
+                    <a:lstStyle/>
+                    <a:p>
+                      <a:pPr algn="l" fontAlgn="ctr"/>
+                      <a:r>
+                        <a:rPr lang="en-US" altLang="ko-KR" sz="800" u="none" strike="noStrike" dirty="0">
+                          <a:effectLst/>
+                        </a:rPr>
+                        <a:t>FAQ </a:t>
+                      </a:r>
+                      <a:r>
+                        <a:rPr lang="ko-KR" altLang="en-US" sz="800" u="none" strike="noStrike" dirty="0">
+                          <a:effectLst/>
+                        </a:rPr>
+                        <a:t>목록</a:t>
+                      </a:r>
+                      <a:r>
+                        <a:rPr lang="en-US" altLang="ko-KR" sz="800" u="none" strike="noStrike" dirty="0">
+                          <a:effectLst/>
+                        </a:rPr>
+                        <a:t>, FAQ </a:t>
+                      </a:r>
+                      <a:r>
+                        <a:rPr lang="ko-KR" altLang="en-US" sz="800" u="none" strike="noStrike" dirty="0">
+                          <a:effectLst/>
+                        </a:rPr>
+                        <a:t>등록 및 수정</a:t>
+                      </a:r>
+                      <a:endParaRPr lang="ko-KR" altLang="en-US" sz="800" b="0" i="0" u="none" strike="noStrike" dirty="0">
+                        <a:solidFill>
+                          <a:srgbClr val="000000"/>
+                        </a:solidFill>
+                        <a:effectLst/>
+                        <a:latin typeface="Dotum"/>
+                      </a:endParaRPr>
+                    </a:p>
+                  </a:txBody>
+                  <a:tcPr marL="63768" marR="5314" marT="5314" marB="0" anchor="ctr"/>
+                </a:tc>
+              </a:tr>
+              <a:tr h="602484">
+                <a:tc vMerge="1">
+                  <a:txBody>
+                    <a:bodyPr/>
+                    <a:lstStyle/>
+                    <a:p>
+                      <a:pPr algn="ctr" fontAlgn="ctr"/>
+                      <a:endParaRPr lang="ko-KR" altLang="en-US" sz="600" b="0" i="0" u="none" strike="noStrike" dirty="0">
+                        <a:solidFill>
+                          <a:srgbClr val="000000"/>
+                        </a:solidFill>
+                        <a:effectLst/>
+                        <a:latin typeface="Dotum"/>
+                      </a:endParaRPr>
+                    </a:p>
+                  </a:txBody>
+                  <a:tcPr marL="5314" marR="5314" marT="5314" marB="0" anchor="ctr"/>
+                </a:tc>
+                <a:tc vMerge="1">
+                  <a:txBody>
+                    <a:bodyPr/>
+                    <a:lstStyle/>
+                    <a:p>
+                      <a:pPr latinLnBrk="1"/>
+                      <a:endParaRPr lang="ko-KR" altLang="en-US"/>
+                    </a:p>
+                  </a:txBody>
+                  <a:tcPr/>
+                </a:tc>
+                <a:tc>
+                  <a:txBody>
+                    <a:bodyPr/>
+                    <a:lstStyle/>
+                    <a:p>
+                      <a:pPr algn="ctr" fontAlgn="ctr"/>
+                      <a:r>
+                        <a:rPr lang="ko-KR" altLang="en-US" sz="800" u="none" strike="noStrike">
+                          <a:effectLst/>
+                        </a:rPr>
+                        <a:t>실시간 채팅 상담 관리</a:t>
+                      </a:r>
+                      <a:endParaRPr lang="ko-KR" altLang="en-US" sz="800" b="0" i="0" u="none" strike="noStrike">
+                        <a:solidFill>
+                          <a:srgbClr val="000000"/>
+                        </a:solidFill>
+                        <a:effectLst/>
+                        <a:latin typeface="Dotum"/>
+                      </a:endParaRPr>
+                    </a:p>
+                  </a:txBody>
+                  <a:tcPr marL="5314" marR="5314" marT="5314" marB="0" anchor="ctr"/>
+                </a:tc>
+                <a:tc>
+                  <a:txBody>
+                    <a:bodyPr/>
+                    <a:lstStyle/>
+                    <a:p>
+                      <a:pPr algn="l" fontAlgn="ctr"/>
+                      <a:r>
+                        <a:rPr lang="ko-KR" altLang="en-US" sz="800" u="none" strike="noStrike" dirty="0">
+                          <a:effectLst/>
+                        </a:rPr>
+                        <a:t>회원들의 </a:t>
+                      </a:r>
+                      <a:r>
+                        <a:rPr lang="en-US" altLang="ko-KR" sz="800" u="none" strike="noStrike" dirty="0">
+                          <a:effectLst/>
+                        </a:rPr>
+                        <a:t>1:1</a:t>
+                      </a:r>
+                      <a:r>
+                        <a:rPr lang="ko-KR" altLang="en-US" sz="800" u="none" strike="noStrike" dirty="0">
+                          <a:effectLst/>
+                        </a:rPr>
+                        <a:t>문의와 채팅 문의 답변 작성</a:t>
+                      </a:r>
+                      <a:endParaRPr lang="ko-KR" altLang="en-US" sz="800" b="0" i="0" u="none" strike="noStrike" dirty="0">
+                        <a:solidFill>
+                          <a:srgbClr val="000000"/>
+                        </a:solidFill>
+                        <a:effectLst/>
+                        <a:latin typeface="Dotum"/>
+                      </a:endParaRPr>
+                    </a:p>
+                  </a:txBody>
+                  <a:tcPr marL="63768" marR="5314" marT="5314" marB="0" anchor="ctr"/>
+                </a:tc>
+              </a:tr>
+            </a:tbl>
+          </a:graphicData>
+        </a:graphic>
+      </p:graphicFrame>
+      <p:sp>
+        <p:nvSpPr>
+          <p:cNvPr id="6" name="직사각형 5"/>
+          <p:cNvSpPr/>
+          <p:nvPr/>
+        </p:nvSpPr>
+        <p:spPr>
+          <a:xfrm>
+            <a:off x="219114" y="195486"/>
+            <a:ext cx="1112851" cy="400110"/>
+          </a:xfrm>
+          <a:prstGeom prst="rect">
+            <a:avLst/>
+          </a:prstGeom>
+        </p:spPr>
+        <p:txBody>
+          <a:bodyPr wrap="square">
+            <a:spAutoFit/>
+          </a:bodyPr>
+          <a:lstStyle/>
+          <a:p>
+            <a:r>
+              <a:rPr lang="ko-KR" altLang="en-US" sz="2000" b="1" dirty="0" smtClean="0">
+                <a:solidFill>
+                  <a:srgbClr val="FF9E00"/>
+                </a:solidFill>
+                <a:latin typeface="+mj-ea"/>
+                <a:ea typeface="+mj-ea"/>
+              </a:rPr>
+              <a:t>한송우</a:t>
+            </a:r>
+            <a:endParaRPr lang="ko-KR" altLang="en-US" sz="2000" b="1" dirty="0">
+              <a:latin typeface="+mj-ea"/>
+              <a:ea typeface="+mj-ea"/>
+            </a:endParaRPr>
+          </a:p>
+        </p:txBody>
+      </p:sp>
+    </p:spTree>
+    <p:extLst>
+      <p:ext uri="{BB962C8B-B14F-4D97-AF65-F5344CB8AC3E}">
+        <p14:creationId xmlns:p14="http://schemas.microsoft.com/office/powerpoint/2010/main" val="4110185827"/>
+      </p:ext>
+    </p:extLst>
+  </p:cSld>
+  <p:clrMapOvr>
+    <a:masterClrMapping/>
+  </p:clrMapOvr>
+  <p:timing>
+    <p:tnLst>
+      <p:par>
+        <p:cTn id="1" dur="indefinite" restart="never" nodeType="tmRoot"/>
+      </p:par>
+    </p:tnLst>
+  </p:timing>
+</p:sld>
+</file>
+
+<file path=ppt/slides/slide11.xml><?xml version="1.0" encoding="utf-8"?>
+<p:sld xmlns:a="http://schemas.openxmlformats.org/drawingml/2006/main" xmlns:r="http://schemas.openxmlformats.org/officeDocument/2006/relationships" xmlns:p="http://schemas.openxmlformats.org/presentationml/2006/main">
+  <p:cSld>
+    <p:spTree>
+      <p:nvGrpSpPr>
+        <p:cNvPr id="1" name=""/>
+        <p:cNvGrpSpPr/>
+        <p:nvPr/>
+      </p:nvGrpSpPr>
+      <p:grpSpPr>
+        <a:xfrm>
+          <a:off x="0" y="0"/>
+          <a:ext cx="0" cy="0"/>
+          <a:chOff x="0" y="0"/>
+          <a:chExt cx="0" cy="0"/>
+        </a:xfrm>
+      </p:grpSpPr>
+      <p:sp>
+        <p:nvSpPr>
+          <p:cNvPr id="3" name="직사각형 2"/>
+          <p:cNvSpPr/>
+          <p:nvPr/>
+        </p:nvSpPr>
+        <p:spPr>
+          <a:xfrm>
+            <a:off x="0" y="0"/>
+            <a:ext cx="9144000" cy="5143500"/>
+          </a:xfrm>
+          <a:prstGeom prst="rect">
+            <a:avLst/>
+          </a:prstGeom>
+          <a:solidFill>
+            <a:schemeClr val="bg1"/>
+          </a:solidFill>
+          <a:ln>
+            <a:noFill/>
+          </a:ln>
+        </p:spPr>
+        <p:style>
+          <a:lnRef idx="2">
+            <a:schemeClr val="accent1">
+              <a:shade val="50000"/>
+            </a:schemeClr>
+          </a:lnRef>
+          <a:fillRef idx="1">
+            <a:schemeClr val="accent1"/>
+          </a:fillRef>
+          <a:effectRef idx="0">
+            <a:schemeClr val="accent1"/>
+          </a:effectRef>
+          <a:fontRef idx="minor">
+            <a:schemeClr val="lt1"/>
+          </a:fontRef>
+        </p:style>
+        <p:txBody>
+          <a:bodyPr rtlCol="0" anchor="ctr"/>
+          <a:lstStyle/>
+          <a:p>
+            <a:pPr algn="ctr"/>
+            <a:endParaRPr lang="ko-KR" altLang="en-US"/>
+          </a:p>
+        </p:txBody>
+      </p:sp>
+      <p:graphicFrame>
+        <p:nvGraphicFramePr>
+          <p:cNvPr id="4" name="표 3"/>
+          <p:cNvGraphicFramePr>
+            <a:graphicFrameLocks noGrp="1"/>
+          </p:cNvGraphicFramePr>
+          <p:nvPr>
+            <p:extLst>
+              <p:ext uri="{D42A27DB-BD31-4B8C-83A1-F6EECF244321}">
+                <p14:modId xmlns:p14="http://schemas.microsoft.com/office/powerpoint/2010/main" val="893917691"/>
+              </p:ext>
+            </p:extLst>
+          </p:nvPr>
+        </p:nvGraphicFramePr>
+        <p:xfrm>
+          <a:off x="251520" y="771552"/>
+          <a:ext cx="8496944" cy="4037726"/>
+        </p:xfrm>
+        <a:graphic>
+          <a:graphicData uri="http://schemas.openxmlformats.org/drawingml/2006/table">
+            <a:tbl>
+              <a:tblPr>
+                <a:tableStyleId>{FA2A6AB6-C1E5-4FC5-B20B-5785A829AD62}</a:tableStyleId>
+              </a:tblPr>
+              <a:tblGrid>
+                <a:gridCol w="822948"/>
+                <a:gridCol w="1203563"/>
+                <a:gridCol w="1662357"/>
+                <a:gridCol w="4808076"/>
+              </a:tblGrid>
+              <a:tr h="360038">
+                <a:tc>
+                  <a:txBody>
+                    <a:bodyPr/>
+                    <a:lstStyle/>
+                    <a:p>
+                      <a:pPr algn="ctr" fontAlgn="ctr"/>
+                      <a:r>
+                        <a:rPr lang="ko-KR" altLang="en-US" sz="800" b="1" u="none" strike="noStrike" dirty="0">
+                          <a:solidFill>
+                            <a:schemeClr val="bg1"/>
+                          </a:solidFill>
+                          <a:effectLst/>
+                        </a:rPr>
+                        <a:t>구분</a:t>
+                      </a:r>
+                      <a:endParaRPr lang="ko-KR" altLang="en-US" sz="800" b="1" i="0" u="none" strike="noStrike" dirty="0">
+                        <a:solidFill>
+                          <a:schemeClr val="bg1"/>
+                        </a:solidFill>
+                        <a:effectLst/>
+                        <a:latin typeface="Dotum"/>
+                      </a:endParaRPr>
+                    </a:p>
+                  </a:txBody>
+                  <a:tcPr marL="5314" marR="5314" marT="5314" marB="0" anchor="ctr">
+                    <a:solidFill>
+                      <a:srgbClr val="FF9E00"/>
+                    </a:solidFill>
+                  </a:tcPr>
+                </a:tc>
+                <a:tc>
+                  <a:txBody>
+                    <a:bodyPr/>
+                    <a:lstStyle/>
+                    <a:p>
+                      <a:pPr algn="ctr" fontAlgn="ctr"/>
+                      <a:r>
+                        <a:rPr lang="ko-KR" altLang="en-US" sz="800" b="1" u="none" strike="noStrike" dirty="0">
+                          <a:solidFill>
+                            <a:schemeClr val="bg1"/>
+                          </a:solidFill>
+                          <a:effectLst/>
+                        </a:rPr>
+                        <a:t>서비스</a:t>
+                      </a:r>
+                      <a:r>
+                        <a:rPr lang="en-US" altLang="ko-KR" sz="800" b="1" u="none" strike="noStrike" dirty="0">
+                          <a:solidFill>
+                            <a:schemeClr val="bg1"/>
+                          </a:solidFill>
+                          <a:effectLst/>
+                        </a:rPr>
+                        <a:t>(</a:t>
+                      </a:r>
+                      <a:r>
+                        <a:rPr lang="ko-KR" altLang="en-US" sz="800" b="1" u="none" strike="noStrike" dirty="0">
+                          <a:solidFill>
+                            <a:schemeClr val="bg1"/>
+                          </a:solidFill>
+                          <a:effectLst/>
+                        </a:rPr>
+                        <a:t>메뉴</a:t>
+                      </a:r>
+                      <a:r>
+                        <a:rPr lang="en-US" altLang="ko-KR" sz="800" b="1" u="none" strike="noStrike" dirty="0">
+                          <a:solidFill>
+                            <a:schemeClr val="bg1"/>
+                          </a:solidFill>
+                          <a:effectLst/>
+                        </a:rPr>
+                        <a:t>)</a:t>
+                      </a:r>
+                      <a:endParaRPr lang="en-US" altLang="ko-KR" sz="800" b="1" i="0" u="none" strike="noStrike" dirty="0">
+                        <a:solidFill>
+                          <a:schemeClr val="bg1"/>
+                        </a:solidFill>
+                        <a:effectLst/>
+                        <a:latin typeface="Dotum"/>
+                      </a:endParaRPr>
+                    </a:p>
+                  </a:txBody>
+                  <a:tcPr marL="5314" marR="5314" marT="5314" marB="0" anchor="ctr">
+                    <a:solidFill>
+                      <a:srgbClr val="FF9E00"/>
+                    </a:solidFill>
+                  </a:tcPr>
+                </a:tc>
+                <a:tc>
+                  <a:txBody>
+                    <a:bodyPr/>
+                    <a:lstStyle/>
+                    <a:p>
+                      <a:pPr algn="ctr" fontAlgn="ctr"/>
+                      <a:r>
+                        <a:rPr lang="ko-KR" altLang="en-US" sz="800" b="1" u="none" strike="noStrike" dirty="0">
+                          <a:solidFill>
+                            <a:schemeClr val="bg1"/>
+                          </a:solidFill>
+                          <a:effectLst/>
+                        </a:rPr>
+                        <a:t>필요 기능</a:t>
+                      </a:r>
+                      <a:endParaRPr lang="ko-KR" altLang="en-US" sz="800" b="1" i="0" u="none" strike="noStrike" dirty="0">
+                        <a:solidFill>
+                          <a:schemeClr val="bg1"/>
+                        </a:solidFill>
+                        <a:effectLst/>
+                        <a:latin typeface="Dotum"/>
+                      </a:endParaRPr>
+                    </a:p>
+                  </a:txBody>
+                  <a:tcPr marL="5314" marR="5314" marT="5314" marB="0" anchor="ctr">
+                    <a:solidFill>
+                      <a:srgbClr val="FF9E00"/>
+                    </a:solidFill>
+                  </a:tcPr>
+                </a:tc>
+                <a:tc>
+                  <a:txBody>
+                    <a:bodyPr/>
+                    <a:lstStyle/>
+                    <a:p>
+                      <a:pPr algn="ctr" fontAlgn="ctr"/>
+                      <a:r>
+                        <a:rPr lang="ko-KR" altLang="en-US" sz="800" b="1" u="none" strike="noStrike" dirty="0">
+                          <a:solidFill>
+                            <a:schemeClr val="bg1"/>
+                          </a:solidFill>
+                          <a:effectLst/>
+                        </a:rPr>
+                        <a:t>기능 설명</a:t>
+                      </a:r>
+                      <a:endParaRPr lang="ko-KR" altLang="en-US" sz="800" b="1" i="0" u="none" strike="noStrike" dirty="0">
+                        <a:solidFill>
+                          <a:schemeClr val="bg1"/>
+                        </a:solidFill>
+                        <a:effectLst/>
+                        <a:latin typeface="Dotum"/>
+                      </a:endParaRPr>
+                    </a:p>
+                  </a:txBody>
+                  <a:tcPr marL="5314" marR="5314" marT="5314" marB="0" anchor="ctr">
+                    <a:solidFill>
+                      <a:srgbClr val="FF9E00"/>
+                    </a:solidFill>
+                  </a:tcPr>
+                </a:tc>
+              </a:tr>
+              <a:tr h="612948">
+                <a:tc rowSpan="6">
+                  <a:txBody>
+                    <a:bodyPr/>
+                    <a:lstStyle/>
+                    <a:p>
+                      <a:pPr algn="ctr" fontAlgn="ctr"/>
+                      <a:r>
+                        <a:rPr lang="ko-KR" altLang="en-US" sz="800" u="none" strike="noStrike" dirty="0" smtClean="0">
+                          <a:effectLst/>
+                        </a:rPr>
+                        <a:t>사용자</a:t>
+                      </a:r>
+                      <a:endParaRPr lang="ko-KR" altLang="en-US" sz="800" b="0" i="0" u="none" strike="noStrike" dirty="0">
+                        <a:solidFill>
+                          <a:srgbClr val="000000"/>
+                        </a:solidFill>
+                        <a:effectLst/>
+                        <a:latin typeface="맑은 고딕"/>
+                      </a:endParaRPr>
+                    </a:p>
+                  </a:txBody>
+                  <a:tcPr marL="5314" marR="5314" marT="5314" marB="0" anchor="ctr"/>
+                </a:tc>
+                <a:tc rowSpan="6">
+                  <a:txBody>
+                    <a:bodyPr/>
+                    <a:lstStyle/>
+                    <a:p>
+                      <a:pPr algn="ctr" fontAlgn="ctr"/>
+                      <a:r>
+                        <a:rPr lang="ko-KR" altLang="en-US" sz="800" u="none" strike="noStrike" dirty="0" err="1">
+                          <a:effectLst/>
+                        </a:rPr>
+                        <a:t>마이페이지</a:t>
+                      </a:r>
+                      <a:endParaRPr lang="ko-KR" altLang="en-US" sz="800" b="0" i="0" u="none" strike="noStrike" dirty="0">
+                        <a:solidFill>
+                          <a:srgbClr val="000000"/>
+                        </a:solidFill>
+                        <a:effectLst/>
+                        <a:latin typeface="맑은 고딕"/>
+                      </a:endParaRPr>
+                    </a:p>
+                  </a:txBody>
+                  <a:tcPr marL="5314" marR="5314" marT="5314" marB="0" anchor="ctr"/>
+                </a:tc>
+                <a:tc>
+                  <a:txBody>
+                    <a:bodyPr/>
+                    <a:lstStyle/>
+                    <a:p>
+                      <a:pPr algn="ctr" fontAlgn="ctr"/>
+                      <a:r>
+                        <a:rPr lang="ko-KR" altLang="en-US" sz="800" u="none" strike="noStrike">
+                          <a:effectLst/>
+                        </a:rPr>
+                        <a:t>회원정보변경</a:t>
+                      </a:r>
+                      <a:endParaRPr lang="ko-KR" altLang="en-US" sz="800" b="0" i="0" u="none" strike="noStrike">
+                        <a:solidFill>
+                          <a:srgbClr val="000000"/>
+                        </a:solidFill>
+                        <a:effectLst/>
+                        <a:latin typeface="맑은 고딕"/>
+                      </a:endParaRPr>
+                    </a:p>
+                  </a:txBody>
+                  <a:tcPr marL="5314" marR="5314" marT="5314" marB="0" anchor="ctr"/>
+                </a:tc>
+                <a:tc>
+                  <a:txBody>
+                    <a:bodyPr/>
+                    <a:lstStyle/>
+                    <a:p>
+                      <a:pPr algn="l" fontAlgn="ctr"/>
+                      <a:r>
+                        <a:rPr lang="ko-KR" altLang="en-US" sz="800" u="none" strike="noStrike">
+                          <a:effectLst/>
+                        </a:rPr>
+                        <a:t>회원가입시 입력한 정보를 수정</a:t>
+                      </a:r>
+                      <a:r>
+                        <a:rPr lang="en-US" altLang="ko-KR" sz="800" u="none" strike="noStrike">
+                          <a:effectLst/>
+                        </a:rPr>
+                        <a:t>, </a:t>
+                      </a:r>
+                      <a:r>
+                        <a:rPr lang="ko-KR" altLang="en-US" sz="800" u="none" strike="noStrike">
+                          <a:effectLst/>
+                        </a:rPr>
+                        <a:t>관심 카테고리 설정</a:t>
+                      </a:r>
+                      <a:endParaRPr lang="ko-KR" altLang="en-US" sz="800" b="0" i="0" u="none" strike="noStrike">
+                        <a:solidFill>
+                          <a:srgbClr val="000000"/>
+                        </a:solidFill>
+                        <a:effectLst/>
+                        <a:latin typeface="맑은 고딕"/>
+                      </a:endParaRPr>
+                    </a:p>
+                  </a:txBody>
+                  <a:tcPr marL="63768" marR="5314" marT="5314" marB="0" anchor="ctr"/>
+                </a:tc>
+              </a:tr>
+              <a:tr h="612948">
+                <a:tc vMerge="1">
+                  <a:txBody>
+                    <a:bodyPr/>
+                    <a:lstStyle/>
+                    <a:p>
+                      <a:pPr algn="l" fontAlgn="ctr"/>
+                      <a:endParaRPr lang="ko-KR" altLang="en-US" sz="600" b="0" i="0" u="none" strike="noStrike" dirty="0">
+                        <a:solidFill>
+                          <a:srgbClr val="000000"/>
+                        </a:solidFill>
+                        <a:effectLst/>
+                        <a:latin typeface="맑은 고딕"/>
+                      </a:endParaRPr>
+                    </a:p>
+                  </a:txBody>
+                  <a:tcPr marL="5314" marR="5314" marT="5314" marB="0" anchor="ctr"/>
+                </a:tc>
+                <a:tc vMerge="1">
+                  <a:txBody>
+                    <a:bodyPr/>
+                    <a:lstStyle/>
+                    <a:p>
+                      <a:pPr latinLnBrk="1"/>
+                      <a:endParaRPr lang="ko-KR" altLang="en-US"/>
+                    </a:p>
+                  </a:txBody>
+                  <a:tcPr/>
+                </a:tc>
+                <a:tc>
+                  <a:txBody>
+                    <a:bodyPr/>
+                    <a:lstStyle/>
+                    <a:p>
+                      <a:pPr algn="ctr" fontAlgn="ctr"/>
+                      <a:r>
+                        <a:rPr lang="ko-KR" altLang="en-US" sz="800" u="none" strike="noStrike">
+                          <a:effectLst/>
+                        </a:rPr>
+                        <a:t>회원탈퇴</a:t>
+                      </a:r>
+                      <a:endParaRPr lang="ko-KR" altLang="en-US" sz="800" b="0" i="0" u="none" strike="noStrike">
+                        <a:solidFill>
+                          <a:srgbClr val="000000"/>
+                        </a:solidFill>
+                        <a:effectLst/>
+                        <a:latin typeface="맑은 고딕"/>
+                      </a:endParaRPr>
+                    </a:p>
+                  </a:txBody>
+                  <a:tcPr marL="5314" marR="5314" marT="5314" marB="0" anchor="ctr"/>
+                </a:tc>
+                <a:tc>
+                  <a:txBody>
+                    <a:bodyPr/>
+                    <a:lstStyle/>
+                    <a:p>
+                      <a:pPr algn="l" fontAlgn="ctr"/>
+                      <a:r>
+                        <a:rPr lang="ko-KR" altLang="en-US" sz="800" u="none" strike="noStrike">
+                          <a:effectLst/>
+                        </a:rPr>
+                        <a:t>프로필 수정 페이지 내 회원탈퇴 버튼을 통해 탈퇴 가능</a:t>
+                      </a:r>
+                      <a:endParaRPr lang="ko-KR" altLang="en-US" sz="800" b="0" i="0" u="none" strike="noStrike">
+                        <a:solidFill>
+                          <a:srgbClr val="000000"/>
+                        </a:solidFill>
+                        <a:effectLst/>
+                        <a:latin typeface="맑은 고딕"/>
+                      </a:endParaRPr>
+                    </a:p>
+                  </a:txBody>
+                  <a:tcPr marL="63768" marR="5314" marT="5314" marB="0" anchor="ctr"/>
+                </a:tc>
+              </a:tr>
+              <a:tr h="612948">
+                <a:tc vMerge="1">
+                  <a:txBody>
+                    <a:bodyPr/>
+                    <a:lstStyle/>
+                    <a:p>
+                      <a:pPr algn="l" fontAlgn="ctr"/>
+                      <a:endParaRPr lang="ko-KR" altLang="en-US" sz="600" b="0" i="0" u="none" strike="noStrike" dirty="0">
+                        <a:solidFill>
+                          <a:srgbClr val="000000"/>
+                        </a:solidFill>
+                        <a:effectLst/>
+                        <a:latin typeface="맑은 고딕"/>
+                      </a:endParaRPr>
+                    </a:p>
+                  </a:txBody>
+                  <a:tcPr marL="5314" marR="5314" marT="5314" marB="0" anchor="ctr"/>
+                </a:tc>
+                <a:tc vMerge="1">
+                  <a:txBody>
+                    <a:bodyPr/>
+                    <a:lstStyle/>
+                    <a:p>
+                      <a:pPr latinLnBrk="1"/>
+                      <a:endParaRPr lang="ko-KR" altLang="en-US"/>
+                    </a:p>
+                  </a:txBody>
+                  <a:tcPr/>
+                </a:tc>
+                <a:tc>
+                  <a:txBody>
+                    <a:bodyPr/>
+                    <a:lstStyle/>
+                    <a:p>
+                      <a:pPr algn="ctr" fontAlgn="ctr"/>
+                      <a:r>
+                        <a:rPr lang="ko-KR" altLang="en-US" sz="800" u="none" strike="noStrike">
+                          <a:effectLst/>
+                        </a:rPr>
+                        <a:t>나의 계좌</a:t>
+                      </a:r>
+                      <a:endParaRPr lang="ko-KR" altLang="en-US" sz="800" b="0" i="0" u="none" strike="noStrike">
+                        <a:solidFill>
+                          <a:srgbClr val="000000"/>
+                        </a:solidFill>
+                        <a:effectLst/>
+                        <a:latin typeface="맑은 고딕"/>
+                      </a:endParaRPr>
+                    </a:p>
+                  </a:txBody>
+                  <a:tcPr marL="5314" marR="5314" marT="5314" marB="0" anchor="ctr"/>
+                </a:tc>
+                <a:tc>
+                  <a:txBody>
+                    <a:bodyPr/>
+                    <a:lstStyle/>
+                    <a:p>
+                      <a:pPr algn="l" fontAlgn="ctr"/>
+                      <a:r>
+                        <a:rPr lang="ko-KR" altLang="en-US" sz="800" u="none" strike="noStrike" dirty="0">
+                          <a:effectLst/>
+                        </a:rPr>
+                        <a:t>수익금 정산 받을 계좌 등록 및 수정</a:t>
+                      </a:r>
+                      <a:r>
+                        <a:rPr lang="en-US" altLang="ko-KR" sz="800" u="none" strike="noStrike" dirty="0">
+                          <a:effectLst/>
+                        </a:rPr>
+                        <a:t>, </a:t>
+                      </a:r>
+                      <a:r>
+                        <a:rPr lang="ko-KR" altLang="en-US" sz="800" u="none" strike="noStrike" dirty="0">
+                          <a:effectLst/>
+                        </a:rPr>
+                        <a:t>예치금 충전 및 이용내역</a:t>
+                      </a:r>
+                      <a:r>
+                        <a:rPr lang="en-US" altLang="ko-KR" sz="800" u="none" strike="noStrike" dirty="0">
+                          <a:effectLst/>
+                        </a:rPr>
+                        <a:t>, </a:t>
+                      </a:r>
+                      <a:r>
+                        <a:rPr lang="ko-KR" altLang="en-US" sz="800" u="none" strike="noStrike" dirty="0">
+                          <a:effectLst/>
+                        </a:rPr>
+                        <a:t>출금</a:t>
+                      </a:r>
+                      <a:endParaRPr lang="ko-KR" altLang="en-US" sz="800" b="0" i="0" u="none" strike="noStrike" dirty="0">
+                        <a:solidFill>
+                          <a:srgbClr val="000000"/>
+                        </a:solidFill>
+                        <a:effectLst/>
+                        <a:latin typeface="맑은 고딕"/>
+                      </a:endParaRPr>
+                    </a:p>
+                  </a:txBody>
+                  <a:tcPr marL="63768" marR="5314" marT="5314" marB="0" anchor="ctr"/>
+                </a:tc>
+              </a:tr>
+              <a:tr h="612948">
+                <a:tc vMerge="1">
+                  <a:txBody>
+                    <a:bodyPr/>
+                    <a:lstStyle/>
+                    <a:p>
+                      <a:pPr algn="l" fontAlgn="ctr"/>
+                      <a:endParaRPr lang="ko-KR" altLang="en-US" sz="600" b="0" i="0" u="none" strike="noStrike">
+                        <a:solidFill>
+                          <a:srgbClr val="000000"/>
+                        </a:solidFill>
+                        <a:effectLst/>
+                        <a:latin typeface="맑은 고딕"/>
+                      </a:endParaRPr>
+                    </a:p>
+                  </a:txBody>
+                  <a:tcPr marL="5314" marR="5314" marT="5314" marB="0" anchor="ctr"/>
+                </a:tc>
+                <a:tc vMerge="1">
+                  <a:txBody>
+                    <a:bodyPr/>
+                    <a:lstStyle/>
+                    <a:p>
+                      <a:pPr latinLnBrk="1"/>
+                      <a:endParaRPr lang="ko-KR" altLang="en-US"/>
+                    </a:p>
+                  </a:txBody>
+                  <a:tcPr/>
+                </a:tc>
+                <a:tc>
+                  <a:txBody>
+                    <a:bodyPr/>
+                    <a:lstStyle/>
+                    <a:p>
+                      <a:pPr algn="ctr" fontAlgn="ctr"/>
+                      <a:r>
+                        <a:rPr lang="ko-KR" altLang="en-US" sz="800" u="none" strike="noStrike" dirty="0">
+                          <a:effectLst/>
+                        </a:rPr>
+                        <a:t>나의 </a:t>
+                      </a:r>
+                      <a:r>
+                        <a:rPr lang="ko-KR" altLang="en-US" sz="800" u="none" strike="noStrike" dirty="0" err="1">
+                          <a:effectLst/>
+                        </a:rPr>
+                        <a:t>펀딩</a:t>
+                      </a:r>
+                      <a:endParaRPr lang="ko-KR" altLang="en-US" sz="800" b="0" i="0" u="none" strike="noStrike" dirty="0">
+                        <a:solidFill>
+                          <a:srgbClr val="000000"/>
+                        </a:solidFill>
+                        <a:effectLst/>
+                        <a:latin typeface="맑은 고딕"/>
+                      </a:endParaRPr>
+                    </a:p>
+                  </a:txBody>
+                  <a:tcPr marL="5314" marR="5314" marT="5314" marB="0" anchor="ctr"/>
+                </a:tc>
+                <a:tc>
+                  <a:txBody>
+                    <a:bodyPr/>
+                    <a:lstStyle/>
+                    <a:p>
+                      <a:pPr algn="l" fontAlgn="ctr"/>
+                      <a:r>
+                        <a:rPr lang="ko-KR" altLang="en-US" sz="800" u="none" strike="noStrike" dirty="0" err="1">
+                          <a:effectLst/>
+                        </a:rPr>
+                        <a:t>펀딩한</a:t>
+                      </a:r>
+                      <a:r>
+                        <a:rPr lang="ko-KR" altLang="en-US" sz="800" u="none" strike="noStrike" dirty="0">
+                          <a:effectLst/>
+                        </a:rPr>
+                        <a:t> 프로젝트의 목록</a:t>
+                      </a:r>
+                      <a:r>
+                        <a:rPr lang="en-US" altLang="ko-KR" sz="800" u="none" strike="noStrike" dirty="0">
+                          <a:effectLst/>
+                        </a:rPr>
+                        <a:t>, </a:t>
+                      </a:r>
+                      <a:r>
+                        <a:rPr lang="ko-KR" altLang="en-US" sz="800" u="none" strike="noStrike" dirty="0">
+                          <a:effectLst/>
+                        </a:rPr>
+                        <a:t>진행상태 확인</a:t>
+                      </a:r>
+                      <a:endParaRPr lang="ko-KR" altLang="en-US" sz="800" b="0" i="0" u="none" strike="noStrike" dirty="0">
+                        <a:solidFill>
+                          <a:srgbClr val="000000"/>
+                        </a:solidFill>
+                        <a:effectLst/>
+                        <a:latin typeface="맑은 고딕"/>
+                      </a:endParaRPr>
+                    </a:p>
+                  </a:txBody>
+                  <a:tcPr marL="63768" marR="5314" marT="5314" marB="0" anchor="ctr"/>
+                </a:tc>
+              </a:tr>
+              <a:tr h="612948">
+                <a:tc vMerge="1">
+                  <a:txBody>
+                    <a:bodyPr/>
+                    <a:lstStyle/>
+                    <a:p>
+                      <a:pPr algn="l" fontAlgn="ctr"/>
+                      <a:endParaRPr lang="ko-KR" altLang="en-US" sz="600" b="0" i="0" u="none" strike="noStrike" dirty="0">
+                        <a:solidFill>
+                          <a:srgbClr val="000000"/>
+                        </a:solidFill>
+                        <a:effectLst/>
+                        <a:latin typeface="맑은 고딕"/>
+                      </a:endParaRPr>
+                    </a:p>
+                  </a:txBody>
+                  <a:tcPr marL="5314" marR="5314" marT="5314" marB="0" anchor="ctr"/>
+                </a:tc>
+                <a:tc vMerge="1">
+                  <a:txBody>
+                    <a:bodyPr/>
+                    <a:lstStyle/>
+                    <a:p>
+                      <a:pPr latinLnBrk="1"/>
+                      <a:endParaRPr lang="ko-KR" altLang="en-US"/>
+                    </a:p>
+                  </a:txBody>
+                  <a:tcPr/>
+                </a:tc>
+                <a:tc>
+                  <a:txBody>
+                    <a:bodyPr/>
+                    <a:lstStyle/>
+                    <a:p>
+                      <a:pPr algn="ctr" fontAlgn="ctr"/>
+                      <a:r>
+                        <a:rPr lang="ko-KR" altLang="en-US" sz="800" u="none" strike="noStrike" dirty="0">
+                          <a:effectLst/>
+                        </a:rPr>
+                        <a:t>관심 프로젝트</a:t>
+                      </a:r>
+                      <a:endParaRPr lang="ko-KR" altLang="en-US" sz="800" b="0" i="0" u="none" strike="noStrike" dirty="0">
+                        <a:solidFill>
+                          <a:srgbClr val="000000"/>
+                        </a:solidFill>
+                        <a:effectLst/>
+                        <a:latin typeface="맑은 고딕"/>
+                      </a:endParaRPr>
+                    </a:p>
+                  </a:txBody>
+                  <a:tcPr marL="5314" marR="5314" marT="5314" marB="0" anchor="ctr"/>
+                </a:tc>
+                <a:tc>
+                  <a:txBody>
+                    <a:bodyPr/>
+                    <a:lstStyle/>
+                    <a:p>
+                      <a:pPr algn="l" fontAlgn="ctr"/>
+                      <a:r>
+                        <a:rPr lang="ko-KR" altLang="en-US" sz="800" u="none" strike="noStrike" dirty="0">
+                          <a:effectLst/>
+                        </a:rPr>
+                        <a:t>관심 프로젝트 목록 및 관리</a:t>
+                      </a:r>
+                      <a:endParaRPr lang="ko-KR" altLang="en-US" sz="800" b="0" i="0" u="none" strike="noStrike" dirty="0">
+                        <a:solidFill>
+                          <a:srgbClr val="000000"/>
+                        </a:solidFill>
+                        <a:effectLst/>
+                        <a:latin typeface="맑은 고딕"/>
+                      </a:endParaRPr>
+                    </a:p>
+                  </a:txBody>
+                  <a:tcPr marL="63768" marR="5314" marT="5314" marB="0" anchor="ctr"/>
+                </a:tc>
+              </a:tr>
+              <a:tr h="612948">
+                <a:tc vMerge="1">
+                  <a:txBody>
+                    <a:bodyPr/>
+                    <a:lstStyle/>
+                    <a:p>
+                      <a:pPr algn="l" fontAlgn="ctr"/>
+                      <a:endParaRPr lang="ko-KR" altLang="en-US" sz="600" b="0" i="0" u="none" strike="noStrike" dirty="0">
+                        <a:solidFill>
+                          <a:srgbClr val="000000"/>
+                        </a:solidFill>
+                        <a:effectLst/>
+                        <a:latin typeface="맑은 고딕"/>
+                      </a:endParaRPr>
+                    </a:p>
+                  </a:txBody>
+                  <a:tcPr marL="5314" marR="5314" marT="5314" marB="0" anchor="ctr"/>
+                </a:tc>
+                <a:tc vMerge="1">
+                  <a:txBody>
+                    <a:bodyPr/>
+                    <a:lstStyle/>
+                    <a:p>
+                      <a:pPr latinLnBrk="1"/>
+                      <a:endParaRPr lang="ko-KR" altLang="en-US"/>
+                    </a:p>
+                  </a:txBody>
+                  <a:tcPr/>
+                </a:tc>
+                <a:tc>
+                  <a:txBody>
+                    <a:bodyPr/>
+                    <a:lstStyle/>
+                    <a:p>
+                      <a:pPr algn="ctr" fontAlgn="ctr"/>
+                      <a:r>
+                        <a:rPr lang="ko-KR" altLang="en-US" sz="800" u="none" strike="noStrike" dirty="0">
+                          <a:effectLst/>
+                        </a:rPr>
+                        <a:t>주문조회</a:t>
+                      </a:r>
+                      <a:endParaRPr lang="ko-KR" altLang="en-US" sz="800" b="0" i="0" u="none" strike="noStrike" dirty="0">
+                        <a:solidFill>
+                          <a:srgbClr val="000000"/>
+                        </a:solidFill>
+                        <a:effectLst/>
+                        <a:latin typeface="맑은 고딕"/>
+                      </a:endParaRPr>
+                    </a:p>
+                  </a:txBody>
+                  <a:tcPr marL="5314" marR="5314" marT="5314" marB="0" anchor="ctr"/>
+                </a:tc>
+                <a:tc>
+                  <a:txBody>
+                    <a:bodyPr/>
+                    <a:lstStyle/>
+                    <a:p>
+                      <a:pPr algn="l" fontAlgn="ctr"/>
+                      <a:r>
+                        <a:rPr lang="ko-KR" altLang="en-US" sz="800" u="none" strike="noStrike" dirty="0" err="1">
+                          <a:effectLst/>
+                        </a:rPr>
+                        <a:t>리워드</a:t>
+                      </a:r>
+                      <a:r>
+                        <a:rPr lang="ko-KR" altLang="en-US" sz="800" u="none" strike="noStrike" dirty="0">
+                          <a:effectLst/>
+                        </a:rPr>
+                        <a:t> </a:t>
+                      </a:r>
+                      <a:r>
+                        <a:rPr lang="ko-KR" altLang="en-US" sz="800" u="none" strike="noStrike" dirty="0" err="1">
+                          <a:effectLst/>
+                        </a:rPr>
+                        <a:t>샵에서</a:t>
+                      </a:r>
+                      <a:r>
+                        <a:rPr lang="ko-KR" altLang="en-US" sz="800" u="none" strike="noStrike" dirty="0">
+                          <a:effectLst/>
+                        </a:rPr>
+                        <a:t> 구매한 상품의 주문</a:t>
+                      </a:r>
+                      <a:r>
+                        <a:rPr lang="en-US" altLang="ko-KR" sz="800" u="none" strike="noStrike" dirty="0">
+                          <a:effectLst/>
+                        </a:rPr>
+                        <a:t>/</a:t>
+                      </a:r>
+                      <a:r>
+                        <a:rPr lang="ko-KR" altLang="en-US" sz="800" u="none" strike="noStrike" dirty="0">
+                          <a:effectLst/>
+                        </a:rPr>
+                        <a:t>배송 조회</a:t>
+                      </a:r>
+                      <a:endParaRPr lang="ko-KR" altLang="en-US" sz="800" b="0" i="0" u="none" strike="noStrike" dirty="0">
+                        <a:solidFill>
+                          <a:srgbClr val="000000"/>
+                        </a:solidFill>
+                        <a:effectLst/>
+                        <a:latin typeface="맑은 고딕"/>
+                      </a:endParaRPr>
+                    </a:p>
+                  </a:txBody>
+                  <a:tcPr marL="63768" marR="5314" marT="5314" marB="0" anchor="ctr"/>
+                </a:tc>
+              </a:tr>
+            </a:tbl>
+          </a:graphicData>
+        </a:graphic>
+      </p:graphicFrame>
+      <p:sp>
+        <p:nvSpPr>
+          <p:cNvPr id="6" name="직사각형 5"/>
+          <p:cNvSpPr/>
+          <p:nvPr/>
+        </p:nvSpPr>
+        <p:spPr>
+          <a:xfrm>
+            <a:off x="219114" y="195486"/>
+            <a:ext cx="1112851" cy="400110"/>
+          </a:xfrm>
+          <a:prstGeom prst="rect">
+            <a:avLst/>
+          </a:prstGeom>
+        </p:spPr>
+        <p:txBody>
+          <a:bodyPr wrap="square">
+            <a:spAutoFit/>
+          </a:bodyPr>
+          <a:lstStyle/>
+          <a:p>
+            <a:r>
+              <a:rPr lang="ko-KR" altLang="en-US" sz="2000" b="1" dirty="0" smtClean="0">
+                <a:solidFill>
+                  <a:srgbClr val="FF9E00"/>
+                </a:solidFill>
+                <a:latin typeface="+mj-ea"/>
+                <a:ea typeface="+mj-ea"/>
+              </a:rPr>
+              <a:t>유서희</a:t>
+            </a:r>
+            <a:endParaRPr lang="ko-KR" altLang="en-US" sz="2000" b="1" dirty="0">
+              <a:latin typeface="+mj-ea"/>
+              <a:ea typeface="+mj-ea"/>
+            </a:endParaRPr>
+          </a:p>
+        </p:txBody>
+      </p:sp>
+    </p:spTree>
+    <p:extLst>
+      <p:ext uri="{BB962C8B-B14F-4D97-AF65-F5344CB8AC3E}">
+        <p14:creationId xmlns:p14="http://schemas.microsoft.com/office/powerpoint/2010/main" val="4115892243"/>
+      </p:ext>
+    </p:extLst>
+  </p:cSld>
+  <p:clrMapOvr>
+    <a:masterClrMapping/>
+  </p:clrMapOvr>
+  <p:timing>
+    <p:tnLst>
+      <p:par>
+        <p:cTn id="1" dur="indefinite" restart="never" nodeType="tmRoot"/>
+      </p:par>
+    </p:tnLst>
+  </p:timing>
+</p:sld>
+</file>
+
+<file path=ppt/slides/slide12.xml><?xml version="1.0" encoding="utf-8"?>
+<p:sld xmlns:a="http://schemas.openxmlformats.org/drawingml/2006/main" xmlns:r="http://schemas.openxmlformats.org/officeDocument/2006/relationships" xmlns:p="http://schemas.openxmlformats.org/presentationml/2006/main">
+  <p:cSld>
+    <p:spTree>
+      <p:nvGrpSpPr>
+        <p:cNvPr id="1" name=""/>
+        <p:cNvGrpSpPr/>
+        <p:nvPr/>
+      </p:nvGrpSpPr>
+      <p:grpSpPr>
+        <a:xfrm>
+          <a:off x="0" y="0"/>
+          <a:ext cx="0" cy="0"/>
+          <a:chOff x="0" y="0"/>
+          <a:chExt cx="0" cy="0"/>
+        </a:xfrm>
+      </p:grpSpPr>
+      <p:sp>
+        <p:nvSpPr>
           <p:cNvPr id="3" name="직사각형 2"/>
           <p:cNvSpPr/>
           <p:nvPr/>
@@ -13575,7 +15571,7 @@
 </p:sld>
 </file>
 
-<file path=ppt/slides/slide11.xml><?xml version="1.0" encoding="utf-8"?>
+<file path=ppt/slides/slide13.xml><?xml version="1.0" encoding="utf-8"?>
 <p:sld xmlns:a="http://schemas.openxmlformats.org/drawingml/2006/main" xmlns:r="http://schemas.openxmlformats.org/officeDocument/2006/relationships" xmlns:p="http://schemas.openxmlformats.org/presentationml/2006/main">
   <p:cSld>
     <p:spTree>
@@ -14610,7 +16606,7 @@
 </p:sld>
 </file>
 
-<file path=ppt/slides/slide12.xml><?xml version="1.0" encoding="utf-8"?>
+<file path=ppt/slides/slide14.xml><?xml version="1.0" encoding="utf-8"?>
 <p:sld xmlns:a="http://schemas.openxmlformats.org/drawingml/2006/main" xmlns:r="http://schemas.openxmlformats.org/officeDocument/2006/relationships" xmlns:p="http://schemas.openxmlformats.org/presentationml/2006/main">
   <p:cSld>
     <p:spTree>
@@ -15668,7 +17664,7 @@
 </p:sld>
 </file>
 
-<file path=ppt/slides/slide13.xml><?xml version="1.0" encoding="utf-8"?>
+<file path=ppt/slides/slide15.xml><?xml version="1.0" encoding="utf-8"?>
 <p:sld xmlns:a="http://schemas.openxmlformats.org/drawingml/2006/main" xmlns:r="http://schemas.openxmlformats.org/officeDocument/2006/relationships" xmlns:p="http://schemas.openxmlformats.org/presentationml/2006/main">
   <p:cSld>
     <p:spTree>
@@ -16426,7 +18422,7 @@
 </p:sld>
 </file>
 
-<file path=ppt/slides/slide14.xml><?xml version="1.0" encoding="utf-8"?>
+<file path=ppt/slides/slide16.xml><?xml version="1.0" encoding="utf-8"?>
 <p:sld xmlns:a="http://schemas.openxmlformats.org/drawingml/2006/main" xmlns:r="http://schemas.openxmlformats.org/officeDocument/2006/relationships" xmlns:p="http://schemas.openxmlformats.org/presentationml/2006/main">
   <p:cSld>
     <p:spTree>
@@ -16539,7 +18535,7 @@
             </a:pPr>
             <a:fld id="{00000000-1234-1234-1234-123412341234}" type="slidenum">
               <a:rPr lang="en"/>
-              <a:t>14</a:t>
+              <a:t>16</a:t>
             </a:fld>
             <a:endParaRPr/>
           </a:p>
@@ -16629,7 +18625,7 @@
 </p:sld>
 </file>
 
-<file path=ppt/slides/slide15.xml><?xml version="1.0" encoding="utf-8"?>
+<file path=ppt/slides/slide17.xml><?xml version="1.0" encoding="utf-8"?>
 <p:sld xmlns:a="http://schemas.openxmlformats.org/drawingml/2006/main" xmlns:r="http://schemas.openxmlformats.org/officeDocument/2006/relationships" xmlns:p="http://schemas.openxmlformats.org/presentationml/2006/main">
   <p:cSld>
     <p:spTree>
@@ -17445,7 +19441,7 @@
 </p:sld>
 </file>
 
-<file path=ppt/slides/slide16.xml><?xml version="1.0" encoding="utf-8"?>
+<file path=ppt/slides/slide18.xml><?xml version="1.0" encoding="utf-8"?>
 <p:sld xmlns:a="http://schemas.openxmlformats.org/drawingml/2006/main" xmlns:r="http://schemas.openxmlformats.org/officeDocument/2006/relationships" xmlns:p="http://schemas.openxmlformats.org/presentationml/2006/main">
   <p:cSld>
     <p:spTree>
@@ -18251,7 +20247,7 @@
 </p:sld>
 </file>
 
-<file path=ppt/slides/slide17.xml><?xml version="1.0" encoding="utf-8"?>
+<file path=ppt/slides/slide19.xml><?xml version="1.0" encoding="utf-8"?>
 <p:sld xmlns:a="http://schemas.openxmlformats.org/drawingml/2006/main" xmlns:r="http://schemas.openxmlformats.org/officeDocument/2006/relationships" xmlns:p="http://schemas.openxmlformats.org/presentationml/2006/main">
   <p:cSld>
     <p:spTree>
@@ -19067,7 +21063,760 @@
 </p:sld>
 </file>
 
-<file path=ppt/slides/slide18.xml><?xml version="1.0" encoding="utf-8"?>
+<file path=ppt/slides/slide2.xml><?xml version="1.0" encoding="utf-8"?>
+<p:sld xmlns:a="http://schemas.openxmlformats.org/drawingml/2006/main" xmlns:r="http://schemas.openxmlformats.org/officeDocument/2006/relationships" xmlns:p="http://schemas.openxmlformats.org/presentationml/2006/main">
+  <p:cSld>
+    <p:spTree>
+      <p:nvGrpSpPr>
+        <p:cNvPr id="1" name="Shape 101"/>
+        <p:cNvGrpSpPr/>
+        <p:nvPr/>
+      </p:nvGrpSpPr>
+      <p:grpSpPr>
+        <a:xfrm>
+          <a:off x="0" y="0"/>
+          <a:ext cx="0" cy="0"/>
+          <a:chOff x="0" y="0"/>
+          <a:chExt cx="0" cy="0"/>
+        </a:xfrm>
+      </p:grpSpPr>
+      <p:sp>
+        <p:nvSpPr>
+          <p:cNvPr id="102" name="Google Shape;102;p18"/>
+          <p:cNvSpPr txBox="1">
+            <a:spLocks noGrp="1"/>
+          </p:cNvSpPr>
+          <p:nvPr>
+            <p:ph type="ctrTitle" idx="4294967295"/>
+          </p:nvPr>
+        </p:nvSpPr>
+        <p:spPr>
+          <a:xfrm>
+            <a:off x="1603801" y="2211710"/>
+            <a:ext cx="5936400" cy="1159800"/>
+          </a:xfrm>
+          <a:prstGeom prst="rect">
+            <a:avLst/>
+          </a:prstGeom>
+        </p:spPr>
+        <p:txBody>
+          <a:bodyPr spcFirstLastPara="1" wrap="square" lIns="91425" tIns="91425" rIns="91425" bIns="91425" anchor="t" anchorCtr="0">
+            <a:noAutofit/>
+          </a:bodyPr>
+          <a:lstStyle/>
+          <a:p>
+            <a:pPr marL="0" lvl="0" indent="0" algn="ctr" rtl="0">
+              <a:spcBef>
+                <a:spcPts val="0"/>
+              </a:spcBef>
+              <a:spcAft>
+                <a:spcPts val="0"/>
+              </a:spcAft>
+              <a:buNone/>
+            </a:pPr>
+            <a:r>
+              <a:rPr lang="ko-KR" altLang="en-US" sz="4000" dirty="0" smtClean="0">
+                <a:solidFill>
+                  <a:srgbClr val="FF9E00"/>
+                </a:solidFill>
+                <a:latin typeface="나눔바른고딕" panose="020B0603020101020101" pitchFamily="50" charset="-127"/>
+                <a:ea typeface="나눔바른고딕" panose="020B0603020101020101" pitchFamily="50" charset="-127"/>
+              </a:rPr>
+              <a:t>주제 선정 이유</a:t>
+            </a:r>
+            <a:endParaRPr sz="4000" dirty="0">
+              <a:solidFill>
+                <a:srgbClr val="FF9E00"/>
+              </a:solidFill>
+              <a:latin typeface="나눔바른고딕" panose="020B0603020101020101" pitchFamily="50" charset="-127"/>
+              <a:ea typeface="나눔바른고딕" panose="020B0603020101020101" pitchFamily="50" charset="-127"/>
+            </a:endParaRPr>
+          </a:p>
+        </p:txBody>
+      </p:sp>
+      <p:grpSp>
+        <p:nvGrpSpPr>
+          <p:cNvPr id="104" name="Google Shape;104;p18"/>
+          <p:cNvGrpSpPr/>
+          <p:nvPr/>
+        </p:nvGrpSpPr>
+        <p:grpSpPr>
+          <a:xfrm>
+            <a:off x="4233487" y="499000"/>
+            <a:ext cx="677029" cy="1103729"/>
+            <a:chOff x="6730350" y="2315900"/>
+            <a:chExt cx="257700" cy="420100"/>
+          </a:xfrm>
+        </p:grpSpPr>
+        <p:sp>
+          <p:nvSpPr>
+            <p:cNvPr id="105" name="Google Shape;105;p18"/>
+            <p:cNvSpPr/>
+            <p:nvPr/>
+          </p:nvSpPr>
+          <p:spPr>
+            <a:xfrm>
+              <a:off x="6807900" y="2671250"/>
+              <a:ext cx="102600" cy="22625"/>
+            </a:xfrm>
+            <a:custGeom>
+              <a:avLst/>
+              <a:gdLst/>
+              <a:ahLst/>
+              <a:cxnLst/>
+              <a:rect l="l" t="t" r="r" b="b"/>
+              <a:pathLst>
+                <a:path w="4104" h="905" extrusionOk="0">
+                  <a:moveTo>
+                    <a:pt x="1" y="1"/>
+                  </a:moveTo>
+                  <a:lnTo>
+                    <a:pt x="1" y="905"/>
+                  </a:lnTo>
+                  <a:lnTo>
+                    <a:pt x="4104" y="905"/>
+                  </a:lnTo>
+                  <a:lnTo>
+                    <a:pt x="4104" y="1"/>
+                  </a:lnTo>
+                  <a:close/>
+                </a:path>
+              </a:pathLst>
+            </a:custGeom>
+            <a:solidFill>
+              <a:srgbClr val="FF9E00"/>
+            </a:solidFill>
+            <a:ln>
+              <a:noFill/>
+            </a:ln>
+          </p:spPr>
+          <p:txBody>
+            <a:bodyPr spcFirstLastPara="1" wrap="square" lIns="91425" tIns="91425" rIns="91425" bIns="91425" anchor="ctr" anchorCtr="0">
+              <a:noAutofit/>
+            </a:bodyPr>
+            <a:lstStyle/>
+            <a:p>
+              <a:pPr marL="0" lvl="0" indent="0" algn="l" rtl="0">
+                <a:spcBef>
+                  <a:spcPts val="0"/>
+                </a:spcBef>
+                <a:spcAft>
+                  <a:spcPts val="0"/>
+                </a:spcAft>
+                <a:buNone/>
+              </a:pPr>
+              <a:endParaRPr>
+                <a:solidFill>
+                  <a:srgbClr val="FFFFFF"/>
+                </a:solidFill>
+              </a:endParaRPr>
+            </a:p>
+          </p:txBody>
+        </p:sp>
+        <p:sp>
+          <p:nvSpPr>
+            <p:cNvPr id="106" name="Google Shape;106;p18"/>
+            <p:cNvSpPr/>
+            <p:nvPr/>
+          </p:nvSpPr>
+          <p:spPr>
+            <a:xfrm>
+              <a:off x="6807900" y="2636450"/>
+              <a:ext cx="102600" cy="22625"/>
+            </a:xfrm>
+            <a:custGeom>
+              <a:avLst/>
+              <a:gdLst/>
+              <a:ahLst/>
+              <a:cxnLst/>
+              <a:rect l="l" t="t" r="r" b="b"/>
+              <a:pathLst>
+                <a:path w="4104" h="905" extrusionOk="0">
+                  <a:moveTo>
+                    <a:pt x="1" y="1"/>
+                  </a:moveTo>
+                  <a:lnTo>
+                    <a:pt x="1" y="905"/>
+                  </a:lnTo>
+                  <a:lnTo>
+                    <a:pt x="4104" y="905"/>
+                  </a:lnTo>
+                  <a:lnTo>
+                    <a:pt x="4104" y="1"/>
+                  </a:lnTo>
+                  <a:close/>
+                </a:path>
+              </a:pathLst>
+            </a:custGeom>
+            <a:solidFill>
+              <a:srgbClr val="FF9E00"/>
+            </a:solidFill>
+            <a:ln>
+              <a:noFill/>
+            </a:ln>
+          </p:spPr>
+          <p:txBody>
+            <a:bodyPr spcFirstLastPara="1" wrap="square" lIns="91425" tIns="91425" rIns="91425" bIns="91425" anchor="ctr" anchorCtr="0">
+              <a:noAutofit/>
+            </a:bodyPr>
+            <a:lstStyle/>
+            <a:p>
+              <a:pPr marL="0" lvl="0" indent="0" algn="l" rtl="0">
+                <a:spcBef>
+                  <a:spcPts val="0"/>
+                </a:spcBef>
+                <a:spcAft>
+                  <a:spcPts val="0"/>
+                </a:spcAft>
+                <a:buNone/>
+              </a:pPr>
+              <a:endParaRPr>
+                <a:solidFill>
+                  <a:srgbClr val="FFFFFF"/>
+                </a:solidFill>
+              </a:endParaRPr>
+            </a:p>
+          </p:txBody>
+        </p:sp>
+        <p:sp>
+          <p:nvSpPr>
+            <p:cNvPr id="107" name="Google Shape;107;p18"/>
+            <p:cNvSpPr/>
+            <p:nvPr/>
+          </p:nvSpPr>
+          <p:spPr>
+            <a:xfrm>
+              <a:off x="6807900" y="2706075"/>
+              <a:ext cx="102600" cy="29925"/>
+            </a:xfrm>
+            <a:custGeom>
+              <a:avLst/>
+              <a:gdLst/>
+              <a:ahLst/>
+              <a:cxnLst/>
+              <a:rect l="l" t="t" r="r" b="b"/>
+              <a:pathLst>
+                <a:path w="4104" h="1197" extrusionOk="0">
+                  <a:moveTo>
+                    <a:pt x="1" y="0"/>
+                  </a:moveTo>
+                  <a:lnTo>
+                    <a:pt x="1" y="171"/>
+                  </a:lnTo>
+                  <a:lnTo>
+                    <a:pt x="25" y="318"/>
+                  </a:lnTo>
+                  <a:lnTo>
+                    <a:pt x="98" y="464"/>
+                  </a:lnTo>
+                  <a:lnTo>
+                    <a:pt x="196" y="586"/>
+                  </a:lnTo>
+                  <a:lnTo>
+                    <a:pt x="343" y="660"/>
+                  </a:lnTo>
+                  <a:lnTo>
+                    <a:pt x="1881" y="1172"/>
+                  </a:lnTo>
+                  <a:lnTo>
+                    <a:pt x="2052" y="1197"/>
+                  </a:lnTo>
+                  <a:lnTo>
+                    <a:pt x="2223" y="1172"/>
+                  </a:lnTo>
+                  <a:lnTo>
+                    <a:pt x="3762" y="660"/>
+                  </a:lnTo>
+                  <a:lnTo>
+                    <a:pt x="3908" y="586"/>
+                  </a:lnTo>
+                  <a:lnTo>
+                    <a:pt x="4006" y="464"/>
+                  </a:lnTo>
+                  <a:lnTo>
+                    <a:pt x="4079" y="318"/>
+                  </a:lnTo>
+                  <a:lnTo>
+                    <a:pt x="4104" y="171"/>
+                  </a:lnTo>
+                  <a:lnTo>
+                    <a:pt x="4104" y="0"/>
+                  </a:lnTo>
+                  <a:close/>
+                </a:path>
+              </a:pathLst>
+            </a:custGeom>
+            <a:solidFill>
+              <a:srgbClr val="FF9E00"/>
+            </a:solidFill>
+            <a:ln>
+              <a:noFill/>
+            </a:ln>
+          </p:spPr>
+          <p:txBody>
+            <a:bodyPr spcFirstLastPara="1" wrap="square" lIns="91425" tIns="91425" rIns="91425" bIns="91425" anchor="ctr" anchorCtr="0">
+              <a:noAutofit/>
+            </a:bodyPr>
+            <a:lstStyle/>
+            <a:p>
+              <a:pPr marL="0" lvl="0" indent="0" algn="l" rtl="0">
+                <a:spcBef>
+                  <a:spcPts val="0"/>
+                </a:spcBef>
+                <a:spcAft>
+                  <a:spcPts val="0"/>
+                </a:spcAft>
+                <a:buNone/>
+              </a:pPr>
+              <a:endParaRPr>
+                <a:solidFill>
+                  <a:srgbClr val="FFFFFF"/>
+                </a:solidFill>
+              </a:endParaRPr>
+            </a:p>
+          </p:txBody>
+        </p:sp>
+        <p:sp>
+          <p:nvSpPr>
+            <p:cNvPr id="108" name="Google Shape;108;p18"/>
+            <p:cNvSpPr/>
+            <p:nvPr/>
+          </p:nvSpPr>
+          <p:spPr>
+            <a:xfrm>
+              <a:off x="6811575" y="2463675"/>
+              <a:ext cx="95275" cy="160600"/>
+            </a:xfrm>
+            <a:custGeom>
+              <a:avLst/>
+              <a:gdLst/>
+              <a:ahLst/>
+              <a:cxnLst/>
+              <a:rect l="l" t="t" r="r" b="b"/>
+              <a:pathLst>
+                <a:path w="3811" h="6424" extrusionOk="0">
+                  <a:moveTo>
+                    <a:pt x="1905" y="0"/>
+                  </a:moveTo>
+                  <a:lnTo>
+                    <a:pt x="928" y="831"/>
+                  </a:lnTo>
+                  <a:lnTo>
+                    <a:pt x="855" y="879"/>
+                  </a:lnTo>
+                  <a:lnTo>
+                    <a:pt x="782" y="904"/>
+                  </a:lnTo>
+                  <a:lnTo>
+                    <a:pt x="684" y="879"/>
+                  </a:lnTo>
+                  <a:lnTo>
+                    <a:pt x="611" y="831"/>
+                  </a:lnTo>
+                  <a:lnTo>
+                    <a:pt x="0" y="318"/>
+                  </a:lnTo>
+                  <a:lnTo>
+                    <a:pt x="1319" y="6423"/>
+                  </a:lnTo>
+                  <a:lnTo>
+                    <a:pt x="2491" y="6423"/>
+                  </a:lnTo>
+                  <a:lnTo>
+                    <a:pt x="3810" y="318"/>
+                  </a:lnTo>
+                  <a:lnTo>
+                    <a:pt x="3200" y="831"/>
+                  </a:lnTo>
+                  <a:lnTo>
+                    <a:pt x="3126" y="879"/>
+                  </a:lnTo>
+                  <a:lnTo>
+                    <a:pt x="3029" y="904"/>
+                  </a:lnTo>
+                  <a:lnTo>
+                    <a:pt x="2955" y="879"/>
+                  </a:lnTo>
+                  <a:lnTo>
+                    <a:pt x="2882" y="831"/>
+                  </a:lnTo>
+                  <a:lnTo>
+                    <a:pt x="1905" y="0"/>
+                  </a:lnTo>
+                  <a:close/>
+                </a:path>
+              </a:pathLst>
+            </a:custGeom>
+            <a:solidFill>
+              <a:srgbClr val="FF9E00"/>
+            </a:solidFill>
+            <a:ln>
+              <a:noFill/>
+            </a:ln>
+          </p:spPr>
+          <p:txBody>
+            <a:bodyPr spcFirstLastPara="1" wrap="square" lIns="91425" tIns="91425" rIns="91425" bIns="91425" anchor="ctr" anchorCtr="0">
+              <a:noAutofit/>
+            </a:bodyPr>
+            <a:lstStyle/>
+            <a:p>
+              <a:pPr marL="0" lvl="0" indent="0" algn="l" rtl="0">
+                <a:spcBef>
+                  <a:spcPts val="0"/>
+                </a:spcBef>
+                <a:spcAft>
+                  <a:spcPts val="0"/>
+                </a:spcAft>
+                <a:buNone/>
+              </a:pPr>
+              <a:endParaRPr>
+                <a:solidFill>
+                  <a:srgbClr val="FFFFFF"/>
+                </a:solidFill>
+              </a:endParaRPr>
+            </a:p>
+          </p:txBody>
+        </p:sp>
+        <p:sp>
+          <p:nvSpPr>
+            <p:cNvPr id="109" name="Google Shape;109;p18"/>
+            <p:cNvSpPr/>
+            <p:nvPr/>
+          </p:nvSpPr>
+          <p:spPr>
+            <a:xfrm>
+              <a:off x="6730350" y="2315900"/>
+              <a:ext cx="257700" cy="308375"/>
+            </a:xfrm>
+            <a:custGeom>
+              <a:avLst/>
+              <a:gdLst/>
+              <a:ahLst/>
+              <a:cxnLst/>
+              <a:rect l="l" t="t" r="r" b="b"/>
+              <a:pathLst>
+                <a:path w="10308" h="12335" extrusionOk="0">
+                  <a:moveTo>
+                    <a:pt x="5154" y="1"/>
+                  </a:moveTo>
+                  <a:lnTo>
+                    <a:pt x="4617" y="25"/>
+                  </a:lnTo>
+                  <a:lnTo>
+                    <a:pt x="4128" y="98"/>
+                  </a:lnTo>
+                  <a:lnTo>
+                    <a:pt x="3615" y="245"/>
+                  </a:lnTo>
+                  <a:lnTo>
+                    <a:pt x="3151" y="416"/>
+                  </a:lnTo>
+                  <a:lnTo>
+                    <a:pt x="2712" y="636"/>
+                  </a:lnTo>
+                  <a:lnTo>
+                    <a:pt x="2272" y="880"/>
+                  </a:lnTo>
+                  <a:lnTo>
+                    <a:pt x="1881" y="1173"/>
+                  </a:lnTo>
+                  <a:lnTo>
+                    <a:pt x="1515" y="1515"/>
+                  </a:lnTo>
+                  <a:lnTo>
+                    <a:pt x="1198" y="1881"/>
+                  </a:lnTo>
+                  <a:lnTo>
+                    <a:pt x="880" y="2272"/>
+                  </a:lnTo>
+                  <a:lnTo>
+                    <a:pt x="636" y="2687"/>
+                  </a:lnTo>
+                  <a:lnTo>
+                    <a:pt x="416" y="3151"/>
+                  </a:lnTo>
+                  <a:lnTo>
+                    <a:pt x="245" y="3615"/>
+                  </a:lnTo>
+                  <a:lnTo>
+                    <a:pt x="123" y="4104"/>
+                  </a:lnTo>
+                  <a:lnTo>
+                    <a:pt x="50" y="4617"/>
+                  </a:lnTo>
+                  <a:lnTo>
+                    <a:pt x="1" y="5154"/>
+                  </a:lnTo>
+                  <a:lnTo>
+                    <a:pt x="25" y="5423"/>
+                  </a:lnTo>
+                  <a:lnTo>
+                    <a:pt x="50" y="5691"/>
+                  </a:lnTo>
+                  <a:lnTo>
+                    <a:pt x="123" y="6204"/>
+                  </a:lnTo>
+                  <a:lnTo>
+                    <a:pt x="245" y="6693"/>
+                  </a:lnTo>
+                  <a:lnTo>
+                    <a:pt x="416" y="7132"/>
+                  </a:lnTo>
+                  <a:lnTo>
+                    <a:pt x="636" y="7572"/>
+                  </a:lnTo>
+                  <a:lnTo>
+                    <a:pt x="856" y="7963"/>
+                  </a:lnTo>
+                  <a:lnTo>
+                    <a:pt x="1100" y="8353"/>
+                  </a:lnTo>
+                  <a:lnTo>
+                    <a:pt x="1369" y="8744"/>
+                  </a:lnTo>
+                  <a:lnTo>
+                    <a:pt x="1906" y="9526"/>
+                  </a:lnTo>
+                  <a:lnTo>
+                    <a:pt x="2150" y="9941"/>
+                  </a:lnTo>
+                  <a:lnTo>
+                    <a:pt x="2394" y="10356"/>
+                  </a:lnTo>
+                  <a:lnTo>
+                    <a:pt x="2614" y="10796"/>
+                  </a:lnTo>
+                  <a:lnTo>
+                    <a:pt x="2810" y="11284"/>
+                  </a:lnTo>
+                  <a:lnTo>
+                    <a:pt x="2980" y="11797"/>
+                  </a:lnTo>
+                  <a:lnTo>
+                    <a:pt x="3103" y="12334"/>
+                  </a:lnTo>
+                  <a:lnTo>
+                    <a:pt x="4079" y="12334"/>
+                  </a:lnTo>
+                  <a:lnTo>
+                    <a:pt x="3249" y="8500"/>
+                  </a:lnTo>
+                  <a:lnTo>
+                    <a:pt x="2663" y="5642"/>
+                  </a:lnTo>
+                  <a:lnTo>
+                    <a:pt x="2663" y="5520"/>
+                  </a:lnTo>
+                  <a:lnTo>
+                    <a:pt x="2712" y="5423"/>
+                  </a:lnTo>
+                  <a:lnTo>
+                    <a:pt x="2785" y="5374"/>
+                  </a:lnTo>
+                  <a:lnTo>
+                    <a:pt x="2883" y="5349"/>
+                  </a:lnTo>
+                  <a:lnTo>
+                    <a:pt x="2956" y="5349"/>
+                  </a:lnTo>
+                  <a:lnTo>
+                    <a:pt x="3054" y="5398"/>
+                  </a:lnTo>
+                  <a:lnTo>
+                    <a:pt x="4031" y="6253"/>
+                  </a:lnTo>
+                  <a:lnTo>
+                    <a:pt x="4983" y="5398"/>
+                  </a:lnTo>
+                  <a:lnTo>
+                    <a:pt x="5081" y="5349"/>
+                  </a:lnTo>
+                  <a:lnTo>
+                    <a:pt x="5227" y="5349"/>
+                  </a:lnTo>
+                  <a:lnTo>
+                    <a:pt x="5325" y="5398"/>
+                  </a:lnTo>
+                  <a:lnTo>
+                    <a:pt x="6278" y="6253"/>
+                  </a:lnTo>
+                  <a:lnTo>
+                    <a:pt x="7254" y="5398"/>
+                  </a:lnTo>
+                  <a:lnTo>
+                    <a:pt x="7352" y="5349"/>
+                  </a:lnTo>
+                  <a:lnTo>
+                    <a:pt x="7425" y="5349"/>
+                  </a:lnTo>
+                  <a:lnTo>
+                    <a:pt x="7523" y="5374"/>
+                  </a:lnTo>
+                  <a:lnTo>
+                    <a:pt x="7596" y="5423"/>
+                  </a:lnTo>
+                  <a:lnTo>
+                    <a:pt x="7645" y="5520"/>
+                  </a:lnTo>
+                  <a:lnTo>
+                    <a:pt x="7645" y="5642"/>
+                  </a:lnTo>
+                  <a:lnTo>
+                    <a:pt x="7059" y="8500"/>
+                  </a:lnTo>
+                  <a:lnTo>
+                    <a:pt x="6229" y="12334"/>
+                  </a:lnTo>
+                  <a:lnTo>
+                    <a:pt x="7206" y="12334"/>
+                  </a:lnTo>
+                  <a:lnTo>
+                    <a:pt x="7328" y="11797"/>
+                  </a:lnTo>
+                  <a:lnTo>
+                    <a:pt x="7499" y="11284"/>
+                  </a:lnTo>
+                  <a:lnTo>
+                    <a:pt x="7694" y="10796"/>
+                  </a:lnTo>
+                  <a:lnTo>
+                    <a:pt x="7914" y="10356"/>
+                  </a:lnTo>
+                  <a:lnTo>
+                    <a:pt x="8158" y="9941"/>
+                  </a:lnTo>
+                  <a:lnTo>
+                    <a:pt x="8402" y="9526"/>
+                  </a:lnTo>
+                  <a:lnTo>
+                    <a:pt x="8940" y="8744"/>
+                  </a:lnTo>
+                  <a:lnTo>
+                    <a:pt x="9208" y="8353"/>
+                  </a:lnTo>
+                  <a:lnTo>
+                    <a:pt x="9453" y="7963"/>
+                  </a:lnTo>
+                  <a:lnTo>
+                    <a:pt x="9672" y="7572"/>
+                  </a:lnTo>
+                  <a:lnTo>
+                    <a:pt x="9892" y="7132"/>
+                  </a:lnTo>
+                  <a:lnTo>
+                    <a:pt x="10063" y="6693"/>
+                  </a:lnTo>
+                  <a:lnTo>
+                    <a:pt x="10185" y="6204"/>
+                  </a:lnTo>
+                  <a:lnTo>
+                    <a:pt x="10259" y="5691"/>
+                  </a:lnTo>
+                  <a:lnTo>
+                    <a:pt x="10283" y="5423"/>
+                  </a:lnTo>
+                  <a:lnTo>
+                    <a:pt x="10307" y="5154"/>
+                  </a:lnTo>
+                  <a:lnTo>
+                    <a:pt x="10259" y="4617"/>
+                  </a:lnTo>
+                  <a:lnTo>
+                    <a:pt x="10185" y="4104"/>
+                  </a:lnTo>
+                  <a:lnTo>
+                    <a:pt x="10063" y="3615"/>
+                  </a:lnTo>
+                  <a:lnTo>
+                    <a:pt x="9892" y="3151"/>
+                  </a:lnTo>
+                  <a:lnTo>
+                    <a:pt x="9672" y="2687"/>
+                  </a:lnTo>
+                  <a:lnTo>
+                    <a:pt x="9428" y="2272"/>
+                  </a:lnTo>
+                  <a:lnTo>
+                    <a:pt x="9111" y="1881"/>
+                  </a:lnTo>
+                  <a:lnTo>
+                    <a:pt x="8793" y="1515"/>
+                  </a:lnTo>
+                  <a:lnTo>
+                    <a:pt x="8427" y="1173"/>
+                  </a:lnTo>
+                  <a:lnTo>
+                    <a:pt x="8036" y="880"/>
+                  </a:lnTo>
+                  <a:lnTo>
+                    <a:pt x="7596" y="636"/>
+                  </a:lnTo>
+                  <a:lnTo>
+                    <a:pt x="7157" y="416"/>
+                  </a:lnTo>
+                  <a:lnTo>
+                    <a:pt x="6693" y="245"/>
+                  </a:lnTo>
+                  <a:lnTo>
+                    <a:pt x="6180" y="98"/>
+                  </a:lnTo>
+                  <a:lnTo>
+                    <a:pt x="5691" y="25"/>
+                  </a:lnTo>
+                  <a:lnTo>
+                    <a:pt x="5154" y="1"/>
+                  </a:lnTo>
+                  <a:close/>
+                </a:path>
+              </a:pathLst>
+            </a:custGeom>
+            <a:solidFill>
+              <a:srgbClr val="FF9E00"/>
+            </a:solidFill>
+            <a:ln>
+              <a:noFill/>
+            </a:ln>
+          </p:spPr>
+          <p:txBody>
+            <a:bodyPr spcFirstLastPara="1" wrap="square" lIns="91425" tIns="91425" rIns="91425" bIns="91425" anchor="ctr" anchorCtr="0">
+              <a:noAutofit/>
+            </a:bodyPr>
+            <a:lstStyle/>
+            <a:p>
+              <a:pPr marL="0" lvl="0" indent="0" algn="l" rtl="0">
+                <a:spcBef>
+                  <a:spcPts val="0"/>
+                </a:spcBef>
+                <a:spcAft>
+                  <a:spcPts val="0"/>
+                </a:spcAft>
+                <a:buNone/>
+              </a:pPr>
+              <a:endParaRPr>
+                <a:solidFill>
+                  <a:srgbClr val="FFFFFF"/>
+                </a:solidFill>
+              </a:endParaRPr>
+            </a:p>
+          </p:txBody>
+        </p:sp>
+      </p:grpSp>
+    </p:spTree>
+  </p:cSld>
+  <p:clrMapOvr>
+    <a:masterClrMapping/>
+  </p:clrMapOvr>
+  <p:timing>
+    <p:tnLst>
+      <p:par>
+        <p:cTn id="1" dur="indefinite" restart="never" nodeType="tmRoot"/>
+      </p:par>
+    </p:tnLst>
+  </p:timing>
+</p:sld>
+</file>
+
+<file path=ppt/slides/slide20.xml><?xml version="1.0" encoding="utf-8"?>
 <p:sld xmlns:a="http://schemas.openxmlformats.org/drawingml/2006/main" xmlns:r="http://schemas.openxmlformats.org/officeDocument/2006/relationships" xmlns:p="http://schemas.openxmlformats.org/presentationml/2006/main">
   <p:cSld>
     <p:spTree>
@@ -19883,7 +22632,7 @@
 </p:sld>
 </file>
 
-<file path=ppt/slides/slide19.xml><?xml version="1.0" encoding="utf-8"?>
+<file path=ppt/slides/slide21.xml><?xml version="1.0" encoding="utf-8"?>
 <p:sld xmlns:a="http://schemas.openxmlformats.org/drawingml/2006/main" xmlns:r="http://schemas.openxmlformats.org/officeDocument/2006/relationships" xmlns:p="http://schemas.openxmlformats.org/presentationml/2006/main">
   <p:cSld>
     <p:spTree>
@@ -20689,760 +23438,7 @@
 </p:sld>
 </file>
 
-<file path=ppt/slides/slide2.xml><?xml version="1.0" encoding="utf-8"?>
-<p:sld xmlns:a="http://schemas.openxmlformats.org/drawingml/2006/main" xmlns:r="http://schemas.openxmlformats.org/officeDocument/2006/relationships" xmlns:p="http://schemas.openxmlformats.org/presentationml/2006/main">
-  <p:cSld>
-    <p:spTree>
-      <p:nvGrpSpPr>
-        <p:cNvPr id="1" name="Shape 101"/>
-        <p:cNvGrpSpPr/>
-        <p:nvPr/>
-      </p:nvGrpSpPr>
-      <p:grpSpPr>
-        <a:xfrm>
-          <a:off x="0" y="0"/>
-          <a:ext cx="0" cy="0"/>
-          <a:chOff x="0" y="0"/>
-          <a:chExt cx="0" cy="0"/>
-        </a:xfrm>
-      </p:grpSpPr>
-      <p:sp>
-        <p:nvSpPr>
-          <p:cNvPr id="102" name="Google Shape;102;p18"/>
-          <p:cNvSpPr txBox="1">
-            <a:spLocks noGrp="1"/>
-          </p:cNvSpPr>
-          <p:nvPr>
-            <p:ph type="ctrTitle" idx="4294967295"/>
-          </p:nvPr>
-        </p:nvSpPr>
-        <p:spPr>
-          <a:xfrm>
-            <a:off x="1603801" y="2211710"/>
-            <a:ext cx="5936400" cy="1159800"/>
-          </a:xfrm>
-          <a:prstGeom prst="rect">
-            <a:avLst/>
-          </a:prstGeom>
-        </p:spPr>
-        <p:txBody>
-          <a:bodyPr spcFirstLastPara="1" wrap="square" lIns="91425" tIns="91425" rIns="91425" bIns="91425" anchor="t" anchorCtr="0">
-            <a:noAutofit/>
-          </a:bodyPr>
-          <a:lstStyle/>
-          <a:p>
-            <a:pPr marL="0" lvl="0" indent="0" algn="ctr" rtl="0">
-              <a:spcBef>
-                <a:spcPts val="0"/>
-              </a:spcBef>
-              <a:spcAft>
-                <a:spcPts val="0"/>
-              </a:spcAft>
-              <a:buNone/>
-            </a:pPr>
-            <a:r>
-              <a:rPr lang="ko-KR" altLang="en-US" sz="4000" dirty="0" smtClean="0">
-                <a:solidFill>
-                  <a:srgbClr val="FF9E00"/>
-                </a:solidFill>
-                <a:latin typeface="나눔바른고딕" panose="020B0603020101020101" pitchFamily="50" charset="-127"/>
-                <a:ea typeface="나눔바른고딕" panose="020B0603020101020101" pitchFamily="50" charset="-127"/>
-              </a:rPr>
-              <a:t>주제 선정 이유</a:t>
-            </a:r>
-            <a:endParaRPr sz="4000" dirty="0">
-              <a:solidFill>
-                <a:srgbClr val="FF9E00"/>
-              </a:solidFill>
-              <a:latin typeface="나눔바른고딕" panose="020B0603020101020101" pitchFamily="50" charset="-127"/>
-              <a:ea typeface="나눔바른고딕" panose="020B0603020101020101" pitchFamily="50" charset="-127"/>
-            </a:endParaRPr>
-          </a:p>
-        </p:txBody>
-      </p:sp>
-      <p:grpSp>
-        <p:nvGrpSpPr>
-          <p:cNvPr id="104" name="Google Shape;104;p18"/>
-          <p:cNvGrpSpPr/>
-          <p:nvPr/>
-        </p:nvGrpSpPr>
-        <p:grpSpPr>
-          <a:xfrm>
-            <a:off x="4233487" y="499000"/>
-            <a:ext cx="677029" cy="1103729"/>
-            <a:chOff x="6730350" y="2315900"/>
-            <a:chExt cx="257700" cy="420100"/>
-          </a:xfrm>
-        </p:grpSpPr>
-        <p:sp>
-          <p:nvSpPr>
-            <p:cNvPr id="105" name="Google Shape;105;p18"/>
-            <p:cNvSpPr/>
-            <p:nvPr/>
-          </p:nvSpPr>
-          <p:spPr>
-            <a:xfrm>
-              <a:off x="6807900" y="2671250"/>
-              <a:ext cx="102600" cy="22625"/>
-            </a:xfrm>
-            <a:custGeom>
-              <a:avLst/>
-              <a:gdLst/>
-              <a:ahLst/>
-              <a:cxnLst/>
-              <a:rect l="l" t="t" r="r" b="b"/>
-              <a:pathLst>
-                <a:path w="4104" h="905" extrusionOk="0">
-                  <a:moveTo>
-                    <a:pt x="1" y="1"/>
-                  </a:moveTo>
-                  <a:lnTo>
-                    <a:pt x="1" y="905"/>
-                  </a:lnTo>
-                  <a:lnTo>
-                    <a:pt x="4104" y="905"/>
-                  </a:lnTo>
-                  <a:lnTo>
-                    <a:pt x="4104" y="1"/>
-                  </a:lnTo>
-                  <a:close/>
-                </a:path>
-              </a:pathLst>
-            </a:custGeom>
-            <a:solidFill>
-              <a:srgbClr val="FF9E00"/>
-            </a:solidFill>
-            <a:ln>
-              <a:noFill/>
-            </a:ln>
-          </p:spPr>
-          <p:txBody>
-            <a:bodyPr spcFirstLastPara="1" wrap="square" lIns="91425" tIns="91425" rIns="91425" bIns="91425" anchor="ctr" anchorCtr="0">
-              <a:noAutofit/>
-            </a:bodyPr>
-            <a:lstStyle/>
-            <a:p>
-              <a:pPr marL="0" lvl="0" indent="0" algn="l" rtl="0">
-                <a:spcBef>
-                  <a:spcPts val="0"/>
-                </a:spcBef>
-                <a:spcAft>
-                  <a:spcPts val="0"/>
-                </a:spcAft>
-                <a:buNone/>
-              </a:pPr>
-              <a:endParaRPr>
-                <a:solidFill>
-                  <a:srgbClr val="FFFFFF"/>
-                </a:solidFill>
-              </a:endParaRPr>
-            </a:p>
-          </p:txBody>
-        </p:sp>
-        <p:sp>
-          <p:nvSpPr>
-            <p:cNvPr id="106" name="Google Shape;106;p18"/>
-            <p:cNvSpPr/>
-            <p:nvPr/>
-          </p:nvSpPr>
-          <p:spPr>
-            <a:xfrm>
-              <a:off x="6807900" y="2636450"/>
-              <a:ext cx="102600" cy="22625"/>
-            </a:xfrm>
-            <a:custGeom>
-              <a:avLst/>
-              <a:gdLst/>
-              <a:ahLst/>
-              <a:cxnLst/>
-              <a:rect l="l" t="t" r="r" b="b"/>
-              <a:pathLst>
-                <a:path w="4104" h="905" extrusionOk="0">
-                  <a:moveTo>
-                    <a:pt x="1" y="1"/>
-                  </a:moveTo>
-                  <a:lnTo>
-                    <a:pt x="1" y="905"/>
-                  </a:lnTo>
-                  <a:lnTo>
-                    <a:pt x="4104" y="905"/>
-                  </a:lnTo>
-                  <a:lnTo>
-                    <a:pt x="4104" y="1"/>
-                  </a:lnTo>
-                  <a:close/>
-                </a:path>
-              </a:pathLst>
-            </a:custGeom>
-            <a:solidFill>
-              <a:srgbClr val="FF9E00"/>
-            </a:solidFill>
-            <a:ln>
-              <a:noFill/>
-            </a:ln>
-          </p:spPr>
-          <p:txBody>
-            <a:bodyPr spcFirstLastPara="1" wrap="square" lIns="91425" tIns="91425" rIns="91425" bIns="91425" anchor="ctr" anchorCtr="0">
-              <a:noAutofit/>
-            </a:bodyPr>
-            <a:lstStyle/>
-            <a:p>
-              <a:pPr marL="0" lvl="0" indent="0" algn="l" rtl="0">
-                <a:spcBef>
-                  <a:spcPts val="0"/>
-                </a:spcBef>
-                <a:spcAft>
-                  <a:spcPts val="0"/>
-                </a:spcAft>
-                <a:buNone/>
-              </a:pPr>
-              <a:endParaRPr>
-                <a:solidFill>
-                  <a:srgbClr val="FFFFFF"/>
-                </a:solidFill>
-              </a:endParaRPr>
-            </a:p>
-          </p:txBody>
-        </p:sp>
-        <p:sp>
-          <p:nvSpPr>
-            <p:cNvPr id="107" name="Google Shape;107;p18"/>
-            <p:cNvSpPr/>
-            <p:nvPr/>
-          </p:nvSpPr>
-          <p:spPr>
-            <a:xfrm>
-              <a:off x="6807900" y="2706075"/>
-              <a:ext cx="102600" cy="29925"/>
-            </a:xfrm>
-            <a:custGeom>
-              <a:avLst/>
-              <a:gdLst/>
-              <a:ahLst/>
-              <a:cxnLst/>
-              <a:rect l="l" t="t" r="r" b="b"/>
-              <a:pathLst>
-                <a:path w="4104" h="1197" extrusionOk="0">
-                  <a:moveTo>
-                    <a:pt x="1" y="0"/>
-                  </a:moveTo>
-                  <a:lnTo>
-                    <a:pt x="1" y="171"/>
-                  </a:lnTo>
-                  <a:lnTo>
-                    <a:pt x="25" y="318"/>
-                  </a:lnTo>
-                  <a:lnTo>
-                    <a:pt x="98" y="464"/>
-                  </a:lnTo>
-                  <a:lnTo>
-                    <a:pt x="196" y="586"/>
-                  </a:lnTo>
-                  <a:lnTo>
-                    <a:pt x="343" y="660"/>
-                  </a:lnTo>
-                  <a:lnTo>
-                    <a:pt x="1881" y="1172"/>
-                  </a:lnTo>
-                  <a:lnTo>
-                    <a:pt x="2052" y="1197"/>
-                  </a:lnTo>
-                  <a:lnTo>
-                    <a:pt x="2223" y="1172"/>
-                  </a:lnTo>
-                  <a:lnTo>
-                    <a:pt x="3762" y="660"/>
-                  </a:lnTo>
-                  <a:lnTo>
-                    <a:pt x="3908" y="586"/>
-                  </a:lnTo>
-                  <a:lnTo>
-                    <a:pt x="4006" y="464"/>
-                  </a:lnTo>
-                  <a:lnTo>
-                    <a:pt x="4079" y="318"/>
-                  </a:lnTo>
-                  <a:lnTo>
-                    <a:pt x="4104" y="171"/>
-                  </a:lnTo>
-                  <a:lnTo>
-                    <a:pt x="4104" y="0"/>
-                  </a:lnTo>
-                  <a:close/>
-                </a:path>
-              </a:pathLst>
-            </a:custGeom>
-            <a:solidFill>
-              <a:srgbClr val="FF9E00"/>
-            </a:solidFill>
-            <a:ln>
-              <a:noFill/>
-            </a:ln>
-          </p:spPr>
-          <p:txBody>
-            <a:bodyPr spcFirstLastPara="1" wrap="square" lIns="91425" tIns="91425" rIns="91425" bIns="91425" anchor="ctr" anchorCtr="0">
-              <a:noAutofit/>
-            </a:bodyPr>
-            <a:lstStyle/>
-            <a:p>
-              <a:pPr marL="0" lvl="0" indent="0" algn="l" rtl="0">
-                <a:spcBef>
-                  <a:spcPts val="0"/>
-                </a:spcBef>
-                <a:spcAft>
-                  <a:spcPts val="0"/>
-                </a:spcAft>
-                <a:buNone/>
-              </a:pPr>
-              <a:endParaRPr>
-                <a:solidFill>
-                  <a:srgbClr val="FFFFFF"/>
-                </a:solidFill>
-              </a:endParaRPr>
-            </a:p>
-          </p:txBody>
-        </p:sp>
-        <p:sp>
-          <p:nvSpPr>
-            <p:cNvPr id="108" name="Google Shape;108;p18"/>
-            <p:cNvSpPr/>
-            <p:nvPr/>
-          </p:nvSpPr>
-          <p:spPr>
-            <a:xfrm>
-              <a:off x="6811575" y="2463675"/>
-              <a:ext cx="95275" cy="160600"/>
-            </a:xfrm>
-            <a:custGeom>
-              <a:avLst/>
-              <a:gdLst/>
-              <a:ahLst/>
-              <a:cxnLst/>
-              <a:rect l="l" t="t" r="r" b="b"/>
-              <a:pathLst>
-                <a:path w="3811" h="6424" extrusionOk="0">
-                  <a:moveTo>
-                    <a:pt x="1905" y="0"/>
-                  </a:moveTo>
-                  <a:lnTo>
-                    <a:pt x="928" y="831"/>
-                  </a:lnTo>
-                  <a:lnTo>
-                    <a:pt x="855" y="879"/>
-                  </a:lnTo>
-                  <a:lnTo>
-                    <a:pt x="782" y="904"/>
-                  </a:lnTo>
-                  <a:lnTo>
-                    <a:pt x="684" y="879"/>
-                  </a:lnTo>
-                  <a:lnTo>
-                    <a:pt x="611" y="831"/>
-                  </a:lnTo>
-                  <a:lnTo>
-                    <a:pt x="0" y="318"/>
-                  </a:lnTo>
-                  <a:lnTo>
-                    <a:pt x="1319" y="6423"/>
-                  </a:lnTo>
-                  <a:lnTo>
-                    <a:pt x="2491" y="6423"/>
-                  </a:lnTo>
-                  <a:lnTo>
-                    <a:pt x="3810" y="318"/>
-                  </a:lnTo>
-                  <a:lnTo>
-                    <a:pt x="3200" y="831"/>
-                  </a:lnTo>
-                  <a:lnTo>
-                    <a:pt x="3126" y="879"/>
-                  </a:lnTo>
-                  <a:lnTo>
-                    <a:pt x="3029" y="904"/>
-                  </a:lnTo>
-                  <a:lnTo>
-                    <a:pt x="2955" y="879"/>
-                  </a:lnTo>
-                  <a:lnTo>
-                    <a:pt x="2882" y="831"/>
-                  </a:lnTo>
-                  <a:lnTo>
-                    <a:pt x="1905" y="0"/>
-                  </a:lnTo>
-                  <a:close/>
-                </a:path>
-              </a:pathLst>
-            </a:custGeom>
-            <a:solidFill>
-              <a:srgbClr val="FF9E00"/>
-            </a:solidFill>
-            <a:ln>
-              <a:noFill/>
-            </a:ln>
-          </p:spPr>
-          <p:txBody>
-            <a:bodyPr spcFirstLastPara="1" wrap="square" lIns="91425" tIns="91425" rIns="91425" bIns="91425" anchor="ctr" anchorCtr="0">
-              <a:noAutofit/>
-            </a:bodyPr>
-            <a:lstStyle/>
-            <a:p>
-              <a:pPr marL="0" lvl="0" indent="0" algn="l" rtl="0">
-                <a:spcBef>
-                  <a:spcPts val="0"/>
-                </a:spcBef>
-                <a:spcAft>
-                  <a:spcPts val="0"/>
-                </a:spcAft>
-                <a:buNone/>
-              </a:pPr>
-              <a:endParaRPr>
-                <a:solidFill>
-                  <a:srgbClr val="FFFFFF"/>
-                </a:solidFill>
-              </a:endParaRPr>
-            </a:p>
-          </p:txBody>
-        </p:sp>
-        <p:sp>
-          <p:nvSpPr>
-            <p:cNvPr id="109" name="Google Shape;109;p18"/>
-            <p:cNvSpPr/>
-            <p:nvPr/>
-          </p:nvSpPr>
-          <p:spPr>
-            <a:xfrm>
-              <a:off x="6730350" y="2315900"/>
-              <a:ext cx="257700" cy="308375"/>
-            </a:xfrm>
-            <a:custGeom>
-              <a:avLst/>
-              <a:gdLst/>
-              <a:ahLst/>
-              <a:cxnLst/>
-              <a:rect l="l" t="t" r="r" b="b"/>
-              <a:pathLst>
-                <a:path w="10308" h="12335" extrusionOk="0">
-                  <a:moveTo>
-                    <a:pt x="5154" y="1"/>
-                  </a:moveTo>
-                  <a:lnTo>
-                    <a:pt x="4617" y="25"/>
-                  </a:lnTo>
-                  <a:lnTo>
-                    <a:pt x="4128" y="98"/>
-                  </a:lnTo>
-                  <a:lnTo>
-                    <a:pt x="3615" y="245"/>
-                  </a:lnTo>
-                  <a:lnTo>
-                    <a:pt x="3151" y="416"/>
-                  </a:lnTo>
-                  <a:lnTo>
-                    <a:pt x="2712" y="636"/>
-                  </a:lnTo>
-                  <a:lnTo>
-                    <a:pt x="2272" y="880"/>
-                  </a:lnTo>
-                  <a:lnTo>
-                    <a:pt x="1881" y="1173"/>
-                  </a:lnTo>
-                  <a:lnTo>
-                    <a:pt x="1515" y="1515"/>
-                  </a:lnTo>
-                  <a:lnTo>
-                    <a:pt x="1198" y="1881"/>
-                  </a:lnTo>
-                  <a:lnTo>
-                    <a:pt x="880" y="2272"/>
-                  </a:lnTo>
-                  <a:lnTo>
-                    <a:pt x="636" y="2687"/>
-                  </a:lnTo>
-                  <a:lnTo>
-                    <a:pt x="416" y="3151"/>
-                  </a:lnTo>
-                  <a:lnTo>
-                    <a:pt x="245" y="3615"/>
-                  </a:lnTo>
-                  <a:lnTo>
-                    <a:pt x="123" y="4104"/>
-                  </a:lnTo>
-                  <a:lnTo>
-                    <a:pt x="50" y="4617"/>
-                  </a:lnTo>
-                  <a:lnTo>
-                    <a:pt x="1" y="5154"/>
-                  </a:lnTo>
-                  <a:lnTo>
-                    <a:pt x="25" y="5423"/>
-                  </a:lnTo>
-                  <a:lnTo>
-                    <a:pt x="50" y="5691"/>
-                  </a:lnTo>
-                  <a:lnTo>
-                    <a:pt x="123" y="6204"/>
-                  </a:lnTo>
-                  <a:lnTo>
-                    <a:pt x="245" y="6693"/>
-                  </a:lnTo>
-                  <a:lnTo>
-                    <a:pt x="416" y="7132"/>
-                  </a:lnTo>
-                  <a:lnTo>
-                    <a:pt x="636" y="7572"/>
-                  </a:lnTo>
-                  <a:lnTo>
-                    <a:pt x="856" y="7963"/>
-                  </a:lnTo>
-                  <a:lnTo>
-                    <a:pt x="1100" y="8353"/>
-                  </a:lnTo>
-                  <a:lnTo>
-                    <a:pt x="1369" y="8744"/>
-                  </a:lnTo>
-                  <a:lnTo>
-                    <a:pt x="1906" y="9526"/>
-                  </a:lnTo>
-                  <a:lnTo>
-                    <a:pt x="2150" y="9941"/>
-                  </a:lnTo>
-                  <a:lnTo>
-                    <a:pt x="2394" y="10356"/>
-                  </a:lnTo>
-                  <a:lnTo>
-                    <a:pt x="2614" y="10796"/>
-                  </a:lnTo>
-                  <a:lnTo>
-                    <a:pt x="2810" y="11284"/>
-                  </a:lnTo>
-                  <a:lnTo>
-                    <a:pt x="2980" y="11797"/>
-                  </a:lnTo>
-                  <a:lnTo>
-                    <a:pt x="3103" y="12334"/>
-                  </a:lnTo>
-                  <a:lnTo>
-                    <a:pt x="4079" y="12334"/>
-                  </a:lnTo>
-                  <a:lnTo>
-                    <a:pt x="3249" y="8500"/>
-                  </a:lnTo>
-                  <a:lnTo>
-                    <a:pt x="2663" y="5642"/>
-                  </a:lnTo>
-                  <a:lnTo>
-                    <a:pt x="2663" y="5520"/>
-                  </a:lnTo>
-                  <a:lnTo>
-                    <a:pt x="2712" y="5423"/>
-                  </a:lnTo>
-                  <a:lnTo>
-                    <a:pt x="2785" y="5374"/>
-                  </a:lnTo>
-                  <a:lnTo>
-                    <a:pt x="2883" y="5349"/>
-                  </a:lnTo>
-                  <a:lnTo>
-                    <a:pt x="2956" y="5349"/>
-                  </a:lnTo>
-                  <a:lnTo>
-                    <a:pt x="3054" y="5398"/>
-                  </a:lnTo>
-                  <a:lnTo>
-                    <a:pt x="4031" y="6253"/>
-                  </a:lnTo>
-                  <a:lnTo>
-                    <a:pt x="4983" y="5398"/>
-                  </a:lnTo>
-                  <a:lnTo>
-                    <a:pt x="5081" y="5349"/>
-                  </a:lnTo>
-                  <a:lnTo>
-                    <a:pt x="5227" y="5349"/>
-                  </a:lnTo>
-                  <a:lnTo>
-                    <a:pt x="5325" y="5398"/>
-                  </a:lnTo>
-                  <a:lnTo>
-                    <a:pt x="6278" y="6253"/>
-                  </a:lnTo>
-                  <a:lnTo>
-                    <a:pt x="7254" y="5398"/>
-                  </a:lnTo>
-                  <a:lnTo>
-                    <a:pt x="7352" y="5349"/>
-                  </a:lnTo>
-                  <a:lnTo>
-                    <a:pt x="7425" y="5349"/>
-                  </a:lnTo>
-                  <a:lnTo>
-                    <a:pt x="7523" y="5374"/>
-                  </a:lnTo>
-                  <a:lnTo>
-                    <a:pt x="7596" y="5423"/>
-                  </a:lnTo>
-                  <a:lnTo>
-                    <a:pt x="7645" y="5520"/>
-                  </a:lnTo>
-                  <a:lnTo>
-                    <a:pt x="7645" y="5642"/>
-                  </a:lnTo>
-                  <a:lnTo>
-                    <a:pt x="7059" y="8500"/>
-                  </a:lnTo>
-                  <a:lnTo>
-                    <a:pt x="6229" y="12334"/>
-                  </a:lnTo>
-                  <a:lnTo>
-                    <a:pt x="7206" y="12334"/>
-                  </a:lnTo>
-                  <a:lnTo>
-                    <a:pt x="7328" y="11797"/>
-                  </a:lnTo>
-                  <a:lnTo>
-                    <a:pt x="7499" y="11284"/>
-                  </a:lnTo>
-                  <a:lnTo>
-                    <a:pt x="7694" y="10796"/>
-                  </a:lnTo>
-                  <a:lnTo>
-                    <a:pt x="7914" y="10356"/>
-                  </a:lnTo>
-                  <a:lnTo>
-                    <a:pt x="8158" y="9941"/>
-                  </a:lnTo>
-                  <a:lnTo>
-                    <a:pt x="8402" y="9526"/>
-                  </a:lnTo>
-                  <a:lnTo>
-                    <a:pt x="8940" y="8744"/>
-                  </a:lnTo>
-                  <a:lnTo>
-                    <a:pt x="9208" y="8353"/>
-                  </a:lnTo>
-                  <a:lnTo>
-                    <a:pt x="9453" y="7963"/>
-                  </a:lnTo>
-                  <a:lnTo>
-                    <a:pt x="9672" y="7572"/>
-                  </a:lnTo>
-                  <a:lnTo>
-                    <a:pt x="9892" y="7132"/>
-                  </a:lnTo>
-                  <a:lnTo>
-                    <a:pt x="10063" y="6693"/>
-                  </a:lnTo>
-                  <a:lnTo>
-                    <a:pt x="10185" y="6204"/>
-                  </a:lnTo>
-                  <a:lnTo>
-                    <a:pt x="10259" y="5691"/>
-                  </a:lnTo>
-                  <a:lnTo>
-                    <a:pt x="10283" y="5423"/>
-                  </a:lnTo>
-                  <a:lnTo>
-                    <a:pt x="10307" y="5154"/>
-                  </a:lnTo>
-                  <a:lnTo>
-                    <a:pt x="10259" y="4617"/>
-                  </a:lnTo>
-                  <a:lnTo>
-                    <a:pt x="10185" y="4104"/>
-                  </a:lnTo>
-                  <a:lnTo>
-                    <a:pt x="10063" y="3615"/>
-                  </a:lnTo>
-                  <a:lnTo>
-                    <a:pt x="9892" y="3151"/>
-                  </a:lnTo>
-                  <a:lnTo>
-                    <a:pt x="9672" y="2687"/>
-                  </a:lnTo>
-                  <a:lnTo>
-                    <a:pt x="9428" y="2272"/>
-                  </a:lnTo>
-                  <a:lnTo>
-                    <a:pt x="9111" y="1881"/>
-                  </a:lnTo>
-                  <a:lnTo>
-                    <a:pt x="8793" y="1515"/>
-                  </a:lnTo>
-                  <a:lnTo>
-                    <a:pt x="8427" y="1173"/>
-                  </a:lnTo>
-                  <a:lnTo>
-                    <a:pt x="8036" y="880"/>
-                  </a:lnTo>
-                  <a:lnTo>
-                    <a:pt x="7596" y="636"/>
-                  </a:lnTo>
-                  <a:lnTo>
-                    <a:pt x="7157" y="416"/>
-                  </a:lnTo>
-                  <a:lnTo>
-                    <a:pt x="6693" y="245"/>
-                  </a:lnTo>
-                  <a:lnTo>
-                    <a:pt x="6180" y="98"/>
-                  </a:lnTo>
-                  <a:lnTo>
-                    <a:pt x="5691" y="25"/>
-                  </a:lnTo>
-                  <a:lnTo>
-                    <a:pt x="5154" y="1"/>
-                  </a:lnTo>
-                  <a:close/>
-                </a:path>
-              </a:pathLst>
-            </a:custGeom>
-            <a:solidFill>
-              <a:srgbClr val="FF9E00"/>
-            </a:solidFill>
-            <a:ln>
-              <a:noFill/>
-            </a:ln>
-          </p:spPr>
-          <p:txBody>
-            <a:bodyPr spcFirstLastPara="1" wrap="square" lIns="91425" tIns="91425" rIns="91425" bIns="91425" anchor="ctr" anchorCtr="0">
-              <a:noAutofit/>
-            </a:bodyPr>
-            <a:lstStyle/>
-            <a:p>
-              <a:pPr marL="0" lvl="0" indent="0" algn="l" rtl="0">
-                <a:spcBef>
-                  <a:spcPts val="0"/>
-                </a:spcBef>
-                <a:spcAft>
-                  <a:spcPts val="0"/>
-                </a:spcAft>
-                <a:buNone/>
-              </a:pPr>
-              <a:endParaRPr>
-                <a:solidFill>
-                  <a:srgbClr val="FFFFFF"/>
-                </a:solidFill>
-              </a:endParaRPr>
-            </a:p>
-          </p:txBody>
-        </p:sp>
-      </p:grpSp>
-    </p:spTree>
-  </p:cSld>
-  <p:clrMapOvr>
-    <a:masterClrMapping/>
-  </p:clrMapOvr>
-  <p:timing>
-    <p:tnLst>
-      <p:par>
-        <p:cTn id="1" dur="indefinite" restart="never" nodeType="tmRoot"/>
-      </p:par>
-    </p:tnLst>
-  </p:timing>
-</p:sld>
-</file>
-
-<file path=ppt/slides/slide20.xml><?xml version="1.0" encoding="utf-8"?>
+<file path=ppt/slides/slide22.xml><?xml version="1.0" encoding="utf-8"?>
 <p:sld xmlns:a="http://schemas.openxmlformats.org/drawingml/2006/main" xmlns:r="http://schemas.openxmlformats.org/officeDocument/2006/relationships" xmlns:p="http://schemas.openxmlformats.org/presentationml/2006/main">
   <p:cSld>
     <p:spTree>
@@ -22258,7 +24254,7 @@
 </p:sld>
 </file>
 
-<file path=ppt/slides/slide21.xml><?xml version="1.0" encoding="utf-8"?>
+<file path=ppt/slides/slide23.xml><?xml version="1.0" encoding="utf-8"?>
 <p:sld xmlns:a="http://schemas.openxmlformats.org/drawingml/2006/main" xmlns:r="http://schemas.openxmlformats.org/officeDocument/2006/relationships" xmlns:p="http://schemas.openxmlformats.org/presentationml/2006/main">
   <p:cSld>
     <p:bg>
@@ -23799,7 +25795,7 @@
 </p:sld>
 </file>
 
-<file path=ppt/slides/slide22.xml><?xml version="1.0" encoding="utf-8"?>
+<file path=ppt/slides/slide24.xml><?xml version="1.0" encoding="utf-8"?>
 <p:sld xmlns:a="http://schemas.openxmlformats.org/drawingml/2006/main" xmlns:r="http://schemas.openxmlformats.org/officeDocument/2006/relationships" xmlns:p="http://schemas.openxmlformats.org/presentationml/2006/main">
   <p:cSld>
     <p:bg>
@@ -25596,6 +27592,967 @@
                 <a:latin typeface="나눔바른고딕" panose="020B0603020101020101" pitchFamily="50" charset="-127"/>
                 <a:ea typeface="나눔바른고딕" panose="020B0603020101020101" pitchFamily="50" charset="-127"/>
               </a:rPr>
+              <a:t>데이터베이스 설계</a:t>
+            </a:r>
+            <a:endParaRPr sz="4000" dirty="0">
+              <a:solidFill>
+                <a:srgbClr val="FF9E00"/>
+              </a:solidFill>
+              <a:latin typeface="나눔바른고딕" panose="020B0603020101020101" pitchFamily="50" charset="-127"/>
+              <a:ea typeface="나눔바른고딕" panose="020B0603020101020101" pitchFamily="50" charset="-127"/>
+            </a:endParaRPr>
+          </a:p>
+        </p:txBody>
+      </p:sp>
+      <p:grpSp>
+        <p:nvGrpSpPr>
+          <p:cNvPr id="104" name="Google Shape;104;p18"/>
+          <p:cNvGrpSpPr/>
+          <p:nvPr/>
+        </p:nvGrpSpPr>
+        <p:grpSpPr>
+          <a:xfrm>
+            <a:off x="4233487" y="499000"/>
+            <a:ext cx="677029" cy="1103729"/>
+            <a:chOff x="6730350" y="2315900"/>
+            <a:chExt cx="257700" cy="420100"/>
+          </a:xfrm>
+        </p:grpSpPr>
+        <p:sp>
+          <p:nvSpPr>
+            <p:cNvPr id="105" name="Google Shape;105;p18"/>
+            <p:cNvSpPr/>
+            <p:nvPr/>
+          </p:nvSpPr>
+          <p:spPr>
+            <a:xfrm>
+              <a:off x="6807900" y="2671250"/>
+              <a:ext cx="102600" cy="22625"/>
+            </a:xfrm>
+            <a:custGeom>
+              <a:avLst/>
+              <a:gdLst/>
+              <a:ahLst/>
+              <a:cxnLst/>
+              <a:rect l="l" t="t" r="r" b="b"/>
+              <a:pathLst>
+                <a:path w="4104" h="905" extrusionOk="0">
+                  <a:moveTo>
+                    <a:pt x="1" y="1"/>
+                  </a:moveTo>
+                  <a:lnTo>
+                    <a:pt x="1" y="905"/>
+                  </a:lnTo>
+                  <a:lnTo>
+                    <a:pt x="4104" y="905"/>
+                  </a:lnTo>
+                  <a:lnTo>
+                    <a:pt x="4104" y="1"/>
+                  </a:lnTo>
+                  <a:close/>
+                </a:path>
+              </a:pathLst>
+            </a:custGeom>
+            <a:solidFill>
+              <a:srgbClr val="FF9E00"/>
+            </a:solidFill>
+            <a:ln>
+              <a:noFill/>
+            </a:ln>
+          </p:spPr>
+          <p:txBody>
+            <a:bodyPr spcFirstLastPara="1" wrap="square" lIns="91425" tIns="91425" rIns="91425" bIns="91425" anchor="ctr" anchorCtr="0">
+              <a:noAutofit/>
+            </a:bodyPr>
+            <a:lstStyle/>
+            <a:p>
+              <a:pPr marL="0" lvl="0" indent="0" algn="l" rtl="0">
+                <a:spcBef>
+                  <a:spcPts val="0"/>
+                </a:spcBef>
+                <a:spcAft>
+                  <a:spcPts val="0"/>
+                </a:spcAft>
+                <a:buNone/>
+              </a:pPr>
+              <a:endParaRPr>
+                <a:solidFill>
+                  <a:srgbClr val="FFFFFF"/>
+                </a:solidFill>
+              </a:endParaRPr>
+            </a:p>
+          </p:txBody>
+        </p:sp>
+        <p:sp>
+          <p:nvSpPr>
+            <p:cNvPr id="106" name="Google Shape;106;p18"/>
+            <p:cNvSpPr/>
+            <p:nvPr/>
+          </p:nvSpPr>
+          <p:spPr>
+            <a:xfrm>
+              <a:off x="6807900" y="2636450"/>
+              <a:ext cx="102600" cy="22625"/>
+            </a:xfrm>
+            <a:custGeom>
+              <a:avLst/>
+              <a:gdLst/>
+              <a:ahLst/>
+              <a:cxnLst/>
+              <a:rect l="l" t="t" r="r" b="b"/>
+              <a:pathLst>
+                <a:path w="4104" h="905" extrusionOk="0">
+                  <a:moveTo>
+                    <a:pt x="1" y="1"/>
+                  </a:moveTo>
+                  <a:lnTo>
+                    <a:pt x="1" y="905"/>
+                  </a:lnTo>
+                  <a:lnTo>
+                    <a:pt x="4104" y="905"/>
+                  </a:lnTo>
+                  <a:lnTo>
+                    <a:pt x="4104" y="1"/>
+                  </a:lnTo>
+                  <a:close/>
+                </a:path>
+              </a:pathLst>
+            </a:custGeom>
+            <a:solidFill>
+              <a:srgbClr val="FF9E00"/>
+            </a:solidFill>
+            <a:ln>
+              <a:noFill/>
+            </a:ln>
+          </p:spPr>
+          <p:txBody>
+            <a:bodyPr spcFirstLastPara="1" wrap="square" lIns="91425" tIns="91425" rIns="91425" bIns="91425" anchor="ctr" anchorCtr="0">
+              <a:noAutofit/>
+            </a:bodyPr>
+            <a:lstStyle/>
+            <a:p>
+              <a:pPr marL="0" lvl="0" indent="0" algn="l" rtl="0">
+                <a:spcBef>
+                  <a:spcPts val="0"/>
+                </a:spcBef>
+                <a:spcAft>
+                  <a:spcPts val="0"/>
+                </a:spcAft>
+                <a:buNone/>
+              </a:pPr>
+              <a:endParaRPr>
+                <a:solidFill>
+                  <a:srgbClr val="FFFFFF"/>
+                </a:solidFill>
+              </a:endParaRPr>
+            </a:p>
+          </p:txBody>
+        </p:sp>
+        <p:sp>
+          <p:nvSpPr>
+            <p:cNvPr id="107" name="Google Shape;107;p18"/>
+            <p:cNvSpPr/>
+            <p:nvPr/>
+          </p:nvSpPr>
+          <p:spPr>
+            <a:xfrm>
+              <a:off x="6807900" y="2706075"/>
+              <a:ext cx="102600" cy="29925"/>
+            </a:xfrm>
+            <a:custGeom>
+              <a:avLst/>
+              <a:gdLst/>
+              <a:ahLst/>
+              <a:cxnLst/>
+              <a:rect l="l" t="t" r="r" b="b"/>
+              <a:pathLst>
+                <a:path w="4104" h="1197" extrusionOk="0">
+                  <a:moveTo>
+                    <a:pt x="1" y="0"/>
+                  </a:moveTo>
+                  <a:lnTo>
+                    <a:pt x="1" y="171"/>
+                  </a:lnTo>
+                  <a:lnTo>
+                    <a:pt x="25" y="318"/>
+                  </a:lnTo>
+                  <a:lnTo>
+                    <a:pt x="98" y="464"/>
+                  </a:lnTo>
+                  <a:lnTo>
+                    <a:pt x="196" y="586"/>
+                  </a:lnTo>
+                  <a:lnTo>
+                    <a:pt x="343" y="660"/>
+                  </a:lnTo>
+                  <a:lnTo>
+                    <a:pt x="1881" y="1172"/>
+                  </a:lnTo>
+                  <a:lnTo>
+                    <a:pt x="2052" y="1197"/>
+                  </a:lnTo>
+                  <a:lnTo>
+                    <a:pt x="2223" y="1172"/>
+                  </a:lnTo>
+                  <a:lnTo>
+                    <a:pt x="3762" y="660"/>
+                  </a:lnTo>
+                  <a:lnTo>
+                    <a:pt x="3908" y="586"/>
+                  </a:lnTo>
+                  <a:lnTo>
+                    <a:pt x="4006" y="464"/>
+                  </a:lnTo>
+                  <a:lnTo>
+                    <a:pt x="4079" y="318"/>
+                  </a:lnTo>
+                  <a:lnTo>
+                    <a:pt x="4104" y="171"/>
+                  </a:lnTo>
+                  <a:lnTo>
+                    <a:pt x="4104" y="0"/>
+                  </a:lnTo>
+                  <a:close/>
+                </a:path>
+              </a:pathLst>
+            </a:custGeom>
+            <a:solidFill>
+              <a:srgbClr val="FF9E00"/>
+            </a:solidFill>
+            <a:ln>
+              <a:noFill/>
+            </a:ln>
+          </p:spPr>
+          <p:txBody>
+            <a:bodyPr spcFirstLastPara="1" wrap="square" lIns="91425" tIns="91425" rIns="91425" bIns="91425" anchor="ctr" anchorCtr="0">
+              <a:noAutofit/>
+            </a:bodyPr>
+            <a:lstStyle/>
+            <a:p>
+              <a:pPr marL="0" lvl="0" indent="0" algn="l" rtl="0">
+                <a:spcBef>
+                  <a:spcPts val="0"/>
+                </a:spcBef>
+                <a:spcAft>
+                  <a:spcPts val="0"/>
+                </a:spcAft>
+                <a:buNone/>
+              </a:pPr>
+              <a:endParaRPr>
+                <a:solidFill>
+                  <a:srgbClr val="FFFFFF"/>
+                </a:solidFill>
+              </a:endParaRPr>
+            </a:p>
+          </p:txBody>
+        </p:sp>
+        <p:sp>
+          <p:nvSpPr>
+            <p:cNvPr id="108" name="Google Shape;108;p18"/>
+            <p:cNvSpPr/>
+            <p:nvPr/>
+          </p:nvSpPr>
+          <p:spPr>
+            <a:xfrm>
+              <a:off x="6811575" y="2463675"/>
+              <a:ext cx="95275" cy="160600"/>
+            </a:xfrm>
+            <a:custGeom>
+              <a:avLst/>
+              <a:gdLst/>
+              <a:ahLst/>
+              <a:cxnLst/>
+              <a:rect l="l" t="t" r="r" b="b"/>
+              <a:pathLst>
+                <a:path w="3811" h="6424" extrusionOk="0">
+                  <a:moveTo>
+                    <a:pt x="1905" y="0"/>
+                  </a:moveTo>
+                  <a:lnTo>
+                    <a:pt x="928" y="831"/>
+                  </a:lnTo>
+                  <a:lnTo>
+                    <a:pt x="855" y="879"/>
+                  </a:lnTo>
+                  <a:lnTo>
+                    <a:pt x="782" y="904"/>
+                  </a:lnTo>
+                  <a:lnTo>
+                    <a:pt x="684" y="879"/>
+                  </a:lnTo>
+                  <a:lnTo>
+                    <a:pt x="611" y="831"/>
+                  </a:lnTo>
+                  <a:lnTo>
+                    <a:pt x="0" y="318"/>
+                  </a:lnTo>
+                  <a:lnTo>
+                    <a:pt x="1319" y="6423"/>
+                  </a:lnTo>
+                  <a:lnTo>
+                    <a:pt x="2491" y="6423"/>
+                  </a:lnTo>
+                  <a:lnTo>
+                    <a:pt x="3810" y="318"/>
+                  </a:lnTo>
+                  <a:lnTo>
+                    <a:pt x="3200" y="831"/>
+                  </a:lnTo>
+                  <a:lnTo>
+                    <a:pt x="3126" y="879"/>
+                  </a:lnTo>
+                  <a:lnTo>
+                    <a:pt x="3029" y="904"/>
+                  </a:lnTo>
+                  <a:lnTo>
+                    <a:pt x="2955" y="879"/>
+                  </a:lnTo>
+                  <a:lnTo>
+                    <a:pt x="2882" y="831"/>
+                  </a:lnTo>
+                  <a:lnTo>
+                    <a:pt x="1905" y="0"/>
+                  </a:lnTo>
+                  <a:close/>
+                </a:path>
+              </a:pathLst>
+            </a:custGeom>
+            <a:solidFill>
+              <a:srgbClr val="FF9E00"/>
+            </a:solidFill>
+            <a:ln>
+              <a:noFill/>
+            </a:ln>
+          </p:spPr>
+          <p:txBody>
+            <a:bodyPr spcFirstLastPara="1" wrap="square" lIns="91425" tIns="91425" rIns="91425" bIns="91425" anchor="ctr" anchorCtr="0">
+              <a:noAutofit/>
+            </a:bodyPr>
+            <a:lstStyle/>
+            <a:p>
+              <a:pPr marL="0" lvl="0" indent="0" algn="l" rtl="0">
+                <a:spcBef>
+                  <a:spcPts val="0"/>
+                </a:spcBef>
+                <a:spcAft>
+                  <a:spcPts val="0"/>
+                </a:spcAft>
+                <a:buNone/>
+              </a:pPr>
+              <a:endParaRPr>
+                <a:solidFill>
+                  <a:srgbClr val="FFFFFF"/>
+                </a:solidFill>
+              </a:endParaRPr>
+            </a:p>
+          </p:txBody>
+        </p:sp>
+        <p:sp>
+          <p:nvSpPr>
+            <p:cNvPr id="109" name="Google Shape;109;p18"/>
+            <p:cNvSpPr/>
+            <p:nvPr/>
+          </p:nvSpPr>
+          <p:spPr>
+            <a:xfrm>
+              <a:off x="6730350" y="2315900"/>
+              <a:ext cx="257700" cy="308375"/>
+            </a:xfrm>
+            <a:custGeom>
+              <a:avLst/>
+              <a:gdLst/>
+              <a:ahLst/>
+              <a:cxnLst/>
+              <a:rect l="l" t="t" r="r" b="b"/>
+              <a:pathLst>
+                <a:path w="10308" h="12335" extrusionOk="0">
+                  <a:moveTo>
+                    <a:pt x="5154" y="1"/>
+                  </a:moveTo>
+                  <a:lnTo>
+                    <a:pt x="4617" y="25"/>
+                  </a:lnTo>
+                  <a:lnTo>
+                    <a:pt x="4128" y="98"/>
+                  </a:lnTo>
+                  <a:lnTo>
+                    <a:pt x="3615" y="245"/>
+                  </a:lnTo>
+                  <a:lnTo>
+                    <a:pt x="3151" y="416"/>
+                  </a:lnTo>
+                  <a:lnTo>
+                    <a:pt x="2712" y="636"/>
+                  </a:lnTo>
+                  <a:lnTo>
+                    <a:pt x="2272" y="880"/>
+                  </a:lnTo>
+                  <a:lnTo>
+                    <a:pt x="1881" y="1173"/>
+                  </a:lnTo>
+                  <a:lnTo>
+                    <a:pt x="1515" y="1515"/>
+                  </a:lnTo>
+                  <a:lnTo>
+                    <a:pt x="1198" y="1881"/>
+                  </a:lnTo>
+                  <a:lnTo>
+                    <a:pt x="880" y="2272"/>
+                  </a:lnTo>
+                  <a:lnTo>
+                    <a:pt x="636" y="2687"/>
+                  </a:lnTo>
+                  <a:lnTo>
+                    <a:pt x="416" y="3151"/>
+                  </a:lnTo>
+                  <a:lnTo>
+                    <a:pt x="245" y="3615"/>
+                  </a:lnTo>
+                  <a:lnTo>
+                    <a:pt x="123" y="4104"/>
+                  </a:lnTo>
+                  <a:lnTo>
+                    <a:pt x="50" y="4617"/>
+                  </a:lnTo>
+                  <a:lnTo>
+                    <a:pt x="1" y="5154"/>
+                  </a:lnTo>
+                  <a:lnTo>
+                    <a:pt x="25" y="5423"/>
+                  </a:lnTo>
+                  <a:lnTo>
+                    <a:pt x="50" y="5691"/>
+                  </a:lnTo>
+                  <a:lnTo>
+                    <a:pt x="123" y="6204"/>
+                  </a:lnTo>
+                  <a:lnTo>
+                    <a:pt x="245" y="6693"/>
+                  </a:lnTo>
+                  <a:lnTo>
+                    <a:pt x="416" y="7132"/>
+                  </a:lnTo>
+                  <a:lnTo>
+                    <a:pt x="636" y="7572"/>
+                  </a:lnTo>
+                  <a:lnTo>
+                    <a:pt x="856" y="7963"/>
+                  </a:lnTo>
+                  <a:lnTo>
+                    <a:pt x="1100" y="8353"/>
+                  </a:lnTo>
+                  <a:lnTo>
+                    <a:pt x="1369" y="8744"/>
+                  </a:lnTo>
+                  <a:lnTo>
+                    <a:pt x="1906" y="9526"/>
+                  </a:lnTo>
+                  <a:lnTo>
+                    <a:pt x="2150" y="9941"/>
+                  </a:lnTo>
+                  <a:lnTo>
+                    <a:pt x="2394" y="10356"/>
+                  </a:lnTo>
+                  <a:lnTo>
+                    <a:pt x="2614" y="10796"/>
+                  </a:lnTo>
+                  <a:lnTo>
+                    <a:pt x="2810" y="11284"/>
+                  </a:lnTo>
+                  <a:lnTo>
+                    <a:pt x="2980" y="11797"/>
+                  </a:lnTo>
+                  <a:lnTo>
+                    <a:pt x="3103" y="12334"/>
+                  </a:lnTo>
+                  <a:lnTo>
+                    <a:pt x="4079" y="12334"/>
+                  </a:lnTo>
+                  <a:lnTo>
+                    <a:pt x="3249" y="8500"/>
+                  </a:lnTo>
+                  <a:lnTo>
+                    <a:pt x="2663" y="5642"/>
+                  </a:lnTo>
+                  <a:lnTo>
+                    <a:pt x="2663" y="5520"/>
+                  </a:lnTo>
+                  <a:lnTo>
+                    <a:pt x="2712" y="5423"/>
+                  </a:lnTo>
+                  <a:lnTo>
+                    <a:pt x="2785" y="5374"/>
+                  </a:lnTo>
+                  <a:lnTo>
+                    <a:pt x="2883" y="5349"/>
+                  </a:lnTo>
+                  <a:lnTo>
+                    <a:pt x="2956" y="5349"/>
+                  </a:lnTo>
+                  <a:lnTo>
+                    <a:pt x="3054" y="5398"/>
+                  </a:lnTo>
+                  <a:lnTo>
+                    <a:pt x="4031" y="6253"/>
+                  </a:lnTo>
+                  <a:lnTo>
+                    <a:pt x="4983" y="5398"/>
+                  </a:lnTo>
+                  <a:lnTo>
+                    <a:pt x="5081" y="5349"/>
+                  </a:lnTo>
+                  <a:lnTo>
+                    <a:pt x="5227" y="5349"/>
+                  </a:lnTo>
+                  <a:lnTo>
+                    <a:pt x="5325" y="5398"/>
+                  </a:lnTo>
+                  <a:lnTo>
+                    <a:pt x="6278" y="6253"/>
+                  </a:lnTo>
+                  <a:lnTo>
+                    <a:pt x="7254" y="5398"/>
+                  </a:lnTo>
+                  <a:lnTo>
+                    <a:pt x="7352" y="5349"/>
+                  </a:lnTo>
+                  <a:lnTo>
+                    <a:pt x="7425" y="5349"/>
+                  </a:lnTo>
+                  <a:lnTo>
+                    <a:pt x="7523" y="5374"/>
+                  </a:lnTo>
+                  <a:lnTo>
+                    <a:pt x="7596" y="5423"/>
+                  </a:lnTo>
+                  <a:lnTo>
+                    <a:pt x="7645" y="5520"/>
+                  </a:lnTo>
+                  <a:lnTo>
+                    <a:pt x="7645" y="5642"/>
+                  </a:lnTo>
+                  <a:lnTo>
+                    <a:pt x="7059" y="8500"/>
+                  </a:lnTo>
+                  <a:lnTo>
+                    <a:pt x="6229" y="12334"/>
+                  </a:lnTo>
+                  <a:lnTo>
+                    <a:pt x="7206" y="12334"/>
+                  </a:lnTo>
+                  <a:lnTo>
+                    <a:pt x="7328" y="11797"/>
+                  </a:lnTo>
+                  <a:lnTo>
+                    <a:pt x="7499" y="11284"/>
+                  </a:lnTo>
+                  <a:lnTo>
+                    <a:pt x="7694" y="10796"/>
+                  </a:lnTo>
+                  <a:lnTo>
+                    <a:pt x="7914" y="10356"/>
+                  </a:lnTo>
+                  <a:lnTo>
+                    <a:pt x="8158" y="9941"/>
+                  </a:lnTo>
+                  <a:lnTo>
+                    <a:pt x="8402" y="9526"/>
+                  </a:lnTo>
+                  <a:lnTo>
+                    <a:pt x="8940" y="8744"/>
+                  </a:lnTo>
+                  <a:lnTo>
+                    <a:pt x="9208" y="8353"/>
+                  </a:lnTo>
+                  <a:lnTo>
+                    <a:pt x="9453" y="7963"/>
+                  </a:lnTo>
+                  <a:lnTo>
+                    <a:pt x="9672" y="7572"/>
+                  </a:lnTo>
+                  <a:lnTo>
+                    <a:pt x="9892" y="7132"/>
+                  </a:lnTo>
+                  <a:lnTo>
+                    <a:pt x="10063" y="6693"/>
+                  </a:lnTo>
+                  <a:lnTo>
+                    <a:pt x="10185" y="6204"/>
+                  </a:lnTo>
+                  <a:lnTo>
+                    <a:pt x="10259" y="5691"/>
+                  </a:lnTo>
+                  <a:lnTo>
+                    <a:pt x="10283" y="5423"/>
+                  </a:lnTo>
+                  <a:lnTo>
+                    <a:pt x="10307" y="5154"/>
+                  </a:lnTo>
+                  <a:lnTo>
+                    <a:pt x="10259" y="4617"/>
+                  </a:lnTo>
+                  <a:lnTo>
+                    <a:pt x="10185" y="4104"/>
+                  </a:lnTo>
+                  <a:lnTo>
+                    <a:pt x="10063" y="3615"/>
+                  </a:lnTo>
+                  <a:lnTo>
+                    <a:pt x="9892" y="3151"/>
+                  </a:lnTo>
+                  <a:lnTo>
+                    <a:pt x="9672" y="2687"/>
+                  </a:lnTo>
+                  <a:lnTo>
+                    <a:pt x="9428" y="2272"/>
+                  </a:lnTo>
+                  <a:lnTo>
+                    <a:pt x="9111" y="1881"/>
+                  </a:lnTo>
+                  <a:lnTo>
+                    <a:pt x="8793" y="1515"/>
+                  </a:lnTo>
+                  <a:lnTo>
+                    <a:pt x="8427" y="1173"/>
+                  </a:lnTo>
+                  <a:lnTo>
+                    <a:pt x="8036" y="880"/>
+                  </a:lnTo>
+                  <a:lnTo>
+                    <a:pt x="7596" y="636"/>
+                  </a:lnTo>
+                  <a:lnTo>
+                    <a:pt x="7157" y="416"/>
+                  </a:lnTo>
+                  <a:lnTo>
+                    <a:pt x="6693" y="245"/>
+                  </a:lnTo>
+                  <a:lnTo>
+                    <a:pt x="6180" y="98"/>
+                  </a:lnTo>
+                  <a:lnTo>
+                    <a:pt x="5691" y="25"/>
+                  </a:lnTo>
+                  <a:lnTo>
+                    <a:pt x="5154" y="1"/>
+                  </a:lnTo>
+                  <a:close/>
+                </a:path>
+              </a:pathLst>
+            </a:custGeom>
+            <a:solidFill>
+              <a:srgbClr val="FF9E00"/>
+            </a:solidFill>
+            <a:ln>
+              <a:noFill/>
+            </a:ln>
+          </p:spPr>
+          <p:txBody>
+            <a:bodyPr spcFirstLastPara="1" wrap="square" lIns="91425" tIns="91425" rIns="91425" bIns="91425" anchor="ctr" anchorCtr="0">
+              <a:noAutofit/>
+            </a:bodyPr>
+            <a:lstStyle/>
+            <a:p>
+              <a:pPr marL="0" lvl="0" indent="0" algn="l" rtl="0">
+                <a:spcBef>
+                  <a:spcPts val="0"/>
+                </a:spcBef>
+                <a:spcAft>
+                  <a:spcPts val="0"/>
+                </a:spcAft>
+                <a:buNone/>
+              </a:pPr>
+              <a:endParaRPr>
+                <a:solidFill>
+                  <a:srgbClr val="FFFFFF"/>
+                </a:solidFill>
+              </a:endParaRPr>
+            </a:p>
+          </p:txBody>
+        </p:sp>
+      </p:grpSp>
+    </p:spTree>
+    <p:extLst>
+      <p:ext uri="{BB962C8B-B14F-4D97-AF65-F5344CB8AC3E}">
+        <p14:creationId xmlns:p14="http://schemas.microsoft.com/office/powerpoint/2010/main" val="4219364971"/>
+      </p:ext>
+    </p:extLst>
+  </p:cSld>
+  <p:clrMapOvr>
+    <a:masterClrMapping/>
+  </p:clrMapOvr>
+  <p:timing>
+    <p:tnLst>
+      <p:par>
+        <p:cTn id="1" dur="indefinite" restart="never" nodeType="tmRoot"/>
+      </p:par>
+    </p:tnLst>
+  </p:timing>
+</p:sld>
+</file>
+
+<file path=ppt/slides/slide7.xml><?xml version="1.0" encoding="utf-8"?>
+<p:sld xmlns:a="http://schemas.openxmlformats.org/drawingml/2006/main" xmlns:r="http://schemas.openxmlformats.org/officeDocument/2006/relationships" xmlns:p="http://schemas.openxmlformats.org/presentationml/2006/main">
+  <p:cSld>
+    <p:spTree>
+      <p:nvGrpSpPr>
+        <p:cNvPr id="1" name="Shape 80"/>
+        <p:cNvGrpSpPr/>
+        <p:nvPr/>
+      </p:nvGrpSpPr>
+      <p:grpSpPr>
+        <a:xfrm>
+          <a:off x="0" y="0"/>
+          <a:ext cx="0" cy="0"/>
+          <a:chOff x="0" y="0"/>
+          <a:chExt cx="0" cy="0"/>
+        </a:xfrm>
+      </p:grpSpPr>
+      <p:sp>
+        <p:nvSpPr>
+          <p:cNvPr id="83" name="Google Shape;83;p15"/>
+          <p:cNvSpPr txBox="1"/>
+          <p:nvPr/>
+        </p:nvSpPr>
+        <p:spPr>
+          <a:xfrm>
+            <a:off x="3347864" y="528407"/>
+            <a:ext cx="2153486" cy="557100"/>
+          </a:xfrm>
+          <a:prstGeom prst="rect">
+            <a:avLst/>
+          </a:prstGeom>
+          <a:solidFill>
+            <a:srgbClr val="FF9E00"/>
+          </a:solidFill>
+          <a:ln>
+            <a:noFill/>
+          </a:ln>
+        </p:spPr>
+        <p:txBody>
+          <a:bodyPr spcFirstLastPara="1" wrap="square" lIns="91425" tIns="91425" rIns="91425" bIns="91425" anchor="t" anchorCtr="0">
+            <a:noAutofit/>
+          </a:bodyPr>
+          <a:lstStyle/>
+          <a:p>
+            <a:pPr marL="0" lvl="0" indent="0" algn="ctr" rtl="0">
+              <a:spcBef>
+                <a:spcPts val="0"/>
+              </a:spcBef>
+              <a:spcAft>
+                <a:spcPts val="0"/>
+              </a:spcAft>
+              <a:buNone/>
+            </a:pPr>
+            <a:r>
+              <a:rPr lang="ko-KR" altLang="en-US" sz="2400" b="1" dirty="0" smtClean="0">
+                <a:solidFill>
+                  <a:srgbClr val="FFFFFF"/>
+                </a:solidFill>
+                <a:latin typeface="나눔바른고딕" panose="020B0603020101020101" pitchFamily="50" charset="-127"/>
+                <a:ea typeface="나눔바른고딕" panose="020B0603020101020101" pitchFamily="50" charset="-127"/>
+                <a:cs typeface="Montserrat"/>
+                <a:sym typeface="Montserrat"/>
+              </a:rPr>
+              <a:t>주제 선정 이유</a:t>
+            </a:r>
+            <a:endParaRPr sz="2400" b="1" dirty="0">
+              <a:solidFill>
+                <a:srgbClr val="FFFFFF"/>
+              </a:solidFill>
+              <a:latin typeface="나눔바른고딕" panose="020B0603020101020101" pitchFamily="50" charset="-127"/>
+              <a:ea typeface="나눔바른고딕" panose="020B0603020101020101" pitchFamily="50" charset="-127"/>
+              <a:cs typeface="Montserrat"/>
+              <a:sym typeface="Montserrat"/>
+            </a:endParaRPr>
+          </a:p>
+        </p:txBody>
+      </p:sp>
+      <p:sp>
+        <p:nvSpPr>
+          <p:cNvPr id="84" name="Google Shape;84;p15"/>
+          <p:cNvSpPr txBox="1">
+            <a:spLocks noGrp="1"/>
+          </p:cNvSpPr>
+          <p:nvPr>
+            <p:ph type="sldNum" idx="12"/>
+          </p:nvPr>
+        </p:nvSpPr>
+        <p:spPr>
+          <a:xfrm>
+            <a:off x="-125" y="4337850"/>
+            <a:ext cx="9144000" cy="805500"/>
+          </a:xfrm>
+          <a:prstGeom prst="rect">
+            <a:avLst/>
+          </a:prstGeom>
+        </p:spPr>
+        <p:txBody>
+          <a:bodyPr spcFirstLastPara="1" wrap="square" lIns="91425" tIns="91425" rIns="91425" bIns="91425" anchor="ctr" anchorCtr="0">
+            <a:noAutofit/>
+          </a:bodyPr>
+          <a:lstStyle/>
+          <a:p>
+            <a:pPr marL="0" lvl="0" indent="0" algn="ctr" rtl="0">
+              <a:spcBef>
+                <a:spcPts val="0"/>
+              </a:spcBef>
+              <a:spcAft>
+                <a:spcPts val="0"/>
+              </a:spcAft>
+              <a:buNone/>
+            </a:pPr>
+            <a:fld id="{00000000-1234-1234-1234-123412341234}" type="slidenum">
+              <a:rPr lang="en"/>
+              <a:t>7</a:t>
+            </a:fld>
+            <a:endParaRPr/>
+          </a:p>
+        </p:txBody>
+      </p:sp>
+      <p:pic>
+        <p:nvPicPr>
+          <p:cNvPr id="12290" name="Picture 2"/>
+          <p:cNvPicPr>
+            <a:picLocks noChangeAspect="1" noChangeArrowheads="1"/>
+          </p:cNvPicPr>
+          <p:nvPr/>
+        </p:nvPicPr>
+        <p:blipFill>
+          <a:blip r:embed="rId3">
+            <a:extLst>
+              <a:ext uri="{28A0092B-C50C-407E-A947-70E740481C1C}">
+                <a14:useLocalDpi xmlns:a14="http://schemas.microsoft.com/office/drawing/2010/main" val="0"/>
+              </a:ext>
+            </a:extLst>
+          </a:blip>
+          <a:srcRect/>
+          <a:stretch>
+            <a:fillRect/>
+          </a:stretch>
+        </p:blipFill>
+        <p:spPr bwMode="auto">
+          <a:xfrm>
+            <a:off x="467544" y="206024"/>
+            <a:ext cx="8293249" cy="4813998"/>
+          </a:xfrm>
+          <a:prstGeom prst="rect">
+            <a:avLst/>
+          </a:prstGeom>
+          <a:noFill/>
+          <a:ln>
+            <a:noFill/>
+          </a:ln>
+          <a:effectLst/>
+          <a:extLst>
+            <a:ext uri="{909E8E84-426E-40DD-AFC4-6F175D3DCCD1}">
+              <a14:hiddenFill xmlns:a14="http://schemas.microsoft.com/office/drawing/2010/main">
+                <a:solidFill>
+                  <a:schemeClr val="accent1"/>
+                </a:solidFill>
+              </a14:hiddenFill>
+            </a:ext>
+            <a:ext uri="{91240B29-F687-4F45-9708-019B960494DF}">
+              <a14:hiddenLine xmlns:a14="http://schemas.microsoft.com/office/drawing/2010/main" w="9525">
+                <a:solidFill>
+                  <a:schemeClr val="tx1"/>
+                </a:solidFill>
+                <a:miter lim="800000"/>
+                <a:headEnd/>
+                <a:tailEnd/>
+              </a14:hiddenLine>
+            </a:ext>
+            <a:ext uri="{AF507438-7753-43E0-B8FC-AC1667EBCBE1}">
+              <a14:hiddenEffects xmlns:a14="http://schemas.microsoft.com/office/drawing/2010/main">
+                <a:effectLst>
+                  <a:outerShdw dist="35921" dir="2700000" algn="ctr" rotWithShape="0">
+                    <a:schemeClr val="bg2"/>
+                  </a:outerShdw>
+                </a:effectLst>
+              </a14:hiddenEffects>
+            </a:ext>
+          </a:extLst>
+        </p:spPr>
+      </p:pic>
+    </p:spTree>
+    <p:extLst>
+      <p:ext uri="{BB962C8B-B14F-4D97-AF65-F5344CB8AC3E}">
+        <p14:creationId xmlns:p14="http://schemas.microsoft.com/office/powerpoint/2010/main" val="4034324980"/>
+      </p:ext>
+    </p:extLst>
+  </p:cSld>
+  <p:clrMapOvr>
+    <a:masterClrMapping/>
+  </p:clrMapOvr>
+  <p:timing>
+    <p:tnLst>
+      <p:par>
+        <p:cTn id="1" dur="indefinite" restart="never" nodeType="tmRoot"/>
+      </p:par>
+    </p:tnLst>
+  </p:timing>
+</p:sld>
+</file>
+
+<file path=ppt/slides/slide8.xml><?xml version="1.0" encoding="utf-8"?>
+<p:sld xmlns:a="http://schemas.openxmlformats.org/drawingml/2006/main" xmlns:r="http://schemas.openxmlformats.org/officeDocument/2006/relationships" xmlns:p="http://schemas.openxmlformats.org/presentationml/2006/main">
+  <p:cSld>
+    <p:spTree>
+      <p:nvGrpSpPr>
+        <p:cNvPr id="1" name="Shape 101"/>
+        <p:cNvGrpSpPr/>
+        <p:nvPr/>
+      </p:nvGrpSpPr>
+      <p:grpSpPr>
+        <a:xfrm>
+          <a:off x="0" y="0"/>
+          <a:ext cx="0" cy="0"/>
+          <a:chOff x="0" y="0"/>
+          <a:chExt cx="0" cy="0"/>
+        </a:xfrm>
+      </p:grpSpPr>
+      <p:sp>
+        <p:nvSpPr>
+          <p:cNvPr id="102" name="Google Shape;102;p18"/>
+          <p:cNvSpPr txBox="1">
+            <a:spLocks noGrp="1"/>
+          </p:cNvSpPr>
+          <p:nvPr>
+            <p:ph type="ctrTitle" idx="4294967295"/>
+          </p:nvPr>
+        </p:nvSpPr>
+        <p:spPr>
+          <a:xfrm>
+            <a:off x="1603801" y="2211710"/>
+            <a:ext cx="5936400" cy="1159800"/>
+          </a:xfrm>
+          <a:prstGeom prst="rect">
+            <a:avLst/>
+          </a:prstGeom>
+        </p:spPr>
+        <p:txBody>
+          <a:bodyPr spcFirstLastPara="1" wrap="square" lIns="91425" tIns="91425" rIns="91425" bIns="91425" anchor="t" anchorCtr="0">
+            <a:noAutofit/>
+          </a:bodyPr>
+          <a:lstStyle/>
+          <a:p>
+            <a:pPr marL="0" lvl="0" indent="0" algn="ctr" rtl="0">
+              <a:spcBef>
+                <a:spcPts val="0"/>
+              </a:spcBef>
+              <a:spcAft>
+                <a:spcPts val="0"/>
+              </a:spcAft>
+              <a:buNone/>
+            </a:pPr>
+            <a:r>
+              <a:rPr lang="ko-KR" altLang="en-US" sz="4000" dirty="0" smtClean="0">
+                <a:solidFill>
+                  <a:srgbClr val="FF9E00"/>
+                </a:solidFill>
+                <a:latin typeface="나눔바른고딕" panose="020B0603020101020101" pitchFamily="50" charset="-127"/>
+                <a:ea typeface="나눔바른고딕" panose="020B0603020101020101" pitchFamily="50" charset="-127"/>
+              </a:rPr>
               <a:t>요구사항정의</a:t>
             </a:r>
             <a:r>
@@ -26305,7 +29262,7 @@
 </p:sld>
 </file>
 
-<file path=ppt/slides/slide7.xml><?xml version="1.0" encoding="utf-8"?>
+<file path=ppt/slides/slide9.xml><?xml version="1.0" encoding="utf-8"?>
 <p:sld xmlns:a="http://schemas.openxmlformats.org/drawingml/2006/main" xmlns:r="http://schemas.openxmlformats.org/officeDocument/2006/relationships" xmlns:p="http://schemas.openxmlformats.org/presentationml/2006/main">
   <p:cSld>
     <p:spTree>
@@ -26348,7 +29305,7 @@
             </a:pPr>
             <a:fld id="{00000000-1234-1234-1234-123412341234}" type="slidenum">
               <a:rPr lang="en" smtClean="0"/>
-              <a:t>7</a:t>
+              <a:t>9</a:t>
             </a:fld>
             <a:endParaRPr lang="en"/>
           </a:p>
@@ -27968,1792 +30925,6 @@
     <p:extLst>
       <p:ext uri="{BB962C8B-B14F-4D97-AF65-F5344CB8AC3E}">
         <p14:creationId xmlns:p14="http://schemas.microsoft.com/office/powerpoint/2010/main" val="596269431"/>
-      </p:ext>
-    </p:extLst>
-  </p:cSld>
-  <p:clrMapOvr>
-    <a:masterClrMapping/>
-  </p:clrMapOvr>
-  <p:timing>
-    <p:tnLst>
-      <p:par>
-        <p:cTn id="1" dur="indefinite" restart="never" nodeType="tmRoot"/>
-      </p:par>
-    </p:tnLst>
-  </p:timing>
-</p:sld>
-</file>
-
-<file path=ppt/slides/slide8.xml><?xml version="1.0" encoding="utf-8"?>
-<p:sld xmlns:a="http://schemas.openxmlformats.org/drawingml/2006/main" xmlns:r="http://schemas.openxmlformats.org/officeDocument/2006/relationships" xmlns:p="http://schemas.openxmlformats.org/presentationml/2006/main">
-  <p:cSld>
-    <p:spTree>
-      <p:nvGrpSpPr>
-        <p:cNvPr id="1" name=""/>
-        <p:cNvGrpSpPr/>
-        <p:nvPr/>
-      </p:nvGrpSpPr>
-      <p:grpSpPr>
-        <a:xfrm>
-          <a:off x="0" y="0"/>
-          <a:ext cx="0" cy="0"/>
-          <a:chOff x="0" y="0"/>
-          <a:chExt cx="0" cy="0"/>
-        </a:xfrm>
-      </p:grpSpPr>
-      <p:sp>
-        <p:nvSpPr>
-          <p:cNvPr id="2" name="슬라이드 번호 개체 틀 1"/>
-          <p:cNvSpPr>
-            <a:spLocks noGrp="1"/>
-          </p:cNvSpPr>
-          <p:nvPr>
-            <p:ph type="sldNum" idx="12"/>
-          </p:nvPr>
-        </p:nvSpPr>
-        <p:spPr/>
-        <p:txBody>
-          <a:bodyPr/>
-          <a:lstStyle/>
-          <a:p>
-            <a:pPr marL="0" lvl="0" indent="0" algn="ctr" rtl="0">
-              <a:spcBef>
-                <a:spcPts val="0"/>
-              </a:spcBef>
-              <a:spcAft>
-                <a:spcPts val="0"/>
-              </a:spcAft>
-              <a:buNone/>
-            </a:pPr>
-            <a:fld id="{00000000-1234-1234-1234-123412341234}" type="slidenum">
-              <a:rPr lang="en" smtClean="0"/>
-              <a:t>8</a:t>
-            </a:fld>
-            <a:endParaRPr lang="en"/>
-          </a:p>
-        </p:txBody>
-      </p:sp>
-      <p:sp>
-        <p:nvSpPr>
-          <p:cNvPr id="3" name="직사각형 2"/>
-          <p:cNvSpPr/>
-          <p:nvPr/>
-        </p:nvSpPr>
-        <p:spPr>
-          <a:xfrm>
-            <a:off x="0" y="0"/>
-            <a:ext cx="9144000" cy="5143500"/>
-          </a:xfrm>
-          <a:prstGeom prst="rect">
-            <a:avLst/>
-          </a:prstGeom>
-          <a:solidFill>
-            <a:schemeClr val="bg1"/>
-          </a:solidFill>
-          <a:ln>
-            <a:noFill/>
-          </a:ln>
-        </p:spPr>
-        <p:style>
-          <a:lnRef idx="2">
-            <a:schemeClr val="accent1">
-              <a:shade val="50000"/>
-            </a:schemeClr>
-          </a:lnRef>
-          <a:fillRef idx="1">
-            <a:schemeClr val="accent1"/>
-          </a:fillRef>
-          <a:effectRef idx="0">
-            <a:schemeClr val="accent1"/>
-          </a:effectRef>
-          <a:fontRef idx="minor">
-            <a:schemeClr val="lt1"/>
-          </a:fontRef>
-        </p:style>
-        <p:txBody>
-          <a:bodyPr rtlCol="0" anchor="ctr"/>
-          <a:lstStyle/>
-          <a:p>
-            <a:pPr algn="ctr"/>
-            <a:endParaRPr lang="ko-KR" altLang="en-US"/>
-          </a:p>
-        </p:txBody>
-      </p:sp>
-      <p:graphicFrame>
-        <p:nvGraphicFramePr>
-          <p:cNvPr id="5" name="표 4"/>
-          <p:cNvGraphicFramePr>
-            <a:graphicFrameLocks noGrp="1"/>
-          </p:cNvGraphicFramePr>
-          <p:nvPr>
-            <p:extLst>
-              <p:ext uri="{D42A27DB-BD31-4B8C-83A1-F6EECF244321}">
-                <p14:modId xmlns:p14="http://schemas.microsoft.com/office/powerpoint/2010/main" val="3802768189"/>
-              </p:ext>
-            </p:extLst>
-          </p:nvPr>
-        </p:nvGraphicFramePr>
-        <p:xfrm>
-          <a:off x="251519" y="771545"/>
-          <a:ext cx="8640961" cy="3974949"/>
-        </p:xfrm>
-        <a:graphic>
-          <a:graphicData uri="http://schemas.openxmlformats.org/drawingml/2006/table">
-            <a:tbl>
-              <a:tblPr>
-                <a:tableStyleId>{FA2A6AB6-C1E5-4FC5-B20B-5785A829AD62}</a:tableStyleId>
-              </a:tblPr>
-              <a:tblGrid>
-                <a:gridCol w="836896"/>
-                <a:gridCol w="1223962"/>
-                <a:gridCol w="1690533"/>
-                <a:gridCol w="4889570"/>
-              </a:tblGrid>
-              <a:tr h="360045">
-                <a:tc>
-                  <a:txBody>
-                    <a:bodyPr/>
-                    <a:lstStyle/>
-                    <a:p>
-                      <a:pPr algn="ctr" fontAlgn="ctr"/>
-                      <a:r>
-                        <a:rPr lang="ko-KR" altLang="en-US" sz="800" b="1" u="none" strike="noStrike" dirty="0">
-                          <a:solidFill>
-                            <a:schemeClr val="bg1"/>
-                          </a:solidFill>
-                          <a:effectLst/>
-                        </a:rPr>
-                        <a:t>구분</a:t>
-                      </a:r>
-                      <a:endParaRPr lang="ko-KR" altLang="en-US" sz="800" b="1" i="0" u="none" strike="noStrike" dirty="0">
-                        <a:solidFill>
-                          <a:schemeClr val="bg1"/>
-                        </a:solidFill>
-                        <a:effectLst/>
-                        <a:latin typeface="Dotum"/>
-                      </a:endParaRPr>
-                    </a:p>
-                  </a:txBody>
-                  <a:tcPr marL="5314" marR="5314" marT="5314" marB="0" anchor="ctr">
-                    <a:solidFill>
-                      <a:srgbClr val="FF9E00"/>
-                    </a:solidFill>
-                  </a:tcPr>
-                </a:tc>
-                <a:tc>
-                  <a:txBody>
-                    <a:bodyPr/>
-                    <a:lstStyle/>
-                    <a:p>
-                      <a:pPr algn="ctr" fontAlgn="ctr"/>
-                      <a:r>
-                        <a:rPr lang="ko-KR" altLang="en-US" sz="800" b="1" u="none" strike="noStrike" dirty="0">
-                          <a:solidFill>
-                            <a:schemeClr val="bg1"/>
-                          </a:solidFill>
-                          <a:effectLst/>
-                        </a:rPr>
-                        <a:t>서비스</a:t>
-                      </a:r>
-                      <a:r>
-                        <a:rPr lang="en-US" altLang="ko-KR" sz="800" b="1" u="none" strike="noStrike" dirty="0">
-                          <a:solidFill>
-                            <a:schemeClr val="bg1"/>
-                          </a:solidFill>
-                          <a:effectLst/>
-                        </a:rPr>
-                        <a:t>(</a:t>
-                      </a:r>
-                      <a:r>
-                        <a:rPr lang="ko-KR" altLang="en-US" sz="800" b="1" u="none" strike="noStrike" dirty="0">
-                          <a:solidFill>
-                            <a:schemeClr val="bg1"/>
-                          </a:solidFill>
-                          <a:effectLst/>
-                        </a:rPr>
-                        <a:t>메뉴</a:t>
-                      </a:r>
-                      <a:r>
-                        <a:rPr lang="en-US" altLang="ko-KR" sz="800" b="1" u="none" strike="noStrike" dirty="0">
-                          <a:solidFill>
-                            <a:schemeClr val="bg1"/>
-                          </a:solidFill>
-                          <a:effectLst/>
-                        </a:rPr>
-                        <a:t>)</a:t>
-                      </a:r>
-                      <a:endParaRPr lang="en-US" altLang="ko-KR" sz="800" b="1" i="0" u="none" strike="noStrike" dirty="0">
-                        <a:solidFill>
-                          <a:schemeClr val="bg1"/>
-                        </a:solidFill>
-                        <a:effectLst/>
-                        <a:latin typeface="Dotum"/>
-                      </a:endParaRPr>
-                    </a:p>
-                  </a:txBody>
-                  <a:tcPr marL="5314" marR="5314" marT="5314" marB="0" anchor="ctr">
-                    <a:solidFill>
-                      <a:srgbClr val="FF9E00"/>
-                    </a:solidFill>
-                  </a:tcPr>
-                </a:tc>
-                <a:tc>
-                  <a:txBody>
-                    <a:bodyPr/>
-                    <a:lstStyle/>
-                    <a:p>
-                      <a:pPr algn="ctr" fontAlgn="ctr"/>
-                      <a:r>
-                        <a:rPr lang="ko-KR" altLang="en-US" sz="800" b="1" u="none" strike="noStrike" dirty="0">
-                          <a:solidFill>
-                            <a:schemeClr val="bg1"/>
-                          </a:solidFill>
-                          <a:effectLst/>
-                        </a:rPr>
-                        <a:t>필요 기능</a:t>
-                      </a:r>
-                      <a:endParaRPr lang="ko-KR" altLang="en-US" sz="800" b="1" i="0" u="none" strike="noStrike" dirty="0">
-                        <a:solidFill>
-                          <a:schemeClr val="bg1"/>
-                        </a:solidFill>
-                        <a:effectLst/>
-                        <a:latin typeface="Dotum"/>
-                      </a:endParaRPr>
-                    </a:p>
-                  </a:txBody>
-                  <a:tcPr marL="5314" marR="5314" marT="5314" marB="0" anchor="ctr">
-                    <a:solidFill>
-                      <a:srgbClr val="FF9E00"/>
-                    </a:solidFill>
-                  </a:tcPr>
-                </a:tc>
-                <a:tc>
-                  <a:txBody>
-                    <a:bodyPr/>
-                    <a:lstStyle/>
-                    <a:p>
-                      <a:pPr algn="ctr" fontAlgn="ctr"/>
-                      <a:r>
-                        <a:rPr lang="ko-KR" altLang="en-US" sz="800" b="1" u="none" strike="noStrike" dirty="0">
-                          <a:solidFill>
-                            <a:schemeClr val="bg1"/>
-                          </a:solidFill>
-                          <a:effectLst/>
-                        </a:rPr>
-                        <a:t>기능 설명</a:t>
-                      </a:r>
-                      <a:endParaRPr lang="ko-KR" altLang="en-US" sz="800" b="1" i="0" u="none" strike="noStrike" dirty="0">
-                        <a:solidFill>
-                          <a:schemeClr val="bg1"/>
-                        </a:solidFill>
-                        <a:effectLst/>
-                        <a:latin typeface="Dotum"/>
-                      </a:endParaRPr>
-                    </a:p>
-                  </a:txBody>
-                  <a:tcPr marL="5314" marR="5314" marT="5314" marB="0" anchor="ctr">
-                    <a:solidFill>
-                      <a:srgbClr val="FF9E00"/>
-                    </a:solidFill>
-                  </a:tcPr>
-                </a:tc>
-              </a:tr>
-              <a:tr h="602484">
-                <a:tc rowSpan="3">
-                  <a:txBody>
-                    <a:bodyPr/>
-                    <a:lstStyle/>
-                    <a:p>
-                      <a:pPr algn="ctr" fontAlgn="ctr"/>
-                      <a:r>
-                        <a:rPr lang="ko-KR" altLang="en-US" sz="800" u="none" strike="noStrike" dirty="0" smtClean="0">
-                          <a:effectLst/>
-                        </a:rPr>
-                        <a:t>사용자</a:t>
-                      </a:r>
-                      <a:endParaRPr lang="ko-KR" altLang="en-US" sz="800" b="0" i="0" u="none" strike="noStrike" dirty="0">
-                        <a:solidFill>
-                          <a:srgbClr val="000000"/>
-                        </a:solidFill>
-                        <a:effectLst/>
-                        <a:latin typeface="맑은 고딕"/>
-                      </a:endParaRPr>
-                    </a:p>
-                  </a:txBody>
-                  <a:tcPr marL="5314" marR="5314" marT="5314" marB="0" anchor="ctr"/>
-                </a:tc>
-                <a:tc rowSpan="3">
-                  <a:txBody>
-                    <a:bodyPr/>
-                    <a:lstStyle/>
-                    <a:p>
-                      <a:pPr algn="ctr" fontAlgn="ctr"/>
-                      <a:r>
-                        <a:rPr lang="ko-KR" altLang="en-US" sz="800" u="none" strike="noStrike" dirty="0">
-                          <a:effectLst/>
-                        </a:rPr>
-                        <a:t>고객센터</a:t>
-                      </a:r>
-                      <a:endParaRPr lang="ko-KR" altLang="en-US" sz="800" b="0" i="0" u="none" strike="noStrike" dirty="0">
-                        <a:solidFill>
-                          <a:srgbClr val="000000"/>
-                        </a:solidFill>
-                        <a:effectLst/>
-                        <a:latin typeface="맑은 고딕"/>
-                      </a:endParaRPr>
-                    </a:p>
-                  </a:txBody>
-                  <a:tcPr marL="5314" marR="5314" marT="5314" marB="0" anchor="ctr"/>
-                </a:tc>
-                <a:tc>
-                  <a:txBody>
-                    <a:bodyPr/>
-                    <a:lstStyle/>
-                    <a:p>
-                      <a:pPr algn="ctr" fontAlgn="ctr"/>
-                      <a:r>
-                        <a:rPr lang="ko-KR" altLang="en-US" sz="800" u="none" strike="noStrike" dirty="0">
-                          <a:effectLst/>
-                        </a:rPr>
-                        <a:t>실시간 채팅 상담</a:t>
-                      </a:r>
-                      <a:endParaRPr lang="ko-KR" altLang="en-US" sz="800" b="0" i="0" u="none" strike="noStrike" dirty="0">
-                        <a:solidFill>
-                          <a:srgbClr val="000000"/>
-                        </a:solidFill>
-                        <a:effectLst/>
-                        <a:latin typeface="맑은 고딕"/>
-                      </a:endParaRPr>
-                    </a:p>
-                  </a:txBody>
-                  <a:tcPr marL="5314" marR="5314" marT="5314" marB="0" anchor="ctr"/>
-                </a:tc>
-                <a:tc>
-                  <a:txBody>
-                    <a:bodyPr/>
-                    <a:lstStyle/>
-                    <a:p>
-                      <a:pPr algn="l" fontAlgn="ctr"/>
-                      <a:r>
-                        <a:rPr lang="ko-KR" altLang="en-US" sz="800" u="none" strike="noStrike" dirty="0">
-                          <a:effectLst/>
-                        </a:rPr>
-                        <a:t>문의 글 등록하면 관리자가 답변을 해주는 형태</a:t>
-                      </a:r>
-                      <a:r>
-                        <a:rPr lang="en-US" altLang="ko-KR" sz="800" u="none" strike="noStrike" dirty="0">
-                          <a:effectLst/>
-                        </a:rPr>
-                        <a:t>, </a:t>
-                      </a:r>
-                      <a:r>
-                        <a:rPr lang="ko-KR" altLang="en-US" sz="800" u="none" strike="noStrike" dirty="0">
-                          <a:effectLst/>
-                        </a:rPr>
-                        <a:t>바로 답변이 진행이 되면 채팅 형식으로 진행</a:t>
-                      </a:r>
-                      <a:r>
-                        <a:rPr lang="en-US" altLang="ko-KR" sz="800" u="none" strike="noStrike" dirty="0">
-                          <a:effectLst/>
-                        </a:rPr>
-                        <a:t>, </a:t>
-                      </a:r>
-                      <a:r>
-                        <a:rPr lang="ko-KR" altLang="en-US" sz="800" u="none" strike="noStrike" dirty="0">
-                          <a:effectLst/>
-                        </a:rPr>
-                        <a:t>바로 답변이 안되면 시간이 지난 후 확인 가능 하도록</a:t>
-                      </a:r>
-                      <a:endParaRPr lang="ko-KR" altLang="en-US" sz="800" b="0" i="0" u="none" strike="noStrike" dirty="0">
-                        <a:solidFill>
-                          <a:srgbClr val="000000"/>
-                        </a:solidFill>
-                        <a:effectLst/>
-                        <a:latin typeface="맑은 고딕"/>
-                      </a:endParaRPr>
-                    </a:p>
-                  </a:txBody>
-                  <a:tcPr marL="63768" marR="5314" marT="5314" marB="0" anchor="ctr"/>
-                </a:tc>
-              </a:tr>
-              <a:tr h="602484">
-                <a:tc vMerge="1">
-                  <a:txBody>
-                    <a:bodyPr/>
-                    <a:lstStyle/>
-                    <a:p>
-                      <a:pPr algn="l" fontAlgn="ctr"/>
-                      <a:endParaRPr lang="ko-KR" altLang="en-US" sz="600" b="0" i="0" u="none" strike="noStrike" dirty="0">
-                        <a:solidFill>
-                          <a:srgbClr val="000000"/>
-                        </a:solidFill>
-                        <a:effectLst/>
-                        <a:latin typeface="맑은 고딕"/>
-                      </a:endParaRPr>
-                    </a:p>
-                  </a:txBody>
-                  <a:tcPr marL="5314" marR="5314" marT="5314" marB="0" anchor="ctr"/>
-                </a:tc>
-                <a:tc vMerge="1">
-                  <a:txBody>
-                    <a:bodyPr/>
-                    <a:lstStyle/>
-                    <a:p>
-                      <a:pPr latinLnBrk="1"/>
-                      <a:endParaRPr lang="ko-KR" altLang="en-US"/>
-                    </a:p>
-                  </a:txBody>
-                  <a:tcPr/>
-                </a:tc>
-                <a:tc>
-                  <a:txBody>
-                    <a:bodyPr/>
-                    <a:lstStyle/>
-                    <a:p>
-                      <a:pPr algn="ctr" fontAlgn="ctr"/>
-                      <a:r>
-                        <a:rPr lang="ko-KR" altLang="en-US" sz="800" u="none" strike="noStrike">
-                          <a:effectLst/>
-                        </a:rPr>
-                        <a:t>공지사항</a:t>
-                      </a:r>
-                      <a:endParaRPr lang="ko-KR" altLang="en-US" sz="800" b="0" i="0" u="none" strike="noStrike">
-                        <a:solidFill>
-                          <a:srgbClr val="000000"/>
-                        </a:solidFill>
-                        <a:effectLst/>
-                        <a:latin typeface="맑은 고딕"/>
-                      </a:endParaRPr>
-                    </a:p>
-                  </a:txBody>
-                  <a:tcPr marL="5314" marR="5314" marT="5314" marB="0" anchor="ctr"/>
-                </a:tc>
-                <a:tc>
-                  <a:txBody>
-                    <a:bodyPr/>
-                    <a:lstStyle/>
-                    <a:p>
-                      <a:pPr algn="l" fontAlgn="ctr"/>
-                      <a:r>
-                        <a:rPr lang="ko-KR" altLang="en-US" sz="800" u="none" strike="noStrike">
-                          <a:effectLst/>
-                        </a:rPr>
-                        <a:t>이슈 및 사이트 공지사항</a:t>
-                      </a:r>
-                      <a:endParaRPr lang="ko-KR" altLang="en-US" sz="800" b="0" i="0" u="none" strike="noStrike">
-                        <a:solidFill>
-                          <a:srgbClr val="000000"/>
-                        </a:solidFill>
-                        <a:effectLst/>
-                        <a:latin typeface="맑은 고딕"/>
-                      </a:endParaRPr>
-                    </a:p>
-                  </a:txBody>
-                  <a:tcPr marL="63768" marR="5314" marT="5314" marB="0" anchor="ctr"/>
-                </a:tc>
-              </a:tr>
-              <a:tr h="602484">
-                <a:tc vMerge="1">
-                  <a:txBody>
-                    <a:bodyPr/>
-                    <a:lstStyle/>
-                    <a:p>
-                      <a:pPr algn="l" fontAlgn="ctr"/>
-                      <a:endParaRPr lang="ko-KR" altLang="en-US" sz="600" b="0" i="0" u="none" strike="noStrike" dirty="0">
-                        <a:solidFill>
-                          <a:srgbClr val="000000"/>
-                        </a:solidFill>
-                        <a:effectLst/>
-                        <a:latin typeface="맑은 고딕"/>
-                      </a:endParaRPr>
-                    </a:p>
-                  </a:txBody>
-                  <a:tcPr marL="5314" marR="5314" marT="5314" marB="0" anchor="ctr"/>
-                </a:tc>
-                <a:tc vMerge="1">
-                  <a:txBody>
-                    <a:bodyPr/>
-                    <a:lstStyle/>
-                    <a:p>
-                      <a:pPr latinLnBrk="1"/>
-                      <a:endParaRPr lang="ko-KR" altLang="en-US"/>
-                    </a:p>
-                  </a:txBody>
-                  <a:tcPr/>
-                </a:tc>
-                <a:tc>
-                  <a:txBody>
-                    <a:bodyPr/>
-                    <a:lstStyle/>
-                    <a:p>
-                      <a:pPr algn="ctr" fontAlgn="ctr"/>
-                      <a:r>
-                        <a:rPr lang="en-US" sz="800" u="none" strike="noStrike" dirty="0">
-                          <a:effectLst/>
-                        </a:rPr>
-                        <a:t>FAQ</a:t>
-                      </a:r>
-                      <a:endParaRPr lang="en-US" sz="800" b="0" i="0" u="none" strike="noStrike" dirty="0">
-                        <a:solidFill>
-                          <a:srgbClr val="000000"/>
-                        </a:solidFill>
-                        <a:effectLst/>
-                        <a:latin typeface="맑은 고딕"/>
-                      </a:endParaRPr>
-                    </a:p>
-                  </a:txBody>
-                  <a:tcPr marL="5314" marR="5314" marT="5314" marB="0" anchor="ctr"/>
-                </a:tc>
-                <a:tc>
-                  <a:txBody>
-                    <a:bodyPr/>
-                    <a:lstStyle/>
-                    <a:p>
-                      <a:pPr algn="l" fontAlgn="ctr"/>
-                      <a:r>
-                        <a:rPr lang="ko-KR" altLang="en-US" sz="800" u="none" strike="noStrike">
-                          <a:effectLst/>
-                        </a:rPr>
-                        <a:t>회사 메인 컨셉 소개 및 펀딩 참여</a:t>
-                      </a:r>
-                      <a:r>
-                        <a:rPr lang="en-US" altLang="ko-KR" sz="800" u="none" strike="noStrike">
-                          <a:effectLst/>
-                        </a:rPr>
-                        <a:t>, </a:t>
-                      </a:r>
-                      <a:r>
-                        <a:rPr lang="ko-KR" altLang="en-US" sz="800" u="none" strike="noStrike">
-                          <a:effectLst/>
-                        </a:rPr>
-                        <a:t>펀딩 오픈</a:t>
-                      </a:r>
-                      <a:r>
-                        <a:rPr lang="en-US" altLang="ko-KR" sz="800" u="none" strike="noStrike">
-                          <a:effectLst/>
-                        </a:rPr>
-                        <a:t>, </a:t>
-                      </a:r>
-                      <a:r>
-                        <a:rPr lang="ko-KR" altLang="en-US" sz="800" u="none" strike="noStrike">
-                          <a:effectLst/>
-                        </a:rPr>
-                        <a:t>사이트 이용 방법 등 자주 묻는 질문</a:t>
-                      </a:r>
-                      <a:endParaRPr lang="ko-KR" altLang="en-US" sz="800" b="0" i="0" u="none" strike="noStrike">
-                        <a:solidFill>
-                          <a:srgbClr val="000000"/>
-                        </a:solidFill>
-                        <a:effectLst/>
-                        <a:latin typeface="맑은 고딕"/>
-                      </a:endParaRPr>
-                    </a:p>
-                  </a:txBody>
-                  <a:tcPr marL="63768" marR="5314" marT="5314" marB="0" anchor="ctr"/>
-                </a:tc>
-              </a:tr>
-              <a:tr h="602484">
-                <a:tc rowSpan="3">
-                  <a:txBody>
-                    <a:bodyPr/>
-                    <a:lstStyle/>
-                    <a:p>
-                      <a:pPr algn="ctr" fontAlgn="ctr"/>
-                      <a:r>
-                        <a:rPr lang="ko-KR" altLang="en-US" sz="800" u="none" strike="noStrike" dirty="0" smtClean="0">
-                          <a:effectLst/>
-                        </a:rPr>
-                        <a:t>관리자</a:t>
-                      </a:r>
-                      <a:endParaRPr lang="ko-KR" altLang="en-US" sz="800" b="0" i="0" u="none" strike="noStrike" dirty="0">
-                        <a:solidFill>
-                          <a:srgbClr val="000000"/>
-                        </a:solidFill>
-                        <a:effectLst/>
-                        <a:latin typeface="Dotum"/>
-                      </a:endParaRPr>
-                    </a:p>
-                  </a:txBody>
-                  <a:tcPr marL="5314" marR="5314" marT="5314" marB="0" anchor="ctr"/>
-                </a:tc>
-                <a:tc rowSpan="3">
-                  <a:txBody>
-                    <a:bodyPr/>
-                    <a:lstStyle/>
-                    <a:p>
-                      <a:pPr algn="ctr" fontAlgn="ctr"/>
-                      <a:r>
-                        <a:rPr lang="ko-KR" altLang="en-US" sz="800" u="none" strike="noStrike">
-                          <a:effectLst/>
-                        </a:rPr>
-                        <a:t>고객센터 관리</a:t>
-                      </a:r>
-                      <a:endParaRPr lang="ko-KR" altLang="en-US" sz="800" b="0" i="0" u="none" strike="noStrike">
-                        <a:solidFill>
-                          <a:srgbClr val="000000"/>
-                        </a:solidFill>
-                        <a:effectLst/>
-                        <a:latin typeface="Dotum"/>
-                      </a:endParaRPr>
-                    </a:p>
-                  </a:txBody>
-                  <a:tcPr marL="5314" marR="5314" marT="5314" marB="0" anchor="ctr"/>
-                </a:tc>
-                <a:tc>
-                  <a:txBody>
-                    <a:bodyPr/>
-                    <a:lstStyle/>
-                    <a:p>
-                      <a:pPr algn="ctr" fontAlgn="ctr"/>
-                      <a:r>
-                        <a:rPr lang="ko-KR" altLang="en-US" sz="800" u="none" strike="noStrike" dirty="0">
-                          <a:effectLst/>
-                        </a:rPr>
-                        <a:t>공지사항 </a:t>
-                      </a:r>
-                      <a:endParaRPr lang="ko-KR" altLang="en-US" sz="800" b="0" i="0" u="none" strike="noStrike" dirty="0">
-                        <a:solidFill>
-                          <a:srgbClr val="000000"/>
-                        </a:solidFill>
-                        <a:effectLst/>
-                        <a:latin typeface="Dotum"/>
-                      </a:endParaRPr>
-                    </a:p>
-                  </a:txBody>
-                  <a:tcPr marL="5314" marR="5314" marT="5314" marB="0" anchor="ctr"/>
-                </a:tc>
-                <a:tc>
-                  <a:txBody>
-                    <a:bodyPr/>
-                    <a:lstStyle/>
-                    <a:p>
-                      <a:pPr algn="l" fontAlgn="ctr"/>
-                      <a:r>
-                        <a:rPr lang="ko-KR" altLang="en-US" sz="800" u="none" strike="noStrike" dirty="0">
-                          <a:effectLst/>
-                        </a:rPr>
-                        <a:t>공지사항 목록</a:t>
-                      </a:r>
-                      <a:r>
-                        <a:rPr lang="en-US" altLang="ko-KR" sz="800" u="none" strike="noStrike" dirty="0">
-                          <a:effectLst/>
-                        </a:rPr>
-                        <a:t>, </a:t>
-                      </a:r>
-                      <a:r>
-                        <a:rPr lang="ko-KR" altLang="en-US" sz="800" u="none" strike="noStrike" dirty="0">
-                          <a:effectLst/>
-                        </a:rPr>
-                        <a:t>공지사항 등록 및 수정</a:t>
-                      </a:r>
-                      <a:endParaRPr lang="ko-KR" altLang="en-US" sz="800" b="0" i="0" u="none" strike="noStrike" dirty="0">
-                        <a:solidFill>
-                          <a:srgbClr val="000000"/>
-                        </a:solidFill>
-                        <a:effectLst/>
-                        <a:latin typeface="Dotum"/>
-                      </a:endParaRPr>
-                    </a:p>
-                  </a:txBody>
-                  <a:tcPr marL="63768" marR="5314" marT="5314" marB="0" anchor="ctr"/>
-                </a:tc>
-              </a:tr>
-              <a:tr h="602484">
-                <a:tc vMerge="1">
-                  <a:txBody>
-                    <a:bodyPr/>
-                    <a:lstStyle/>
-                    <a:p>
-                      <a:pPr algn="ctr" fontAlgn="ctr"/>
-                      <a:endParaRPr lang="ko-KR" altLang="en-US" sz="600" b="0" i="0" u="none" strike="noStrike" dirty="0">
-                        <a:solidFill>
-                          <a:srgbClr val="000000"/>
-                        </a:solidFill>
-                        <a:effectLst/>
-                        <a:latin typeface="Dotum"/>
-                      </a:endParaRPr>
-                    </a:p>
-                  </a:txBody>
-                  <a:tcPr marL="5314" marR="5314" marT="5314" marB="0" anchor="ctr"/>
-                </a:tc>
-                <a:tc vMerge="1">
-                  <a:txBody>
-                    <a:bodyPr/>
-                    <a:lstStyle/>
-                    <a:p>
-                      <a:pPr latinLnBrk="1"/>
-                      <a:endParaRPr lang="ko-KR" altLang="en-US"/>
-                    </a:p>
-                  </a:txBody>
-                  <a:tcPr/>
-                </a:tc>
-                <a:tc>
-                  <a:txBody>
-                    <a:bodyPr/>
-                    <a:lstStyle/>
-                    <a:p>
-                      <a:pPr algn="ctr" fontAlgn="ctr"/>
-                      <a:r>
-                        <a:rPr lang="en-US" sz="800" u="none" strike="noStrike" dirty="0">
-                          <a:effectLst/>
-                        </a:rPr>
-                        <a:t>FAQ</a:t>
-                      </a:r>
-                      <a:endParaRPr lang="en-US" sz="800" b="0" i="0" u="none" strike="noStrike" dirty="0">
-                        <a:solidFill>
-                          <a:srgbClr val="000000"/>
-                        </a:solidFill>
-                        <a:effectLst/>
-                        <a:latin typeface="Dotum"/>
-                      </a:endParaRPr>
-                    </a:p>
-                  </a:txBody>
-                  <a:tcPr marL="5314" marR="5314" marT="5314" marB="0" anchor="ctr"/>
-                </a:tc>
-                <a:tc>
-                  <a:txBody>
-                    <a:bodyPr/>
-                    <a:lstStyle/>
-                    <a:p>
-                      <a:pPr algn="l" fontAlgn="ctr"/>
-                      <a:r>
-                        <a:rPr lang="en-US" altLang="ko-KR" sz="800" u="none" strike="noStrike" dirty="0">
-                          <a:effectLst/>
-                        </a:rPr>
-                        <a:t>FAQ </a:t>
-                      </a:r>
-                      <a:r>
-                        <a:rPr lang="ko-KR" altLang="en-US" sz="800" u="none" strike="noStrike" dirty="0">
-                          <a:effectLst/>
-                        </a:rPr>
-                        <a:t>목록</a:t>
-                      </a:r>
-                      <a:r>
-                        <a:rPr lang="en-US" altLang="ko-KR" sz="800" u="none" strike="noStrike" dirty="0">
-                          <a:effectLst/>
-                        </a:rPr>
-                        <a:t>, FAQ </a:t>
-                      </a:r>
-                      <a:r>
-                        <a:rPr lang="ko-KR" altLang="en-US" sz="800" u="none" strike="noStrike" dirty="0">
-                          <a:effectLst/>
-                        </a:rPr>
-                        <a:t>등록 및 수정</a:t>
-                      </a:r>
-                      <a:endParaRPr lang="ko-KR" altLang="en-US" sz="800" b="0" i="0" u="none" strike="noStrike" dirty="0">
-                        <a:solidFill>
-                          <a:srgbClr val="000000"/>
-                        </a:solidFill>
-                        <a:effectLst/>
-                        <a:latin typeface="Dotum"/>
-                      </a:endParaRPr>
-                    </a:p>
-                  </a:txBody>
-                  <a:tcPr marL="63768" marR="5314" marT="5314" marB="0" anchor="ctr"/>
-                </a:tc>
-              </a:tr>
-              <a:tr h="602484">
-                <a:tc vMerge="1">
-                  <a:txBody>
-                    <a:bodyPr/>
-                    <a:lstStyle/>
-                    <a:p>
-                      <a:pPr algn="ctr" fontAlgn="ctr"/>
-                      <a:endParaRPr lang="ko-KR" altLang="en-US" sz="600" b="0" i="0" u="none" strike="noStrike" dirty="0">
-                        <a:solidFill>
-                          <a:srgbClr val="000000"/>
-                        </a:solidFill>
-                        <a:effectLst/>
-                        <a:latin typeface="Dotum"/>
-                      </a:endParaRPr>
-                    </a:p>
-                  </a:txBody>
-                  <a:tcPr marL="5314" marR="5314" marT="5314" marB="0" anchor="ctr"/>
-                </a:tc>
-                <a:tc vMerge="1">
-                  <a:txBody>
-                    <a:bodyPr/>
-                    <a:lstStyle/>
-                    <a:p>
-                      <a:pPr latinLnBrk="1"/>
-                      <a:endParaRPr lang="ko-KR" altLang="en-US"/>
-                    </a:p>
-                  </a:txBody>
-                  <a:tcPr/>
-                </a:tc>
-                <a:tc>
-                  <a:txBody>
-                    <a:bodyPr/>
-                    <a:lstStyle/>
-                    <a:p>
-                      <a:pPr algn="ctr" fontAlgn="ctr"/>
-                      <a:r>
-                        <a:rPr lang="ko-KR" altLang="en-US" sz="800" u="none" strike="noStrike">
-                          <a:effectLst/>
-                        </a:rPr>
-                        <a:t>실시간 채팅 상담 관리</a:t>
-                      </a:r>
-                      <a:endParaRPr lang="ko-KR" altLang="en-US" sz="800" b="0" i="0" u="none" strike="noStrike">
-                        <a:solidFill>
-                          <a:srgbClr val="000000"/>
-                        </a:solidFill>
-                        <a:effectLst/>
-                        <a:latin typeface="Dotum"/>
-                      </a:endParaRPr>
-                    </a:p>
-                  </a:txBody>
-                  <a:tcPr marL="5314" marR="5314" marT="5314" marB="0" anchor="ctr"/>
-                </a:tc>
-                <a:tc>
-                  <a:txBody>
-                    <a:bodyPr/>
-                    <a:lstStyle/>
-                    <a:p>
-                      <a:pPr algn="l" fontAlgn="ctr"/>
-                      <a:r>
-                        <a:rPr lang="ko-KR" altLang="en-US" sz="800" u="none" strike="noStrike" dirty="0">
-                          <a:effectLst/>
-                        </a:rPr>
-                        <a:t>회원들의 </a:t>
-                      </a:r>
-                      <a:r>
-                        <a:rPr lang="en-US" altLang="ko-KR" sz="800" u="none" strike="noStrike" dirty="0">
-                          <a:effectLst/>
-                        </a:rPr>
-                        <a:t>1:1</a:t>
-                      </a:r>
-                      <a:r>
-                        <a:rPr lang="ko-KR" altLang="en-US" sz="800" u="none" strike="noStrike" dirty="0">
-                          <a:effectLst/>
-                        </a:rPr>
-                        <a:t>문의와 채팅 문의 답변 작성</a:t>
-                      </a:r>
-                      <a:endParaRPr lang="ko-KR" altLang="en-US" sz="800" b="0" i="0" u="none" strike="noStrike" dirty="0">
-                        <a:solidFill>
-                          <a:srgbClr val="000000"/>
-                        </a:solidFill>
-                        <a:effectLst/>
-                        <a:latin typeface="Dotum"/>
-                      </a:endParaRPr>
-                    </a:p>
-                  </a:txBody>
-                  <a:tcPr marL="63768" marR="5314" marT="5314" marB="0" anchor="ctr"/>
-                </a:tc>
-              </a:tr>
-            </a:tbl>
-          </a:graphicData>
-        </a:graphic>
-      </p:graphicFrame>
-      <p:sp>
-        <p:nvSpPr>
-          <p:cNvPr id="6" name="직사각형 5"/>
-          <p:cNvSpPr/>
-          <p:nvPr/>
-        </p:nvSpPr>
-        <p:spPr>
-          <a:xfrm>
-            <a:off x="219114" y="195486"/>
-            <a:ext cx="1112851" cy="400110"/>
-          </a:xfrm>
-          <a:prstGeom prst="rect">
-            <a:avLst/>
-          </a:prstGeom>
-        </p:spPr>
-        <p:txBody>
-          <a:bodyPr wrap="square">
-            <a:spAutoFit/>
-          </a:bodyPr>
-          <a:lstStyle/>
-          <a:p>
-            <a:r>
-              <a:rPr lang="ko-KR" altLang="en-US" sz="2000" b="1" dirty="0" smtClean="0">
-                <a:solidFill>
-                  <a:srgbClr val="FF9E00"/>
-                </a:solidFill>
-                <a:latin typeface="+mj-ea"/>
-                <a:ea typeface="+mj-ea"/>
-              </a:rPr>
-              <a:t>한송우</a:t>
-            </a:r>
-            <a:endParaRPr lang="ko-KR" altLang="en-US" sz="2000" b="1" dirty="0">
-              <a:latin typeface="+mj-ea"/>
-              <a:ea typeface="+mj-ea"/>
-            </a:endParaRPr>
-          </a:p>
-        </p:txBody>
-      </p:sp>
-    </p:spTree>
-    <p:extLst>
-      <p:ext uri="{BB962C8B-B14F-4D97-AF65-F5344CB8AC3E}">
-        <p14:creationId xmlns:p14="http://schemas.microsoft.com/office/powerpoint/2010/main" val="4110185827"/>
-      </p:ext>
-    </p:extLst>
-  </p:cSld>
-  <p:clrMapOvr>
-    <a:masterClrMapping/>
-  </p:clrMapOvr>
-  <p:timing>
-    <p:tnLst>
-      <p:par>
-        <p:cTn id="1" dur="indefinite" restart="never" nodeType="tmRoot"/>
-      </p:par>
-    </p:tnLst>
-  </p:timing>
-</p:sld>
-</file>
-
-<file path=ppt/slides/slide9.xml><?xml version="1.0" encoding="utf-8"?>
-<p:sld xmlns:a="http://schemas.openxmlformats.org/drawingml/2006/main" xmlns:r="http://schemas.openxmlformats.org/officeDocument/2006/relationships" xmlns:p="http://schemas.openxmlformats.org/presentationml/2006/main">
-  <p:cSld>
-    <p:spTree>
-      <p:nvGrpSpPr>
-        <p:cNvPr id="1" name=""/>
-        <p:cNvGrpSpPr/>
-        <p:nvPr/>
-      </p:nvGrpSpPr>
-      <p:grpSpPr>
-        <a:xfrm>
-          <a:off x="0" y="0"/>
-          <a:ext cx="0" cy="0"/>
-          <a:chOff x="0" y="0"/>
-          <a:chExt cx="0" cy="0"/>
-        </a:xfrm>
-      </p:grpSpPr>
-      <p:sp>
-        <p:nvSpPr>
-          <p:cNvPr id="3" name="직사각형 2"/>
-          <p:cNvSpPr/>
-          <p:nvPr/>
-        </p:nvSpPr>
-        <p:spPr>
-          <a:xfrm>
-            <a:off x="0" y="0"/>
-            <a:ext cx="9144000" cy="5143500"/>
-          </a:xfrm>
-          <a:prstGeom prst="rect">
-            <a:avLst/>
-          </a:prstGeom>
-          <a:solidFill>
-            <a:schemeClr val="bg1"/>
-          </a:solidFill>
-          <a:ln>
-            <a:noFill/>
-          </a:ln>
-        </p:spPr>
-        <p:style>
-          <a:lnRef idx="2">
-            <a:schemeClr val="accent1">
-              <a:shade val="50000"/>
-            </a:schemeClr>
-          </a:lnRef>
-          <a:fillRef idx="1">
-            <a:schemeClr val="accent1"/>
-          </a:fillRef>
-          <a:effectRef idx="0">
-            <a:schemeClr val="accent1"/>
-          </a:effectRef>
-          <a:fontRef idx="minor">
-            <a:schemeClr val="lt1"/>
-          </a:fontRef>
-        </p:style>
-        <p:txBody>
-          <a:bodyPr rtlCol="0" anchor="ctr"/>
-          <a:lstStyle/>
-          <a:p>
-            <a:pPr algn="ctr"/>
-            <a:endParaRPr lang="ko-KR" altLang="en-US"/>
-          </a:p>
-        </p:txBody>
-      </p:sp>
-      <p:graphicFrame>
-        <p:nvGraphicFramePr>
-          <p:cNvPr id="4" name="표 3"/>
-          <p:cNvGraphicFramePr>
-            <a:graphicFrameLocks noGrp="1"/>
-          </p:cNvGraphicFramePr>
-          <p:nvPr>
-            <p:extLst>
-              <p:ext uri="{D42A27DB-BD31-4B8C-83A1-F6EECF244321}">
-                <p14:modId xmlns:p14="http://schemas.microsoft.com/office/powerpoint/2010/main" val="893917691"/>
-              </p:ext>
-            </p:extLst>
-          </p:nvPr>
-        </p:nvGraphicFramePr>
-        <p:xfrm>
-          <a:off x="251520" y="771552"/>
-          <a:ext cx="8496944" cy="4037726"/>
-        </p:xfrm>
-        <a:graphic>
-          <a:graphicData uri="http://schemas.openxmlformats.org/drawingml/2006/table">
-            <a:tbl>
-              <a:tblPr>
-                <a:tableStyleId>{FA2A6AB6-C1E5-4FC5-B20B-5785A829AD62}</a:tableStyleId>
-              </a:tblPr>
-              <a:tblGrid>
-                <a:gridCol w="822948"/>
-                <a:gridCol w="1203563"/>
-                <a:gridCol w="1662357"/>
-                <a:gridCol w="4808076"/>
-              </a:tblGrid>
-              <a:tr h="360038">
-                <a:tc>
-                  <a:txBody>
-                    <a:bodyPr/>
-                    <a:lstStyle/>
-                    <a:p>
-                      <a:pPr algn="ctr" fontAlgn="ctr"/>
-                      <a:r>
-                        <a:rPr lang="ko-KR" altLang="en-US" sz="800" b="1" u="none" strike="noStrike" dirty="0">
-                          <a:solidFill>
-                            <a:schemeClr val="bg1"/>
-                          </a:solidFill>
-                          <a:effectLst/>
-                        </a:rPr>
-                        <a:t>구분</a:t>
-                      </a:r>
-                      <a:endParaRPr lang="ko-KR" altLang="en-US" sz="800" b="1" i="0" u="none" strike="noStrike" dirty="0">
-                        <a:solidFill>
-                          <a:schemeClr val="bg1"/>
-                        </a:solidFill>
-                        <a:effectLst/>
-                        <a:latin typeface="Dotum"/>
-                      </a:endParaRPr>
-                    </a:p>
-                  </a:txBody>
-                  <a:tcPr marL="5314" marR="5314" marT="5314" marB="0" anchor="ctr">
-                    <a:solidFill>
-                      <a:srgbClr val="FF9E00"/>
-                    </a:solidFill>
-                  </a:tcPr>
-                </a:tc>
-                <a:tc>
-                  <a:txBody>
-                    <a:bodyPr/>
-                    <a:lstStyle/>
-                    <a:p>
-                      <a:pPr algn="ctr" fontAlgn="ctr"/>
-                      <a:r>
-                        <a:rPr lang="ko-KR" altLang="en-US" sz="800" b="1" u="none" strike="noStrike" dirty="0">
-                          <a:solidFill>
-                            <a:schemeClr val="bg1"/>
-                          </a:solidFill>
-                          <a:effectLst/>
-                        </a:rPr>
-                        <a:t>서비스</a:t>
-                      </a:r>
-                      <a:r>
-                        <a:rPr lang="en-US" altLang="ko-KR" sz="800" b="1" u="none" strike="noStrike" dirty="0">
-                          <a:solidFill>
-                            <a:schemeClr val="bg1"/>
-                          </a:solidFill>
-                          <a:effectLst/>
-                        </a:rPr>
-                        <a:t>(</a:t>
-                      </a:r>
-                      <a:r>
-                        <a:rPr lang="ko-KR" altLang="en-US" sz="800" b="1" u="none" strike="noStrike" dirty="0">
-                          <a:solidFill>
-                            <a:schemeClr val="bg1"/>
-                          </a:solidFill>
-                          <a:effectLst/>
-                        </a:rPr>
-                        <a:t>메뉴</a:t>
-                      </a:r>
-                      <a:r>
-                        <a:rPr lang="en-US" altLang="ko-KR" sz="800" b="1" u="none" strike="noStrike" dirty="0">
-                          <a:solidFill>
-                            <a:schemeClr val="bg1"/>
-                          </a:solidFill>
-                          <a:effectLst/>
-                        </a:rPr>
-                        <a:t>)</a:t>
-                      </a:r>
-                      <a:endParaRPr lang="en-US" altLang="ko-KR" sz="800" b="1" i="0" u="none" strike="noStrike" dirty="0">
-                        <a:solidFill>
-                          <a:schemeClr val="bg1"/>
-                        </a:solidFill>
-                        <a:effectLst/>
-                        <a:latin typeface="Dotum"/>
-                      </a:endParaRPr>
-                    </a:p>
-                  </a:txBody>
-                  <a:tcPr marL="5314" marR="5314" marT="5314" marB="0" anchor="ctr">
-                    <a:solidFill>
-                      <a:srgbClr val="FF9E00"/>
-                    </a:solidFill>
-                  </a:tcPr>
-                </a:tc>
-                <a:tc>
-                  <a:txBody>
-                    <a:bodyPr/>
-                    <a:lstStyle/>
-                    <a:p>
-                      <a:pPr algn="ctr" fontAlgn="ctr"/>
-                      <a:r>
-                        <a:rPr lang="ko-KR" altLang="en-US" sz="800" b="1" u="none" strike="noStrike" dirty="0">
-                          <a:solidFill>
-                            <a:schemeClr val="bg1"/>
-                          </a:solidFill>
-                          <a:effectLst/>
-                        </a:rPr>
-                        <a:t>필요 기능</a:t>
-                      </a:r>
-                      <a:endParaRPr lang="ko-KR" altLang="en-US" sz="800" b="1" i="0" u="none" strike="noStrike" dirty="0">
-                        <a:solidFill>
-                          <a:schemeClr val="bg1"/>
-                        </a:solidFill>
-                        <a:effectLst/>
-                        <a:latin typeface="Dotum"/>
-                      </a:endParaRPr>
-                    </a:p>
-                  </a:txBody>
-                  <a:tcPr marL="5314" marR="5314" marT="5314" marB="0" anchor="ctr">
-                    <a:solidFill>
-                      <a:srgbClr val="FF9E00"/>
-                    </a:solidFill>
-                  </a:tcPr>
-                </a:tc>
-                <a:tc>
-                  <a:txBody>
-                    <a:bodyPr/>
-                    <a:lstStyle/>
-                    <a:p>
-                      <a:pPr algn="ctr" fontAlgn="ctr"/>
-                      <a:r>
-                        <a:rPr lang="ko-KR" altLang="en-US" sz="800" b="1" u="none" strike="noStrike" dirty="0">
-                          <a:solidFill>
-                            <a:schemeClr val="bg1"/>
-                          </a:solidFill>
-                          <a:effectLst/>
-                        </a:rPr>
-                        <a:t>기능 설명</a:t>
-                      </a:r>
-                      <a:endParaRPr lang="ko-KR" altLang="en-US" sz="800" b="1" i="0" u="none" strike="noStrike" dirty="0">
-                        <a:solidFill>
-                          <a:schemeClr val="bg1"/>
-                        </a:solidFill>
-                        <a:effectLst/>
-                        <a:latin typeface="Dotum"/>
-                      </a:endParaRPr>
-                    </a:p>
-                  </a:txBody>
-                  <a:tcPr marL="5314" marR="5314" marT="5314" marB="0" anchor="ctr">
-                    <a:solidFill>
-                      <a:srgbClr val="FF9E00"/>
-                    </a:solidFill>
-                  </a:tcPr>
-                </a:tc>
-              </a:tr>
-              <a:tr h="612948">
-                <a:tc rowSpan="6">
-                  <a:txBody>
-                    <a:bodyPr/>
-                    <a:lstStyle/>
-                    <a:p>
-                      <a:pPr algn="ctr" fontAlgn="ctr"/>
-                      <a:r>
-                        <a:rPr lang="ko-KR" altLang="en-US" sz="800" u="none" strike="noStrike" dirty="0" smtClean="0">
-                          <a:effectLst/>
-                        </a:rPr>
-                        <a:t>사용자</a:t>
-                      </a:r>
-                      <a:endParaRPr lang="ko-KR" altLang="en-US" sz="800" b="0" i="0" u="none" strike="noStrike" dirty="0">
-                        <a:solidFill>
-                          <a:srgbClr val="000000"/>
-                        </a:solidFill>
-                        <a:effectLst/>
-                        <a:latin typeface="맑은 고딕"/>
-                      </a:endParaRPr>
-                    </a:p>
-                  </a:txBody>
-                  <a:tcPr marL="5314" marR="5314" marT="5314" marB="0" anchor="ctr"/>
-                </a:tc>
-                <a:tc rowSpan="6">
-                  <a:txBody>
-                    <a:bodyPr/>
-                    <a:lstStyle/>
-                    <a:p>
-                      <a:pPr algn="ctr" fontAlgn="ctr"/>
-                      <a:r>
-                        <a:rPr lang="ko-KR" altLang="en-US" sz="800" u="none" strike="noStrike" dirty="0" err="1">
-                          <a:effectLst/>
-                        </a:rPr>
-                        <a:t>마이페이지</a:t>
-                      </a:r>
-                      <a:endParaRPr lang="ko-KR" altLang="en-US" sz="800" b="0" i="0" u="none" strike="noStrike" dirty="0">
-                        <a:solidFill>
-                          <a:srgbClr val="000000"/>
-                        </a:solidFill>
-                        <a:effectLst/>
-                        <a:latin typeface="맑은 고딕"/>
-                      </a:endParaRPr>
-                    </a:p>
-                  </a:txBody>
-                  <a:tcPr marL="5314" marR="5314" marT="5314" marB="0" anchor="ctr"/>
-                </a:tc>
-                <a:tc>
-                  <a:txBody>
-                    <a:bodyPr/>
-                    <a:lstStyle/>
-                    <a:p>
-                      <a:pPr algn="ctr" fontAlgn="ctr"/>
-                      <a:r>
-                        <a:rPr lang="ko-KR" altLang="en-US" sz="800" u="none" strike="noStrike">
-                          <a:effectLst/>
-                        </a:rPr>
-                        <a:t>회원정보변경</a:t>
-                      </a:r>
-                      <a:endParaRPr lang="ko-KR" altLang="en-US" sz="800" b="0" i="0" u="none" strike="noStrike">
-                        <a:solidFill>
-                          <a:srgbClr val="000000"/>
-                        </a:solidFill>
-                        <a:effectLst/>
-                        <a:latin typeface="맑은 고딕"/>
-                      </a:endParaRPr>
-                    </a:p>
-                  </a:txBody>
-                  <a:tcPr marL="5314" marR="5314" marT="5314" marB="0" anchor="ctr"/>
-                </a:tc>
-                <a:tc>
-                  <a:txBody>
-                    <a:bodyPr/>
-                    <a:lstStyle/>
-                    <a:p>
-                      <a:pPr algn="l" fontAlgn="ctr"/>
-                      <a:r>
-                        <a:rPr lang="ko-KR" altLang="en-US" sz="800" u="none" strike="noStrike">
-                          <a:effectLst/>
-                        </a:rPr>
-                        <a:t>회원가입시 입력한 정보를 수정</a:t>
-                      </a:r>
-                      <a:r>
-                        <a:rPr lang="en-US" altLang="ko-KR" sz="800" u="none" strike="noStrike">
-                          <a:effectLst/>
-                        </a:rPr>
-                        <a:t>, </a:t>
-                      </a:r>
-                      <a:r>
-                        <a:rPr lang="ko-KR" altLang="en-US" sz="800" u="none" strike="noStrike">
-                          <a:effectLst/>
-                        </a:rPr>
-                        <a:t>관심 카테고리 설정</a:t>
-                      </a:r>
-                      <a:endParaRPr lang="ko-KR" altLang="en-US" sz="800" b="0" i="0" u="none" strike="noStrike">
-                        <a:solidFill>
-                          <a:srgbClr val="000000"/>
-                        </a:solidFill>
-                        <a:effectLst/>
-                        <a:latin typeface="맑은 고딕"/>
-                      </a:endParaRPr>
-                    </a:p>
-                  </a:txBody>
-                  <a:tcPr marL="63768" marR="5314" marT="5314" marB="0" anchor="ctr"/>
-                </a:tc>
-              </a:tr>
-              <a:tr h="612948">
-                <a:tc vMerge="1">
-                  <a:txBody>
-                    <a:bodyPr/>
-                    <a:lstStyle/>
-                    <a:p>
-                      <a:pPr algn="l" fontAlgn="ctr"/>
-                      <a:endParaRPr lang="ko-KR" altLang="en-US" sz="600" b="0" i="0" u="none" strike="noStrike" dirty="0">
-                        <a:solidFill>
-                          <a:srgbClr val="000000"/>
-                        </a:solidFill>
-                        <a:effectLst/>
-                        <a:latin typeface="맑은 고딕"/>
-                      </a:endParaRPr>
-                    </a:p>
-                  </a:txBody>
-                  <a:tcPr marL="5314" marR="5314" marT="5314" marB="0" anchor="ctr"/>
-                </a:tc>
-                <a:tc vMerge="1">
-                  <a:txBody>
-                    <a:bodyPr/>
-                    <a:lstStyle/>
-                    <a:p>
-                      <a:pPr latinLnBrk="1"/>
-                      <a:endParaRPr lang="ko-KR" altLang="en-US"/>
-                    </a:p>
-                  </a:txBody>
-                  <a:tcPr/>
-                </a:tc>
-                <a:tc>
-                  <a:txBody>
-                    <a:bodyPr/>
-                    <a:lstStyle/>
-                    <a:p>
-                      <a:pPr algn="ctr" fontAlgn="ctr"/>
-                      <a:r>
-                        <a:rPr lang="ko-KR" altLang="en-US" sz="800" u="none" strike="noStrike">
-                          <a:effectLst/>
-                        </a:rPr>
-                        <a:t>회원탈퇴</a:t>
-                      </a:r>
-                      <a:endParaRPr lang="ko-KR" altLang="en-US" sz="800" b="0" i="0" u="none" strike="noStrike">
-                        <a:solidFill>
-                          <a:srgbClr val="000000"/>
-                        </a:solidFill>
-                        <a:effectLst/>
-                        <a:latin typeface="맑은 고딕"/>
-                      </a:endParaRPr>
-                    </a:p>
-                  </a:txBody>
-                  <a:tcPr marL="5314" marR="5314" marT="5314" marB="0" anchor="ctr"/>
-                </a:tc>
-                <a:tc>
-                  <a:txBody>
-                    <a:bodyPr/>
-                    <a:lstStyle/>
-                    <a:p>
-                      <a:pPr algn="l" fontAlgn="ctr"/>
-                      <a:r>
-                        <a:rPr lang="ko-KR" altLang="en-US" sz="800" u="none" strike="noStrike">
-                          <a:effectLst/>
-                        </a:rPr>
-                        <a:t>프로필 수정 페이지 내 회원탈퇴 버튼을 통해 탈퇴 가능</a:t>
-                      </a:r>
-                      <a:endParaRPr lang="ko-KR" altLang="en-US" sz="800" b="0" i="0" u="none" strike="noStrike">
-                        <a:solidFill>
-                          <a:srgbClr val="000000"/>
-                        </a:solidFill>
-                        <a:effectLst/>
-                        <a:latin typeface="맑은 고딕"/>
-                      </a:endParaRPr>
-                    </a:p>
-                  </a:txBody>
-                  <a:tcPr marL="63768" marR="5314" marT="5314" marB="0" anchor="ctr"/>
-                </a:tc>
-              </a:tr>
-              <a:tr h="612948">
-                <a:tc vMerge="1">
-                  <a:txBody>
-                    <a:bodyPr/>
-                    <a:lstStyle/>
-                    <a:p>
-                      <a:pPr algn="l" fontAlgn="ctr"/>
-                      <a:endParaRPr lang="ko-KR" altLang="en-US" sz="600" b="0" i="0" u="none" strike="noStrike" dirty="0">
-                        <a:solidFill>
-                          <a:srgbClr val="000000"/>
-                        </a:solidFill>
-                        <a:effectLst/>
-                        <a:latin typeface="맑은 고딕"/>
-                      </a:endParaRPr>
-                    </a:p>
-                  </a:txBody>
-                  <a:tcPr marL="5314" marR="5314" marT="5314" marB="0" anchor="ctr"/>
-                </a:tc>
-                <a:tc vMerge="1">
-                  <a:txBody>
-                    <a:bodyPr/>
-                    <a:lstStyle/>
-                    <a:p>
-                      <a:pPr latinLnBrk="1"/>
-                      <a:endParaRPr lang="ko-KR" altLang="en-US"/>
-                    </a:p>
-                  </a:txBody>
-                  <a:tcPr/>
-                </a:tc>
-                <a:tc>
-                  <a:txBody>
-                    <a:bodyPr/>
-                    <a:lstStyle/>
-                    <a:p>
-                      <a:pPr algn="ctr" fontAlgn="ctr"/>
-                      <a:r>
-                        <a:rPr lang="ko-KR" altLang="en-US" sz="800" u="none" strike="noStrike">
-                          <a:effectLst/>
-                        </a:rPr>
-                        <a:t>나의 계좌</a:t>
-                      </a:r>
-                      <a:endParaRPr lang="ko-KR" altLang="en-US" sz="800" b="0" i="0" u="none" strike="noStrike">
-                        <a:solidFill>
-                          <a:srgbClr val="000000"/>
-                        </a:solidFill>
-                        <a:effectLst/>
-                        <a:latin typeface="맑은 고딕"/>
-                      </a:endParaRPr>
-                    </a:p>
-                  </a:txBody>
-                  <a:tcPr marL="5314" marR="5314" marT="5314" marB="0" anchor="ctr"/>
-                </a:tc>
-                <a:tc>
-                  <a:txBody>
-                    <a:bodyPr/>
-                    <a:lstStyle/>
-                    <a:p>
-                      <a:pPr algn="l" fontAlgn="ctr"/>
-                      <a:r>
-                        <a:rPr lang="ko-KR" altLang="en-US" sz="800" u="none" strike="noStrike" dirty="0">
-                          <a:effectLst/>
-                        </a:rPr>
-                        <a:t>수익금 정산 받을 계좌 등록 및 수정</a:t>
-                      </a:r>
-                      <a:r>
-                        <a:rPr lang="en-US" altLang="ko-KR" sz="800" u="none" strike="noStrike" dirty="0">
-                          <a:effectLst/>
-                        </a:rPr>
-                        <a:t>, </a:t>
-                      </a:r>
-                      <a:r>
-                        <a:rPr lang="ko-KR" altLang="en-US" sz="800" u="none" strike="noStrike" dirty="0">
-                          <a:effectLst/>
-                        </a:rPr>
-                        <a:t>예치금 충전 및 이용내역</a:t>
-                      </a:r>
-                      <a:r>
-                        <a:rPr lang="en-US" altLang="ko-KR" sz="800" u="none" strike="noStrike" dirty="0">
-                          <a:effectLst/>
-                        </a:rPr>
-                        <a:t>, </a:t>
-                      </a:r>
-                      <a:r>
-                        <a:rPr lang="ko-KR" altLang="en-US" sz="800" u="none" strike="noStrike" dirty="0">
-                          <a:effectLst/>
-                        </a:rPr>
-                        <a:t>출금</a:t>
-                      </a:r>
-                      <a:endParaRPr lang="ko-KR" altLang="en-US" sz="800" b="0" i="0" u="none" strike="noStrike" dirty="0">
-                        <a:solidFill>
-                          <a:srgbClr val="000000"/>
-                        </a:solidFill>
-                        <a:effectLst/>
-                        <a:latin typeface="맑은 고딕"/>
-                      </a:endParaRPr>
-                    </a:p>
-                  </a:txBody>
-                  <a:tcPr marL="63768" marR="5314" marT="5314" marB="0" anchor="ctr"/>
-                </a:tc>
-              </a:tr>
-              <a:tr h="612948">
-                <a:tc vMerge="1">
-                  <a:txBody>
-                    <a:bodyPr/>
-                    <a:lstStyle/>
-                    <a:p>
-                      <a:pPr algn="l" fontAlgn="ctr"/>
-                      <a:endParaRPr lang="ko-KR" altLang="en-US" sz="600" b="0" i="0" u="none" strike="noStrike">
-                        <a:solidFill>
-                          <a:srgbClr val="000000"/>
-                        </a:solidFill>
-                        <a:effectLst/>
-                        <a:latin typeface="맑은 고딕"/>
-                      </a:endParaRPr>
-                    </a:p>
-                  </a:txBody>
-                  <a:tcPr marL="5314" marR="5314" marT="5314" marB="0" anchor="ctr"/>
-                </a:tc>
-                <a:tc vMerge="1">
-                  <a:txBody>
-                    <a:bodyPr/>
-                    <a:lstStyle/>
-                    <a:p>
-                      <a:pPr latinLnBrk="1"/>
-                      <a:endParaRPr lang="ko-KR" altLang="en-US"/>
-                    </a:p>
-                  </a:txBody>
-                  <a:tcPr/>
-                </a:tc>
-                <a:tc>
-                  <a:txBody>
-                    <a:bodyPr/>
-                    <a:lstStyle/>
-                    <a:p>
-                      <a:pPr algn="ctr" fontAlgn="ctr"/>
-                      <a:r>
-                        <a:rPr lang="ko-KR" altLang="en-US" sz="800" u="none" strike="noStrike" dirty="0">
-                          <a:effectLst/>
-                        </a:rPr>
-                        <a:t>나의 </a:t>
-                      </a:r>
-                      <a:r>
-                        <a:rPr lang="ko-KR" altLang="en-US" sz="800" u="none" strike="noStrike" dirty="0" err="1">
-                          <a:effectLst/>
-                        </a:rPr>
-                        <a:t>펀딩</a:t>
-                      </a:r>
-                      <a:endParaRPr lang="ko-KR" altLang="en-US" sz="800" b="0" i="0" u="none" strike="noStrike" dirty="0">
-                        <a:solidFill>
-                          <a:srgbClr val="000000"/>
-                        </a:solidFill>
-                        <a:effectLst/>
-                        <a:latin typeface="맑은 고딕"/>
-                      </a:endParaRPr>
-                    </a:p>
-                  </a:txBody>
-                  <a:tcPr marL="5314" marR="5314" marT="5314" marB="0" anchor="ctr"/>
-                </a:tc>
-                <a:tc>
-                  <a:txBody>
-                    <a:bodyPr/>
-                    <a:lstStyle/>
-                    <a:p>
-                      <a:pPr algn="l" fontAlgn="ctr"/>
-                      <a:r>
-                        <a:rPr lang="ko-KR" altLang="en-US" sz="800" u="none" strike="noStrike" dirty="0" err="1">
-                          <a:effectLst/>
-                        </a:rPr>
-                        <a:t>펀딩한</a:t>
-                      </a:r>
-                      <a:r>
-                        <a:rPr lang="ko-KR" altLang="en-US" sz="800" u="none" strike="noStrike" dirty="0">
-                          <a:effectLst/>
-                        </a:rPr>
-                        <a:t> 프로젝트의 목록</a:t>
-                      </a:r>
-                      <a:r>
-                        <a:rPr lang="en-US" altLang="ko-KR" sz="800" u="none" strike="noStrike" dirty="0">
-                          <a:effectLst/>
-                        </a:rPr>
-                        <a:t>, </a:t>
-                      </a:r>
-                      <a:r>
-                        <a:rPr lang="ko-KR" altLang="en-US" sz="800" u="none" strike="noStrike" dirty="0">
-                          <a:effectLst/>
-                        </a:rPr>
-                        <a:t>진행상태 확인</a:t>
-                      </a:r>
-                      <a:endParaRPr lang="ko-KR" altLang="en-US" sz="800" b="0" i="0" u="none" strike="noStrike" dirty="0">
-                        <a:solidFill>
-                          <a:srgbClr val="000000"/>
-                        </a:solidFill>
-                        <a:effectLst/>
-                        <a:latin typeface="맑은 고딕"/>
-                      </a:endParaRPr>
-                    </a:p>
-                  </a:txBody>
-                  <a:tcPr marL="63768" marR="5314" marT="5314" marB="0" anchor="ctr"/>
-                </a:tc>
-              </a:tr>
-              <a:tr h="612948">
-                <a:tc vMerge="1">
-                  <a:txBody>
-                    <a:bodyPr/>
-                    <a:lstStyle/>
-                    <a:p>
-                      <a:pPr algn="l" fontAlgn="ctr"/>
-                      <a:endParaRPr lang="ko-KR" altLang="en-US" sz="600" b="0" i="0" u="none" strike="noStrike" dirty="0">
-                        <a:solidFill>
-                          <a:srgbClr val="000000"/>
-                        </a:solidFill>
-                        <a:effectLst/>
-                        <a:latin typeface="맑은 고딕"/>
-                      </a:endParaRPr>
-                    </a:p>
-                  </a:txBody>
-                  <a:tcPr marL="5314" marR="5314" marT="5314" marB="0" anchor="ctr"/>
-                </a:tc>
-                <a:tc vMerge="1">
-                  <a:txBody>
-                    <a:bodyPr/>
-                    <a:lstStyle/>
-                    <a:p>
-                      <a:pPr latinLnBrk="1"/>
-                      <a:endParaRPr lang="ko-KR" altLang="en-US"/>
-                    </a:p>
-                  </a:txBody>
-                  <a:tcPr/>
-                </a:tc>
-                <a:tc>
-                  <a:txBody>
-                    <a:bodyPr/>
-                    <a:lstStyle/>
-                    <a:p>
-                      <a:pPr algn="ctr" fontAlgn="ctr"/>
-                      <a:r>
-                        <a:rPr lang="ko-KR" altLang="en-US" sz="800" u="none" strike="noStrike" dirty="0">
-                          <a:effectLst/>
-                        </a:rPr>
-                        <a:t>관심 프로젝트</a:t>
-                      </a:r>
-                      <a:endParaRPr lang="ko-KR" altLang="en-US" sz="800" b="0" i="0" u="none" strike="noStrike" dirty="0">
-                        <a:solidFill>
-                          <a:srgbClr val="000000"/>
-                        </a:solidFill>
-                        <a:effectLst/>
-                        <a:latin typeface="맑은 고딕"/>
-                      </a:endParaRPr>
-                    </a:p>
-                  </a:txBody>
-                  <a:tcPr marL="5314" marR="5314" marT="5314" marB="0" anchor="ctr"/>
-                </a:tc>
-                <a:tc>
-                  <a:txBody>
-                    <a:bodyPr/>
-                    <a:lstStyle/>
-                    <a:p>
-                      <a:pPr algn="l" fontAlgn="ctr"/>
-                      <a:r>
-                        <a:rPr lang="ko-KR" altLang="en-US" sz="800" u="none" strike="noStrike" dirty="0">
-                          <a:effectLst/>
-                        </a:rPr>
-                        <a:t>관심 프로젝트 목록 및 관리</a:t>
-                      </a:r>
-                      <a:endParaRPr lang="ko-KR" altLang="en-US" sz="800" b="0" i="0" u="none" strike="noStrike" dirty="0">
-                        <a:solidFill>
-                          <a:srgbClr val="000000"/>
-                        </a:solidFill>
-                        <a:effectLst/>
-                        <a:latin typeface="맑은 고딕"/>
-                      </a:endParaRPr>
-                    </a:p>
-                  </a:txBody>
-                  <a:tcPr marL="63768" marR="5314" marT="5314" marB="0" anchor="ctr"/>
-                </a:tc>
-              </a:tr>
-              <a:tr h="612948">
-                <a:tc vMerge="1">
-                  <a:txBody>
-                    <a:bodyPr/>
-                    <a:lstStyle/>
-                    <a:p>
-                      <a:pPr algn="l" fontAlgn="ctr"/>
-                      <a:endParaRPr lang="ko-KR" altLang="en-US" sz="600" b="0" i="0" u="none" strike="noStrike" dirty="0">
-                        <a:solidFill>
-                          <a:srgbClr val="000000"/>
-                        </a:solidFill>
-                        <a:effectLst/>
-                        <a:latin typeface="맑은 고딕"/>
-                      </a:endParaRPr>
-                    </a:p>
-                  </a:txBody>
-                  <a:tcPr marL="5314" marR="5314" marT="5314" marB="0" anchor="ctr"/>
-                </a:tc>
-                <a:tc vMerge="1">
-                  <a:txBody>
-                    <a:bodyPr/>
-                    <a:lstStyle/>
-                    <a:p>
-                      <a:pPr latinLnBrk="1"/>
-                      <a:endParaRPr lang="ko-KR" altLang="en-US"/>
-                    </a:p>
-                  </a:txBody>
-                  <a:tcPr/>
-                </a:tc>
-                <a:tc>
-                  <a:txBody>
-                    <a:bodyPr/>
-                    <a:lstStyle/>
-                    <a:p>
-                      <a:pPr algn="ctr" fontAlgn="ctr"/>
-                      <a:r>
-                        <a:rPr lang="ko-KR" altLang="en-US" sz="800" u="none" strike="noStrike" dirty="0">
-                          <a:effectLst/>
-                        </a:rPr>
-                        <a:t>주문조회</a:t>
-                      </a:r>
-                      <a:endParaRPr lang="ko-KR" altLang="en-US" sz="800" b="0" i="0" u="none" strike="noStrike" dirty="0">
-                        <a:solidFill>
-                          <a:srgbClr val="000000"/>
-                        </a:solidFill>
-                        <a:effectLst/>
-                        <a:latin typeface="맑은 고딕"/>
-                      </a:endParaRPr>
-                    </a:p>
-                  </a:txBody>
-                  <a:tcPr marL="5314" marR="5314" marT="5314" marB="0" anchor="ctr"/>
-                </a:tc>
-                <a:tc>
-                  <a:txBody>
-                    <a:bodyPr/>
-                    <a:lstStyle/>
-                    <a:p>
-                      <a:pPr algn="l" fontAlgn="ctr"/>
-                      <a:r>
-                        <a:rPr lang="ko-KR" altLang="en-US" sz="800" u="none" strike="noStrike" dirty="0" err="1">
-                          <a:effectLst/>
-                        </a:rPr>
-                        <a:t>리워드</a:t>
-                      </a:r>
-                      <a:r>
-                        <a:rPr lang="ko-KR" altLang="en-US" sz="800" u="none" strike="noStrike" dirty="0">
-                          <a:effectLst/>
-                        </a:rPr>
-                        <a:t> </a:t>
-                      </a:r>
-                      <a:r>
-                        <a:rPr lang="ko-KR" altLang="en-US" sz="800" u="none" strike="noStrike" dirty="0" err="1">
-                          <a:effectLst/>
-                        </a:rPr>
-                        <a:t>샵에서</a:t>
-                      </a:r>
-                      <a:r>
-                        <a:rPr lang="ko-KR" altLang="en-US" sz="800" u="none" strike="noStrike" dirty="0">
-                          <a:effectLst/>
-                        </a:rPr>
-                        <a:t> 구매한 상품의 주문</a:t>
-                      </a:r>
-                      <a:r>
-                        <a:rPr lang="en-US" altLang="ko-KR" sz="800" u="none" strike="noStrike" dirty="0">
-                          <a:effectLst/>
-                        </a:rPr>
-                        <a:t>/</a:t>
-                      </a:r>
-                      <a:r>
-                        <a:rPr lang="ko-KR" altLang="en-US" sz="800" u="none" strike="noStrike" dirty="0">
-                          <a:effectLst/>
-                        </a:rPr>
-                        <a:t>배송 조회</a:t>
-                      </a:r>
-                      <a:endParaRPr lang="ko-KR" altLang="en-US" sz="800" b="0" i="0" u="none" strike="noStrike" dirty="0">
-                        <a:solidFill>
-                          <a:srgbClr val="000000"/>
-                        </a:solidFill>
-                        <a:effectLst/>
-                        <a:latin typeface="맑은 고딕"/>
-                      </a:endParaRPr>
-                    </a:p>
-                  </a:txBody>
-                  <a:tcPr marL="63768" marR="5314" marT="5314" marB="0" anchor="ctr"/>
-                </a:tc>
-              </a:tr>
-            </a:tbl>
-          </a:graphicData>
-        </a:graphic>
-      </p:graphicFrame>
-      <p:sp>
-        <p:nvSpPr>
-          <p:cNvPr id="6" name="직사각형 5"/>
-          <p:cNvSpPr/>
-          <p:nvPr/>
-        </p:nvSpPr>
-        <p:spPr>
-          <a:xfrm>
-            <a:off x="219114" y="195486"/>
-            <a:ext cx="1112851" cy="400110"/>
-          </a:xfrm>
-          <a:prstGeom prst="rect">
-            <a:avLst/>
-          </a:prstGeom>
-        </p:spPr>
-        <p:txBody>
-          <a:bodyPr wrap="square">
-            <a:spAutoFit/>
-          </a:bodyPr>
-          <a:lstStyle/>
-          <a:p>
-            <a:r>
-              <a:rPr lang="ko-KR" altLang="en-US" sz="2000" b="1" dirty="0" smtClean="0">
-                <a:solidFill>
-                  <a:srgbClr val="FF9E00"/>
-                </a:solidFill>
-                <a:latin typeface="+mj-ea"/>
-                <a:ea typeface="+mj-ea"/>
-              </a:rPr>
-              <a:t>유서희</a:t>
-            </a:r>
-            <a:endParaRPr lang="ko-KR" altLang="en-US" sz="2000" b="1" dirty="0">
-              <a:latin typeface="+mj-ea"/>
-              <a:ea typeface="+mj-ea"/>
-            </a:endParaRPr>
-          </a:p>
-        </p:txBody>
-      </p:sp>
-    </p:spTree>
-    <p:extLst>
-      <p:ext uri="{BB962C8B-B14F-4D97-AF65-F5344CB8AC3E}">
-        <p14:creationId xmlns:p14="http://schemas.microsoft.com/office/powerpoint/2010/main" val="4115892243"/>
       </p:ext>
     </p:extLst>
   </p:cSld>

--- a/0 발표용 파워포인트/project06 - 파워포인트 종합.pptx
+++ b/0 발표용 파워포인트/project06 - 파워포인트 종합.pptx
@@ -5,7 +5,7 @@
     <p:sldMasterId id="2147483658" r:id="rId1"/>
   </p:sldMasterIdLst>
   <p:notesMasterIdLst>
-    <p:notesMasterId r:id="rId26"/>
+    <p:notesMasterId r:id="rId24"/>
   </p:notesMasterIdLst>
   <p:sldIdLst>
     <p:sldId id="301" r:id="rId2"/>
@@ -13,45 +13,43 @@
     <p:sldId id="259" r:id="rId4"/>
     <p:sldId id="285" r:id="rId5"/>
     <p:sldId id="307" r:id="rId6"/>
-    <p:sldId id="314" r:id="rId7"/>
-    <p:sldId id="315" r:id="rId8"/>
-    <p:sldId id="286" r:id="rId9"/>
-    <p:sldId id="294" r:id="rId10"/>
-    <p:sldId id="295" r:id="rId11"/>
-    <p:sldId id="296" r:id="rId12"/>
-    <p:sldId id="297" r:id="rId13"/>
-    <p:sldId id="298" r:id="rId14"/>
-    <p:sldId id="299" r:id="rId15"/>
-    <p:sldId id="287" r:id="rId16"/>
-    <p:sldId id="292" r:id="rId17"/>
-    <p:sldId id="288" r:id="rId18"/>
-    <p:sldId id="302" r:id="rId19"/>
-    <p:sldId id="303" r:id="rId20"/>
-    <p:sldId id="304" r:id="rId21"/>
-    <p:sldId id="305" r:id="rId22"/>
-    <p:sldId id="306" r:id="rId23"/>
-    <p:sldId id="312" r:id="rId24"/>
-    <p:sldId id="313" r:id="rId25"/>
+    <p:sldId id="286" r:id="rId7"/>
+    <p:sldId id="294" r:id="rId8"/>
+    <p:sldId id="295" r:id="rId9"/>
+    <p:sldId id="296" r:id="rId10"/>
+    <p:sldId id="297" r:id="rId11"/>
+    <p:sldId id="298" r:id="rId12"/>
+    <p:sldId id="299" r:id="rId13"/>
+    <p:sldId id="314" r:id="rId14"/>
+    <p:sldId id="315" r:id="rId15"/>
+    <p:sldId id="288" r:id="rId16"/>
+    <p:sldId id="302" r:id="rId17"/>
+    <p:sldId id="303" r:id="rId18"/>
+    <p:sldId id="304" r:id="rId19"/>
+    <p:sldId id="305" r:id="rId20"/>
+    <p:sldId id="306" r:id="rId21"/>
+    <p:sldId id="312" r:id="rId22"/>
+    <p:sldId id="313" r:id="rId23"/>
   </p:sldIdLst>
   <p:sldSz cx="9144000" cy="5143500" type="screen16x9"/>
   <p:notesSz cx="6858000" cy="9144000"/>
   <p:embeddedFontLst>
     <p:embeddedFont>
       <p:font typeface="나눔바른고딕" panose="020B0603020101020101" pitchFamily="50" charset="-127"/>
+      <p:regular r:id="rId25"/>
+      <p:bold r:id="rId26"/>
+    </p:embeddedFont>
+    <p:embeddedFont>
+      <p:font typeface="맑은 고딕" panose="020B0503020000020004" pitchFamily="50" charset="-127"/>
       <p:regular r:id="rId27"/>
       <p:bold r:id="rId28"/>
     </p:embeddedFont>
     <p:embeddedFont>
-      <p:font typeface="맑은 고딕" panose="020B0503020000020004" pitchFamily="50" charset="-127"/>
+      <p:font typeface="Montserrat" panose="020B0604020202020204" charset="0"/>
       <p:regular r:id="rId29"/>
       <p:bold r:id="rId30"/>
-    </p:embeddedFont>
-    <p:embeddedFont>
-      <p:font typeface="Montserrat" panose="020B0604020202020204" charset="0"/>
-      <p:regular r:id="rId31"/>
-      <p:bold r:id="rId32"/>
-      <p:italic r:id="rId33"/>
-      <p:boldItalic r:id="rId34"/>
+      <p:italic r:id="rId31"/>
+      <p:boldItalic r:id="rId32"/>
     </p:embeddedFont>
   </p:embeddedFontLst>
   <p:defaultTextStyle>
@@ -1252,214 +1250,6 @@
 </p:notes>
 </file>
 
-<file path=ppt/notesSlides/notesSlide14.xml><?xml version="1.0" encoding="utf-8"?>
-<p:notes xmlns:a="http://schemas.openxmlformats.org/drawingml/2006/main" xmlns:r="http://schemas.openxmlformats.org/officeDocument/2006/relationships" xmlns:p="http://schemas.openxmlformats.org/presentationml/2006/main" showMasterSp="0" showMasterPhAnim="0">
-  <p:cSld>
-    <p:spTree>
-      <p:nvGrpSpPr>
-        <p:cNvPr id="1" name="Shape 98"/>
-        <p:cNvGrpSpPr/>
-        <p:nvPr/>
-      </p:nvGrpSpPr>
-      <p:grpSpPr>
-        <a:xfrm>
-          <a:off x="0" y="0"/>
-          <a:ext cx="0" cy="0"/>
-          <a:chOff x="0" y="0"/>
-          <a:chExt cx="0" cy="0"/>
-        </a:xfrm>
-      </p:grpSpPr>
-      <p:sp>
-        <p:nvSpPr>
-          <p:cNvPr id="99" name="Google Shape;99;g35ed75ccf_015:notes"/>
-          <p:cNvSpPr>
-            <a:spLocks noGrp="1" noRot="1" noChangeAspect="1"/>
-          </p:cNvSpPr>
-          <p:nvPr>
-            <p:ph type="sldImg" idx="2"/>
-          </p:nvPr>
-        </p:nvSpPr>
-        <p:spPr>
-          <a:xfrm>
-            <a:off x="381000" y="685800"/>
-            <a:ext cx="6096000" cy="3429000"/>
-          </a:xfrm>
-          <a:custGeom>
-            <a:avLst/>
-            <a:gdLst/>
-            <a:ahLst/>
-            <a:cxnLst/>
-            <a:rect l="l" t="t" r="r" b="b"/>
-            <a:pathLst>
-              <a:path w="120000" h="120000" extrusionOk="0">
-                <a:moveTo>
-                  <a:pt x="0" y="0"/>
-                </a:moveTo>
-                <a:lnTo>
-                  <a:pt x="120000" y="0"/>
-                </a:lnTo>
-                <a:lnTo>
-                  <a:pt x="120000" y="120000"/>
-                </a:lnTo>
-                <a:lnTo>
-                  <a:pt x="0" y="120000"/>
-                </a:lnTo>
-                <a:close/>
-              </a:path>
-            </a:pathLst>
-          </a:custGeom>
-        </p:spPr>
-      </p:sp>
-      <p:sp>
-        <p:nvSpPr>
-          <p:cNvPr id="100" name="Google Shape;100;g35ed75ccf_015:notes"/>
-          <p:cNvSpPr txBox="1">
-            <a:spLocks noGrp="1"/>
-          </p:cNvSpPr>
-          <p:nvPr>
-            <p:ph type="body" idx="1"/>
-          </p:nvPr>
-        </p:nvSpPr>
-        <p:spPr>
-          <a:xfrm>
-            <a:off x="685800" y="4343400"/>
-            <a:ext cx="5486400" cy="4114800"/>
-          </a:xfrm>
-          <a:prstGeom prst="rect">
-            <a:avLst/>
-          </a:prstGeom>
-        </p:spPr>
-        <p:txBody>
-          <a:bodyPr spcFirstLastPara="1" wrap="square" lIns="91425" tIns="91425" rIns="91425" bIns="91425" anchor="t" anchorCtr="0">
-            <a:noAutofit/>
-          </a:bodyPr>
-          <a:lstStyle/>
-          <a:p>
-            <a:pPr marL="0" lvl="0" indent="0" algn="l" rtl="0">
-              <a:spcBef>
-                <a:spcPts val="0"/>
-              </a:spcBef>
-              <a:spcAft>
-                <a:spcPts val="0"/>
-              </a:spcAft>
-              <a:buNone/>
-            </a:pPr>
-            <a:endParaRPr/>
-          </a:p>
-        </p:txBody>
-      </p:sp>
-    </p:spTree>
-  </p:cSld>
-  <p:clrMapOvr>
-    <a:masterClrMapping/>
-  </p:clrMapOvr>
-</p:notes>
-</file>
-
-<file path=ppt/notesSlides/notesSlide15.xml><?xml version="1.0" encoding="utf-8"?>
-<p:notes xmlns:a="http://schemas.openxmlformats.org/drawingml/2006/main" xmlns:r="http://schemas.openxmlformats.org/officeDocument/2006/relationships" xmlns:p="http://schemas.openxmlformats.org/presentationml/2006/main" showMasterSp="0" showMasterPhAnim="0">
-  <p:cSld>
-    <p:spTree>
-      <p:nvGrpSpPr>
-        <p:cNvPr id="1" name="Shape 98"/>
-        <p:cNvGrpSpPr/>
-        <p:nvPr/>
-      </p:nvGrpSpPr>
-      <p:grpSpPr>
-        <a:xfrm>
-          <a:off x="0" y="0"/>
-          <a:ext cx="0" cy="0"/>
-          <a:chOff x="0" y="0"/>
-          <a:chExt cx="0" cy="0"/>
-        </a:xfrm>
-      </p:grpSpPr>
-      <p:sp>
-        <p:nvSpPr>
-          <p:cNvPr id="99" name="Google Shape;99;g35ed75ccf_015:notes"/>
-          <p:cNvSpPr>
-            <a:spLocks noGrp="1" noRot="1" noChangeAspect="1"/>
-          </p:cNvSpPr>
-          <p:nvPr>
-            <p:ph type="sldImg" idx="2"/>
-          </p:nvPr>
-        </p:nvSpPr>
-        <p:spPr>
-          <a:xfrm>
-            <a:off x="381000" y="685800"/>
-            <a:ext cx="6096000" cy="3429000"/>
-          </a:xfrm>
-          <a:custGeom>
-            <a:avLst/>
-            <a:gdLst/>
-            <a:ahLst/>
-            <a:cxnLst/>
-            <a:rect l="l" t="t" r="r" b="b"/>
-            <a:pathLst>
-              <a:path w="120000" h="120000" extrusionOk="0">
-                <a:moveTo>
-                  <a:pt x="0" y="0"/>
-                </a:moveTo>
-                <a:lnTo>
-                  <a:pt x="120000" y="0"/>
-                </a:lnTo>
-                <a:lnTo>
-                  <a:pt x="120000" y="120000"/>
-                </a:lnTo>
-                <a:lnTo>
-                  <a:pt x="0" y="120000"/>
-                </a:lnTo>
-                <a:close/>
-              </a:path>
-            </a:pathLst>
-          </a:custGeom>
-        </p:spPr>
-      </p:sp>
-      <p:sp>
-        <p:nvSpPr>
-          <p:cNvPr id="100" name="Google Shape;100;g35ed75ccf_015:notes"/>
-          <p:cNvSpPr txBox="1">
-            <a:spLocks noGrp="1"/>
-          </p:cNvSpPr>
-          <p:nvPr>
-            <p:ph type="body" idx="1"/>
-          </p:nvPr>
-        </p:nvSpPr>
-        <p:spPr>
-          <a:xfrm>
-            <a:off x="685800" y="4343400"/>
-            <a:ext cx="5486400" cy="4114800"/>
-          </a:xfrm>
-          <a:prstGeom prst="rect">
-            <a:avLst/>
-          </a:prstGeom>
-        </p:spPr>
-        <p:txBody>
-          <a:bodyPr spcFirstLastPara="1" wrap="square" lIns="91425" tIns="91425" rIns="91425" bIns="91425" anchor="t" anchorCtr="0">
-            <a:noAutofit/>
-          </a:bodyPr>
-          <a:lstStyle/>
-          <a:p>
-            <a:pPr marL="0" lvl="0" indent="0" algn="l" rtl="0">
-              <a:spcBef>
-                <a:spcPts val="0"/>
-              </a:spcBef>
-              <a:spcAft>
-                <a:spcPts val="0"/>
-              </a:spcAft>
-              <a:buNone/>
-            </a:pPr>
-            <a:endParaRPr/>
-          </a:p>
-        </p:txBody>
-      </p:sp>
-    </p:spTree>
-  </p:cSld>
-  <p:clrMapOvr>
-    <a:masterClrMapping/>
-  </p:clrMapOvr>
-</p:notes>
-</file>
-
 <file path=ppt/notesSlides/notesSlide2.xml><?xml version="1.0" encoding="utf-8"?>
 <p:notes xmlns:a="http://schemas.openxmlformats.org/drawingml/2006/main" xmlns:r="http://schemas.openxmlformats.org/officeDocument/2006/relationships" xmlns:p="http://schemas.openxmlformats.org/presentationml/2006/main" showMasterSp="0" showMasterPhAnim="0">
   <p:cSld>
@@ -1881,7 +1671,7 @@
   <p:cSld>
     <p:spTree>
       <p:nvGrpSpPr>
-        <p:cNvPr id="1" name="Shape 77"/>
+        <p:cNvPr id="1" name="Shape 98"/>
         <p:cNvGrpSpPr/>
         <p:nvPr/>
       </p:nvGrpSpPr>
@@ -1895,7 +1685,7 @@
       </p:grpSpPr>
       <p:sp>
         <p:nvSpPr>
-          <p:cNvPr id="78" name="Google Shape;78;g35f391192_029:notes"/>
+          <p:cNvPr id="99" name="Google Shape;99;g35ed75ccf_015:notes"/>
           <p:cNvSpPr>
             <a:spLocks noGrp="1" noRot="1" noChangeAspect="1"/>
           </p:cNvSpPr>
@@ -1936,7 +1726,7 @@
       </p:sp>
       <p:sp>
         <p:nvSpPr>
-          <p:cNvPr id="79" name="Google Shape;79;g35f391192_029:notes"/>
+          <p:cNvPr id="100" name="Google Shape;100;g35ed75ccf_015:notes"/>
           <p:cNvSpPr txBox="1">
             <a:spLocks noGrp="1"/>
           </p:cNvSpPr>
@@ -1985,7 +1775,7 @@
   <p:cSld>
     <p:spTree>
       <p:nvGrpSpPr>
-        <p:cNvPr id="1" name="Shape 98"/>
+        <p:cNvPr id="1" name="Shape 77"/>
         <p:cNvGrpSpPr/>
         <p:nvPr/>
       </p:nvGrpSpPr>
@@ -1999,7 +1789,7 @@
       </p:grpSpPr>
       <p:sp>
         <p:nvSpPr>
-          <p:cNvPr id="99" name="Google Shape;99;g35ed75ccf_015:notes"/>
+          <p:cNvPr id="78" name="Google Shape;78;g35f391192_029:notes"/>
           <p:cNvSpPr>
             <a:spLocks noGrp="1" noRot="1" noChangeAspect="1"/>
           </p:cNvSpPr>
@@ -2040,7 +1830,7 @@
       </p:sp>
       <p:sp>
         <p:nvSpPr>
-          <p:cNvPr id="100" name="Google Shape;100;g35ed75ccf_015:notes"/>
+          <p:cNvPr id="79" name="Google Shape;79;g35f391192_029:notes"/>
           <p:cNvSpPr txBox="1">
             <a:spLocks noGrp="1"/>
           </p:cNvSpPr>
@@ -2193,7 +1983,7 @@
   <p:cSld>
     <p:spTree>
       <p:nvGrpSpPr>
-        <p:cNvPr id="1" name="Shape 77"/>
+        <p:cNvPr id="1" name="Shape 98"/>
         <p:cNvGrpSpPr/>
         <p:nvPr/>
       </p:nvGrpSpPr>
@@ -2207,7 +1997,7 @@
       </p:grpSpPr>
       <p:sp>
         <p:nvSpPr>
-          <p:cNvPr id="78" name="Google Shape;78;g35f391192_029:notes"/>
+          <p:cNvPr id="99" name="Google Shape;99;g35ed75ccf_015:notes"/>
           <p:cNvSpPr>
             <a:spLocks noGrp="1" noRot="1" noChangeAspect="1"/>
           </p:cNvSpPr>
@@ -2248,7 +2038,7 @@
       </p:sp>
       <p:sp>
         <p:nvSpPr>
-          <p:cNvPr id="79" name="Google Shape;79;g35f391192_029:notes"/>
+          <p:cNvPr id="100" name="Google Shape;100;g35ed75ccf_015:notes"/>
           <p:cNvSpPr txBox="1">
             <a:spLocks noGrp="1"/>
           </p:cNvSpPr>
@@ -3098,7 +2888,7 @@
           <p:cNvPr id="2" name="제목 1">
             <a:extLst>
               <a:ext uri="{FF2B5EF4-FFF2-40B4-BE49-F238E27FC236}">
-                <a16:creationId xmlns:a16="http://schemas.microsoft.com/office/drawing/2014/main" xmlns="" id="{BC4B5A23-C81F-4AF5-A748-1D1EE93505F9}"/>
+                <a16:creationId xmlns="" xmlns:a16="http://schemas.microsoft.com/office/drawing/2014/main" id="{BC4B5A23-C81F-4AF5-A748-1D1EE93505F9}"/>
               </a:ext>
             </a:extLst>
           </p:cNvPr>
@@ -3135,7 +2925,7 @@
           <p:cNvPr id="3" name="부제목 2">
             <a:extLst>
               <a:ext uri="{FF2B5EF4-FFF2-40B4-BE49-F238E27FC236}">
-                <a16:creationId xmlns:a16="http://schemas.microsoft.com/office/drawing/2014/main" xmlns="" id="{26F8B85E-9692-4475-9B5C-3E3DB5D88828}"/>
+                <a16:creationId xmlns="" xmlns:a16="http://schemas.microsoft.com/office/drawing/2014/main" id="{26F8B85E-9692-4475-9B5C-3E3DB5D88828}"/>
               </a:ext>
             </a:extLst>
           </p:cNvPr>
@@ -3205,7 +2995,7 @@
           <p:cNvPr id="4" name="날짜 개체 틀 3">
             <a:extLst>
               <a:ext uri="{FF2B5EF4-FFF2-40B4-BE49-F238E27FC236}">
-                <a16:creationId xmlns:a16="http://schemas.microsoft.com/office/drawing/2014/main" xmlns="" id="{BC005B73-604A-4AB5-8137-DDC71FB7678B}"/>
+                <a16:creationId xmlns="" xmlns:a16="http://schemas.microsoft.com/office/drawing/2014/main" id="{BC005B73-604A-4AB5-8137-DDC71FB7678B}"/>
               </a:ext>
             </a:extLst>
           </p:cNvPr>
@@ -3255,7 +3045,7 @@
           <p:cNvPr id="5" name="바닥글 개체 틀 4">
             <a:extLst>
               <a:ext uri="{FF2B5EF4-FFF2-40B4-BE49-F238E27FC236}">
-                <a16:creationId xmlns:a16="http://schemas.microsoft.com/office/drawing/2014/main" xmlns="" id="{D657B5ED-EDEA-4726-A63A-ABCD88DDA24F}"/>
+                <a16:creationId xmlns="" xmlns:a16="http://schemas.microsoft.com/office/drawing/2014/main" id="{D657B5ED-EDEA-4726-A63A-ABCD88DDA24F}"/>
               </a:ext>
             </a:extLst>
           </p:cNvPr>
@@ -3294,7 +3084,7 @@
           <p:cNvPr id="6" name="슬라이드 번호 개체 틀 5">
             <a:extLst>
               <a:ext uri="{FF2B5EF4-FFF2-40B4-BE49-F238E27FC236}">
-                <a16:creationId xmlns:a16="http://schemas.microsoft.com/office/drawing/2014/main" xmlns="" id="{EE561B83-F1A6-46DA-BD34-3B375CB3487C}"/>
+                <a16:creationId xmlns="" xmlns:a16="http://schemas.microsoft.com/office/drawing/2014/main" id="{EE561B83-F1A6-46DA-BD34-3B375CB3487C}"/>
               </a:ext>
             </a:extLst>
           </p:cNvPr>
@@ -4927,7 +4717,7 @@
           <p:cNvPr id="28" name="그룹 27">
             <a:extLst>
               <a:ext uri="{FF2B5EF4-FFF2-40B4-BE49-F238E27FC236}">
-                <a16:creationId xmlns:a16="http://schemas.microsoft.com/office/drawing/2014/main" xmlns="" id="{93ED6B66-45E2-4F28-BD4E-9A683E3FCF6D}"/>
+                <a16:creationId xmlns="" xmlns:a16="http://schemas.microsoft.com/office/drawing/2014/main" id="{93ED6B66-45E2-4F28-BD4E-9A683E3FCF6D}"/>
               </a:ext>
             </a:extLst>
           </p:cNvPr>
@@ -4954,7 +4744,7 @@
             <p:cNvPr id="29" name="Freeform 37">
               <a:extLst>
                 <a:ext uri="{FF2B5EF4-FFF2-40B4-BE49-F238E27FC236}">
-                  <a16:creationId xmlns:a16="http://schemas.microsoft.com/office/drawing/2014/main" xmlns="" id="{ADEA0806-DE38-475A-BD55-F8D173EB52A5}"/>
+                  <a16:creationId xmlns="" xmlns:a16="http://schemas.microsoft.com/office/drawing/2014/main" id="{ADEA0806-DE38-475A-BD55-F8D173EB52A5}"/>
                 </a:ext>
               </a:extLst>
             </p:cNvPr>
@@ -5539,7 +5329,7 @@
             <p:cNvPr id="30" name="Freeform 38">
               <a:extLst>
                 <a:ext uri="{FF2B5EF4-FFF2-40B4-BE49-F238E27FC236}">
-                  <a16:creationId xmlns:a16="http://schemas.microsoft.com/office/drawing/2014/main" xmlns="" id="{D13F76C6-5E5B-4424-A081-09B1E62D8939}"/>
+                  <a16:creationId xmlns="" xmlns:a16="http://schemas.microsoft.com/office/drawing/2014/main" id="{D13F76C6-5E5B-4424-A081-09B1E62D8939}"/>
                 </a:ext>
               </a:extLst>
             </p:cNvPr>
@@ -6093,7 +5883,7 @@
             <p:cNvPr id="31" name="Freeform 39">
               <a:extLst>
                 <a:ext uri="{FF2B5EF4-FFF2-40B4-BE49-F238E27FC236}">
-                  <a16:creationId xmlns:a16="http://schemas.microsoft.com/office/drawing/2014/main" xmlns="" id="{8AA3F8FD-3833-44C4-84F6-6C15FA66A33B}"/>
+                  <a16:creationId xmlns="" xmlns:a16="http://schemas.microsoft.com/office/drawing/2014/main" id="{8AA3F8FD-3833-44C4-84F6-6C15FA66A33B}"/>
                 </a:ext>
               </a:extLst>
             </p:cNvPr>
@@ -6581,7 +6371,7 @@
             <p:cNvPr id="32" name="Freeform 40">
               <a:extLst>
                 <a:ext uri="{FF2B5EF4-FFF2-40B4-BE49-F238E27FC236}">
-                  <a16:creationId xmlns:a16="http://schemas.microsoft.com/office/drawing/2014/main" xmlns="" id="{82A8B903-85D9-4AC8-B553-A53FF1528DD6}"/>
+                  <a16:creationId xmlns="" xmlns:a16="http://schemas.microsoft.com/office/drawing/2014/main" id="{82A8B903-85D9-4AC8-B553-A53FF1528DD6}"/>
                 </a:ext>
               </a:extLst>
             </p:cNvPr>
@@ -6893,7 +6683,7 @@
             <p:cNvPr id="33" name="Freeform 41">
               <a:extLst>
                 <a:ext uri="{FF2B5EF4-FFF2-40B4-BE49-F238E27FC236}">
-                  <a16:creationId xmlns:a16="http://schemas.microsoft.com/office/drawing/2014/main" xmlns="" id="{23150D66-8A0D-4D47-BDFD-CEC8C82F95CB}"/>
+                  <a16:creationId xmlns="" xmlns:a16="http://schemas.microsoft.com/office/drawing/2014/main" id="{23150D66-8A0D-4D47-BDFD-CEC8C82F95CB}"/>
                 </a:ext>
               </a:extLst>
             </p:cNvPr>
@@ -7502,7 +7292,7 @@
             <p:cNvPr id="34" name="Freeform 51">
               <a:extLst>
                 <a:ext uri="{FF2B5EF4-FFF2-40B4-BE49-F238E27FC236}">
-                  <a16:creationId xmlns:a16="http://schemas.microsoft.com/office/drawing/2014/main" xmlns="" id="{D1395DDB-4798-4901-96C1-6E8A0C25E5BB}"/>
+                  <a16:creationId xmlns="" xmlns:a16="http://schemas.microsoft.com/office/drawing/2014/main" id="{D1395DDB-4798-4901-96C1-6E8A0C25E5BB}"/>
                 </a:ext>
               </a:extLst>
             </p:cNvPr>
@@ -7998,7 +7788,7 @@
             <p:cNvPr id="35" name="Freeform 52">
               <a:extLst>
                 <a:ext uri="{FF2B5EF4-FFF2-40B4-BE49-F238E27FC236}">
-                  <a16:creationId xmlns:a16="http://schemas.microsoft.com/office/drawing/2014/main" xmlns="" id="{3FFE6A3B-C3E4-4B4C-A5AF-30A6ED7A63F0}"/>
+                  <a16:creationId xmlns="" xmlns:a16="http://schemas.microsoft.com/office/drawing/2014/main" id="{3FFE6A3B-C3E4-4B4C-A5AF-30A6ED7A63F0}"/>
                 </a:ext>
               </a:extLst>
             </p:cNvPr>
@@ -8106,7 +7896,7 @@
             <p:cNvPr id="36" name="Freeform 53">
               <a:extLst>
                 <a:ext uri="{FF2B5EF4-FFF2-40B4-BE49-F238E27FC236}">
-                  <a16:creationId xmlns:a16="http://schemas.microsoft.com/office/drawing/2014/main" xmlns="" id="{02E90574-0A63-4622-B924-3593D481085C}"/>
+                  <a16:creationId xmlns="" xmlns:a16="http://schemas.microsoft.com/office/drawing/2014/main" id="{02E90574-0A63-4622-B924-3593D481085C}"/>
                 </a:ext>
               </a:extLst>
             </p:cNvPr>
@@ -8163,7 +7953,7 @@
             <p:cNvPr id="37" name="Freeform 54">
               <a:extLst>
                 <a:ext uri="{FF2B5EF4-FFF2-40B4-BE49-F238E27FC236}">
-                  <a16:creationId xmlns:a16="http://schemas.microsoft.com/office/drawing/2014/main" xmlns="" id="{EF4B07AC-CF9B-451A-A3AF-0F38C9A9E8FD}"/>
+                  <a16:creationId xmlns="" xmlns:a16="http://schemas.microsoft.com/office/drawing/2014/main" id="{EF4B07AC-CF9B-451A-A3AF-0F38C9A9E8FD}"/>
                 </a:ext>
               </a:extLst>
             </p:cNvPr>
@@ -8531,7 +8321,7 @@
           <p:cNvPr id="11" name="Freeform 6">
             <a:extLst>
               <a:ext uri="{FF2B5EF4-FFF2-40B4-BE49-F238E27FC236}">
-                <a16:creationId xmlns:a16="http://schemas.microsoft.com/office/drawing/2014/main" xmlns="" id="{35433E1F-1BF4-44C0-B509-EB1742FF1405}"/>
+                <a16:creationId xmlns="" xmlns:a16="http://schemas.microsoft.com/office/drawing/2014/main" id="{35433E1F-1BF4-44C0-B509-EB1742FF1405}"/>
               </a:ext>
             </a:extLst>
           </p:cNvPr>
@@ -8930,7 +8720,7 @@
           <p:cNvPr id="13" name="Freeform 8">
             <a:extLst>
               <a:ext uri="{FF2B5EF4-FFF2-40B4-BE49-F238E27FC236}">
-                <a16:creationId xmlns:a16="http://schemas.microsoft.com/office/drawing/2014/main" xmlns="" id="{19190BD7-A4C5-49EB-A60F-06D7B1F74A20}"/>
+                <a16:creationId xmlns="" xmlns:a16="http://schemas.microsoft.com/office/drawing/2014/main" id="{19190BD7-A4C5-49EB-A60F-06D7B1F74A20}"/>
               </a:ext>
             </a:extLst>
           </p:cNvPr>
@@ -9598,7 +9388,7 @@
           <p:cNvPr id="18" name="사각형: 둥근 위쪽 모서리 17">
             <a:extLst>
               <a:ext uri="{FF2B5EF4-FFF2-40B4-BE49-F238E27FC236}">
-                <a16:creationId xmlns:a16="http://schemas.microsoft.com/office/drawing/2014/main" xmlns="" id="{BDEA6046-5656-4E1F-B418-5AD4F1F65CD1}"/>
+                <a16:creationId xmlns="" xmlns:a16="http://schemas.microsoft.com/office/drawing/2014/main" id="{BDEA6046-5656-4E1F-B418-5AD4F1F65CD1}"/>
               </a:ext>
             </a:extLst>
           </p:cNvPr>
@@ -9659,7 +9449,7 @@
           <p:cNvPr id="12" name="사각형: 둥근 위쪽 모서리 11">
             <a:extLst>
               <a:ext uri="{FF2B5EF4-FFF2-40B4-BE49-F238E27FC236}">
-                <a16:creationId xmlns:a16="http://schemas.microsoft.com/office/drawing/2014/main" xmlns="" id="{75627340-CA4C-4FDF-AC15-1D3AE4A4C536}"/>
+                <a16:creationId xmlns="" xmlns:a16="http://schemas.microsoft.com/office/drawing/2014/main" id="{75627340-CA4C-4FDF-AC15-1D3AE4A4C536}"/>
               </a:ext>
             </a:extLst>
           </p:cNvPr>
@@ -9720,7 +9510,7 @@
           <p:cNvPr id="14" name="사각형: 둥근 위쪽 모서리 13">
             <a:extLst>
               <a:ext uri="{FF2B5EF4-FFF2-40B4-BE49-F238E27FC236}">
-                <a16:creationId xmlns:a16="http://schemas.microsoft.com/office/drawing/2014/main" xmlns="" id="{FBB8B854-0C91-4123-8602-729BD5DB54ED}"/>
+                <a16:creationId xmlns="" xmlns:a16="http://schemas.microsoft.com/office/drawing/2014/main" id="{FBB8B854-0C91-4123-8602-729BD5DB54ED}"/>
               </a:ext>
             </a:extLst>
           </p:cNvPr>
@@ -9781,7 +9571,7 @@
           <p:cNvPr id="15" name="사각형: 둥근 위쪽 모서리 14">
             <a:extLst>
               <a:ext uri="{FF2B5EF4-FFF2-40B4-BE49-F238E27FC236}">
-                <a16:creationId xmlns:a16="http://schemas.microsoft.com/office/drawing/2014/main" xmlns="" id="{167316CA-8CC3-403B-8C11-60B19A432E91}"/>
+                <a16:creationId xmlns="" xmlns:a16="http://schemas.microsoft.com/office/drawing/2014/main" id="{167316CA-8CC3-403B-8C11-60B19A432E91}"/>
               </a:ext>
             </a:extLst>
           </p:cNvPr>
@@ -9842,7 +9632,7 @@
           <p:cNvPr id="6" name="자유형: 도형 5">
             <a:extLst>
               <a:ext uri="{FF2B5EF4-FFF2-40B4-BE49-F238E27FC236}">
-                <a16:creationId xmlns:a16="http://schemas.microsoft.com/office/drawing/2014/main" xmlns="" id="{01D0019B-4C1B-4151-B5F9-B30DF72D2F9C}"/>
+                <a16:creationId xmlns="" xmlns:a16="http://schemas.microsoft.com/office/drawing/2014/main" id="{01D0019B-4C1B-4151-B5F9-B30DF72D2F9C}"/>
               </a:ext>
             </a:extLst>
           </p:cNvPr>
@@ -9996,7 +9786,7 @@
           <p:cNvPr id="27" name="직사각형 26">
             <a:extLst>
               <a:ext uri="{FF2B5EF4-FFF2-40B4-BE49-F238E27FC236}">
-                <a16:creationId xmlns:a16="http://schemas.microsoft.com/office/drawing/2014/main" xmlns="" id="{C7A07ABD-FE64-47B7-8F0D-7531598644C5}"/>
+                <a16:creationId xmlns="" xmlns:a16="http://schemas.microsoft.com/office/drawing/2014/main" id="{C7A07ABD-FE64-47B7-8F0D-7531598644C5}"/>
               </a:ext>
             </a:extLst>
           </p:cNvPr>
@@ -10075,7 +9865,7 @@
           <p:cNvPr id="9" name="직선 연결선 8">
             <a:extLst>
               <a:ext uri="{FF2B5EF4-FFF2-40B4-BE49-F238E27FC236}">
-                <a16:creationId xmlns:a16="http://schemas.microsoft.com/office/drawing/2014/main" xmlns="" id="{ADD6F06E-82C7-4691-81A5-6FCAAE8DF971}"/>
+                <a16:creationId xmlns="" xmlns:a16="http://schemas.microsoft.com/office/drawing/2014/main" id="{ADD6F06E-82C7-4691-81A5-6FCAAE8DF971}"/>
               </a:ext>
             </a:extLst>
           </p:cNvPr>
@@ -10119,7 +9909,7 @@
           <p:cNvPr id="38" name="그룹 37">
             <a:extLst>
               <a:ext uri="{FF2B5EF4-FFF2-40B4-BE49-F238E27FC236}">
-                <a16:creationId xmlns:a16="http://schemas.microsoft.com/office/drawing/2014/main" xmlns="" id="{2C2E7834-32AF-460A-AC90-7CBE17CCC694}"/>
+                <a16:creationId xmlns="" xmlns:a16="http://schemas.microsoft.com/office/drawing/2014/main" id="{2C2E7834-32AF-460A-AC90-7CBE17CCC694}"/>
               </a:ext>
             </a:extLst>
           </p:cNvPr>
@@ -10139,7 +9929,7 @@
             <p:cNvPr id="39" name="자유형 65">
               <a:extLst>
                 <a:ext uri="{FF2B5EF4-FFF2-40B4-BE49-F238E27FC236}">
-                  <a16:creationId xmlns:a16="http://schemas.microsoft.com/office/drawing/2014/main" xmlns="" id="{3C6B5641-9309-4B54-BE3F-E1640860354C}"/>
+                  <a16:creationId xmlns="" xmlns:a16="http://schemas.microsoft.com/office/drawing/2014/main" id="{3C6B5641-9309-4B54-BE3F-E1640860354C}"/>
                 </a:ext>
               </a:extLst>
             </p:cNvPr>
@@ -10380,7 +10170,7 @@
             <p:cNvPr id="40" name="자유형 66">
               <a:extLst>
                 <a:ext uri="{FF2B5EF4-FFF2-40B4-BE49-F238E27FC236}">
-                  <a16:creationId xmlns:a16="http://schemas.microsoft.com/office/drawing/2014/main" xmlns="" id="{C39EC402-9800-4866-9F84-6E9C068471CD}"/>
+                  <a16:creationId xmlns="" xmlns:a16="http://schemas.microsoft.com/office/drawing/2014/main" id="{C39EC402-9800-4866-9F84-6E9C068471CD}"/>
                 </a:ext>
               </a:extLst>
             </p:cNvPr>
@@ -10558,7 +10348,7 @@
           <p:cNvPr id="44" name="Freeform 8">
             <a:extLst>
               <a:ext uri="{FF2B5EF4-FFF2-40B4-BE49-F238E27FC236}">
-                <a16:creationId xmlns:a16="http://schemas.microsoft.com/office/drawing/2014/main" xmlns="" id="{D86CAE7F-6907-4E6F-B42C-12470D4C17BF}"/>
+                <a16:creationId xmlns="" xmlns:a16="http://schemas.microsoft.com/office/drawing/2014/main" id="{D86CAE7F-6907-4E6F-B42C-12470D4C17BF}"/>
               </a:ext>
             </a:extLst>
           </p:cNvPr>
@@ -12001,1792 +11791,6 @@
       </p:grpSpPr>
       <p:sp>
         <p:nvSpPr>
-          <p:cNvPr id="2" name="슬라이드 번호 개체 틀 1"/>
-          <p:cNvSpPr>
-            <a:spLocks noGrp="1"/>
-          </p:cNvSpPr>
-          <p:nvPr>
-            <p:ph type="sldNum" idx="12"/>
-          </p:nvPr>
-        </p:nvSpPr>
-        <p:spPr/>
-        <p:txBody>
-          <a:bodyPr/>
-          <a:lstStyle/>
-          <a:p>
-            <a:pPr marL="0" lvl="0" indent="0" algn="ctr" rtl="0">
-              <a:spcBef>
-                <a:spcPts val="0"/>
-              </a:spcBef>
-              <a:spcAft>
-                <a:spcPts val="0"/>
-              </a:spcAft>
-              <a:buNone/>
-            </a:pPr>
-            <a:fld id="{00000000-1234-1234-1234-123412341234}" type="slidenum">
-              <a:rPr lang="en" smtClean="0"/>
-              <a:t>10</a:t>
-            </a:fld>
-            <a:endParaRPr lang="en"/>
-          </a:p>
-        </p:txBody>
-      </p:sp>
-      <p:sp>
-        <p:nvSpPr>
-          <p:cNvPr id="3" name="직사각형 2"/>
-          <p:cNvSpPr/>
-          <p:nvPr/>
-        </p:nvSpPr>
-        <p:spPr>
-          <a:xfrm>
-            <a:off x="0" y="0"/>
-            <a:ext cx="9144000" cy="5143500"/>
-          </a:xfrm>
-          <a:prstGeom prst="rect">
-            <a:avLst/>
-          </a:prstGeom>
-          <a:solidFill>
-            <a:schemeClr val="bg1"/>
-          </a:solidFill>
-          <a:ln>
-            <a:noFill/>
-          </a:ln>
-        </p:spPr>
-        <p:style>
-          <a:lnRef idx="2">
-            <a:schemeClr val="accent1">
-              <a:shade val="50000"/>
-            </a:schemeClr>
-          </a:lnRef>
-          <a:fillRef idx="1">
-            <a:schemeClr val="accent1"/>
-          </a:fillRef>
-          <a:effectRef idx="0">
-            <a:schemeClr val="accent1"/>
-          </a:effectRef>
-          <a:fontRef idx="minor">
-            <a:schemeClr val="lt1"/>
-          </a:fontRef>
-        </p:style>
-        <p:txBody>
-          <a:bodyPr rtlCol="0" anchor="ctr"/>
-          <a:lstStyle/>
-          <a:p>
-            <a:pPr algn="ctr"/>
-            <a:endParaRPr lang="ko-KR" altLang="en-US"/>
-          </a:p>
-        </p:txBody>
-      </p:sp>
-      <p:graphicFrame>
-        <p:nvGraphicFramePr>
-          <p:cNvPr id="5" name="표 4"/>
-          <p:cNvGraphicFramePr>
-            <a:graphicFrameLocks noGrp="1"/>
-          </p:cNvGraphicFramePr>
-          <p:nvPr>
-            <p:extLst>
-              <p:ext uri="{D42A27DB-BD31-4B8C-83A1-F6EECF244321}">
-                <p14:modId xmlns:p14="http://schemas.microsoft.com/office/powerpoint/2010/main" val="3802768189"/>
-              </p:ext>
-            </p:extLst>
-          </p:nvPr>
-        </p:nvGraphicFramePr>
-        <p:xfrm>
-          <a:off x="251519" y="771545"/>
-          <a:ext cx="8640961" cy="3974949"/>
-        </p:xfrm>
-        <a:graphic>
-          <a:graphicData uri="http://schemas.openxmlformats.org/drawingml/2006/table">
-            <a:tbl>
-              <a:tblPr>
-                <a:tableStyleId>{FA2A6AB6-C1E5-4FC5-B20B-5785A829AD62}</a:tableStyleId>
-              </a:tblPr>
-              <a:tblGrid>
-                <a:gridCol w="836896"/>
-                <a:gridCol w="1223962"/>
-                <a:gridCol w="1690533"/>
-                <a:gridCol w="4889570"/>
-              </a:tblGrid>
-              <a:tr h="360045">
-                <a:tc>
-                  <a:txBody>
-                    <a:bodyPr/>
-                    <a:lstStyle/>
-                    <a:p>
-                      <a:pPr algn="ctr" fontAlgn="ctr"/>
-                      <a:r>
-                        <a:rPr lang="ko-KR" altLang="en-US" sz="800" b="1" u="none" strike="noStrike" dirty="0">
-                          <a:solidFill>
-                            <a:schemeClr val="bg1"/>
-                          </a:solidFill>
-                          <a:effectLst/>
-                        </a:rPr>
-                        <a:t>구분</a:t>
-                      </a:r>
-                      <a:endParaRPr lang="ko-KR" altLang="en-US" sz="800" b="1" i="0" u="none" strike="noStrike" dirty="0">
-                        <a:solidFill>
-                          <a:schemeClr val="bg1"/>
-                        </a:solidFill>
-                        <a:effectLst/>
-                        <a:latin typeface="Dotum"/>
-                      </a:endParaRPr>
-                    </a:p>
-                  </a:txBody>
-                  <a:tcPr marL="5314" marR="5314" marT="5314" marB="0" anchor="ctr">
-                    <a:solidFill>
-                      <a:srgbClr val="FF9E00"/>
-                    </a:solidFill>
-                  </a:tcPr>
-                </a:tc>
-                <a:tc>
-                  <a:txBody>
-                    <a:bodyPr/>
-                    <a:lstStyle/>
-                    <a:p>
-                      <a:pPr algn="ctr" fontAlgn="ctr"/>
-                      <a:r>
-                        <a:rPr lang="ko-KR" altLang="en-US" sz="800" b="1" u="none" strike="noStrike" dirty="0">
-                          <a:solidFill>
-                            <a:schemeClr val="bg1"/>
-                          </a:solidFill>
-                          <a:effectLst/>
-                        </a:rPr>
-                        <a:t>서비스</a:t>
-                      </a:r>
-                      <a:r>
-                        <a:rPr lang="en-US" altLang="ko-KR" sz="800" b="1" u="none" strike="noStrike" dirty="0">
-                          <a:solidFill>
-                            <a:schemeClr val="bg1"/>
-                          </a:solidFill>
-                          <a:effectLst/>
-                        </a:rPr>
-                        <a:t>(</a:t>
-                      </a:r>
-                      <a:r>
-                        <a:rPr lang="ko-KR" altLang="en-US" sz="800" b="1" u="none" strike="noStrike" dirty="0">
-                          <a:solidFill>
-                            <a:schemeClr val="bg1"/>
-                          </a:solidFill>
-                          <a:effectLst/>
-                        </a:rPr>
-                        <a:t>메뉴</a:t>
-                      </a:r>
-                      <a:r>
-                        <a:rPr lang="en-US" altLang="ko-KR" sz="800" b="1" u="none" strike="noStrike" dirty="0">
-                          <a:solidFill>
-                            <a:schemeClr val="bg1"/>
-                          </a:solidFill>
-                          <a:effectLst/>
-                        </a:rPr>
-                        <a:t>)</a:t>
-                      </a:r>
-                      <a:endParaRPr lang="en-US" altLang="ko-KR" sz="800" b="1" i="0" u="none" strike="noStrike" dirty="0">
-                        <a:solidFill>
-                          <a:schemeClr val="bg1"/>
-                        </a:solidFill>
-                        <a:effectLst/>
-                        <a:latin typeface="Dotum"/>
-                      </a:endParaRPr>
-                    </a:p>
-                  </a:txBody>
-                  <a:tcPr marL="5314" marR="5314" marT="5314" marB="0" anchor="ctr">
-                    <a:solidFill>
-                      <a:srgbClr val="FF9E00"/>
-                    </a:solidFill>
-                  </a:tcPr>
-                </a:tc>
-                <a:tc>
-                  <a:txBody>
-                    <a:bodyPr/>
-                    <a:lstStyle/>
-                    <a:p>
-                      <a:pPr algn="ctr" fontAlgn="ctr"/>
-                      <a:r>
-                        <a:rPr lang="ko-KR" altLang="en-US" sz="800" b="1" u="none" strike="noStrike" dirty="0">
-                          <a:solidFill>
-                            <a:schemeClr val="bg1"/>
-                          </a:solidFill>
-                          <a:effectLst/>
-                        </a:rPr>
-                        <a:t>필요 기능</a:t>
-                      </a:r>
-                      <a:endParaRPr lang="ko-KR" altLang="en-US" sz="800" b="1" i="0" u="none" strike="noStrike" dirty="0">
-                        <a:solidFill>
-                          <a:schemeClr val="bg1"/>
-                        </a:solidFill>
-                        <a:effectLst/>
-                        <a:latin typeface="Dotum"/>
-                      </a:endParaRPr>
-                    </a:p>
-                  </a:txBody>
-                  <a:tcPr marL="5314" marR="5314" marT="5314" marB="0" anchor="ctr">
-                    <a:solidFill>
-                      <a:srgbClr val="FF9E00"/>
-                    </a:solidFill>
-                  </a:tcPr>
-                </a:tc>
-                <a:tc>
-                  <a:txBody>
-                    <a:bodyPr/>
-                    <a:lstStyle/>
-                    <a:p>
-                      <a:pPr algn="ctr" fontAlgn="ctr"/>
-                      <a:r>
-                        <a:rPr lang="ko-KR" altLang="en-US" sz="800" b="1" u="none" strike="noStrike" dirty="0">
-                          <a:solidFill>
-                            <a:schemeClr val="bg1"/>
-                          </a:solidFill>
-                          <a:effectLst/>
-                        </a:rPr>
-                        <a:t>기능 설명</a:t>
-                      </a:r>
-                      <a:endParaRPr lang="ko-KR" altLang="en-US" sz="800" b="1" i="0" u="none" strike="noStrike" dirty="0">
-                        <a:solidFill>
-                          <a:schemeClr val="bg1"/>
-                        </a:solidFill>
-                        <a:effectLst/>
-                        <a:latin typeface="Dotum"/>
-                      </a:endParaRPr>
-                    </a:p>
-                  </a:txBody>
-                  <a:tcPr marL="5314" marR="5314" marT="5314" marB="0" anchor="ctr">
-                    <a:solidFill>
-                      <a:srgbClr val="FF9E00"/>
-                    </a:solidFill>
-                  </a:tcPr>
-                </a:tc>
-              </a:tr>
-              <a:tr h="602484">
-                <a:tc rowSpan="3">
-                  <a:txBody>
-                    <a:bodyPr/>
-                    <a:lstStyle/>
-                    <a:p>
-                      <a:pPr algn="ctr" fontAlgn="ctr"/>
-                      <a:r>
-                        <a:rPr lang="ko-KR" altLang="en-US" sz="800" u="none" strike="noStrike" dirty="0" smtClean="0">
-                          <a:effectLst/>
-                        </a:rPr>
-                        <a:t>사용자</a:t>
-                      </a:r>
-                      <a:endParaRPr lang="ko-KR" altLang="en-US" sz="800" b="0" i="0" u="none" strike="noStrike" dirty="0">
-                        <a:solidFill>
-                          <a:srgbClr val="000000"/>
-                        </a:solidFill>
-                        <a:effectLst/>
-                        <a:latin typeface="맑은 고딕"/>
-                      </a:endParaRPr>
-                    </a:p>
-                  </a:txBody>
-                  <a:tcPr marL="5314" marR="5314" marT="5314" marB="0" anchor="ctr"/>
-                </a:tc>
-                <a:tc rowSpan="3">
-                  <a:txBody>
-                    <a:bodyPr/>
-                    <a:lstStyle/>
-                    <a:p>
-                      <a:pPr algn="ctr" fontAlgn="ctr"/>
-                      <a:r>
-                        <a:rPr lang="ko-KR" altLang="en-US" sz="800" u="none" strike="noStrike" dirty="0">
-                          <a:effectLst/>
-                        </a:rPr>
-                        <a:t>고객센터</a:t>
-                      </a:r>
-                      <a:endParaRPr lang="ko-KR" altLang="en-US" sz="800" b="0" i="0" u="none" strike="noStrike" dirty="0">
-                        <a:solidFill>
-                          <a:srgbClr val="000000"/>
-                        </a:solidFill>
-                        <a:effectLst/>
-                        <a:latin typeface="맑은 고딕"/>
-                      </a:endParaRPr>
-                    </a:p>
-                  </a:txBody>
-                  <a:tcPr marL="5314" marR="5314" marT="5314" marB="0" anchor="ctr"/>
-                </a:tc>
-                <a:tc>
-                  <a:txBody>
-                    <a:bodyPr/>
-                    <a:lstStyle/>
-                    <a:p>
-                      <a:pPr algn="ctr" fontAlgn="ctr"/>
-                      <a:r>
-                        <a:rPr lang="ko-KR" altLang="en-US" sz="800" u="none" strike="noStrike" dirty="0">
-                          <a:effectLst/>
-                        </a:rPr>
-                        <a:t>실시간 채팅 상담</a:t>
-                      </a:r>
-                      <a:endParaRPr lang="ko-KR" altLang="en-US" sz="800" b="0" i="0" u="none" strike="noStrike" dirty="0">
-                        <a:solidFill>
-                          <a:srgbClr val="000000"/>
-                        </a:solidFill>
-                        <a:effectLst/>
-                        <a:latin typeface="맑은 고딕"/>
-                      </a:endParaRPr>
-                    </a:p>
-                  </a:txBody>
-                  <a:tcPr marL="5314" marR="5314" marT="5314" marB="0" anchor="ctr"/>
-                </a:tc>
-                <a:tc>
-                  <a:txBody>
-                    <a:bodyPr/>
-                    <a:lstStyle/>
-                    <a:p>
-                      <a:pPr algn="l" fontAlgn="ctr"/>
-                      <a:r>
-                        <a:rPr lang="ko-KR" altLang="en-US" sz="800" u="none" strike="noStrike" dirty="0">
-                          <a:effectLst/>
-                        </a:rPr>
-                        <a:t>문의 글 등록하면 관리자가 답변을 해주는 형태</a:t>
-                      </a:r>
-                      <a:r>
-                        <a:rPr lang="en-US" altLang="ko-KR" sz="800" u="none" strike="noStrike" dirty="0">
-                          <a:effectLst/>
-                        </a:rPr>
-                        <a:t>, </a:t>
-                      </a:r>
-                      <a:r>
-                        <a:rPr lang="ko-KR" altLang="en-US" sz="800" u="none" strike="noStrike" dirty="0">
-                          <a:effectLst/>
-                        </a:rPr>
-                        <a:t>바로 답변이 진행이 되면 채팅 형식으로 진행</a:t>
-                      </a:r>
-                      <a:r>
-                        <a:rPr lang="en-US" altLang="ko-KR" sz="800" u="none" strike="noStrike" dirty="0">
-                          <a:effectLst/>
-                        </a:rPr>
-                        <a:t>, </a:t>
-                      </a:r>
-                      <a:r>
-                        <a:rPr lang="ko-KR" altLang="en-US" sz="800" u="none" strike="noStrike" dirty="0">
-                          <a:effectLst/>
-                        </a:rPr>
-                        <a:t>바로 답변이 안되면 시간이 지난 후 확인 가능 하도록</a:t>
-                      </a:r>
-                      <a:endParaRPr lang="ko-KR" altLang="en-US" sz="800" b="0" i="0" u="none" strike="noStrike" dirty="0">
-                        <a:solidFill>
-                          <a:srgbClr val="000000"/>
-                        </a:solidFill>
-                        <a:effectLst/>
-                        <a:latin typeface="맑은 고딕"/>
-                      </a:endParaRPr>
-                    </a:p>
-                  </a:txBody>
-                  <a:tcPr marL="63768" marR="5314" marT="5314" marB="0" anchor="ctr"/>
-                </a:tc>
-              </a:tr>
-              <a:tr h="602484">
-                <a:tc vMerge="1">
-                  <a:txBody>
-                    <a:bodyPr/>
-                    <a:lstStyle/>
-                    <a:p>
-                      <a:pPr algn="l" fontAlgn="ctr"/>
-                      <a:endParaRPr lang="ko-KR" altLang="en-US" sz="600" b="0" i="0" u="none" strike="noStrike" dirty="0">
-                        <a:solidFill>
-                          <a:srgbClr val="000000"/>
-                        </a:solidFill>
-                        <a:effectLst/>
-                        <a:latin typeface="맑은 고딕"/>
-                      </a:endParaRPr>
-                    </a:p>
-                  </a:txBody>
-                  <a:tcPr marL="5314" marR="5314" marT="5314" marB="0" anchor="ctr"/>
-                </a:tc>
-                <a:tc vMerge="1">
-                  <a:txBody>
-                    <a:bodyPr/>
-                    <a:lstStyle/>
-                    <a:p>
-                      <a:pPr latinLnBrk="1"/>
-                      <a:endParaRPr lang="ko-KR" altLang="en-US"/>
-                    </a:p>
-                  </a:txBody>
-                  <a:tcPr/>
-                </a:tc>
-                <a:tc>
-                  <a:txBody>
-                    <a:bodyPr/>
-                    <a:lstStyle/>
-                    <a:p>
-                      <a:pPr algn="ctr" fontAlgn="ctr"/>
-                      <a:r>
-                        <a:rPr lang="ko-KR" altLang="en-US" sz="800" u="none" strike="noStrike">
-                          <a:effectLst/>
-                        </a:rPr>
-                        <a:t>공지사항</a:t>
-                      </a:r>
-                      <a:endParaRPr lang="ko-KR" altLang="en-US" sz="800" b="0" i="0" u="none" strike="noStrike">
-                        <a:solidFill>
-                          <a:srgbClr val="000000"/>
-                        </a:solidFill>
-                        <a:effectLst/>
-                        <a:latin typeface="맑은 고딕"/>
-                      </a:endParaRPr>
-                    </a:p>
-                  </a:txBody>
-                  <a:tcPr marL="5314" marR="5314" marT="5314" marB="0" anchor="ctr"/>
-                </a:tc>
-                <a:tc>
-                  <a:txBody>
-                    <a:bodyPr/>
-                    <a:lstStyle/>
-                    <a:p>
-                      <a:pPr algn="l" fontAlgn="ctr"/>
-                      <a:r>
-                        <a:rPr lang="ko-KR" altLang="en-US" sz="800" u="none" strike="noStrike">
-                          <a:effectLst/>
-                        </a:rPr>
-                        <a:t>이슈 및 사이트 공지사항</a:t>
-                      </a:r>
-                      <a:endParaRPr lang="ko-KR" altLang="en-US" sz="800" b="0" i="0" u="none" strike="noStrike">
-                        <a:solidFill>
-                          <a:srgbClr val="000000"/>
-                        </a:solidFill>
-                        <a:effectLst/>
-                        <a:latin typeface="맑은 고딕"/>
-                      </a:endParaRPr>
-                    </a:p>
-                  </a:txBody>
-                  <a:tcPr marL="63768" marR="5314" marT="5314" marB="0" anchor="ctr"/>
-                </a:tc>
-              </a:tr>
-              <a:tr h="602484">
-                <a:tc vMerge="1">
-                  <a:txBody>
-                    <a:bodyPr/>
-                    <a:lstStyle/>
-                    <a:p>
-                      <a:pPr algn="l" fontAlgn="ctr"/>
-                      <a:endParaRPr lang="ko-KR" altLang="en-US" sz="600" b="0" i="0" u="none" strike="noStrike" dirty="0">
-                        <a:solidFill>
-                          <a:srgbClr val="000000"/>
-                        </a:solidFill>
-                        <a:effectLst/>
-                        <a:latin typeface="맑은 고딕"/>
-                      </a:endParaRPr>
-                    </a:p>
-                  </a:txBody>
-                  <a:tcPr marL="5314" marR="5314" marT="5314" marB="0" anchor="ctr"/>
-                </a:tc>
-                <a:tc vMerge="1">
-                  <a:txBody>
-                    <a:bodyPr/>
-                    <a:lstStyle/>
-                    <a:p>
-                      <a:pPr latinLnBrk="1"/>
-                      <a:endParaRPr lang="ko-KR" altLang="en-US"/>
-                    </a:p>
-                  </a:txBody>
-                  <a:tcPr/>
-                </a:tc>
-                <a:tc>
-                  <a:txBody>
-                    <a:bodyPr/>
-                    <a:lstStyle/>
-                    <a:p>
-                      <a:pPr algn="ctr" fontAlgn="ctr"/>
-                      <a:r>
-                        <a:rPr lang="en-US" sz="800" u="none" strike="noStrike" dirty="0">
-                          <a:effectLst/>
-                        </a:rPr>
-                        <a:t>FAQ</a:t>
-                      </a:r>
-                      <a:endParaRPr lang="en-US" sz="800" b="0" i="0" u="none" strike="noStrike" dirty="0">
-                        <a:solidFill>
-                          <a:srgbClr val="000000"/>
-                        </a:solidFill>
-                        <a:effectLst/>
-                        <a:latin typeface="맑은 고딕"/>
-                      </a:endParaRPr>
-                    </a:p>
-                  </a:txBody>
-                  <a:tcPr marL="5314" marR="5314" marT="5314" marB="0" anchor="ctr"/>
-                </a:tc>
-                <a:tc>
-                  <a:txBody>
-                    <a:bodyPr/>
-                    <a:lstStyle/>
-                    <a:p>
-                      <a:pPr algn="l" fontAlgn="ctr"/>
-                      <a:r>
-                        <a:rPr lang="ko-KR" altLang="en-US" sz="800" u="none" strike="noStrike">
-                          <a:effectLst/>
-                        </a:rPr>
-                        <a:t>회사 메인 컨셉 소개 및 펀딩 참여</a:t>
-                      </a:r>
-                      <a:r>
-                        <a:rPr lang="en-US" altLang="ko-KR" sz="800" u="none" strike="noStrike">
-                          <a:effectLst/>
-                        </a:rPr>
-                        <a:t>, </a:t>
-                      </a:r>
-                      <a:r>
-                        <a:rPr lang="ko-KR" altLang="en-US" sz="800" u="none" strike="noStrike">
-                          <a:effectLst/>
-                        </a:rPr>
-                        <a:t>펀딩 오픈</a:t>
-                      </a:r>
-                      <a:r>
-                        <a:rPr lang="en-US" altLang="ko-KR" sz="800" u="none" strike="noStrike">
-                          <a:effectLst/>
-                        </a:rPr>
-                        <a:t>, </a:t>
-                      </a:r>
-                      <a:r>
-                        <a:rPr lang="ko-KR" altLang="en-US" sz="800" u="none" strike="noStrike">
-                          <a:effectLst/>
-                        </a:rPr>
-                        <a:t>사이트 이용 방법 등 자주 묻는 질문</a:t>
-                      </a:r>
-                      <a:endParaRPr lang="ko-KR" altLang="en-US" sz="800" b="0" i="0" u="none" strike="noStrike">
-                        <a:solidFill>
-                          <a:srgbClr val="000000"/>
-                        </a:solidFill>
-                        <a:effectLst/>
-                        <a:latin typeface="맑은 고딕"/>
-                      </a:endParaRPr>
-                    </a:p>
-                  </a:txBody>
-                  <a:tcPr marL="63768" marR="5314" marT="5314" marB="0" anchor="ctr"/>
-                </a:tc>
-              </a:tr>
-              <a:tr h="602484">
-                <a:tc rowSpan="3">
-                  <a:txBody>
-                    <a:bodyPr/>
-                    <a:lstStyle/>
-                    <a:p>
-                      <a:pPr algn="ctr" fontAlgn="ctr"/>
-                      <a:r>
-                        <a:rPr lang="ko-KR" altLang="en-US" sz="800" u="none" strike="noStrike" dirty="0" smtClean="0">
-                          <a:effectLst/>
-                        </a:rPr>
-                        <a:t>관리자</a:t>
-                      </a:r>
-                      <a:endParaRPr lang="ko-KR" altLang="en-US" sz="800" b="0" i="0" u="none" strike="noStrike" dirty="0">
-                        <a:solidFill>
-                          <a:srgbClr val="000000"/>
-                        </a:solidFill>
-                        <a:effectLst/>
-                        <a:latin typeface="Dotum"/>
-                      </a:endParaRPr>
-                    </a:p>
-                  </a:txBody>
-                  <a:tcPr marL="5314" marR="5314" marT="5314" marB="0" anchor="ctr"/>
-                </a:tc>
-                <a:tc rowSpan="3">
-                  <a:txBody>
-                    <a:bodyPr/>
-                    <a:lstStyle/>
-                    <a:p>
-                      <a:pPr algn="ctr" fontAlgn="ctr"/>
-                      <a:r>
-                        <a:rPr lang="ko-KR" altLang="en-US" sz="800" u="none" strike="noStrike">
-                          <a:effectLst/>
-                        </a:rPr>
-                        <a:t>고객센터 관리</a:t>
-                      </a:r>
-                      <a:endParaRPr lang="ko-KR" altLang="en-US" sz="800" b="0" i="0" u="none" strike="noStrike">
-                        <a:solidFill>
-                          <a:srgbClr val="000000"/>
-                        </a:solidFill>
-                        <a:effectLst/>
-                        <a:latin typeface="Dotum"/>
-                      </a:endParaRPr>
-                    </a:p>
-                  </a:txBody>
-                  <a:tcPr marL="5314" marR="5314" marT="5314" marB="0" anchor="ctr"/>
-                </a:tc>
-                <a:tc>
-                  <a:txBody>
-                    <a:bodyPr/>
-                    <a:lstStyle/>
-                    <a:p>
-                      <a:pPr algn="ctr" fontAlgn="ctr"/>
-                      <a:r>
-                        <a:rPr lang="ko-KR" altLang="en-US" sz="800" u="none" strike="noStrike" dirty="0">
-                          <a:effectLst/>
-                        </a:rPr>
-                        <a:t>공지사항 </a:t>
-                      </a:r>
-                      <a:endParaRPr lang="ko-KR" altLang="en-US" sz="800" b="0" i="0" u="none" strike="noStrike" dirty="0">
-                        <a:solidFill>
-                          <a:srgbClr val="000000"/>
-                        </a:solidFill>
-                        <a:effectLst/>
-                        <a:latin typeface="Dotum"/>
-                      </a:endParaRPr>
-                    </a:p>
-                  </a:txBody>
-                  <a:tcPr marL="5314" marR="5314" marT="5314" marB="0" anchor="ctr"/>
-                </a:tc>
-                <a:tc>
-                  <a:txBody>
-                    <a:bodyPr/>
-                    <a:lstStyle/>
-                    <a:p>
-                      <a:pPr algn="l" fontAlgn="ctr"/>
-                      <a:r>
-                        <a:rPr lang="ko-KR" altLang="en-US" sz="800" u="none" strike="noStrike" dirty="0">
-                          <a:effectLst/>
-                        </a:rPr>
-                        <a:t>공지사항 목록</a:t>
-                      </a:r>
-                      <a:r>
-                        <a:rPr lang="en-US" altLang="ko-KR" sz="800" u="none" strike="noStrike" dirty="0">
-                          <a:effectLst/>
-                        </a:rPr>
-                        <a:t>, </a:t>
-                      </a:r>
-                      <a:r>
-                        <a:rPr lang="ko-KR" altLang="en-US" sz="800" u="none" strike="noStrike" dirty="0">
-                          <a:effectLst/>
-                        </a:rPr>
-                        <a:t>공지사항 등록 및 수정</a:t>
-                      </a:r>
-                      <a:endParaRPr lang="ko-KR" altLang="en-US" sz="800" b="0" i="0" u="none" strike="noStrike" dirty="0">
-                        <a:solidFill>
-                          <a:srgbClr val="000000"/>
-                        </a:solidFill>
-                        <a:effectLst/>
-                        <a:latin typeface="Dotum"/>
-                      </a:endParaRPr>
-                    </a:p>
-                  </a:txBody>
-                  <a:tcPr marL="63768" marR="5314" marT="5314" marB="0" anchor="ctr"/>
-                </a:tc>
-              </a:tr>
-              <a:tr h="602484">
-                <a:tc vMerge="1">
-                  <a:txBody>
-                    <a:bodyPr/>
-                    <a:lstStyle/>
-                    <a:p>
-                      <a:pPr algn="ctr" fontAlgn="ctr"/>
-                      <a:endParaRPr lang="ko-KR" altLang="en-US" sz="600" b="0" i="0" u="none" strike="noStrike" dirty="0">
-                        <a:solidFill>
-                          <a:srgbClr val="000000"/>
-                        </a:solidFill>
-                        <a:effectLst/>
-                        <a:latin typeface="Dotum"/>
-                      </a:endParaRPr>
-                    </a:p>
-                  </a:txBody>
-                  <a:tcPr marL="5314" marR="5314" marT="5314" marB="0" anchor="ctr"/>
-                </a:tc>
-                <a:tc vMerge="1">
-                  <a:txBody>
-                    <a:bodyPr/>
-                    <a:lstStyle/>
-                    <a:p>
-                      <a:pPr latinLnBrk="1"/>
-                      <a:endParaRPr lang="ko-KR" altLang="en-US"/>
-                    </a:p>
-                  </a:txBody>
-                  <a:tcPr/>
-                </a:tc>
-                <a:tc>
-                  <a:txBody>
-                    <a:bodyPr/>
-                    <a:lstStyle/>
-                    <a:p>
-                      <a:pPr algn="ctr" fontAlgn="ctr"/>
-                      <a:r>
-                        <a:rPr lang="en-US" sz="800" u="none" strike="noStrike" dirty="0">
-                          <a:effectLst/>
-                        </a:rPr>
-                        <a:t>FAQ</a:t>
-                      </a:r>
-                      <a:endParaRPr lang="en-US" sz="800" b="0" i="0" u="none" strike="noStrike" dirty="0">
-                        <a:solidFill>
-                          <a:srgbClr val="000000"/>
-                        </a:solidFill>
-                        <a:effectLst/>
-                        <a:latin typeface="Dotum"/>
-                      </a:endParaRPr>
-                    </a:p>
-                  </a:txBody>
-                  <a:tcPr marL="5314" marR="5314" marT="5314" marB="0" anchor="ctr"/>
-                </a:tc>
-                <a:tc>
-                  <a:txBody>
-                    <a:bodyPr/>
-                    <a:lstStyle/>
-                    <a:p>
-                      <a:pPr algn="l" fontAlgn="ctr"/>
-                      <a:r>
-                        <a:rPr lang="en-US" altLang="ko-KR" sz="800" u="none" strike="noStrike" dirty="0">
-                          <a:effectLst/>
-                        </a:rPr>
-                        <a:t>FAQ </a:t>
-                      </a:r>
-                      <a:r>
-                        <a:rPr lang="ko-KR" altLang="en-US" sz="800" u="none" strike="noStrike" dirty="0">
-                          <a:effectLst/>
-                        </a:rPr>
-                        <a:t>목록</a:t>
-                      </a:r>
-                      <a:r>
-                        <a:rPr lang="en-US" altLang="ko-KR" sz="800" u="none" strike="noStrike" dirty="0">
-                          <a:effectLst/>
-                        </a:rPr>
-                        <a:t>, FAQ </a:t>
-                      </a:r>
-                      <a:r>
-                        <a:rPr lang="ko-KR" altLang="en-US" sz="800" u="none" strike="noStrike" dirty="0">
-                          <a:effectLst/>
-                        </a:rPr>
-                        <a:t>등록 및 수정</a:t>
-                      </a:r>
-                      <a:endParaRPr lang="ko-KR" altLang="en-US" sz="800" b="0" i="0" u="none" strike="noStrike" dirty="0">
-                        <a:solidFill>
-                          <a:srgbClr val="000000"/>
-                        </a:solidFill>
-                        <a:effectLst/>
-                        <a:latin typeface="Dotum"/>
-                      </a:endParaRPr>
-                    </a:p>
-                  </a:txBody>
-                  <a:tcPr marL="63768" marR="5314" marT="5314" marB="0" anchor="ctr"/>
-                </a:tc>
-              </a:tr>
-              <a:tr h="602484">
-                <a:tc vMerge="1">
-                  <a:txBody>
-                    <a:bodyPr/>
-                    <a:lstStyle/>
-                    <a:p>
-                      <a:pPr algn="ctr" fontAlgn="ctr"/>
-                      <a:endParaRPr lang="ko-KR" altLang="en-US" sz="600" b="0" i="0" u="none" strike="noStrike" dirty="0">
-                        <a:solidFill>
-                          <a:srgbClr val="000000"/>
-                        </a:solidFill>
-                        <a:effectLst/>
-                        <a:latin typeface="Dotum"/>
-                      </a:endParaRPr>
-                    </a:p>
-                  </a:txBody>
-                  <a:tcPr marL="5314" marR="5314" marT="5314" marB="0" anchor="ctr"/>
-                </a:tc>
-                <a:tc vMerge="1">
-                  <a:txBody>
-                    <a:bodyPr/>
-                    <a:lstStyle/>
-                    <a:p>
-                      <a:pPr latinLnBrk="1"/>
-                      <a:endParaRPr lang="ko-KR" altLang="en-US"/>
-                    </a:p>
-                  </a:txBody>
-                  <a:tcPr/>
-                </a:tc>
-                <a:tc>
-                  <a:txBody>
-                    <a:bodyPr/>
-                    <a:lstStyle/>
-                    <a:p>
-                      <a:pPr algn="ctr" fontAlgn="ctr"/>
-                      <a:r>
-                        <a:rPr lang="ko-KR" altLang="en-US" sz="800" u="none" strike="noStrike">
-                          <a:effectLst/>
-                        </a:rPr>
-                        <a:t>실시간 채팅 상담 관리</a:t>
-                      </a:r>
-                      <a:endParaRPr lang="ko-KR" altLang="en-US" sz="800" b="0" i="0" u="none" strike="noStrike">
-                        <a:solidFill>
-                          <a:srgbClr val="000000"/>
-                        </a:solidFill>
-                        <a:effectLst/>
-                        <a:latin typeface="Dotum"/>
-                      </a:endParaRPr>
-                    </a:p>
-                  </a:txBody>
-                  <a:tcPr marL="5314" marR="5314" marT="5314" marB="0" anchor="ctr"/>
-                </a:tc>
-                <a:tc>
-                  <a:txBody>
-                    <a:bodyPr/>
-                    <a:lstStyle/>
-                    <a:p>
-                      <a:pPr algn="l" fontAlgn="ctr"/>
-                      <a:r>
-                        <a:rPr lang="ko-KR" altLang="en-US" sz="800" u="none" strike="noStrike" dirty="0">
-                          <a:effectLst/>
-                        </a:rPr>
-                        <a:t>회원들의 </a:t>
-                      </a:r>
-                      <a:r>
-                        <a:rPr lang="en-US" altLang="ko-KR" sz="800" u="none" strike="noStrike" dirty="0">
-                          <a:effectLst/>
-                        </a:rPr>
-                        <a:t>1:1</a:t>
-                      </a:r>
-                      <a:r>
-                        <a:rPr lang="ko-KR" altLang="en-US" sz="800" u="none" strike="noStrike" dirty="0">
-                          <a:effectLst/>
-                        </a:rPr>
-                        <a:t>문의와 채팅 문의 답변 작성</a:t>
-                      </a:r>
-                      <a:endParaRPr lang="ko-KR" altLang="en-US" sz="800" b="0" i="0" u="none" strike="noStrike" dirty="0">
-                        <a:solidFill>
-                          <a:srgbClr val="000000"/>
-                        </a:solidFill>
-                        <a:effectLst/>
-                        <a:latin typeface="Dotum"/>
-                      </a:endParaRPr>
-                    </a:p>
-                  </a:txBody>
-                  <a:tcPr marL="63768" marR="5314" marT="5314" marB="0" anchor="ctr"/>
-                </a:tc>
-              </a:tr>
-            </a:tbl>
-          </a:graphicData>
-        </a:graphic>
-      </p:graphicFrame>
-      <p:sp>
-        <p:nvSpPr>
-          <p:cNvPr id="6" name="직사각형 5"/>
-          <p:cNvSpPr/>
-          <p:nvPr/>
-        </p:nvSpPr>
-        <p:spPr>
-          <a:xfrm>
-            <a:off x="219114" y="195486"/>
-            <a:ext cx="1112851" cy="400110"/>
-          </a:xfrm>
-          <a:prstGeom prst="rect">
-            <a:avLst/>
-          </a:prstGeom>
-        </p:spPr>
-        <p:txBody>
-          <a:bodyPr wrap="square">
-            <a:spAutoFit/>
-          </a:bodyPr>
-          <a:lstStyle/>
-          <a:p>
-            <a:r>
-              <a:rPr lang="ko-KR" altLang="en-US" sz="2000" b="1" dirty="0" smtClean="0">
-                <a:solidFill>
-                  <a:srgbClr val="FF9E00"/>
-                </a:solidFill>
-                <a:latin typeface="+mj-ea"/>
-                <a:ea typeface="+mj-ea"/>
-              </a:rPr>
-              <a:t>한송우</a:t>
-            </a:r>
-            <a:endParaRPr lang="ko-KR" altLang="en-US" sz="2000" b="1" dirty="0">
-              <a:latin typeface="+mj-ea"/>
-              <a:ea typeface="+mj-ea"/>
-            </a:endParaRPr>
-          </a:p>
-        </p:txBody>
-      </p:sp>
-    </p:spTree>
-    <p:extLst>
-      <p:ext uri="{BB962C8B-B14F-4D97-AF65-F5344CB8AC3E}">
-        <p14:creationId xmlns:p14="http://schemas.microsoft.com/office/powerpoint/2010/main" val="4110185827"/>
-      </p:ext>
-    </p:extLst>
-  </p:cSld>
-  <p:clrMapOvr>
-    <a:masterClrMapping/>
-  </p:clrMapOvr>
-  <p:timing>
-    <p:tnLst>
-      <p:par>
-        <p:cTn id="1" dur="indefinite" restart="never" nodeType="tmRoot"/>
-      </p:par>
-    </p:tnLst>
-  </p:timing>
-</p:sld>
-</file>
-
-<file path=ppt/slides/slide11.xml><?xml version="1.0" encoding="utf-8"?>
-<p:sld xmlns:a="http://schemas.openxmlformats.org/drawingml/2006/main" xmlns:r="http://schemas.openxmlformats.org/officeDocument/2006/relationships" xmlns:p="http://schemas.openxmlformats.org/presentationml/2006/main">
-  <p:cSld>
-    <p:spTree>
-      <p:nvGrpSpPr>
-        <p:cNvPr id="1" name=""/>
-        <p:cNvGrpSpPr/>
-        <p:nvPr/>
-      </p:nvGrpSpPr>
-      <p:grpSpPr>
-        <a:xfrm>
-          <a:off x="0" y="0"/>
-          <a:ext cx="0" cy="0"/>
-          <a:chOff x="0" y="0"/>
-          <a:chExt cx="0" cy="0"/>
-        </a:xfrm>
-      </p:grpSpPr>
-      <p:sp>
-        <p:nvSpPr>
-          <p:cNvPr id="3" name="직사각형 2"/>
-          <p:cNvSpPr/>
-          <p:nvPr/>
-        </p:nvSpPr>
-        <p:spPr>
-          <a:xfrm>
-            <a:off x="0" y="0"/>
-            <a:ext cx="9144000" cy="5143500"/>
-          </a:xfrm>
-          <a:prstGeom prst="rect">
-            <a:avLst/>
-          </a:prstGeom>
-          <a:solidFill>
-            <a:schemeClr val="bg1"/>
-          </a:solidFill>
-          <a:ln>
-            <a:noFill/>
-          </a:ln>
-        </p:spPr>
-        <p:style>
-          <a:lnRef idx="2">
-            <a:schemeClr val="accent1">
-              <a:shade val="50000"/>
-            </a:schemeClr>
-          </a:lnRef>
-          <a:fillRef idx="1">
-            <a:schemeClr val="accent1"/>
-          </a:fillRef>
-          <a:effectRef idx="0">
-            <a:schemeClr val="accent1"/>
-          </a:effectRef>
-          <a:fontRef idx="minor">
-            <a:schemeClr val="lt1"/>
-          </a:fontRef>
-        </p:style>
-        <p:txBody>
-          <a:bodyPr rtlCol="0" anchor="ctr"/>
-          <a:lstStyle/>
-          <a:p>
-            <a:pPr algn="ctr"/>
-            <a:endParaRPr lang="ko-KR" altLang="en-US"/>
-          </a:p>
-        </p:txBody>
-      </p:sp>
-      <p:graphicFrame>
-        <p:nvGraphicFramePr>
-          <p:cNvPr id="4" name="표 3"/>
-          <p:cNvGraphicFramePr>
-            <a:graphicFrameLocks noGrp="1"/>
-          </p:cNvGraphicFramePr>
-          <p:nvPr>
-            <p:extLst>
-              <p:ext uri="{D42A27DB-BD31-4B8C-83A1-F6EECF244321}">
-                <p14:modId xmlns:p14="http://schemas.microsoft.com/office/powerpoint/2010/main" val="893917691"/>
-              </p:ext>
-            </p:extLst>
-          </p:nvPr>
-        </p:nvGraphicFramePr>
-        <p:xfrm>
-          <a:off x="251520" y="771552"/>
-          <a:ext cx="8496944" cy="4037726"/>
-        </p:xfrm>
-        <a:graphic>
-          <a:graphicData uri="http://schemas.openxmlformats.org/drawingml/2006/table">
-            <a:tbl>
-              <a:tblPr>
-                <a:tableStyleId>{FA2A6AB6-C1E5-4FC5-B20B-5785A829AD62}</a:tableStyleId>
-              </a:tblPr>
-              <a:tblGrid>
-                <a:gridCol w="822948"/>
-                <a:gridCol w="1203563"/>
-                <a:gridCol w="1662357"/>
-                <a:gridCol w="4808076"/>
-              </a:tblGrid>
-              <a:tr h="360038">
-                <a:tc>
-                  <a:txBody>
-                    <a:bodyPr/>
-                    <a:lstStyle/>
-                    <a:p>
-                      <a:pPr algn="ctr" fontAlgn="ctr"/>
-                      <a:r>
-                        <a:rPr lang="ko-KR" altLang="en-US" sz="800" b="1" u="none" strike="noStrike" dirty="0">
-                          <a:solidFill>
-                            <a:schemeClr val="bg1"/>
-                          </a:solidFill>
-                          <a:effectLst/>
-                        </a:rPr>
-                        <a:t>구분</a:t>
-                      </a:r>
-                      <a:endParaRPr lang="ko-KR" altLang="en-US" sz="800" b="1" i="0" u="none" strike="noStrike" dirty="0">
-                        <a:solidFill>
-                          <a:schemeClr val="bg1"/>
-                        </a:solidFill>
-                        <a:effectLst/>
-                        <a:latin typeface="Dotum"/>
-                      </a:endParaRPr>
-                    </a:p>
-                  </a:txBody>
-                  <a:tcPr marL="5314" marR="5314" marT="5314" marB="0" anchor="ctr">
-                    <a:solidFill>
-                      <a:srgbClr val="FF9E00"/>
-                    </a:solidFill>
-                  </a:tcPr>
-                </a:tc>
-                <a:tc>
-                  <a:txBody>
-                    <a:bodyPr/>
-                    <a:lstStyle/>
-                    <a:p>
-                      <a:pPr algn="ctr" fontAlgn="ctr"/>
-                      <a:r>
-                        <a:rPr lang="ko-KR" altLang="en-US" sz="800" b="1" u="none" strike="noStrike" dirty="0">
-                          <a:solidFill>
-                            <a:schemeClr val="bg1"/>
-                          </a:solidFill>
-                          <a:effectLst/>
-                        </a:rPr>
-                        <a:t>서비스</a:t>
-                      </a:r>
-                      <a:r>
-                        <a:rPr lang="en-US" altLang="ko-KR" sz="800" b="1" u="none" strike="noStrike" dirty="0">
-                          <a:solidFill>
-                            <a:schemeClr val="bg1"/>
-                          </a:solidFill>
-                          <a:effectLst/>
-                        </a:rPr>
-                        <a:t>(</a:t>
-                      </a:r>
-                      <a:r>
-                        <a:rPr lang="ko-KR" altLang="en-US" sz="800" b="1" u="none" strike="noStrike" dirty="0">
-                          <a:solidFill>
-                            <a:schemeClr val="bg1"/>
-                          </a:solidFill>
-                          <a:effectLst/>
-                        </a:rPr>
-                        <a:t>메뉴</a:t>
-                      </a:r>
-                      <a:r>
-                        <a:rPr lang="en-US" altLang="ko-KR" sz="800" b="1" u="none" strike="noStrike" dirty="0">
-                          <a:solidFill>
-                            <a:schemeClr val="bg1"/>
-                          </a:solidFill>
-                          <a:effectLst/>
-                        </a:rPr>
-                        <a:t>)</a:t>
-                      </a:r>
-                      <a:endParaRPr lang="en-US" altLang="ko-KR" sz="800" b="1" i="0" u="none" strike="noStrike" dirty="0">
-                        <a:solidFill>
-                          <a:schemeClr val="bg1"/>
-                        </a:solidFill>
-                        <a:effectLst/>
-                        <a:latin typeface="Dotum"/>
-                      </a:endParaRPr>
-                    </a:p>
-                  </a:txBody>
-                  <a:tcPr marL="5314" marR="5314" marT="5314" marB="0" anchor="ctr">
-                    <a:solidFill>
-                      <a:srgbClr val="FF9E00"/>
-                    </a:solidFill>
-                  </a:tcPr>
-                </a:tc>
-                <a:tc>
-                  <a:txBody>
-                    <a:bodyPr/>
-                    <a:lstStyle/>
-                    <a:p>
-                      <a:pPr algn="ctr" fontAlgn="ctr"/>
-                      <a:r>
-                        <a:rPr lang="ko-KR" altLang="en-US" sz="800" b="1" u="none" strike="noStrike" dirty="0">
-                          <a:solidFill>
-                            <a:schemeClr val="bg1"/>
-                          </a:solidFill>
-                          <a:effectLst/>
-                        </a:rPr>
-                        <a:t>필요 기능</a:t>
-                      </a:r>
-                      <a:endParaRPr lang="ko-KR" altLang="en-US" sz="800" b="1" i="0" u="none" strike="noStrike" dirty="0">
-                        <a:solidFill>
-                          <a:schemeClr val="bg1"/>
-                        </a:solidFill>
-                        <a:effectLst/>
-                        <a:latin typeface="Dotum"/>
-                      </a:endParaRPr>
-                    </a:p>
-                  </a:txBody>
-                  <a:tcPr marL="5314" marR="5314" marT="5314" marB="0" anchor="ctr">
-                    <a:solidFill>
-                      <a:srgbClr val="FF9E00"/>
-                    </a:solidFill>
-                  </a:tcPr>
-                </a:tc>
-                <a:tc>
-                  <a:txBody>
-                    <a:bodyPr/>
-                    <a:lstStyle/>
-                    <a:p>
-                      <a:pPr algn="ctr" fontAlgn="ctr"/>
-                      <a:r>
-                        <a:rPr lang="ko-KR" altLang="en-US" sz="800" b="1" u="none" strike="noStrike" dirty="0">
-                          <a:solidFill>
-                            <a:schemeClr val="bg1"/>
-                          </a:solidFill>
-                          <a:effectLst/>
-                        </a:rPr>
-                        <a:t>기능 설명</a:t>
-                      </a:r>
-                      <a:endParaRPr lang="ko-KR" altLang="en-US" sz="800" b="1" i="0" u="none" strike="noStrike" dirty="0">
-                        <a:solidFill>
-                          <a:schemeClr val="bg1"/>
-                        </a:solidFill>
-                        <a:effectLst/>
-                        <a:latin typeface="Dotum"/>
-                      </a:endParaRPr>
-                    </a:p>
-                  </a:txBody>
-                  <a:tcPr marL="5314" marR="5314" marT="5314" marB="0" anchor="ctr">
-                    <a:solidFill>
-                      <a:srgbClr val="FF9E00"/>
-                    </a:solidFill>
-                  </a:tcPr>
-                </a:tc>
-              </a:tr>
-              <a:tr h="612948">
-                <a:tc rowSpan="6">
-                  <a:txBody>
-                    <a:bodyPr/>
-                    <a:lstStyle/>
-                    <a:p>
-                      <a:pPr algn="ctr" fontAlgn="ctr"/>
-                      <a:r>
-                        <a:rPr lang="ko-KR" altLang="en-US" sz="800" u="none" strike="noStrike" dirty="0" smtClean="0">
-                          <a:effectLst/>
-                        </a:rPr>
-                        <a:t>사용자</a:t>
-                      </a:r>
-                      <a:endParaRPr lang="ko-KR" altLang="en-US" sz="800" b="0" i="0" u="none" strike="noStrike" dirty="0">
-                        <a:solidFill>
-                          <a:srgbClr val="000000"/>
-                        </a:solidFill>
-                        <a:effectLst/>
-                        <a:latin typeface="맑은 고딕"/>
-                      </a:endParaRPr>
-                    </a:p>
-                  </a:txBody>
-                  <a:tcPr marL="5314" marR="5314" marT="5314" marB="0" anchor="ctr"/>
-                </a:tc>
-                <a:tc rowSpan="6">
-                  <a:txBody>
-                    <a:bodyPr/>
-                    <a:lstStyle/>
-                    <a:p>
-                      <a:pPr algn="ctr" fontAlgn="ctr"/>
-                      <a:r>
-                        <a:rPr lang="ko-KR" altLang="en-US" sz="800" u="none" strike="noStrike" dirty="0" err="1">
-                          <a:effectLst/>
-                        </a:rPr>
-                        <a:t>마이페이지</a:t>
-                      </a:r>
-                      <a:endParaRPr lang="ko-KR" altLang="en-US" sz="800" b="0" i="0" u="none" strike="noStrike" dirty="0">
-                        <a:solidFill>
-                          <a:srgbClr val="000000"/>
-                        </a:solidFill>
-                        <a:effectLst/>
-                        <a:latin typeface="맑은 고딕"/>
-                      </a:endParaRPr>
-                    </a:p>
-                  </a:txBody>
-                  <a:tcPr marL="5314" marR="5314" marT="5314" marB="0" anchor="ctr"/>
-                </a:tc>
-                <a:tc>
-                  <a:txBody>
-                    <a:bodyPr/>
-                    <a:lstStyle/>
-                    <a:p>
-                      <a:pPr algn="ctr" fontAlgn="ctr"/>
-                      <a:r>
-                        <a:rPr lang="ko-KR" altLang="en-US" sz="800" u="none" strike="noStrike">
-                          <a:effectLst/>
-                        </a:rPr>
-                        <a:t>회원정보변경</a:t>
-                      </a:r>
-                      <a:endParaRPr lang="ko-KR" altLang="en-US" sz="800" b="0" i="0" u="none" strike="noStrike">
-                        <a:solidFill>
-                          <a:srgbClr val="000000"/>
-                        </a:solidFill>
-                        <a:effectLst/>
-                        <a:latin typeface="맑은 고딕"/>
-                      </a:endParaRPr>
-                    </a:p>
-                  </a:txBody>
-                  <a:tcPr marL="5314" marR="5314" marT="5314" marB="0" anchor="ctr"/>
-                </a:tc>
-                <a:tc>
-                  <a:txBody>
-                    <a:bodyPr/>
-                    <a:lstStyle/>
-                    <a:p>
-                      <a:pPr algn="l" fontAlgn="ctr"/>
-                      <a:r>
-                        <a:rPr lang="ko-KR" altLang="en-US" sz="800" u="none" strike="noStrike">
-                          <a:effectLst/>
-                        </a:rPr>
-                        <a:t>회원가입시 입력한 정보를 수정</a:t>
-                      </a:r>
-                      <a:r>
-                        <a:rPr lang="en-US" altLang="ko-KR" sz="800" u="none" strike="noStrike">
-                          <a:effectLst/>
-                        </a:rPr>
-                        <a:t>, </a:t>
-                      </a:r>
-                      <a:r>
-                        <a:rPr lang="ko-KR" altLang="en-US" sz="800" u="none" strike="noStrike">
-                          <a:effectLst/>
-                        </a:rPr>
-                        <a:t>관심 카테고리 설정</a:t>
-                      </a:r>
-                      <a:endParaRPr lang="ko-KR" altLang="en-US" sz="800" b="0" i="0" u="none" strike="noStrike">
-                        <a:solidFill>
-                          <a:srgbClr val="000000"/>
-                        </a:solidFill>
-                        <a:effectLst/>
-                        <a:latin typeface="맑은 고딕"/>
-                      </a:endParaRPr>
-                    </a:p>
-                  </a:txBody>
-                  <a:tcPr marL="63768" marR="5314" marT="5314" marB="0" anchor="ctr"/>
-                </a:tc>
-              </a:tr>
-              <a:tr h="612948">
-                <a:tc vMerge="1">
-                  <a:txBody>
-                    <a:bodyPr/>
-                    <a:lstStyle/>
-                    <a:p>
-                      <a:pPr algn="l" fontAlgn="ctr"/>
-                      <a:endParaRPr lang="ko-KR" altLang="en-US" sz="600" b="0" i="0" u="none" strike="noStrike" dirty="0">
-                        <a:solidFill>
-                          <a:srgbClr val="000000"/>
-                        </a:solidFill>
-                        <a:effectLst/>
-                        <a:latin typeface="맑은 고딕"/>
-                      </a:endParaRPr>
-                    </a:p>
-                  </a:txBody>
-                  <a:tcPr marL="5314" marR="5314" marT="5314" marB="0" anchor="ctr"/>
-                </a:tc>
-                <a:tc vMerge="1">
-                  <a:txBody>
-                    <a:bodyPr/>
-                    <a:lstStyle/>
-                    <a:p>
-                      <a:pPr latinLnBrk="1"/>
-                      <a:endParaRPr lang="ko-KR" altLang="en-US"/>
-                    </a:p>
-                  </a:txBody>
-                  <a:tcPr/>
-                </a:tc>
-                <a:tc>
-                  <a:txBody>
-                    <a:bodyPr/>
-                    <a:lstStyle/>
-                    <a:p>
-                      <a:pPr algn="ctr" fontAlgn="ctr"/>
-                      <a:r>
-                        <a:rPr lang="ko-KR" altLang="en-US" sz="800" u="none" strike="noStrike">
-                          <a:effectLst/>
-                        </a:rPr>
-                        <a:t>회원탈퇴</a:t>
-                      </a:r>
-                      <a:endParaRPr lang="ko-KR" altLang="en-US" sz="800" b="0" i="0" u="none" strike="noStrike">
-                        <a:solidFill>
-                          <a:srgbClr val="000000"/>
-                        </a:solidFill>
-                        <a:effectLst/>
-                        <a:latin typeface="맑은 고딕"/>
-                      </a:endParaRPr>
-                    </a:p>
-                  </a:txBody>
-                  <a:tcPr marL="5314" marR="5314" marT="5314" marB="0" anchor="ctr"/>
-                </a:tc>
-                <a:tc>
-                  <a:txBody>
-                    <a:bodyPr/>
-                    <a:lstStyle/>
-                    <a:p>
-                      <a:pPr algn="l" fontAlgn="ctr"/>
-                      <a:r>
-                        <a:rPr lang="ko-KR" altLang="en-US" sz="800" u="none" strike="noStrike">
-                          <a:effectLst/>
-                        </a:rPr>
-                        <a:t>프로필 수정 페이지 내 회원탈퇴 버튼을 통해 탈퇴 가능</a:t>
-                      </a:r>
-                      <a:endParaRPr lang="ko-KR" altLang="en-US" sz="800" b="0" i="0" u="none" strike="noStrike">
-                        <a:solidFill>
-                          <a:srgbClr val="000000"/>
-                        </a:solidFill>
-                        <a:effectLst/>
-                        <a:latin typeface="맑은 고딕"/>
-                      </a:endParaRPr>
-                    </a:p>
-                  </a:txBody>
-                  <a:tcPr marL="63768" marR="5314" marT="5314" marB="0" anchor="ctr"/>
-                </a:tc>
-              </a:tr>
-              <a:tr h="612948">
-                <a:tc vMerge="1">
-                  <a:txBody>
-                    <a:bodyPr/>
-                    <a:lstStyle/>
-                    <a:p>
-                      <a:pPr algn="l" fontAlgn="ctr"/>
-                      <a:endParaRPr lang="ko-KR" altLang="en-US" sz="600" b="0" i="0" u="none" strike="noStrike" dirty="0">
-                        <a:solidFill>
-                          <a:srgbClr val="000000"/>
-                        </a:solidFill>
-                        <a:effectLst/>
-                        <a:latin typeface="맑은 고딕"/>
-                      </a:endParaRPr>
-                    </a:p>
-                  </a:txBody>
-                  <a:tcPr marL="5314" marR="5314" marT="5314" marB="0" anchor="ctr"/>
-                </a:tc>
-                <a:tc vMerge="1">
-                  <a:txBody>
-                    <a:bodyPr/>
-                    <a:lstStyle/>
-                    <a:p>
-                      <a:pPr latinLnBrk="1"/>
-                      <a:endParaRPr lang="ko-KR" altLang="en-US"/>
-                    </a:p>
-                  </a:txBody>
-                  <a:tcPr/>
-                </a:tc>
-                <a:tc>
-                  <a:txBody>
-                    <a:bodyPr/>
-                    <a:lstStyle/>
-                    <a:p>
-                      <a:pPr algn="ctr" fontAlgn="ctr"/>
-                      <a:r>
-                        <a:rPr lang="ko-KR" altLang="en-US" sz="800" u="none" strike="noStrike">
-                          <a:effectLst/>
-                        </a:rPr>
-                        <a:t>나의 계좌</a:t>
-                      </a:r>
-                      <a:endParaRPr lang="ko-KR" altLang="en-US" sz="800" b="0" i="0" u="none" strike="noStrike">
-                        <a:solidFill>
-                          <a:srgbClr val="000000"/>
-                        </a:solidFill>
-                        <a:effectLst/>
-                        <a:latin typeface="맑은 고딕"/>
-                      </a:endParaRPr>
-                    </a:p>
-                  </a:txBody>
-                  <a:tcPr marL="5314" marR="5314" marT="5314" marB="0" anchor="ctr"/>
-                </a:tc>
-                <a:tc>
-                  <a:txBody>
-                    <a:bodyPr/>
-                    <a:lstStyle/>
-                    <a:p>
-                      <a:pPr algn="l" fontAlgn="ctr"/>
-                      <a:r>
-                        <a:rPr lang="ko-KR" altLang="en-US" sz="800" u="none" strike="noStrike" dirty="0">
-                          <a:effectLst/>
-                        </a:rPr>
-                        <a:t>수익금 정산 받을 계좌 등록 및 수정</a:t>
-                      </a:r>
-                      <a:r>
-                        <a:rPr lang="en-US" altLang="ko-KR" sz="800" u="none" strike="noStrike" dirty="0">
-                          <a:effectLst/>
-                        </a:rPr>
-                        <a:t>, </a:t>
-                      </a:r>
-                      <a:r>
-                        <a:rPr lang="ko-KR" altLang="en-US" sz="800" u="none" strike="noStrike" dirty="0">
-                          <a:effectLst/>
-                        </a:rPr>
-                        <a:t>예치금 충전 및 이용내역</a:t>
-                      </a:r>
-                      <a:r>
-                        <a:rPr lang="en-US" altLang="ko-KR" sz="800" u="none" strike="noStrike" dirty="0">
-                          <a:effectLst/>
-                        </a:rPr>
-                        <a:t>, </a:t>
-                      </a:r>
-                      <a:r>
-                        <a:rPr lang="ko-KR" altLang="en-US" sz="800" u="none" strike="noStrike" dirty="0">
-                          <a:effectLst/>
-                        </a:rPr>
-                        <a:t>출금</a:t>
-                      </a:r>
-                      <a:endParaRPr lang="ko-KR" altLang="en-US" sz="800" b="0" i="0" u="none" strike="noStrike" dirty="0">
-                        <a:solidFill>
-                          <a:srgbClr val="000000"/>
-                        </a:solidFill>
-                        <a:effectLst/>
-                        <a:latin typeface="맑은 고딕"/>
-                      </a:endParaRPr>
-                    </a:p>
-                  </a:txBody>
-                  <a:tcPr marL="63768" marR="5314" marT="5314" marB="0" anchor="ctr"/>
-                </a:tc>
-              </a:tr>
-              <a:tr h="612948">
-                <a:tc vMerge="1">
-                  <a:txBody>
-                    <a:bodyPr/>
-                    <a:lstStyle/>
-                    <a:p>
-                      <a:pPr algn="l" fontAlgn="ctr"/>
-                      <a:endParaRPr lang="ko-KR" altLang="en-US" sz="600" b="0" i="0" u="none" strike="noStrike">
-                        <a:solidFill>
-                          <a:srgbClr val="000000"/>
-                        </a:solidFill>
-                        <a:effectLst/>
-                        <a:latin typeface="맑은 고딕"/>
-                      </a:endParaRPr>
-                    </a:p>
-                  </a:txBody>
-                  <a:tcPr marL="5314" marR="5314" marT="5314" marB="0" anchor="ctr"/>
-                </a:tc>
-                <a:tc vMerge="1">
-                  <a:txBody>
-                    <a:bodyPr/>
-                    <a:lstStyle/>
-                    <a:p>
-                      <a:pPr latinLnBrk="1"/>
-                      <a:endParaRPr lang="ko-KR" altLang="en-US"/>
-                    </a:p>
-                  </a:txBody>
-                  <a:tcPr/>
-                </a:tc>
-                <a:tc>
-                  <a:txBody>
-                    <a:bodyPr/>
-                    <a:lstStyle/>
-                    <a:p>
-                      <a:pPr algn="ctr" fontAlgn="ctr"/>
-                      <a:r>
-                        <a:rPr lang="ko-KR" altLang="en-US" sz="800" u="none" strike="noStrike" dirty="0">
-                          <a:effectLst/>
-                        </a:rPr>
-                        <a:t>나의 </a:t>
-                      </a:r>
-                      <a:r>
-                        <a:rPr lang="ko-KR" altLang="en-US" sz="800" u="none" strike="noStrike" dirty="0" err="1">
-                          <a:effectLst/>
-                        </a:rPr>
-                        <a:t>펀딩</a:t>
-                      </a:r>
-                      <a:endParaRPr lang="ko-KR" altLang="en-US" sz="800" b="0" i="0" u="none" strike="noStrike" dirty="0">
-                        <a:solidFill>
-                          <a:srgbClr val="000000"/>
-                        </a:solidFill>
-                        <a:effectLst/>
-                        <a:latin typeface="맑은 고딕"/>
-                      </a:endParaRPr>
-                    </a:p>
-                  </a:txBody>
-                  <a:tcPr marL="5314" marR="5314" marT="5314" marB="0" anchor="ctr"/>
-                </a:tc>
-                <a:tc>
-                  <a:txBody>
-                    <a:bodyPr/>
-                    <a:lstStyle/>
-                    <a:p>
-                      <a:pPr algn="l" fontAlgn="ctr"/>
-                      <a:r>
-                        <a:rPr lang="ko-KR" altLang="en-US" sz="800" u="none" strike="noStrike" dirty="0" err="1">
-                          <a:effectLst/>
-                        </a:rPr>
-                        <a:t>펀딩한</a:t>
-                      </a:r>
-                      <a:r>
-                        <a:rPr lang="ko-KR" altLang="en-US" sz="800" u="none" strike="noStrike" dirty="0">
-                          <a:effectLst/>
-                        </a:rPr>
-                        <a:t> 프로젝트의 목록</a:t>
-                      </a:r>
-                      <a:r>
-                        <a:rPr lang="en-US" altLang="ko-KR" sz="800" u="none" strike="noStrike" dirty="0">
-                          <a:effectLst/>
-                        </a:rPr>
-                        <a:t>, </a:t>
-                      </a:r>
-                      <a:r>
-                        <a:rPr lang="ko-KR" altLang="en-US" sz="800" u="none" strike="noStrike" dirty="0">
-                          <a:effectLst/>
-                        </a:rPr>
-                        <a:t>진행상태 확인</a:t>
-                      </a:r>
-                      <a:endParaRPr lang="ko-KR" altLang="en-US" sz="800" b="0" i="0" u="none" strike="noStrike" dirty="0">
-                        <a:solidFill>
-                          <a:srgbClr val="000000"/>
-                        </a:solidFill>
-                        <a:effectLst/>
-                        <a:latin typeface="맑은 고딕"/>
-                      </a:endParaRPr>
-                    </a:p>
-                  </a:txBody>
-                  <a:tcPr marL="63768" marR="5314" marT="5314" marB="0" anchor="ctr"/>
-                </a:tc>
-              </a:tr>
-              <a:tr h="612948">
-                <a:tc vMerge="1">
-                  <a:txBody>
-                    <a:bodyPr/>
-                    <a:lstStyle/>
-                    <a:p>
-                      <a:pPr algn="l" fontAlgn="ctr"/>
-                      <a:endParaRPr lang="ko-KR" altLang="en-US" sz="600" b="0" i="0" u="none" strike="noStrike" dirty="0">
-                        <a:solidFill>
-                          <a:srgbClr val="000000"/>
-                        </a:solidFill>
-                        <a:effectLst/>
-                        <a:latin typeface="맑은 고딕"/>
-                      </a:endParaRPr>
-                    </a:p>
-                  </a:txBody>
-                  <a:tcPr marL="5314" marR="5314" marT="5314" marB="0" anchor="ctr"/>
-                </a:tc>
-                <a:tc vMerge="1">
-                  <a:txBody>
-                    <a:bodyPr/>
-                    <a:lstStyle/>
-                    <a:p>
-                      <a:pPr latinLnBrk="1"/>
-                      <a:endParaRPr lang="ko-KR" altLang="en-US"/>
-                    </a:p>
-                  </a:txBody>
-                  <a:tcPr/>
-                </a:tc>
-                <a:tc>
-                  <a:txBody>
-                    <a:bodyPr/>
-                    <a:lstStyle/>
-                    <a:p>
-                      <a:pPr algn="ctr" fontAlgn="ctr"/>
-                      <a:r>
-                        <a:rPr lang="ko-KR" altLang="en-US" sz="800" u="none" strike="noStrike" dirty="0">
-                          <a:effectLst/>
-                        </a:rPr>
-                        <a:t>관심 프로젝트</a:t>
-                      </a:r>
-                      <a:endParaRPr lang="ko-KR" altLang="en-US" sz="800" b="0" i="0" u="none" strike="noStrike" dirty="0">
-                        <a:solidFill>
-                          <a:srgbClr val="000000"/>
-                        </a:solidFill>
-                        <a:effectLst/>
-                        <a:latin typeface="맑은 고딕"/>
-                      </a:endParaRPr>
-                    </a:p>
-                  </a:txBody>
-                  <a:tcPr marL="5314" marR="5314" marT="5314" marB="0" anchor="ctr"/>
-                </a:tc>
-                <a:tc>
-                  <a:txBody>
-                    <a:bodyPr/>
-                    <a:lstStyle/>
-                    <a:p>
-                      <a:pPr algn="l" fontAlgn="ctr"/>
-                      <a:r>
-                        <a:rPr lang="ko-KR" altLang="en-US" sz="800" u="none" strike="noStrike" dirty="0">
-                          <a:effectLst/>
-                        </a:rPr>
-                        <a:t>관심 프로젝트 목록 및 관리</a:t>
-                      </a:r>
-                      <a:endParaRPr lang="ko-KR" altLang="en-US" sz="800" b="0" i="0" u="none" strike="noStrike" dirty="0">
-                        <a:solidFill>
-                          <a:srgbClr val="000000"/>
-                        </a:solidFill>
-                        <a:effectLst/>
-                        <a:latin typeface="맑은 고딕"/>
-                      </a:endParaRPr>
-                    </a:p>
-                  </a:txBody>
-                  <a:tcPr marL="63768" marR="5314" marT="5314" marB="0" anchor="ctr"/>
-                </a:tc>
-              </a:tr>
-              <a:tr h="612948">
-                <a:tc vMerge="1">
-                  <a:txBody>
-                    <a:bodyPr/>
-                    <a:lstStyle/>
-                    <a:p>
-                      <a:pPr algn="l" fontAlgn="ctr"/>
-                      <a:endParaRPr lang="ko-KR" altLang="en-US" sz="600" b="0" i="0" u="none" strike="noStrike" dirty="0">
-                        <a:solidFill>
-                          <a:srgbClr val="000000"/>
-                        </a:solidFill>
-                        <a:effectLst/>
-                        <a:latin typeface="맑은 고딕"/>
-                      </a:endParaRPr>
-                    </a:p>
-                  </a:txBody>
-                  <a:tcPr marL="5314" marR="5314" marT="5314" marB="0" anchor="ctr"/>
-                </a:tc>
-                <a:tc vMerge="1">
-                  <a:txBody>
-                    <a:bodyPr/>
-                    <a:lstStyle/>
-                    <a:p>
-                      <a:pPr latinLnBrk="1"/>
-                      <a:endParaRPr lang="ko-KR" altLang="en-US"/>
-                    </a:p>
-                  </a:txBody>
-                  <a:tcPr/>
-                </a:tc>
-                <a:tc>
-                  <a:txBody>
-                    <a:bodyPr/>
-                    <a:lstStyle/>
-                    <a:p>
-                      <a:pPr algn="ctr" fontAlgn="ctr"/>
-                      <a:r>
-                        <a:rPr lang="ko-KR" altLang="en-US" sz="800" u="none" strike="noStrike" dirty="0">
-                          <a:effectLst/>
-                        </a:rPr>
-                        <a:t>주문조회</a:t>
-                      </a:r>
-                      <a:endParaRPr lang="ko-KR" altLang="en-US" sz="800" b="0" i="0" u="none" strike="noStrike" dirty="0">
-                        <a:solidFill>
-                          <a:srgbClr val="000000"/>
-                        </a:solidFill>
-                        <a:effectLst/>
-                        <a:latin typeface="맑은 고딕"/>
-                      </a:endParaRPr>
-                    </a:p>
-                  </a:txBody>
-                  <a:tcPr marL="5314" marR="5314" marT="5314" marB="0" anchor="ctr"/>
-                </a:tc>
-                <a:tc>
-                  <a:txBody>
-                    <a:bodyPr/>
-                    <a:lstStyle/>
-                    <a:p>
-                      <a:pPr algn="l" fontAlgn="ctr"/>
-                      <a:r>
-                        <a:rPr lang="ko-KR" altLang="en-US" sz="800" u="none" strike="noStrike" dirty="0" err="1">
-                          <a:effectLst/>
-                        </a:rPr>
-                        <a:t>리워드</a:t>
-                      </a:r>
-                      <a:r>
-                        <a:rPr lang="ko-KR" altLang="en-US" sz="800" u="none" strike="noStrike" dirty="0">
-                          <a:effectLst/>
-                        </a:rPr>
-                        <a:t> </a:t>
-                      </a:r>
-                      <a:r>
-                        <a:rPr lang="ko-KR" altLang="en-US" sz="800" u="none" strike="noStrike" dirty="0" err="1">
-                          <a:effectLst/>
-                        </a:rPr>
-                        <a:t>샵에서</a:t>
-                      </a:r>
-                      <a:r>
-                        <a:rPr lang="ko-KR" altLang="en-US" sz="800" u="none" strike="noStrike" dirty="0">
-                          <a:effectLst/>
-                        </a:rPr>
-                        <a:t> 구매한 상품의 주문</a:t>
-                      </a:r>
-                      <a:r>
-                        <a:rPr lang="en-US" altLang="ko-KR" sz="800" u="none" strike="noStrike" dirty="0">
-                          <a:effectLst/>
-                        </a:rPr>
-                        <a:t>/</a:t>
-                      </a:r>
-                      <a:r>
-                        <a:rPr lang="ko-KR" altLang="en-US" sz="800" u="none" strike="noStrike" dirty="0">
-                          <a:effectLst/>
-                        </a:rPr>
-                        <a:t>배송 조회</a:t>
-                      </a:r>
-                      <a:endParaRPr lang="ko-KR" altLang="en-US" sz="800" b="0" i="0" u="none" strike="noStrike" dirty="0">
-                        <a:solidFill>
-                          <a:srgbClr val="000000"/>
-                        </a:solidFill>
-                        <a:effectLst/>
-                        <a:latin typeface="맑은 고딕"/>
-                      </a:endParaRPr>
-                    </a:p>
-                  </a:txBody>
-                  <a:tcPr marL="63768" marR="5314" marT="5314" marB="0" anchor="ctr"/>
-                </a:tc>
-              </a:tr>
-            </a:tbl>
-          </a:graphicData>
-        </a:graphic>
-      </p:graphicFrame>
-      <p:sp>
-        <p:nvSpPr>
-          <p:cNvPr id="6" name="직사각형 5"/>
-          <p:cNvSpPr/>
-          <p:nvPr/>
-        </p:nvSpPr>
-        <p:spPr>
-          <a:xfrm>
-            <a:off x="219114" y="195486"/>
-            <a:ext cx="1112851" cy="400110"/>
-          </a:xfrm>
-          <a:prstGeom prst="rect">
-            <a:avLst/>
-          </a:prstGeom>
-        </p:spPr>
-        <p:txBody>
-          <a:bodyPr wrap="square">
-            <a:spAutoFit/>
-          </a:bodyPr>
-          <a:lstStyle/>
-          <a:p>
-            <a:r>
-              <a:rPr lang="ko-KR" altLang="en-US" sz="2000" b="1" dirty="0" smtClean="0">
-                <a:solidFill>
-                  <a:srgbClr val="FF9E00"/>
-                </a:solidFill>
-                <a:latin typeface="+mj-ea"/>
-                <a:ea typeface="+mj-ea"/>
-              </a:rPr>
-              <a:t>유서희</a:t>
-            </a:r>
-            <a:endParaRPr lang="ko-KR" altLang="en-US" sz="2000" b="1" dirty="0">
-              <a:latin typeface="+mj-ea"/>
-              <a:ea typeface="+mj-ea"/>
-            </a:endParaRPr>
-          </a:p>
-        </p:txBody>
-      </p:sp>
-    </p:spTree>
-    <p:extLst>
-      <p:ext uri="{BB962C8B-B14F-4D97-AF65-F5344CB8AC3E}">
-        <p14:creationId xmlns:p14="http://schemas.microsoft.com/office/powerpoint/2010/main" val="4115892243"/>
-      </p:ext>
-    </p:extLst>
-  </p:cSld>
-  <p:clrMapOvr>
-    <a:masterClrMapping/>
-  </p:clrMapOvr>
-  <p:timing>
-    <p:tnLst>
-      <p:par>
-        <p:cTn id="1" dur="indefinite" restart="never" nodeType="tmRoot"/>
-      </p:par>
-    </p:tnLst>
-  </p:timing>
-</p:sld>
-</file>
-
-<file path=ppt/slides/slide12.xml><?xml version="1.0" encoding="utf-8"?>
-<p:sld xmlns:a="http://schemas.openxmlformats.org/drawingml/2006/main" xmlns:r="http://schemas.openxmlformats.org/officeDocument/2006/relationships" xmlns:p="http://schemas.openxmlformats.org/presentationml/2006/main">
-  <p:cSld>
-    <p:spTree>
-      <p:nvGrpSpPr>
-        <p:cNvPr id="1" name=""/>
-        <p:cNvGrpSpPr/>
-        <p:nvPr/>
-      </p:nvGrpSpPr>
-      <p:grpSpPr>
-        <a:xfrm>
-          <a:off x="0" y="0"/>
-          <a:ext cx="0" cy="0"/>
-          <a:chOff x="0" y="0"/>
-          <a:chExt cx="0" cy="0"/>
-        </a:xfrm>
-      </p:grpSpPr>
-      <p:sp>
-        <p:nvSpPr>
           <p:cNvPr id="3" name="직사각형 2"/>
           <p:cNvSpPr/>
           <p:nvPr/>
@@ -15571,7 +13575,7 @@
 </p:sld>
 </file>
 
-<file path=ppt/slides/slide13.xml><?xml version="1.0" encoding="utf-8"?>
+<file path=ppt/slides/slide11.xml><?xml version="1.0" encoding="utf-8"?>
 <p:sld xmlns:a="http://schemas.openxmlformats.org/drawingml/2006/main" xmlns:r="http://schemas.openxmlformats.org/officeDocument/2006/relationships" xmlns:p="http://schemas.openxmlformats.org/presentationml/2006/main">
   <p:cSld>
     <p:spTree>
@@ -16606,7 +14610,7 @@
 </p:sld>
 </file>
 
-<file path=ppt/slides/slide14.xml><?xml version="1.0" encoding="utf-8"?>
+<file path=ppt/slides/slide12.xml><?xml version="1.0" encoding="utf-8"?>
 <p:sld xmlns:a="http://schemas.openxmlformats.org/drawingml/2006/main" xmlns:r="http://schemas.openxmlformats.org/officeDocument/2006/relationships" xmlns:p="http://schemas.openxmlformats.org/presentationml/2006/main">
   <p:cSld>
     <p:spTree>
@@ -17664,7 +15668,7 @@
 </p:sld>
 </file>
 
-<file path=ppt/slides/slide15.xml><?xml version="1.0" encoding="utf-8"?>
+<file path=ppt/slides/slide13.xml><?xml version="1.0" encoding="utf-8"?>
 <p:sld xmlns:a="http://schemas.openxmlformats.org/drawingml/2006/main" xmlns:r="http://schemas.openxmlformats.org/officeDocument/2006/relationships" xmlns:p="http://schemas.openxmlformats.org/presentationml/2006/main">
   <p:cSld>
     <p:spTree>
@@ -18405,7 +16409,7 @@
     </p:spTree>
     <p:extLst>
       <p:ext uri="{BB962C8B-B14F-4D97-AF65-F5344CB8AC3E}">
-        <p14:creationId xmlns:p14="http://schemas.microsoft.com/office/powerpoint/2010/main" val="3398836712"/>
+        <p14:creationId xmlns:p14="http://schemas.microsoft.com/office/powerpoint/2010/main" val="98504727"/>
       </p:ext>
     </p:extLst>
   </p:cSld>
@@ -18422,7 +16426,7 @@
 </p:sld>
 </file>
 
-<file path=ppt/slides/slide16.xml><?xml version="1.0" encoding="utf-8"?>
+<file path=ppt/slides/slide14.xml><?xml version="1.0" encoding="utf-8"?>
 <p:sld xmlns:a="http://schemas.openxmlformats.org/drawingml/2006/main" xmlns:r="http://schemas.openxmlformats.org/officeDocument/2006/relationships" xmlns:p="http://schemas.openxmlformats.org/presentationml/2006/main">
   <p:cSld>
     <p:spTree>
@@ -18535,7 +16539,7 @@
             </a:pPr>
             <a:fld id="{00000000-1234-1234-1234-123412341234}" type="slidenum">
               <a:rPr lang="en"/>
-              <a:t>16</a:t>
+              <a:t>14</a:t>
             </a:fld>
             <a:endParaRPr/>
           </a:p>
@@ -18608,7 +16612,7 @@
     </p:spTree>
     <p:extLst>
       <p:ext uri="{BB962C8B-B14F-4D97-AF65-F5344CB8AC3E}">
-        <p14:creationId xmlns:p14="http://schemas.microsoft.com/office/powerpoint/2010/main" val="2169394875"/>
+        <p14:creationId xmlns:p14="http://schemas.microsoft.com/office/powerpoint/2010/main" val="332071918"/>
       </p:ext>
     </p:extLst>
   </p:cSld>
@@ -18625,7 +16629,7 @@
 </p:sld>
 </file>
 
-<file path=ppt/slides/slide17.xml><?xml version="1.0" encoding="utf-8"?>
+<file path=ppt/slides/slide15.xml><?xml version="1.0" encoding="utf-8"?>
 <p:sld xmlns:a="http://schemas.openxmlformats.org/drawingml/2006/main" xmlns:r="http://schemas.openxmlformats.org/officeDocument/2006/relationships" xmlns:p="http://schemas.openxmlformats.org/presentationml/2006/main">
   <p:cSld>
     <p:spTree>
@@ -19441,7 +17445,7 @@
 </p:sld>
 </file>
 
-<file path=ppt/slides/slide18.xml><?xml version="1.0" encoding="utf-8"?>
+<file path=ppt/slides/slide16.xml><?xml version="1.0" encoding="utf-8"?>
 <p:sld xmlns:a="http://schemas.openxmlformats.org/drawingml/2006/main" xmlns:r="http://schemas.openxmlformats.org/officeDocument/2006/relationships" xmlns:p="http://schemas.openxmlformats.org/presentationml/2006/main">
   <p:cSld>
     <p:spTree>
@@ -20247,7 +18251,7 @@
 </p:sld>
 </file>
 
-<file path=ppt/slides/slide19.xml><?xml version="1.0" encoding="utf-8"?>
+<file path=ppt/slides/slide17.xml><?xml version="1.0" encoding="utf-8"?>
 <p:sld xmlns:a="http://schemas.openxmlformats.org/drawingml/2006/main" xmlns:r="http://schemas.openxmlformats.org/officeDocument/2006/relationships" xmlns:p="http://schemas.openxmlformats.org/presentationml/2006/main">
   <p:cSld>
     <p:spTree>
@@ -21063,760 +19067,7 @@
 </p:sld>
 </file>
 
-<file path=ppt/slides/slide2.xml><?xml version="1.0" encoding="utf-8"?>
-<p:sld xmlns:a="http://schemas.openxmlformats.org/drawingml/2006/main" xmlns:r="http://schemas.openxmlformats.org/officeDocument/2006/relationships" xmlns:p="http://schemas.openxmlformats.org/presentationml/2006/main">
-  <p:cSld>
-    <p:spTree>
-      <p:nvGrpSpPr>
-        <p:cNvPr id="1" name="Shape 101"/>
-        <p:cNvGrpSpPr/>
-        <p:nvPr/>
-      </p:nvGrpSpPr>
-      <p:grpSpPr>
-        <a:xfrm>
-          <a:off x="0" y="0"/>
-          <a:ext cx="0" cy="0"/>
-          <a:chOff x="0" y="0"/>
-          <a:chExt cx="0" cy="0"/>
-        </a:xfrm>
-      </p:grpSpPr>
-      <p:sp>
-        <p:nvSpPr>
-          <p:cNvPr id="102" name="Google Shape;102;p18"/>
-          <p:cNvSpPr txBox="1">
-            <a:spLocks noGrp="1"/>
-          </p:cNvSpPr>
-          <p:nvPr>
-            <p:ph type="ctrTitle" idx="4294967295"/>
-          </p:nvPr>
-        </p:nvSpPr>
-        <p:spPr>
-          <a:xfrm>
-            <a:off x="1603801" y="2211710"/>
-            <a:ext cx="5936400" cy="1159800"/>
-          </a:xfrm>
-          <a:prstGeom prst="rect">
-            <a:avLst/>
-          </a:prstGeom>
-        </p:spPr>
-        <p:txBody>
-          <a:bodyPr spcFirstLastPara="1" wrap="square" lIns="91425" tIns="91425" rIns="91425" bIns="91425" anchor="t" anchorCtr="0">
-            <a:noAutofit/>
-          </a:bodyPr>
-          <a:lstStyle/>
-          <a:p>
-            <a:pPr marL="0" lvl="0" indent="0" algn="ctr" rtl="0">
-              <a:spcBef>
-                <a:spcPts val="0"/>
-              </a:spcBef>
-              <a:spcAft>
-                <a:spcPts val="0"/>
-              </a:spcAft>
-              <a:buNone/>
-            </a:pPr>
-            <a:r>
-              <a:rPr lang="ko-KR" altLang="en-US" sz="4000" dirty="0" smtClean="0">
-                <a:solidFill>
-                  <a:srgbClr val="FF9E00"/>
-                </a:solidFill>
-                <a:latin typeface="나눔바른고딕" panose="020B0603020101020101" pitchFamily="50" charset="-127"/>
-                <a:ea typeface="나눔바른고딕" panose="020B0603020101020101" pitchFamily="50" charset="-127"/>
-              </a:rPr>
-              <a:t>주제 선정 이유</a:t>
-            </a:r>
-            <a:endParaRPr sz="4000" dirty="0">
-              <a:solidFill>
-                <a:srgbClr val="FF9E00"/>
-              </a:solidFill>
-              <a:latin typeface="나눔바른고딕" panose="020B0603020101020101" pitchFamily="50" charset="-127"/>
-              <a:ea typeface="나눔바른고딕" panose="020B0603020101020101" pitchFamily="50" charset="-127"/>
-            </a:endParaRPr>
-          </a:p>
-        </p:txBody>
-      </p:sp>
-      <p:grpSp>
-        <p:nvGrpSpPr>
-          <p:cNvPr id="104" name="Google Shape;104;p18"/>
-          <p:cNvGrpSpPr/>
-          <p:nvPr/>
-        </p:nvGrpSpPr>
-        <p:grpSpPr>
-          <a:xfrm>
-            <a:off x="4233487" y="499000"/>
-            <a:ext cx="677029" cy="1103729"/>
-            <a:chOff x="6730350" y="2315900"/>
-            <a:chExt cx="257700" cy="420100"/>
-          </a:xfrm>
-        </p:grpSpPr>
-        <p:sp>
-          <p:nvSpPr>
-            <p:cNvPr id="105" name="Google Shape;105;p18"/>
-            <p:cNvSpPr/>
-            <p:nvPr/>
-          </p:nvSpPr>
-          <p:spPr>
-            <a:xfrm>
-              <a:off x="6807900" y="2671250"/>
-              <a:ext cx="102600" cy="22625"/>
-            </a:xfrm>
-            <a:custGeom>
-              <a:avLst/>
-              <a:gdLst/>
-              <a:ahLst/>
-              <a:cxnLst/>
-              <a:rect l="l" t="t" r="r" b="b"/>
-              <a:pathLst>
-                <a:path w="4104" h="905" extrusionOk="0">
-                  <a:moveTo>
-                    <a:pt x="1" y="1"/>
-                  </a:moveTo>
-                  <a:lnTo>
-                    <a:pt x="1" y="905"/>
-                  </a:lnTo>
-                  <a:lnTo>
-                    <a:pt x="4104" y="905"/>
-                  </a:lnTo>
-                  <a:lnTo>
-                    <a:pt x="4104" y="1"/>
-                  </a:lnTo>
-                  <a:close/>
-                </a:path>
-              </a:pathLst>
-            </a:custGeom>
-            <a:solidFill>
-              <a:srgbClr val="FF9E00"/>
-            </a:solidFill>
-            <a:ln>
-              <a:noFill/>
-            </a:ln>
-          </p:spPr>
-          <p:txBody>
-            <a:bodyPr spcFirstLastPara="1" wrap="square" lIns="91425" tIns="91425" rIns="91425" bIns="91425" anchor="ctr" anchorCtr="0">
-              <a:noAutofit/>
-            </a:bodyPr>
-            <a:lstStyle/>
-            <a:p>
-              <a:pPr marL="0" lvl="0" indent="0" algn="l" rtl="0">
-                <a:spcBef>
-                  <a:spcPts val="0"/>
-                </a:spcBef>
-                <a:spcAft>
-                  <a:spcPts val="0"/>
-                </a:spcAft>
-                <a:buNone/>
-              </a:pPr>
-              <a:endParaRPr>
-                <a:solidFill>
-                  <a:srgbClr val="FFFFFF"/>
-                </a:solidFill>
-              </a:endParaRPr>
-            </a:p>
-          </p:txBody>
-        </p:sp>
-        <p:sp>
-          <p:nvSpPr>
-            <p:cNvPr id="106" name="Google Shape;106;p18"/>
-            <p:cNvSpPr/>
-            <p:nvPr/>
-          </p:nvSpPr>
-          <p:spPr>
-            <a:xfrm>
-              <a:off x="6807900" y="2636450"/>
-              <a:ext cx="102600" cy="22625"/>
-            </a:xfrm>
-            <a:custGeom>
-              <a:avLst/>
-              <a:gdLst/>
-              <a:ahLst/>
-              <a:cxnLst/>
-              <a:rect l="l" t="t" r="r" b="b"/>
-              <a:pathLst>
-                <a:path w="4104" h="905" extrusionOk="0">
-                  <a:moveTo>
-                    <a:pt x="1" y="1"/>
-                  </a:moveTo>
-                  <a:lnTo>
-                    <a:pt x="1" y="905"/>
-                  </a:lnTo>
-                  <a:lnTo>
-                    <a:pt x="4104" y="905"/>
-                  </a:lnTo>
-                  <a:lnTo>
-                    <a:pt x="4104" y="1"/>
-                  </a:lnTo>
-                  <a:close/>
-                </a:path>
-              </a:pathLst>
-            </a:custGeom>
-            <a:solidFill>
-              <a:srgbClr val="FF9E00"/>
-            </a:solidFill>
-            <a:ln>
-              <a:noFill/>
-            </a:ln>
-          </p:spPr>
-          <p:txBody>
-            <a:bodyPr spcFirstLastPara="1" wrap="square" lIns="91425" tIns="91425" rIns="91425" bIns="91425" anchor="ctr" anchorCtr="0">
-              <a:noAutofit/>
-            </a:bodyPr>
-            <a:lstStyle/>
-            <a:p>
-              <a:pPr marL="0" lvl="0" indent="0" algn="l" rtl="0">
-                <a:spcBef>
-                  <a:spcPts val="0"/>
-                </a:spcBef>
-                <a:spcAft>
-                  <a:spcPts val="0"/>
-                </a:spcAft>
-                <a:buNone/>
-              </a:pPr>
-              <a:endParaRPr>
-                <a:solidFill>
-                  <a:srgbClr val="FFFFFF"/>
-                </a:solidFill>
-              </a:endParaRPr>
-            </a:p>
-          </p:txBody>
-        </p:sp>
-        <p:sp>
-          <p:nvSpPr>
-            <p:cNvPr id="107" name="Google Shape;107;p18"/>
-            <p:cNvSpPr/>
-            <p:nvPr/>
-          </p:nvSpPr>
-          <p:spPr>
-            <a:xfrm>
-              <a:off x="6807900" y="2706075"/>
-              <a:ext cx="102600" cy="29925"/>
-            </a:xfrm>
-            <a:custGeom>
-              <a:avLst/>
-              <a:gdLst/>
-              <a:ahLst/>
-              <a:cxnLst/>
-              <a:rect l="l" t="t" r="r" b="b"/>
-              <a:pathLst>
-                <a:path w="4104" h="1197" extrusionOk="0">
-                  <a:moveTo>
-                    <a:pt x="1" y="0"/>
-                  </a:moveTo>
-                  <a:lnTo>
-                    <a:pt x="1" y="171"/>
-                  </a:lnTo>
-                  <a:lnTo>
-                    <a:pt x="25" y="318"/>
-                  </a:lnTo>
-                  <a:lnTo>
-                    <a:pt x="98" y="464"/>
-                  </a:lnTo>
-                  <a:lnTo>
-                    <a:pt x="196" y="586"/>
-                  </a:lnTo>
-                  <a:lnTo>
-                    <a:pt x="343" y="660"/>
-                  </a:lnTo>
-                  <a:lnTo>
-                    <a:pt x="1881" y="1172"/>
-                  </a:lnTo>
-                  <a:lnTo>
-                    <a:pt x="2052" y="1197"/>
-                  </a:lnTo>
-                  <a:lnTo>
-                    <a:pt x="2223" y="1172"/>
-                  </a:lnTo>
-                  <a:lnTo>
-                    <a:pt x="3762" y="660"/>
-                  </a:lnTo>
-                  <a:lnTo>
-                    <a:pt x="3908" y="586"/>
-                  </a:lnTo>
-                  <a:lnTo>
-                    <a:pt x="4006" y="464"/>
-                  </a:lnTo>
-                  <a:lnTo>
-                    <a:pt x="4079" y="318"/>
-                  </a:lnTo>
-                  <a:lnTo>
-                    <a:pt x="4104" y="171"/>
-                  </a:lnTo>
-                  <a:lnTo>
-                    <a:pt x="4104" y="0"/>
-                  </a:lnTo>
-                  <a:close/>
-                </a:path>
-              </a:pathLst>
-            </a:custGeom>
-            <a:solidFill>
-              <a:srgbClr val="FF9E00"/>
-            </a:solidFill>
-            <a:ln>
-              <a:noFill/>
-            </a:ln>
-          </p:spPr>
-          <p:txBody>
-            <a:bodyPr spcFirstLastPara="1" wrap="square" lIns="91425" tIns="91425" rIns="91425" bIns="91425" anchor="ctr" anchorCtr="0">
-              <a:noAutofit/>
-            </a:bodyPr>
-            <a:lstStyle/>
-            <a:p>
-              <a:pPr marL="0" lvl="0" indent="0" algn="l" rtl="0">
-                <a:spcBef>
-                  <a:spcPts val="0"/>
-                </a:spcBef>
-                <a:spcAft>
-                  <a:spcPts val="0"/>
-                </a:spcAft>
-                <a:buNone/>
-              </a:pPr>
-              <a:endParaRPr>
-                <a:solidFill>
-                  <a:srgbClr val="FFFFFF"/>
-                </a:solidFill>
-              </a:endParaRPr>
-            </a:p>
-          </p:txBody>
-        </p:sp>
-        <p:sp>
-          <p:nvSpPr>
-            <p:cNvPr id="108" name="Google Shape;108;p18"/>
-            <p:cNvSpPr/>
-            <p:nvPr/>
-          </p:nvSpPr>
-          <p:spPr>
-            <a:xfrm>
-              <a:off x="6811575" y="2463675"/>
-              <a:ext cx="95275" cy="160600"/>
-            </a:xfrm>
-            <a:custGeom>
-              <a:avLst/>
-              <a:gdLst/>
-              <a:ahLst/>
-              <a:cxnLst/>
-              <a:rect l="l" t="t" r="r" b="b"/>
-              <a:pathLst>
-                <a:path w="3811" h="6424" extrusionOk="0">
-                  <a:moveTo>
-                    <a:pt x="1905" y="0"/>
-                  </a:moveTo>
-                  <a:lnTo>
-                    <a:pt x="928" y="831"/>
-                  </a:lnTo>
-                  <a:lnTo>
-                    <a:pt x="855" y="879"/>
-                  </a:lnTo>
-                  <a:lnTo>
-                    <a:pt x="782" y="904"/>
-                  </a:lnTo>
-                  <a:lnTo>
-                    <a:pt x="684" y="879"/>
-                  </a:lnTo>
-                  <a:lnTo>
-                    <a:pt x="611" y="831"/>
-                  </a:lnTo>
-                  <a:lnTo>
-                    <a:pt x="0" y="318"/>
-                  </a:lnTo>
-                  <a:lnTo>
-                    <a:pt x="1319" y="6423"/>
-                  </a:lnTo>
-                  <a:lnTo>
-                    <a:pt x="2491" y="6423"/>
-                  </a:lnTo>
-                  <a:lnTo>
-                    <a:pt x="3810" y="318"/>
-                  </a:lnTo>
-                  <a:lnTo>
-                    <a:pt x="3200" y="831"/>
-                  </a:lnTo>
-                  <a:lnTo>
-                    <a:pt x="3126" y="879"/>
-                  </a:lnTo>
-                  <a:lnTo>
-                    <a:pt x="3029" y="904"/>
-                  </a:lnTo>
-                  <a:lnTo>
-                    <a:pt x="2955" y="879"/>
-                  </a:lnTo>
-                  <a:lnTo>
-                    <a:pt x="2882" y="831"/>
-                  </a:lnTo>
-                  <a:lnTo>
-                    <a:pt x="1905" y="0"/>
-                  </a:lnTo>
-                  <a:close/>
-                </a:path>
-              </a:pathLst>
-            </a:custGeom>
-            <a:solidFill>
-              <a:srgbClr val="FF9E00"/>
-            </a:solidFill>
-            <a:ln>
-              <a:noFill/>
-            </a:ln>
-          </p:spPr>
-          <p:txBody>
-            <a:bodyPr spcFirstLastPara="1" wrap="square" lIns="91425" tIns="91425" rIns="91425" bIns="91425" anchor="ctr" anchorCtr="0">
-              <a:noAutofit/>
-            </a:bodyPr>
-            <a:lstStyle/>
-            <a:p>
-              <a:pPr marL="0" lvl="0" indent="0" algn="l" rtl="0">
-                <a:spcBef>
-                  <a:spcPts val="0"/>
-                </a:spcBef>
-                <a:spcAft>
-                  <a:spcPts val="0"/>
-                </a:spcAft>
-                <a:buNone/>
-              </a:pPr>
-              <a:endParaRPr>
-                <a:solidFill>
-                  <a:srgbClr val="FFFFFF"/>
-                </a:solidFill>
-              </a:endParaRPr>
-            </a:p>
-          </p:txBody>
-        </p:sp>
-        <p:sp>
-          <p:nvSpPr>
-            <p:cNvPr id="109" name="Google Shape;109;p18"/>
-            <p:cNvSpPr/>
-            <p:nvPr/>
-          </p:nvSpPr>
-          <p:spPr>
-            <a:xfrm>
-              <a:off x="6730350" y="2315900"/>
-              <a:ext cx="257700" cy="308375"/>
-            </a:xfrm>
-            <a:custGeom>
-              <a:avLst/>
-              <a:gdLst/>
-              <a:ahLst/>
-              <a:cxnLst/>
-              <a:rect l="l" t="t" r="r" b="b"/>
-              <a:pathLst>
-                <a:path w="10308" h="12335" extrusionOk="0">
-                  <a:moveTo>
-                    <a:pt x="5154" y="1"/>
-                  </a:moveTo>
-                  <a:lnTo>
-                    <a:pt x="4617" y="25"/>
-                  </a:lnTo>
-                  <a:lnTo>
-                    <a:pt x="4128" y="98"/>
-                  </a:lnTo>
-                  <a:lnTo>
-                    <a:pt x="3615" y="245"/>
-                  </a:lnTo>
-                  <a:lnTo>
-                    <a:pt x="3151" y="416"/>
-                  </a:lnTo>
-                  <a:lnTo>
-                    <a:pt x="2712" y="636"/>
-                  </a:lnTo>
-                  <a:lnTo>
-                    <a:pt x="2272" y="880"/>
-                  </a:lnTo>
-                  <a:lnTo>
-                    <a:pt x="1881" y="1173"/>
-                  </a:lnTo>
-                  <a:lnTo>
-                    <a:pt x="1515" y="1515"/>
-                  </a:lnTo>
-                  <a:lnTo>
-                    <a:pt x="1198" y="1881"/>
-                  </a:lnTo>
-                  <a:lnTo>
-                    <a:pt x="880" y="2272"/>
-                  </a:lnTo>
-                  <a:lnTo>
-                    <a:pt x="636" y="2687"/>
-                  </a:lnTo>
-                  <a:lnTo>
-                    <a:pt x="416" y="3151"/>
-                  </a:lnTo>
-                  <a:lnTo>
-                    <a:pt x="245" y="3615"/>
-                  </a:lnTo>
-                  <a:lnTo>
-                    <a:pt x="123" y="4104"/>
-                  </a:lnTo>
-                  <a:lnTo>
-                    <a:pt x="50" y="4617"/>
-                  </a:lnTo>
-                  <a:lnTo>
-                    <a:pt x="1" y="5154"/>
-                  </a:lnTo>
-                  <a:lnTo>
-                    <a:pt x="25" y="5423"/>
-                  </a:lnTo>
-                  <a:lnTo>
-                    <a:pt x="50" y="5691"/>
-                  </a:lnTo>
-                  <a:lnTo>
-                    <a:pt x="123" y="6204"/>
-                  </a:lnTo>
-                  <a:lnTo>
-                    <a:pt x="245" y="6693"/>
-                  </a:lnTo>
-                  <a:lnTo>
-                    <a:pt x="416" y="7132"/>
-                  </a:lnTo>
-                  <a:lnTo>
-                    <a:pt x="636" y="7572"/>
-                  </a:lnTo>
-                  <a:lnTo>
-                    <a:pt x="856" y="7963"/>
-                  </a:lnTo>
-                  <a:lnTo>
-                    <a:pt x="1100" y="8353"/>
-                  </a:lnTo>
-                  <a:lnTo>
-                    <a:pt x="1369" y="8744"/>
-                  </a:lnTo>
-                  <a:lnTo>
-                    <a:pt x="1906" y="9526"/>
-                  </a:lnTo>
-                  <a:lnTo>
-                    <a:pt x="2150" y="9941"/>
-                  </a:lnTo>
-                  <a:lnTo>
-                    <a:pt x="2394" y="10356"/>
-                  </a:lnTo>
-                  <a:lnTo>
-                    <a:pt x="2614" y="10796"/>
-                  </a:lnTo>
-                  <a:lnTo>
-                    <a:pt x="2810" y="11284"/>
-                  </a:lnTo>
-                  <a:lnTo>
-                    <a:pt x="2980" y="11797"/>
-                  </a:lnTo>
-                  <a:lnTo>
-                    <a:pt x="3103" y="12334"/>
-                  </a:lnTo>
-                  <a:lnTo>
-                    <a:pt x="4079" y="12334"/>
-                  </a:lnTo>
-                  <a:lnTo>
-                    <a:pt x="3249" y="8500"/>
-                  </a:lnTo>
-                  <a:lnTo>
-                    <a:pt x="2663" y="5642"/>
-                  </a:lnTo>
-                  <a:lnTo>
-                    <a:pt x="2663" y="5520"/>
-                  </a:lnTo>
-                  <a:lnTo>
-                    <a:pt x="2712" y="5423"/>
-                  </a:lnTo>
-                  <a:lnTo>
-                    <a:pt x="2785" y="5374"/>
-                  </a:lnTo>
-                  <a:lnTo>
-                    <a:pt x="2883" y="5349"/>
-                  </a:lnTo>
-                  <a:lnTo>
-                    <a:pt x="2956" y="5349"/>
-                  </a:lnTo>
-                  <a:lnTo>
-                    <a:pt x="3054" y="5398"/>
-                  </a:lnTo>
-                  <a:lnTo>
-                    <a:pt x="4031" y="6253"/>
-                  </a:lnTo>
-                  <a:lnTo>
-                    <a:pt x="4983" y="5398"/>
-                  </a:lnTo>
-                  <a:lnTo>
-                    <a:pt x="5081" y="5349"/>
-                  </a:lnTo>
-                  <a:lnTo>
-                    <a:pt x="5227" y="5349"/>
-                  </a:lnTo>
-                  <a:lnTo>
-                    <a:pt x="5325" y="5398"/>
-                  </a:lnTo>
-                  <a:lnTo>
-                    <a:pt x="6278" y="6253"/>
-                  </a:lnTo>
-                  <a:lnTo>
-                    <a:pt x="7254" y="5398"/>
-                  </a:lnTo>
-                  <a:lnTo>
-                    <a:pt x="7352" y="5349"/>
-                  </a:lnTo>
-                  <a:lnTo>
-                    <a:pt x="7425" y="5349"/>
-                  </a:lnTo>
-                  <a:lnTo>
-                    <a:pt x="7523" y="5374"/>
-                  </a:lnTo>
-                  <a:lnTo>
-                    <a:pt x="7596" y="5423"/>
-                  </a:lnTo>
-                  <a:lnTo>
-                    <a:pt x="7645" y="5520"/>
-                  </a:lnTo>
-                  <a:lnTo>
-                    <a:pt x="7645" y="5642"/>
-                  </a:lnTo>
-                  <a:lnTo>
-                    <a:pt x="7059" y="8500"/>
-                  </a:lnTo>
-                  <a:lnTo>
-                    <a:pt x="6229" y="12334"/>
-                  </a:lnTo>
-                  <a:lnTo>
-                    <a:pt x="7206" y="12334"/>
-                  </a:lnTo>
-                  <a:lnTo>
-                    <a:pt x="7328" y="11797"/>
-                  </a:lnTo>
-                  <a:lnTo>
-                    <a:pt x="7499" y="11284"/>
-                  </a:lnTo>
-                  <a:lnTo>
-                    <a:pt x="7694" y="10796"/>
-                  </a:lnTo>
-                  <a:lnTo>
-                    <a:pt x="7914" y="10356"/>
-                  </a:lnTo>
-                  <a:lnTo>
-                    <a:pt x="8158" y="9941"/>
-                  </a:lnTo>
-                  <a:lnTo>
-                    <a:pt x="8402" y="9526"/>
-                  </a:lnTo>
-                  <a:lnTo>
-                    <a:pt x="8940" y="8744"/>
-                  </a:lnTo>
-                  <a:lnTo>
-                    <a:pt x="9208" y="8353"/>
-                  </a:lnTo>
-                  <a:lnTo>
-                    <a:pt x="9453" y="7963"/>
-                  </a:lnTo>
-                  <a:lnTo>
-                    <a:pt x="9672" y="7572"/>
-                  </a:lnTo>
-                  <a:lnTo>
-                    <a:pt x="9892" y="7132"/>
-                  </a:lnTo>
-                  <a:lnTo>
-                    <a:pt x="10063" y="6693"/>
-                  </a:lnTo>
-                  <a:lnTo>
-                    <a:pt x="10185" y="6204"/>
-                  </a:lnTo>
-                  <a:lnTo>
-                    <a:pt x="10259" y="5691"/>
-                  </a:lnTo>
-                  <a:lnTo>
-                    <a:pt x="10283" y="5423"/>
-                  </a:lnTo>
-                  <a:lnTo>
-                    <a:pt x="10307" y="5154"/>
-                  </a:lnTo>
-                  <a:lnTo>
-                    <a:pt x="10259" y="4617"/>
-                  </a:lnTo>
-                  <a:lnTo>
-                    <a:pt x="10185" y="4104"/>
-                  </a:lnTo>
-                  <a:lnTo>
-                    <a:pt x="10063" y="3615"/>
-                  </a:lnTo>
-                  <a:lnTo>
-                    <a:pt x="9892" y="3151"/>
-                  </a:lnTo>
-                  <a:lnTo>
-                    <a:pt x="9672" y="2687"/>
-                  </a:lnTo>
-                  <a:lnTo>
-                    <a:pt x="9428" y="2272"/>
-                  </a:lnTo>
-                  <a:lnTo>
-                    <a:pt x="9111" y="1881"/>
-                  </a:lnTo>
-                  <a:lnTo>
-                    <a:pt x="8793" y="1515"/>
-                  </a:lnTo>
-                  <a:lnTo>
-                    <a:pt x="8427" y="1173"/>
-                  </a:lnTo>
-                  <a:lnTo>
-                    <a:pt x="8036" y="880"/>
-                  </a:lnTo>
-                  <a:lnTo>
-                    <a:pt x="7596" y="636"/>
-                  </a:lnTo>
-                  <a:lnTo>
-                    <a:pt x="7157" y="416"/>
-                  </a:lnTo>
-                  <a:lnTo>
-                    <a:pt x="6693" y="245"/>
-                  </a:lnTo>
-                  <a:lnTo>
-                    <a:pt x="6180" y="98"/>
-                  </a:lnTo>
-                  <a:lnTo>
-                    <a:pt x="5691" y="25"/>
-                  </a:lnTo>
-                  <a:lnTo>
-                    <a:pt x="5154" y="1"/>
-                  </a:lnTo>
-                  <a:close/>
-                </a:path>
-              </a:pathLst>
-            </a:custGeom>
-            <a:solidFill>
-              <a:srgbClr val="FF9E00"/>
-            </a:solidFill>
-            <a:ln>
-              <a:noFill/>
-            </a:ln>
-          </p:spPr>
-          <p:txBody>
-            <a:bodyPr spcFirstLastPara="1" wrap="square" lIns="91425" tIns="91425" rIns="91425" bIns="91425" anchor="ctr" anchorCtr="0">
-              <a:noAutofit/>
-            </a:bodyPr>
-            <a:lstStyle/>
-            <a:p>
-              <a:pPr marL="0" lvl="0" indent="0" algn="l" rtl="0">
-                <a:spcBef>
-                  <a:spcPts val="0"/>
-                </a:spcBef>
-                <a:spcAft>
-                  <a:spcPts val="0"/>
-                </a:spcAft>
-                <a:buNone/>
-              </a:pPr>
-              <a:endParaRPr>
-                <a:solidFill>
-                  <a:srgbClr val="FFFFFF"/>
-                </a:solidFill>
-              </a:endParaRPr>
-            </a:p>
-          </p:txBody>
-        </p:sp>
-      </p:grpSp>
-    </p:spTree>
-  </p:cSld>
-  <p:clrMapOvr>
-    <a:masterClrMapping/>
-  </p:clrMapOvr>
-  <p:timing>
-    <p:tnLst>
-      <p:par>
-        <p:cTn id="1" dur="indefinite" restart="never" nodeType="tmRoot"/>
-      </p:par>
-    </p:tnLst>
-  </p:timing>
-</p:sld>
-</file>
-
-<file path=ppt/slides/slide20.xml><?xml version="1.0" encoding="utf-8"?>
+<file path=ppt/slides/slide18.xml><?xml version="1.0" encoding="utf-8"?>
 <p:sld xmlns:a="http://schemas.openxmlformats.org/drawingml/2006/main" xmlns:r="http://schemas.openxmlformats.org/officeDocument/2006/relationships" xmlns:p="http://schemas.openxmlformats.org/presentationml/2006/main">
   <p:cSld>
     <p:spTree>
@@ -22632,7 +19883,7 @@
 </p:sld>
 </file>
 
-<file path=ppt/slides/slide21.xml><?xml version="1.0" encoding="utf-8"?>
+<file path=ppt/slides/slide19.xml><?xml version="1.0" encoding="utf-8"?>
 <p:sld xmlns:a="http://schemas.openxmlformats.org/drawingml/2006/main" xmlns:r="http://schemas.openxmlformats.org/officeDocument/2006/relationships" xmlns:p="http://schemas.openxmlformats.org/presentationml/2006/main">
   <p:cSld>
     <p:spTree>
@@ -23438,7 +20689,760 @@
 </p:sld>
 </file>
 
-<file path=ppt/slides/slide22.xml><?xml version="1.0" encoding="utf-8"?>
+<file path=ppt/slides/slide2.xml><?xml version="1.0" encoding="utf-8"?>
+<p:sld xmlns:a="http://schemas.openxmlformats.org/drawingml/2006/main" xmlns:r="http://schemas.openxmlformats.org/officeDocument/2006/relationships" xmlns:p="http://schemas.openxmlformats.org/presentationml/2006/main">
+  <p:cSld>
+    <p:spTree>
+      <p:nvGrpSpPr>
+        <p:cNvPr id="1" name="Shape 101"/>
+        <p:cNvGrpSpPr/>
+        <p:nvPr/>
+      </p:nvGrpSpPr>
+      <p:grpSpPr>
+        <a:xfrm>
+          <a:off x="0" y="0"/>
+          <a:ext cx="0" cy="0"/>
+          <a:chOff x="0" y="0"/>
+          <a:chExt cx="0" cy="0"/>
+        </a:xfrm>
+      </p:grpSpPr>
+      <p:sp>
+        <p:nvSpPr>
+          <p:cNvPr id="102" name="Google Shape;102;p18"/>
+          <p:cNvSpPr txBox="1">
+            <a:spLocks noGrp="1"/>
+          </p:cNvSpPr>
+          <p:nvPr>
+            <p:ph type="ctrTitle" idx="4294967295"/>
+          </p:nvPr>
+        </p:nvSpPr>
+        <p:spPr>
+          <a:xfrm>
+            <a:off x="1603801" y="2211710"/>
+            <a:ext cx="5936400" cy="1159800"/>
+          </a:xfrm>
+          <a:prstGeom prst="rect">
+            <a:avLst/>
+          </a:prstGeom>
+        </p:spPr>
+        <p:txBody>
+          <a:bodyPr spcFirstLastPara="1" wrap="square" lIns="91425" tIns="91425" rIns="91425" bIns="91425" anchor="t" anchorCtr="0">
+            <a:noAutofit/>
+          </a:bodyPr>
+          <a:lstStyle/>
+          <a:p>
+            <a:pPr marL="0" lvl="0" indent="0" algn="ctr" rtl="0">
+              <a:spcBef>
+                <a:spcPts val="0"/>
+              </a:spcBef>
+              <a:spcAft>
+                <a:spcPts val="0"/>
+              </a:spcAft>
+              <a:buNone/>
+            </a:pPr>
+            <a:r>
+              <a:rPr lang="ko-KR" altLang="en-US" sz="4000" dirty="0" smtClean="0">
+                <a:solidFill>
+                  <a:srgbClr val="FF9E00"/>
+                </a:solidFill>
+                <a:latin typeface="나눔바른고딕" panose="020B0603020101020101" pitchFamily="50" charset="-127"/>
+                <a:ea typeface="나눔바른고딕" panose="020B0603020101020101" pitchFamily="50" charset="-127"/>
+              </a:rPr>
+              <a:t>주제 선정 이유</a:t>
+            </a:r>
+            <a:endParaRPr sz="4000" dirty="0">
+              <a:solidFill>
+                <a:srgbClr val="FF9E00"/>
+              </a:solidFill>
+              <a:latin typeface="나눔바른고딕" panose="020B0603020101020101" pitchFamily="50" charset="-127"/>
+              <a:ea typeface="나눔바른고딕" panose="020B0603020101020101" pitchFamily="50" charset="-127"/>
+            </a:endParaRPr>
+          </a:p>
+        </p:txBody>
+      </p:sp>
+      <p:grpSp>
+        <p:nvGrpSpPr>
+          <p:cNvPr id="104" name="Google Shape;104;p18"/>
+          <p:cNvGrpSpPr/>
+          <p:nvPr/>
+        </p:nvGrpSpPr>
+        <p:grpSpPr>
+          <a:xfrm>
+            <a:off x="4233487" y="499000"/>
+            <a:ext cx="677029" cy="1103729"/>
+            <a:chOff x="6730350" y="2315900"/>
+            <a:chExt cx="257700" cy="420100"/>
+          </a:xfrm>
+        </p:grpSpPr>
+        <p:sp>
+          <p:nvSpPr>
+            <p:cNvPr id="105" name="Google Shape;105;p18"/>
+            <p:cNvSpPr/>
+            <p:nvPr/>
+          </p:nvSpPr>
+          <p:spPr>
+            <a:xfrm>
+              <a:off x="6807900" y="2671250"/>
+              <a:ext cx="102600" cy="22625"/>
+            </a:xfrm>
+            <a:custGeom>
+              <a:avLst/>
+              <a:gdLst/>
+              <a:ahLst/>
+              <a:cxnLst/>
+              <a:rect l="l" t="t" r="r" b="b"/>
+              <a:pathLst>
+                <a:path w="4104" h="905" extrusionOk="0">
+                  <a:moveTo>
+                    <a:pt x="1" y="1"/>
+                  </a:moveTo>
+                  <a:lnTo>
+                    <a:pt x="1" y="905"/>
+                  </a:lnTo>
+                  <a:lnTo>
+                    <a:pt x="4104" y="905"/>
+                  </a:lnTo>
+                  <a:lnTo>
+                    <a:pt x="4104" y="1"/>
+                  </a:lnTo>
+                  <a:close/>
+                </a:path>
+              </a:pathLst>
+            </a:custGeom>
+            <a:solidFill>
+              <a:srgbClr val="FF9E00"/>
+            </a:solidFill>
+            <a:ln>
+              <a:noFill/>
+            </a:ln>
+          </p:spPr>
+          <p:txBody>
+            <a:bodyPr spcFirstLastPara="1" wrap="square" lIns="91425" tIns="91425" rIns="91425" bIns="91425" anchor="ctr" anchorCtr="0">
+              <a:noAutofit/>
+            </a:bodyPr>
+            <a:lstStyle/>
+            <a:p>
+              <a:pPr marL="0" lvl="0" indent="0" algn="l" rtl="0">
+                <a:spcBef>
+                  <a:spcPts val="0"/>
+                </a:spcBef>
+                <a:spcAft>
+                  <a:spcPts val="0"/>
+                </a:spcAft>
+                <a:buNone/>
+              </a:pPr>
+              <a:endParaRPr>
+                <a:solidFill>
+                  <a:srgbClr val="FFFFFF"/>
+                </a:solidFill>
+              </a:endParaRPr>
+            </a:p>
+          </p:txBody>
+        </p:sp>
+        <p:sp>
+          <p:nvSpPr>
+            <p:cNvPr id="106" name="Google Shape;106;p18"/>
+            <p:cNvSpPr/>
+            <p:nvPr/>
+          </p:nvSpPr>
+          <p:spPr>
+            <a:xfrm>
+              <a:off x="6807900" y="2636450"/>
+              <a:ext cx="102600" cy="22625"/>
+            </a:xfrm>
+            <a:custGeom>
+              <a:avLst/>
+              <a:gdLst/>
+              <a:ahLst/>
+              <a:cxnLst/>
+              <a:rect l="l" t="t" r="r" b="b"/>
+              <a:pathLst>
+                <a:path w="4104" h="905" extrusionOk="0">
+                  <a:moveTo>
+                    <a:pt x="1" y="1"/>
+                  </a:moveTo>
+                  <a:lnTo>
+                    <a:pt x="1" y="905"/>
+                  </a:lnTo>
+                  <a:lnTo>
+                    <a:pt x="4104" y="905"/>
+                  </a:lnTo>
+                  <a:lnTo>
+                    <a:pt x="4104" y="1"/>
+                  </a:lnTo>
+                  <a:close/>
+                </a:path>
+              </a:pathLst>
+            </a:custGeom>
+            <a:solidFill>
+              <a:srgbClr val="FF9E00"/>
+            </a:solidFill>
+            <a:ln>
+              <a:noFill/>
+            </a:ln>
+          </p:spPr>
+          <p:txBody>
+            <a:bodyPr spcFirstLastPara="1" wrap="square" lIns="91425" tIns="91425" rIns="91425" bIns="91425" anchor="ctr" anchorCtr="0">
+              <a:noAutofit/>
+            </a:bodyPr>
+            <a:lstStyle/>
+            <a:p>
+              <a:pPr marL="0" lvl="0" indent="0" algn="l" rtl="0">
+                <a:spcBef>
+                  <a:spcPts val="0"/>
+                </a:spcBef>
+                <a:spcAft>
+                  <a:spcPts val="0"/>
+                </a:spcAft>
+                <a:buNone/>
+              </a:pPr>
+              <a:endParaRPr>
+                <a:solidFill>
+                  <a:srgbClr val="FFFFFF"/>
+                </a:solidFill>
+              </a:endParaRPr>
+            </a:p>
+          </p:txBody>
+        </p:sp>
+        <p:sp>
+          <p:nvSpPr>
+            <p:cNvPr id="107" name="Google Shape;107;p18"/>
+            <p:cNvSpPr/>
+            <p:nvPr/>
+          </p:nvSpPr>
+          <p:spPr>
+            <a:xfrm>
+              <a:off x="6807900" y="2706075"/>
+              <a:ext cx="102600" cy="29925"/>
+            </a:xfrm>
+            <a:custGeom>
+              <a:avLst/>
+              <a:gdLst/>
+              <a:ahLst/>
+              <a:cxnLst/>
+              <a:rect l="l" t="t" r="r" b="b"/>
+              <a:pathLst>
+                <a:path w="4104" h="1197" extrusionOk="0">
+                  <a:moveTo>
+                    <a:pt x="1" y="0"/>
+                  </a:moveTo>
+                  <a:lnTo>
+                    <a:pt x="1" y="171"/>
+                  </a:lnTo>
+                  <a:lnTo>
+                    <a:pt x="25" y="318"/>
+                  </a:lnTo>
+                  <a:lnTo>
+                    <a:pt x="98" y="464"/>
+                  </a:lnTo>
+                  <a:lnTo>
+                    <a:pt x="196" y="586"/>
+                  </a:lnTo>
+                  <a:lnTo>
+                    <a:pt x="343" y="660"/>
+                  </a:lnTo>
+                  <a:lnTo>
+                    <a:pt x="1881" y="1172"/>
+                  </a:lnTo>
+                  <a:lnTo>
+                    <a:pt x="2052" y="1197"/>
+                  </a:lnTo>
+                  <a:lnTo>
+                    <a:pt x="2223" y="1172"/>
+                  </a:lnTo>
+                  <a:lnTo>
+                    <a:pt x="3762" y="660"/>
+                  </a:lnTo>
+                  <a:lnTo>
+                    <a:pt x="3908" y="586"/>
+                  </a:lnTo>
+                  <a:lnTo>
+                    <a:pt x="4006" y="464"/>
+                  </a:lnTo>
+                  <a:lnTo>
+                    <a:pt x="4079" y="318"/>
+                  </a:lnTo>
+                  <a:lnTo>
+                    <a:pt x="4104" y="171"/>
+                  </a:lnTo>
+                  <a:lnTo>
+                    <a:pt x="4104" y="0"/>
+                  </a:lnTo>
+                  <a:close/>
+                </a:path>
+              </a:pathLst>
+            </a:custGeom>
+            <a:solidFill>
+              <a:srgbClr val="FF9E00"/>
+            </a:solidFill>
+            <a:ln>
+              <a:noFill/>
+            </a:ln>
+          </p:spPr>
+          <p:txBody>
+            <a:bodyPr spcFirstLastPara="1" wrap="square" lIns="91425" tIns="91425" rIns="91425" bIns="91425" anchor="ctr" anchorCtr="0">
+              <a:noAutofit/>
+            </a:bodyPr>
+            <a:lstStyle/>
+            <a:p>
+              <a:pPr marL="0" lvl="0" indent="0" algn="l" rtl="0">
+                <a:spcBef>
+                  <a:spcPts val="0"/>
+                </a:spcBef>
+                <a:spcAft>
+                  <a:spcPts val="0"/>
+                </a:spcAft>
+                <a:buNone/>
+              </a:pPr>
+              <a:endParaRPr>
+                <a:solidFill>
+                  <a:srgbClr val="FFFFFF"/>
+                </a:solidFill>
+              </a:endParaRPr>
+            </a:p>
+          </p:txBody>
+        </p:sp>
+        <p:sp>
+          <p:nvSpPr>
+            <p:cNvPr id="108" name="Google Shape;108;p18"/>
+            <p:cNvSpPr/>
+            <p:nvPr/>
+          </p:nvSpPr>
+          <p:spPr>
+            <a:xfrm>
+              <a:off x="6811575" y="2463675"/>
+              <a:ext cx="95275" cy="160600"/>
+            </a:xfrm>
+            <a:custGeom>
+              <a:avLst/>
+              <a:gdLst/>
+              <a:ahLst/>
+              <a:cxnLst/>
+              <a:rect l="l" t="t" r="r" b="b"/>
+              <a:pathLst>
+                <a:path w="3811" h="6424" extrusionOk="0">
+                  <a:moveTo>
+                    <a:pt x="1905" y="0"/>
+                  </a:moveTo>
+                  <a:lnTo>
+                    <a:pt x="928" y="831"/>
+                  </a:lnTo>
+                  <a:lnTo>
+                    <a:pt x="855" y="879"/>
+                  </a:lnTo>
+                  <a:lnTo>
+                    <a:pt x="782" y="904"/>
+                  </a:lnTo>
+                  <a:lnTo>
+                    <a:pt x="684" y="879"/>
+                  </a:lnTo>
+                  <a:lnTo>
+                    <a:pt x="611" y="831"/>
+                  </a:lnTo>
+                  <a:lnTo>
+                    <a:pt x="0" y="318"/>
+                  </a:lnTo>
+                  <a:lnTo>
+                    <a:pt x="1319" y="6423"/>
+                  </a:lnTo>
+                  <a:lnTo>
+                    <a:pt x="2491" y="6423"/>
+                  </a:lnTo>
+                  <a:lnTo>
+                    <a:pt x="3810" y="318"/>
+                  </a:lnTo>
+                  <a:lnTo>
+                    <a:pt x="3200" y="831"/>
+                  </a:lnTo>
+                  <a:lnTo>
+                    <a:pt x="3126" y="879"/>
+                  </a:lnTo>
+                  <a:lnTo>
+                    <a:pt x="3029" y="904"/>
+                  </a:lnTo>
+                  <a:lnTo>
+                    <a:pt x="2955" y="879"/>
+                  </a:lnTo>
+                  <a:lnTo>
+                    <a:pt x="2882" y="831"/>
+                  </a:lnTo>
+                  <a:lnTo>
+                    <a:pt x="1905" y="0"/>
+                  </a:lnTo>
+                  <a:close/>
+                </a:path>
+              </a:pathLst>
+            </a:custGeom>
+            <a:solidFill>
+              <a:srgbClr val="FF9E00"/>
+            </a:solidFill>
+            <a:ln>
+              <a:noFill/>
+            </a:ln>
+          </p:spPr>
+          <p:txBody>
+            <a:bodyPr spcFirstLastPara="1" wrap="square" lIns="91425" tIns="91425" rIns="91425" bIns="91425" anchor="ctr" anchorCtr="0">
+              <a:noAutofit/>
+            </a:bodyPr>
+            <a:lstStyle/>
+            <a:p>
+              <a:pPr marL="0" lvl="0" indent="0" algn="l" rtl="0">
+                <a:spcBef>
+                  <a:spcPts val="0"/>
+                </a:spcBef>
+                <a:spcAft>
+                  <a:spcPts val="0"/>
+                </a:spcAft>
+                <a:buNone/>
+              </a:pPr>
+              <a:endParaRPr>
+                <a:solidFill>
+                  <a:srgbClr val="FFFFFF"/>
+                </a:solidFill>
+              </a:endParaRPr>
+            </a:p>
+          </p:txBody>
+        </p:sp>
+        <p:sp>
+          <p:nvSpPr>
+            <p:cNvPr id="109" name="Google Shape;109;p18"/>
+            <p:cNvSpPr/>
+            <p:nvPr/>
+          </p:nvSpPr>
+          <p:spPr>
+            <a:xfrm>
+              <a:off x="6730350" y="2315900"/>
+              <a:ext cx="257700" cy="308375"/>
+            </a:xfrm>
+            <a:custGeom>
+              <a:avLst/>
+              <a:gdLst/>
+              <a:ahLst/>
+              <a:cxnLst/>
+              <a:rect l="l" t="t" r="r" b="b"/>
+              <a:pathLst>
+                <a:path w="10308" h="12335" extrusionOk="0">
+                  <a:moveTo>
+                    <a:pt x="5154" y="1"/>
+                  </a:moveTo>
+                  <a:lnTo>
+                    <a:pt x="4617" y="25"/>
+                  </a:lnTo>
+                  <a:lnTo>
+                    <a:pt x="4128" y="98"/>
+                  </a:lnTo>
+                  <a:lnTo>
+                    <a:pt x="3615" y="245"/>
+                  </a:lnTo>
+                  <a:lnTo>
+                    <a:pt x="3151" y="416"/>
+                  </a:lnTo>
+                  <a:lnTo>
+                    <a:pt x="2712" y="636"/>
+                  </a:lnTo>
+                  <a:lnTo>
+                    <a:pt x="2272" y="880"/>
+                  </a:lnTo>
+                  <a:lnTo>
+                    <a:pt x="1881" y="1173"/>
+                  </a:lnTo>
+                  <a:lnTo>
+                    <a:pt x="1515" y="1515"/>
+                  </a:lnTo>
+                  <a:lnTo>
+                    <a:pt x="1198" y="1881"/>
+                  </a:lnTo>
+                  <a:lnTo>
+                    <a:pt x="880" y="2272"/>
+                  </a:lnTo>
+                  <a:lnTo>
+                    <a:pt x="636" y="2687"/>
+                  </a:lnTo>
+                  <a:lnTo>
+                    <a:pt x="416" y="3151"/>
+                  </a:lnTo>
+                  <a:lnTo>
+                    <a:pt x="245" y="3615"/>
+                  </a:lnTo>
+                  <a:lnTo>
+                    <a:pt x="123" y="4104"/>
+                  </a:lnTo>
+                  <a:lnTo>
+                    <a:pt x="50" y="4617"/>
+                  </a:lnTo>
+                  <a:lnTo>
+                    <a:pt x="1" y="5154"/>
+                  </a:lnTo>
+                  <a:lnTo>
+                    <a:pt x="25" y="5423"/>
+                  </a:lnTo>
+                  <a:lnTo>
+                    <a:pt x="50" y="5691"/>
+                  </a:lnTo>
+                  <a:lnTo>
+                    <a:pt x="123" y="6204"/>
+                  </a:lnTo>
+                  <a:lnTo>
+                    <a:pt x="245" y="6693"/>
+                  </a:lnTo>
+                  <a:lnTo>
+                    <a:pt x="416" y="7132"/>
+                  </a:lnTo>
+                  <a:lnTo>
+                    <a:pt x="636" y="7572"/>
+                  </a:lnTo>
+                  <a:lnTo>
+                    <a:pt x="856" y="7963"/>
+                  </a:lnTo>
+                  <a:lnTo>
+                    <a:pt x="1100" y="8353"/>
+                  </a:lnTo>
+                  <a:lnTo>
+                    <a:pt x="1369" y="8744"/>
+                  </a:lnTo>
+                  <a:lnTo>
+                    <a:pt x="1906" y="9526"/>
+                  </a:lnTo>
+                  <a:lnTo>
+                    <a:pt x="2150" y="9941"/>
+                  </a:lnTo>
+                  <a:lnTo>
+                    <a:pt x="2394" y="10356"/>
+                  </a:lnTo>
+                  <a:lnTo>
+                    <a:pt x="2614" y="10796"/>
+                  </a:lnTo>
+                  <a:lnTo>
+                    <a:pt x="2810" y="11284"/>
+                  </a:lnTo>
+                  <a:lnTo>
+                    <a:pt x="2980" y="11797"/>
+                  </a:lnTo>
+                  <a:lnTo>
+                    <a:pt x="3103" y="12334"/>
+                  </a:lnTo>
+                  <a:lnTo>
+                    <a:pt x="4079" y="12334"/>
+                  </a:lnTo>
+                  <a:lnTo>
+                    <a:pt x="3249" y="8500"/>
+                  </a:lnTo>
+                  <a:lnTo>
+                    <a:pt x="2663" y="5642"/>
+                  </a:lnTo>
+                  <a:lnTo>
+                    <a:pt x="2663" y="5520"/>
+                  </a:lnTo>
+                  <a:lnTo>
+                    <a:pt x="2712" y="5423"/>
+                  </a:lnTo>
+                  <a:lnTo>
+                    <a:pt x="2785" y="5374"/>
+                  </a:lnTo>
+                  <a:lnTo>
+                    <a:pt x="2883" y="5349"/>
+                  </a:lnTo>
+                  <a:lnTo>
+                    <a:pt x="2956" y="5349"/>
+                  </a:lnTo>
+                  <a:lnTo>
+                    <a:pt x="3054" y="5398"/>
+                  </a:lnTo>
+                  <a:lnTo>
+                    <a:pt x="4031" y="6253"/>
+                  </a:lnTo>
+                  <a:lnTo>
+                    <a:pt x="4983" y="5398"/>
+                  </a:lnTo>
+                  <a:lnTo>
+                    <a:pt x="5081" y="5349"/>
+                  </a:lnTo>
+                  <a:lnTo>
+                    <a:pt x="5227" y="5349"/>
+                  </a:lnTo>
+                  <a:lnTo>
+                    <a:pt x="5325" y="5398"/>
+                  </a:lnTo>
+                  <a:lnTo>
+                    <a:pt x="6278" y="6253"/>
+                  </a:lnTo>
+                  <a:lnTo>
+                    <a:pt x="7254" y="5398"/>
+                  </a:lnTo>
+                  <a:lnTo>
+                    <a:pt x="7352" y="5349"/>
+                  </a:lnTo>
+                  <a:lnTo>
+                    <a:pt x="7425" y="5349"/>
+                  </a:lnTo>
+                  <a:lnTo>
+                    <a:pt x="7523" y="5374"/>
+                  </a:lnTo>
+                  <a:lnTo>
+                    <a:pt x="7596" y="5423"/>
+                  </a:lnTo>
+                  <a:lnTo>
+                    <a:pt x="7645" y="5520"/>
+                  </a:lnTo>
+                  <a:lnTo>
+                    <a:pt x="7645" y="5642"/>
+                  </a:lnTo>
+                  <a:lnTo>
+                    <a:pt x="7059" y="8500"/>
+                  </a:lnTo>
+                  <a:lnTo>
+                    <a:pt x="6229" y="12334"/>
+                  </a:lnTo>
+                  <a:lnTo>
+                    <a:pt x="7206" y="12334"/>
+                  </a:lnTo>
+                  <a:lnTo>
+                    <a:pt x="7328" y="11797"/>
+                  </a:lnTo>
+                  <a:lnTo>
+                    <a:pt x="7499" y="11284"/>
+                  </a:lnTo>
+                  <a:lnTo>
+                    <a:pt x="7694" y="10796"/>
+                  </a:lnTo>
+                  <a:lnTo>
+                    <a:pt x="7914" y="10356"/>
+                  </a:lnTo>
+                  <a:lnTo>
+                    <a:pt x="8158" y="9941"/>
+                  </a:lnTo>
+                  <a:lnTo>
+                    <a:pt x="8402" y="9526"/>
+                  </a:lnTo>
+                  <a:lnTo>
+                    <a:pt x="8940" y="8744"/>
+                  </a:lnTo>
+                  <a:lnTo>
+                    <a:pt x="9208" y="8353"/>
+                  </a:lnTo>
+                  <a:lnTo>
+                    <a:pt x="9453" y="7963"/>
+                  </a:lnTo>
+                  <a:lnTo>
+                    <a:pt x="9672" y="7572"/>
+                  </a:lnTo>
+                  <a:lnTo>
+                    <a:pt x="9892" y="7132"/>
+                  </a:lnTo>
+                  <a:lnTo>
+                    <a:pt x="10063" y="6693"/>
+                  </a:lnTo>
+                  <a:lnTo>
+                    <a:pt x="10185" y="6204"/>
+                  </a:lnTo>
+                  <a:lnTo>
+                    <a:pt x="10259" y="5691"/>
+                  </a:lnTo>
+                  <a:lnTo>
+                    <a:pt x="10283" y="5423"/>
+                  </a:lnTo>
+                  <a:lnTo>
+                    <a:pt x="10307" y="5154"/>
+                  </a:lnTo>
+                  <a:lnTo>
+                    <a:pt x="10259" y="4617"/>
+                  </a:lnTo>
+                  <a:lnTo>
+                    <a:pt x="10185" y="4104"/>
+                  </a:lnTo>
+                  <a:lnTo>
+                    <a:pt x="10063" y="3615"/>
+                  </a:lnTo>
+                  <a:lnTo>
+                    <a:pt x="9892" y="3151"/>
+                  </a:lnTo>
+                  <a:lnTo>
+                    <a:pt x="9672" y="2687"/>
+                  </a:lnTo>
+                  <a:lnTo>
+                    <a:pt x="9428" y="2272"/>
+                  </a:lnTo>
+                  <a:lnTo>
+                    <a:pt x="9111" y="1881"/>
+                  </a:lnTo>
+                  <a:lnTo>
+                    <a:pt x="8793" y="1515"/>
+                  </a:lnTo>
+                  <a:lnTo>
+                    <a:pt x="8427" y="1173"/>
+                  </a:lnTo>
+                  <a:lnTo>
+                    <a:pt x="8036" y="880"/>
+                  </a:lnTo>
+                  <a:lnTo>
+                    <a:pt x="7596" y="636"/>
+                  </a:lnTo>
+                  <a:lnTo>
+                    <a:pt x="7157" y="416"/>
+                  </a:lnTo>
+                  <a:lnTo>
+                    <a:pt x="6693" y="245"/>
+                  </a:lnTo>
+                  <a:lnTo>
+                    <a:pt x="6180" y="98"/>
+                  </a:lnTo>
+                  <a:lnTo>
+                    <a:pt x="5691" y="25"/>
+                  </a:lnTo>
+                  <a:lnTo>
+                    <a:pt x="5154" y="1"/>
+                  </a:lnTo>
+                  <a:close/>
+                </a:path>
+              </a:pathLst>
+            </a:custGeom>
+            <a:solidFill>
+              <a:srgbClr val="FF9E00"/>
+            </a:solidFill>
+            <a:ln>
+              <a:noFill/>
+            </a:ln>
+          </p:spPr>
+          <p:txBody>
+            <a:bodyPr spcFirstLastPara="1" wrap="square" lIns="91425" tIns="91425" rIns="91425" bIns="91425" anchor="ctr" anchorCtr="0">
+              <a:noAutofit/>
+            </a:bodyPr>
+            <a:lstStyle/>
+            <a:p>
+              <a:pPr marL="0" lvl="0" indent="0" algn="l" rtl="0">
+                <a:spcBef>
+                  <a:spcPts val="0"/>
+                </a:spcBef>
+                <a:spcAft>
+                  <a:spcPts val="0"/>
+                </a:spcAft>
+                <a:buNone/>
+              </a:pPr>
+              <a:endParaRPr>
+                <a:solidFill>
+                  <a:srgbClr val="FFFFFF"/>
+                </a:solidFill>
+              </a:endParaRPr>
+            </a:p>
+          </p:txBody>
+        </p:sp>
+      </p:grpSp>
+    </p:spTree>
+  </p:cSld>
+  <p:clrMapOvr>
+    <a:masterClrMapping/>
+  </p:clrMapOvr>
+  <p:timing>
+    <p:tnLst>
+      <p:par>
+        <p:cTn id="1" dur="indefinite" restart="never" nodeType="tmRoot"/>
+      </p:par>
+    </p:tnLst>
+  </p:timing>
+</p:sld>
+</file>
+
+<file path=ppt/slides/slide20.xml><?xml version="1.0" encoding="utf-8"?>
 <p:sld xmlns:a="http://schemas.openxmlformats.org/drawingml/2006/main" xmlns:r="http://schemas.openxmlformats.org/officeDocument/2006/relationships" xmlns:p="http://schemas.openxmlformats.org/presentationml/2006/main">
   <p:cSld>
     <p:spTree>
@@ -24254,7 +22258,7 @@
 </p:sld>
 </file>
 
-<file path=ppt/slides/slide23.xml><?xml version="1.0" encoding="utf-8"?>
+<file path=ppt/slides/slide21.xml><?xml version="1.0" encoding="utf-8"?>
 <p:sld xmlns:a="http://schemas.openxmlformats.org/drawingml/2006/main" xmlns:r="http://schemas.openxmlformats.org/officeDocument/2006/relationships" xmlns:p="http://schemas.openxmlformats.org/presentationml/2006/main">
   <p:cSld>
     <p:bg>
@@ -25795,7 +23799,7 @@
 </p:sld>
 </file>
 
-<file path=ppt/slides/slide24.xml><?xml version="1.0" encoding="utf-8"?>
+<file path=ppt/slides/slide22.xml><?xml version="1.0" encoding="utf-8"?>
 <p:sld xmlns:a="http://schemas.openxmlformats.org/drawingml/2006/main" xmlns:r="http://schemas.openxmlformats.org/officeDocument/2006/relationships" xmlns:p="http://schemas.openxmlformats.org/presentationml/2006/main">
   <p:cSld>
     <p:bg>
@@ -27592,967 +25596,6 @@
                 <a:latin typeface="나눔바른고딕" panose="020B0603020101020101" pitchFamily="50" charset="-127"/>
                 <a:ea typeface="나눔바른고딕" panose="020B0603020101020101" pitchFamily="50" charset="-127"/>
               </a:rPr>
-              <a:t>데이터베이스 설계</a:t>
-            </a:r>
-            <a:endParaRPr sz="4000" dirty="0">
-              <a:solidFill>
-                <a:srgbClr val="FF9E00"/>
-              </a:solidFill>
-              <a:latin typeface="나눔바른고딕" panose="020B0603020101020101" pitchFamily="50" charset="-127"/>
-              <a:ea typeface="나눔바른고딕" panose="020B0603020101020101" pitchFamily="50" charset="-127"/>
-            </a:endParaRPr>
-          </a:p>
-        </p:txBody>
-      </p:sp>
-      <p:grpSp>
-        <p:nvGrpSpPr>
-          <p:cNvPr id="104" name="Google Shape;104;p18"/>
-          <p:cNvGrpSpPr/>
-          <p:nvPr/>
-        </p:nvGrpSpPr>
-        <p:grpSpPr>
-          <a:xfrm>
-            <a:off x="4233487" y="499000"/>
-            <a:ext cx="677029" cy="1103729"/>
-            <a:chOff x="6730350" y="2315900"/>
-            <a:chExt cx="257700" cy="420100"/>
-          </a:xfrm>
-        </p:grpSpPr>
-        <p:sp>
-          <p:nvSpPr>
-            <p:cNvPr id="105" name="Google Shape;105;p18"/>
-            <p:cNvSpPr/>
-            <p:nvPr/>
-          </p:nvSpPr>
-          <p:spPr>
-            <a:xfrm>
-              <a:off x="6807900" y="2671250"/>
-              <a:ext cx="102600" cy="22625"/>
-            </a:xfrm>
-            <a:custGeom>
-              <a:avLst/>
-              <a:gdLst/>
-              <a:ahLst/>
-              <a:cxnLst/>
-              <a:rect l="l" t="t" r="r" b="b"/>
-              <a:pathLst>
-                <a:path w="4104" h="905" extrusionOk="0">
-                  <a:moveTo>
-                    <a:pt x="1" y="1"/>
-                  </a:moveTo>
-                  <a:lnTo>
-                    <a:pt x="1" y="905"/>
-                  </a:lnTo>
-                  <a:lnTo>
-                    <a:pt x="4104" y="905"/>
-                  </a:lnTo>
-                  <a:lnTo>
-                    <a:pt x="4104" y="1"/>
-                  </a:lnTo>
-                  <a:close/>
-                </a:path>
-              </a:pathLst>
-            </a:custGeom>
-            <a:solidFill>
-              <a:srgbClr val="FF9E00"/>
-            </a:solidFill>
-            <a:ln>
-              <a:noFill/>
-            </a:ln>
-          </p:spPr>
-          <p:txBody>
-            <a:bodyPr spcFirstLastPara="1" wrap="square" lIns="91425" tIns="91425" rIns="91425" bIns="91425" anchor="ctr" anchorCtr="0">
-              <a:noAutofit/>
-            </a:bodyPr>
-            <a:lstStyle/>
-            <a:p>
-              <a:pPr marL="0" lvl="0" indent="0" algn="l" rtl="0">
-                <a:spcBef>
-                  <a:spcPts val="0"/>
-                </a:spcBef>
-                <a:spcAft>
-                  <a:spcPts val="0"/>
-                </a:spcAft>
-                <a:buNone/>
-              </a:pPr>
-              <a:endParaRPr>
-                <a:solidFill>
-                  <a:srgbClr val="FFFFFF"/>
-                </a:solidFill>
-              </a:endParaRPr>
-            </a:p>
-          </p:txBody>
-        </p:sp>
-        <p:sp>
-          <p:nvSpPr>
-            <p:cNvPr id="106" name="Google Shape;106;p18"/>
-            <p:cNvSpPr/>
-            <p:nvPr/>
-          </p:nvSpPr>
-          <p:spPr>
-            <a:xfrm>
-              <a:off x="6807900" y="2636450"/>
-              <a:ext cx="102600" cy="22625"/>
-            </a:xfrm>
-            <a:custGeom>
-              <a:avLst/>
-              <a:gdLst/>
-              <a:ahLst/>
-              <a:cxnLst/>
-              <a:rect l="l" t="t" r="r" b="b"/>
-              <a:pathLst>
-                <a:path w="4104" h="905" extrusionOk="0">
-                  <a:moveTo>
-                    <a:pt x="1" y="1"/>
-                  </a:moveTo>
-                  <a:lnTo>
-                    <a:pt x="1" y="905"/>
-                  </a:lnTo>
-                  <a:lnTo>
-                    <a:pt x="4104" y="905"/>
-                  </a:lnTo>
-                  <a:lnTo>
-                    <a:pt x="4104" y="1"/>
-                  </a:lnTo>
-                  <a:close/>
-                </a:path>
-              </a:pathLst>
-            </a:custGeom>
-            <a:solidFill>
-              <a:srgbClr val="FF9E00"/>
-            </a:solidFill>
-            <a:ln>
-              <a:noFill/>
-            </a:ln>
-          </p:spPr>
-          <p:txBody>
-            <a:bodyPr spcFirstLastPara="1" wrap="square" lIns="91425" tIns="91425" rIns="91425" bIns="91425" anchor="ctr" anchorCtr="0">
-              <a:noAutofit/>
-            </a:bodyPr>
-            <a:lstStyle/>
-            <a:p>
-              <a:pPr marL="0" lvl="0" indent="0" algn="l" rtl="0">
-                <a:spcBef>
-                  <a:spcPts val="0"/>
-                </a:spcBef>
-                <a:spcAft>
-                  <a:spcPts val="0"/>
-                </a:spcAft>
-                <a:buNone/>
-              </a:pPr>
-              <a:endParaRPr>
-                <a:solidFill>
-                  <a:srgbClr val="FFFFFF"/>
-                </a:solidFill>
-              </a:endParaRPr>
-            </a:p>
-          </p:txBody>
-        </p:sp>
-        <p:sp>
-          <p:nvSpPr>
-            <p:cNvPr id="107" name="Google Shape;107;p18"/>
-            <p:cNvSpPr/>
-            <p:nvPr/>
-          </p:nvSpPr>
-          <p:spPr>
-            <a:xfrm>
-              <a:off x="6807900" y="2706075"/>
-              <a:ext cx="102600" cy="29925"/>
-            </a:xfrm>
-            <a:custGeom>
-              <a:avLst/>
-              <a:gdLst/>
-              <a:ahLst/>
-              <a:cxnLst/>
-              <a:rect l="l" t="t" r="r" b="b"/>
-              <a:pathLst>
-                <a:path w="4104" h="1197" extrusionOk="0">
-                  <a:moveTo>
-                    <a:pt x="1" y="0"/>
-                  </a:moveTo>
-                  <a:lnTo>
-                    <a:pt x="1" y="171"/>
-                  </a:lnTo>
-                  <a:lnTo>
-                    <a:pt x="25" y="318"/>
-                  </a:lnTo>
-                  <a:lnTo>
-                    <a:pt x="98" y="464"/>
-                  </a:lnTo>
-                  <a:lnTo>
-                    <a:pt x="196" y="586"/>
-                  </a:lnTo>
-                  <a:lnTo>
-                    <a:pt x="343" y="660"/>
-                  </a:lnTo>
-                  <a:lnTo>
-                    <a:pt x="1881" y="1172"/>
-                  </a:lnTo>
-                  <a:lnTo>
-                    <a:pt x="2052" y="1197"/>
-                  </a:lnTo>
-                  <a:lnTo>
-                    <a:pt x="2223" y="1172"/>
-                  </a:lnTo>
-                  <a:lnTo>
-                    <a:pt x="3762" y="660"/>
-                  </a:lnTo>
-                  <a:lnTo>
-                    <a:pt x="3908" y="586"/>
-                  </a:lnTo>
-                  <a:lnTo>
-                    <a:pt x="4006" y="464"/>
-                  </a:lnTo>
-                  <a:lnTo>
-                    <a:pt x="4079" y="318"/>
-                  </a:lnTo>
-                  <a:lnTo>
-                    <a:pt x="4104" y="171"/>
-                  </a:lnTo>
-                  <a:lnTo>
-                    <a:pt x="4104" y="0"/>
-                  </a:lnTo>
-                  <a:close/>
-                </a:path>
-              </a:pathLst>
-            </a:custGeom>
-            <a:solidFill>
-              <a:srgbClr val="FF9E00"/>
-            </a:solidFill>
-            <a:ln>
-              <a:noFill/>
-            </a:ln>
-          </p:spPr>
-          <p:txBody>
-            <a:bodyPr spcFirstLastPara="1" wrap="square" lIns="91425" tIns="91425" rIns="91425" bIns="91425" anchor="ctr" anchorCtr="0">
-              <a:noAutofit/>
-            </a:bodyPr>
-            <a:lstStyle/>
-            <a:p>
-              <a:pPr marL="0" lvl="0" indent="0" algn="l" rtl="0">
-                <a:spcBef>
-                  <a:spcPts val="0"/>
-                </a:spcBef>
-                <a:spcAft>
-                  <a:spcPts val="0"/>
-                </a:spcAft>
-                <a:buNone/>
-              </a:pPr>
-              <a:endParaRPr>
-                <a:solidFill>
-                  <a:srgbClr val="FFFFFF"/>
-                </a:solidFill>
-              </a:endParaRPr>
-            </a:p>
-          </p:txBody>
-        </p:sp>
-        <p:sp>
-          <p:nvSpPr>
-            <p:cNvPr id="108" name="Google Shape;108;p18"/>
-            <p:cNvSpPr/>
-            <p:nvPr/>
-          </p:nvSpPr>
-          <p:spPr>
-            <a:xfrm>
-              <a:off x="6811575" y="2463675"/>
-              <a:ext cx="95275" cy="160600"/>
-            </a:xfrm>
-            <a:custGeom>
-              <a:avLst/>
-              <a:gdLst/>
-              <a:ahLst/>
-              <a:cxnLst/>
-              <a:rect l="l" t="t" r="r" b="b"/>
-              <a:pathLst>
-                <a:path w="3811" h="6424" extrusionOk="0">
-                  <a:moveTo>
-                    <a:pt x="1905" y="0"/>
-                  </a:moveTo>
-                  <a:lnTo>
-                    <a:pt x="928" y="831"/>
-                  </a:lnTo>
-                  <a:lnTo>
-                    <a:pt x="855" y="879"/>
-                  </a:lnTo>
-                  <a:lnTo>
-                    <a:pt x="782" y="904"/>
-                  </a:lnTo>
-                  <a:lnTo>
-                    <a:pt x="684" y="879"/>
-                  </a:lnTo>
-                  <a:lnTo>
-                    <a:pt x="611" y="831"/>
-                  </a:lnTo>
-                  <a:lnTo>
-                    <a:pt x="0" y="318"/>
-                  </a:lnTo>
-                  <a:lnTo>
-                    <a:pt x="1319" y="6423"/>
-                  </a:lnTo>
-                  <a:lnTo>
-                    <a:pt x="2491" y="6423"/>
-                  </a:lnTo>
-                  <a:lnTo>
-                    <a:pt x="3810" y="318"/>
-                  </a:lnTo>
-                  <a:lnTo>
-                    <a:pt x="3200" y="831"/>
-                  </a:lnTo>
-                  <a:lnTo>
-                    <a:pt x="3126" y="879"/>
-                  </a:lnTo>
-                  <a:lnTo>
-                    <a:pt x="3029" y="904"/>
-                  </a:lnTo>
-                  <a:lnTo>
-                    <a:pt x="2955" y="879"/>
-                  </a:lnTo>
-                  <a:lnTo>
-                    <a:pt x="2882" y="831"/>
-                  </a:lnTo>
-                  <a:lnTo>
-                    <a:pt x="1905" y="0"/>
-                  </a:lnTo>
-                  <a:close/>
-                </a:path>
-              </a:pathLst>
-            </a:custGeom>
-            <a:solidFill>
-              <a:srgbClr val="FF9E00"/>
-            </a:solidFill>
-            <a:ln>
-              <a:noFill/>
-            </a:ln>
-          </p:spPr>
-          <p:txBody>
-            <a:bodyPr spcFirstLastPara="1" wrap="square" lIns="91425" tIns="91425" rIns="91425" bIns="91425" anchor="ctr" anchorCtr="0">
-              <a:noAutofit/>
-            </a:bodyPr>
-            <a:lstStyle/>
-            <a:p>
-              <a:pPr marL="0" lvl="0" indent="0" algn="l" rtl="0">
-                <a:spcBef>
-                  <a:spcPts val="0"/>
-                </a:spcBef>
-                <a:spcAft>
-                  <a:spcPts val="0"/>
-                </a:spcAft>
-                <a:buNone/>
-              </a:pPr>
-              <a:endParaRPr>
-                <a:solidFill>
-                  <a:srgbClr val="FFFFFF"/>
-                </a:solidFill>
-              </a:endParaRPr>
-            </a:p>
-          </p:txBody>
-        </p:sp>
-        <p:sp>
-          <p:nvSpPr>
-            <p:cNvPr id="109" name="Google Shape;109;p18"/>
-            <p:cNvSpPr/>
-            <p:nvPr/>
-          </p:nvSpPr>
-          <p:spPr>
-            <a:xfrm>
-              <a:off x="6730350" y="2315900"/>
-              <a:ext cx="257700" cy="308375"/>
-            </a:xfrm>
-            <a:custGeom>
-              <a:avLst/>
-              <a:gdLst/>
-              <a:ahLst/>
-              <a:cxnLst/>
-              <a:rect l="l" t="t" r="r" b="b"/>
-              <a:pathLst>
-                <a:path w="10308" h="12335" extrusionOk="0">
-                  <a:moveTo>
-                    <a:pt x="5154" y="1"/>
-                  </a:moveTo>
-                  <a:lnTo>
-                    <a:pt x="4617" y="25"/>
-                  </a:lnTo>
-                  <a:lnTo>
-                    <a:pt x="4128" y="98"/>
-                  </a:lnTo>
-                  <a:lnTo>
-                    <a:pt x="3615" y="245"/>
-                  </a:lnTo>
-                  <a:lnTo>
-                    <a:pt x="3151" y="416"/>
-                  </a:lnTo>
-                  <a:lnTo>
-                    <a:pt x="2712" y="636"/>
-                  </a:lnTo>
-                  <a:lnTo>
-                    <a:pt x="2272" y="880"/>
-                  </a:lnTo>
-                  <a:lnTo>
-                    <a:pt x="1881" y="1173"/>
-                  </a:lnTo>
-                  <a:lnTo>
-                    <a:pt x="1515" y="1515"/>
-                  </a:lnTo>
-                  <a:lnTo>
-                    <a:pt x="1198" y="1881"/>
-                  </a:lnTo>
-                  <a:lnTo>
-                    <a:pt x="880" y="2272"/>
-                  </a:lnTo>
-                  <a:lnTo>
-                    <a:pt x="636" y="2687"/>
-                  </a:lnTo>
-                  <a:lnTo>
-                    <a:pt x="416" y="3151"/>
-                  </a:lnTo>
-                  <a:lnTo>
-                    <a:pt x="245" y="3615"/>
-                  </a:lnTo>
-                  <a:lnTo>
-                    <a:pt x="123" y="4104"/>
-                  </a:lnTo>
-                  <a:lnTo>
-                    <a:pt x="50" y="4617"/>
-                  </a:lnTo>
-                  <a:lnTo>
-                    <a:pt x="1" y="5154"/>
-                  </a:lnTo>
-                  <a:lnTo>
-                    <a:pt x="25" y="5423"/>
-                  </a:lnTo>
-                  <a:lnTo>
-                    <a:pt x="50" y="5691"/>
-                  </a:lnTo>
-                  <a:lnTo>
-                    <a:pt x="123" y="6204"/>
-                  </a:lnTo>
-                  <a:lnTo>
-                    <a:pt x="245" y="6693"/>
-                  </a:lnTo>
-                  <a:lnTo>
-                    <a:pt x="416" y="7132"/>
-                  </a:lnTo>
-                  <a:lnTo>
-                    <a:pt x="636" y="7572"/>
-                  </a:lnTo>
-                  <a:lnTo>
-                    <a:pt x="856" y="7963"/>
-                  </a:lnTo>
-                  <a:lnTo>
-                    <a:pt x="1100" y="8353"/>
-                  </a:lnTo>
-                  <a:lnTo>
-                    <a:pt x="1369" y="8744"/>
-                  </a:lnTo>
-                  <a:lnTo>
-                    <a:pt x="1906" y="9526"/>
-                  </a:lnTo>
-                  <a:lnTo>
-                    <a:pt x="2150" y="9941"/>
-                  </a:lnTo>
-                  <a:lnTo>
-                    <a:pt x="2394" y="10356"/>
-                  </a:lnTo>
-                  <a:lnTo>
-                    <a:pt x="2614" y="10796"/>
-                  </a:lnTo>
-                  <a:lnTo>
-                    <a:pt x="2810" y="11284"/>
-                  </a:lnTo>
-                  <a:lnTo>
-                    <a:pt x="2980" y="11797"/>
-                  </a:lnTo>
-                  <a:lnTo>
-                    <a:pt x="3103" y="12334"/>
-                  </a:lnTo>
-                  <a:lnTo>
-                    <a:pt x="4079" y="12334"/>
-                  </a:lnTo>
-                  <a:lnTo>
-                    <a:pt x="3249" y="8500"/>
-                  </a:lnTo>
-                  <a:lnTo>
-                    <a:pt x="2663" y="5642"/>
-                  </a:lnTo>
-                  <a:lnTo>
-                    <a:pt x="2663" y="5520"/>
-                  </a:lnTo>
-                  <a:lnTo>
-                    <a:pt x="2712" y="5423"/>
-                  </a:lnTo>
-                  <a:lnTo>
-                    <a:pt x="2785" y="5374"/>
-                  </a:lnTo>
-                  <a:lnTo>
-                    <a:pt x="2883" y="5349"/>
-                  </a:lnTo>
-                  <a:lnTo>
-                    <a:pt x="2956" y="5349"/>
-                  </a:lnTo>
-                  <a:lnTo>
-                    <a:pt x="3054" y="5398"/>
-                  </a:lnTo>
-                  <a:lnTo>
-                    <a:pt x="4031" y="6253"/>
-                  </a:lnTo>
-                  <a:lnTo>
-                    <a:pt x="4983" y="5398"/>
-                  </a:lnTo>
-                  <a:lnTo>
-                    <a:pt x="5081" y="5349"/>
-                  </a:lnTo>
-                  <a:lnTo>
-                    <a:pt x="5227" y="5349"/>
-                  </a:lnTo>
-                  <a:lnTo>
-                    <a:pt x="5325" y="5398"/>
-                  </a:lnTo>
-                  <a:lnTo>
-                    <a:pt x="6278" y="6253"/>
-                  </a:lnTo>
-                  <a:lnTo>
-                    <a:pt x="7254" y="5398"/>
-                  </a:lnTo>
-                  <a:lnTo>
-                    <a:pt x="7352" y="5349"/>
-                  </a:lnTo>
-                  <a:lnTo>
-                    <a:pt x="7425" y="5349"/>
-                  </a:lnTo>
-                  <a:lnTo>
-                    <a:pt x="7523" y="5374"/>
-                  </a:lnTo>
-                  <a:lnTo>
-                    <a:pt x="7596" y="5423"/>
-                  </a:lnTo>
-                  <a:lnTo>
-                    <a:pt x="7645" y="5520"/>
-                  </a:lnTo>
-                  <a:lnTo>
-                    <a:pt x="7645" y="5642"/>
-                  </a:lnTo>
-                  <a:lnTo>
-                    <a:pt x="7059" y="8500"/>
-                  </a:lnTo>
-                  <a:lnTo>
-                    <a:pt x="6229" y="12334"/>
-                  </a:lnTo>
-                  <a:lnTo>
-                    <a:pt x="7206" y="12334"/>
-                  </a:lnTo>
-                  <a:lnTo>
-                    <a:pt x="7328" y="11797"/>
-                  </a:lnTo>
-                  <a:lnTo>
-                    <a:pt x="7499" y="11284"/>
-                  </a:lnTo>
-                  <a:lnTo>
-                    <a:pt x="7694" y="10796"/>
-                  </a:lnTo>
-                  <a:lnTo>
-                    <a:pt x="7914" y="10356"/>
-                  </a:lnTo>
-                  <a:lnTo>
-                    <a:pt x="8158" y="9941"/>
-                  </a:lnTo>
-                  <a:lnTo>
-                    <a:pt x="8402" y="9526"/>
-                  </a:lnTo>
-                  <a:lnTo>
-                    <a:pt x="8940" y="8744"/>
-                  </a:lnTo>
-                  <a:lnTo>
-                    <a:pt x="9208" y="8353"/>
-                  </a:lnTo>
-                  <a:lnTo>
-                    <a:pt x="9453" y="7963"/>
-                  </a:lnTo>
-                  <a:lnTo>
-                    <a:pt x="9672" y="7572"/>
-                  </a:lnTo>
-                  <a:lnTo>
-                    <a:pt x="9892" y="7132"/>
-                  </a:lnTo>
-                  <a:lnTo>
-                    <a:pt x="10063" y="6693"/>
-                  </a:lnTo>
-                  <a:lnTo>
-                    <a:pt x="10185" y="6204"/>
-                  </a:lnTo>
-                  <a:lnTo>
-                    <a:pt x="10259" y="5691"/>
-                  </a:lnTo>
-                  <a:lnTo>
-                    <a:pt x="10283" y="5423"/>
-                  </a:lnTo>
-                  <a:lnTo>
-                    <a:pt x="10307" y="5154"/>
-                  </a:lnTo>
-                  <a:lnTo>
-                    <a:pt x="10259" y="4617"/>
-                  </a:lnTo>
-                  <a:lnTo>
-                    <a:pt x="10185" y="4104"/>
-                  </a:lnTo>
-                  <a:lnTo>
-                    <a:pt x="10063" y="3615"/>
-                  </a:lnTo>
-                  <a:lnTo>
-                    <a:pt x="9892" y="3151"/>
-                  </a:lnTo>
-                  <a:lnTo>
-                    <a:pt x="9672" y="2687"/>
-                  </a:lnTo>
-                  <a:lnTo>
-                    <a:pt x="9428" y="2272"/>
-                  </a:lnTo>
-                  <a:lnTo>
-                    <a:pt x="9111" y="1881"/>
-                  </a:lnTo>
-                  <a:lnTo>
-                    <a:pt x="8793" y="1515"/>
-                  </a:lnTo>
-                  <a:lnTo>
-                    <a:pt x="8427" y="1173"/>
-                  </a:lnTo>
-                  <a:lnTo>
-                    <a:pt x="8036" y="880"/>
-                  </a:lnTo>
-                  <a:lnTo>
-                    <a:pt x="7596" y="636"/>
-                  </a:lnTo>
-                  <a:lnTo>
-                    <a:pt x="7157" y="416"/>
-                  </a:lnTo>
-                  <a:lnTo>
-                    <a:pt x="6693" y="245"/>
-                  </a:lnTo>
-                  <a:lnTo>
-                    <a:pt x="6180" y="98"/>
-                  </a:lnTo>
-                  <a:lnTo>
-                    <a:pt x="5691" y="25"/>
-                  </a:lnTo>
-                  <a:lnTo>
-                    <a:pt x="5154" y="1"/>
-                  </a:lnTo>
-                  <a:close/>
-                </a:path>
-              </a:pathLst>
-            </a:custGeom>
-            <a:solidFill>
-              <a:srgbClr val="FF9E00"/>
-            </a:solidFill>
-            <a:ln>
-              <a:noFill/>
-            </a:ln>
-          </p:spPr>
-          <p:txBody>
-            <a:bodyPr spcFirstLastPara="1" wrap="square" lIns="91425" tIns="91425" rIns="91425" bIns="91425" anchor="ctr" anchorCtr="0">
-              <a:noAutofit/>
-            </a:bodyPr>
-            <a:lstStyle/>
-            <a:p>
-              <a:pPr marL="0" lvl="0" indent="0" algn="l" rtl="0">
-                <a:spcBef>
-                  <a:spcPts val="0"/>
-                </a:spcBef>
-                <a:spcAft>
-                  <a:spcPts val="0"/>
-                </a:spcAft>
-                <a:buNone/>
-              </a:pPr>
-              <a:endParaRPr>
-                <a:solidFill>
-                  <a:srgbClr val="FFFFFF"/>
-                </a:solidFill>
-              </a:endParaRPr>
-            </a:p>
-          </p:txBody>
-        </p:sp>
-      </p:grpSp>
-    </p:spTree>
-    <p:extLst>
-      <p:ext uri="{BB962C8B-B14F-4D97-AF65-F5344CB8AC3E}">
-        <p14:creationId xmlns:p14="http://schemas.microsoft.com/office/powerpoint/2010/main" val="4219364971"/>
-      </p:ext>
-    </p:extLst>
-  </p:cSld>
-  <p:clrMapOvr>
-    <a:masterClrMapping/>
-  </p:clrMapOvr>
-  <p:timing>
-    <p:tnLst>
-      <p:par>
-        <p:cTn id="1" dur="indefinite" restart="never" nodeType="tmRoot"/>
-      </p:par>
-    </p:tnLst>
-  </p:timing>
-</p:sld>
-</file>
-
-<file path=ppt/slides/slide7.xml><?xml version="1.0" encoding="utf-8"?>
-<p:sld xmlns:a="http://schemas.openxmlformats.org/drawingml/2006/main" xmlns:r="http://schemas.openxmlformats.org/officeDocument/2006/relationships" xmlns:p="http://schemas.openxmlformats.org/presentationml/2006/main">
-  <p:cSld>
-    <p:spTree>
-      <p:nvGrpSpPr>
-        <p:cNvPr id="1" name="Shape 80"/>
-        <p:cNvGrpSpPr/>
-        <p:nvPr/>
-      </p:nvGrpSpPr>
-      <p:grpSpPr>
-        <a:xfrm>
-          <a:off x="0" y="0"/>
-          <a:ext cx="0" cy="0"/>
-          <a:chOff x="0" y="0"/>
-          <a:chExt cx="0" cy="0"/>
-        </a:xfrm>
-      </p:grpSpPr>
-      <p:sp>
-        <p:nvSpPr>
-          <p:cNvPr id="83" name="Google Shape;83;p15"/>
-          <p:cNvSpPr txBox="1"/>
-          <p:nvPr/>
-        </p:nvSpPr>
-        <p:spPr>
-          <a:xfrm>
-            <a:off x="3347864" y="528407"/>
-            <a:ext cx="2153486" cy="557100"/>
-          </a:xfrm>
-          <a:prstGeom prst="rect">
-            <a:avLst/>
-          </a:prstGeom>
-          <a:solidFill>
-            <a:srgbClr val="FF9E00"/>
-          </a:solidFill>
-          <a:ln>
-            <a:noFill/>
-          </a:ln>
-        </p:spPr>
-        <p:txBody>
-          <a:bodyPr spcFirstLastPara="1" wrap="square" lIns="91425" tIns="91425" rIns="91425" bIns="91425" anchor="t" anchorCtr="0">
-            <a:noAutofit/>
-          </a:bodyPr>
-          <a:lstStyle/>
-          <a:p>
-            <a:pPr marL="0" lvl="0" indent="0" algn="ctr" rtl="0">
-              <a:spcBef>
-                <a:spcPts val="0"/>
-              </a:spcBef>
-              <a:spcAft>
-                <a:spcPts val="0"/>
-              </a:spcAft>
-              <a:buNone/>
-            </a:pPr>
-            <a:r>
-              <a:rPr lang="ko-KR" altLang="en-US" sz="2400" b="1" dirty="0" smtClean="0">
-                <a:solidFill>
-                  <a:srgbClr val="FFFFFF"/>
-                </a:solidFill>
-                <a:latin typeface="나눔바른고딕" panose="020B0603020101020101" pitchFamily="50" charset="-127"/>
-                <a:ea typeface="나눔바른고딕" panose="020B0603020101020101" pitchFamily="50" charset="-127"/>
-                <a:cs typeface="Montserrat"/>
-                <a:sym typeface="Montserrat"/>
-              </a:rPr>
-              <a:t>주제 선정 이유</a:t>
-            </a:r>
-            <a:endParaRPr sz="2400" b="1" dirty="0">
-              <a:solidFill>
-                <a:srgbClr val="FFFFFF"/>
-              </a:solidFill>
-              <a:latin typeface="나눔바른고딕" panose="020B0603020101020101" pitchFamily="50" charset="-127"/>
-              <a:ea typeface="나눔바른고딕" panose="020B0603020101020101" pitchFamily="50" charset="-127"/>
-              <a:cs typeface="Montserrat"/>
-              <a:sym typeface="Montserrat"/>
-            </a:endParaRPr>
-          </a:p>
-        </p:txBody>
-      </p:sp>
-      <p:sp>
-        <p:nvSpPr>
-          <p:cNvPr id="84" name="Google Shape;84;p15"/>
-          <p:cNvSpPr txBox="1">
-            <a:spLocks noGrp="1"/>
-          </p:cNvSpPr>
-          <p:nvPr>
-            <p:ph type="sldNum" idx="12"/>
-          </p:nvPr>
-        </p:nvSpPr>
-        <p:spPr>
-          <a:xfrm>
-            <a:off x="-125" y="4337850"/>
-            <a:ext cx="9144000" cy="805500"/>
-          </a:xfrm>
-          <a:prstGeom prst="rect">
-            <a:avLst/>
-          </a:prstGeom>
-        </p:spPr>
-        <p:txBody>
-          <a:bodyPr spcFirstLastPara="1" wrap="square" lIns="91425" tIns="91425" rIns="91425" bIns="91425" anchor="ctr" anchorCtr="0">
-            <a:noAutofit/>
-          </a:bodyPr>
-          <a:lstStyle/>
-          <a:p>
-            <a:pPr marL="0" lvl="0" indent="0" algn="ctr" rtl="0">
-              <a:spcBef>
-                <a:spcPts val="0"/>
-              </a:spcBef>
-              <a:spcAft>
-                <a:spcPts val="0"/>
-              </a:spcAft>
-              <a:buNone/>
-            </a:pPr>
-            <a:fld id="{00000000-1234-1234-1234-123412341234}" type="slidenum">
-              <a:rPr lang="en"/>
-              <a:t>7</a:t>
-            </a:fld>
-            <a:endParaRPr/>
-          </a:p>
-        </p:txBody>
-      </p:sp>
-      <p:pic>
-        <p:nvPicPr>
-          <p:cNvPr id="12290" name="Picture 2"/>
-          <p:cNvPicPr>
-            <a:picLocks noChangeAspect="1" noChangeArrowheads="1"/>
-          </p:cNvPicPr>
-          <p:nvPr/>
-        </p:nvPicPr>
-        <p:blipFill>
-          <a:blip r:embed="rId3">
-            <a:extLst>
-              <a:ext uri="{28A0092B-C50C-407E-A947-70E740481C1C}">
-                <a14:useLocalDpi xmlns:a14="http://schemas.microsoft.com/office/drawing/2010/main" val="0"/>
-              </a:ext>
-            </a:extLst>
-          </a:blip>
-          <a:srcRect/>
-          <a:stretch>
-            <a:fillRect/>
-          </a:stretch>
-        </p:blipFill>
-        <p:spPr bwMode="auto">
-          <a:xfrm>
-            <a:off x="467544" y="206024"/>
-            <a:ext cx="8293249" cy="4813998"/>
-          </a:xfrm>
-          <a:prstGeom prst="rect">
-            <a:avLst/>
-          </a:prstGeom>
-          <a:noFill/>
-          <a:ln>
-            <a:noFill/>
-          </a:ln>
-          <a:effectLst/>
-          <a:extLst>
-            <a:ext uri="{909E8E84-426E-40DD-AFC4-6F175D3DCCD1}">
-              <a14:hiddenFill xmlns:a14="http://schemas.microsoft.com/office/drawing/2010/main">
-                <a:solidFill>
-                  <a:schemeClr val="accent1"/>
-                </a:solidFill>
-              </a14:hiddenFill>
-            </a:ext>
-            <a:ext uri="{91240B29-F687-4F45-9708-019B960494DF}">
-              <a14:hiddenLine xmlns:a14="http://schemas.microsoft.com/office/drawing/2010/main" w="9525">
-                <a:solidFill>
-                  <a:schemeClr val="tx1"/>
-                </a:solidFill>
-                <a:miter lim="800000"/>
-                <a:headEnd/>
-                <a:tailEnd/>
-              </a14:hiddenLine>
-            </a:ext>
-            <a:ext uri="{AF507438-7753-43E0-B8FC-AC1667EBCBE1}">
-              <a14:hiddenEffects xmlns:a14="http://schemas.microsoft.com/office/drawing/2010/main">
-                <a:effectLst>
-                  <a:outerShdw dist="35921" dir="2700000" algn="ctr" rotWithShape="0">
-                    <a:schemeClr val="bg2"/>
-                  </a:outerShdw>
-                </a:effectLst>
-              </a14:hiddenEffects>
-            </a:ext>
-          </a:extLst>
-        </p:spPr>
-      </p:pic>
-    </p:spTree>
-    <p:extLst>
-      <p:ext uri="{BB962C8B-B14F-4D97-AF65-F5344CB8AC3E}">
-        <p14:creationId xmlns:p14="http://schemas.microsoft.com/office/powerpoint/2010/main" val="4034324980"/>
-      </p:ext>
-    </p:extLst>
-  </p:cSld>
-  <p:clrMapOvr>
-    <a:masterClrMapping/>
-  </p:clrMapOvr>
-  <p:timing>
-    <p:tnLst>
-      <p:par>
-        <p:cTn id="1" dur="indefinite" restart="never" nodeType="tmRoot"/>
-      </p:par>
-    </p:tnLst>
-  </p:timing>
-</p:sld>
-</file>
-
-<file path=ppt/slides/slide8.xml><?xml version="1.0" encoding="utf-8"?>
-<p:sld xmlns:a="http://schemas.openxmlformats.org/drawingml/2006/main" xmlns:r="http://schemas.openxmlformats.org/officeDocument/2006/relationships" xmlns:p="http://schemas.openxmlformats.org/presentationml/2006/main">
-  <p:cSld>
-    <p:spTree>
-      <p:nvGrpSpPr>
-        <p:cNvPr id="1" name="Shape 101"/>
-        <p:cNvGrpSpPr/>
-        <p:nvPr/>
-      </p:nvGrpSpPr>
-      <p:grpSpPr>
-        <a:xfrm>
-          <a:off x="0" y="0"/>
-          <a:ext cx="0" cy="0"/>
-          <a:chOff x="0" y="0"/>
-          <a:chExt cx="0" cy="0"/>
-        </a:xfrm>
-      </p:grpSpPr>
-      <p:sp>
-        <p:nvSpPr>
-          <p:cNvPr id="102" name="Google Shape;102;p18"/>
-          <p:cNvSpPr txBox="1">
-            <a:spLocks noGrp="1"/>
-          </p:cNvSpPr>
-          <p:nvPr>
-            <p:ph type="ctrTitle" idx="4294967295"/>
-          </p:nvPr>
-        </p:nvSpPr>
-        <p:spPr>
-          <a:xfrm>
-            <a:off x="1603801" y="2211710"/>
-            <a:ext cx="5936400" cy="1159800"/>
-          </a:xfrm>
-          <a:prstGeom prst="rect">
-            <a:avLst/>
-          </a:prstGeom>
-        </p:spPr>
-        <p:txBody>
-          <a:bodyPr spcFirstLastPara="1" wrap="square" lIns="91425" tIns="91425" rIns="91425" bIns="91425" anchor="t" anchorCtr="0">
-            <a:noAutofit/>
-          </a:bodyPr>
-          <a:lstStyle/>
-          <a:p>
-            <a:pPr marL="0" lvl="0" indent="0" algn="ctr" rtl="0">
-              <a:spcBef>
-                <a:spcPts val="0"/>
-              </a:spcBef>
-              <a:spcAft>
-                <a:spcPts val="0"/>
-              </a:spcAft>
-              <a:buNone/>
-            </a:pPr>
-            <a:r>
-              <a:rPr lang="ko-KR" altLang="en-US" sz="4000" dirty="0" smtClean="0">
-                <a:solidFill>
-                  <a:srgbClr val="FF9E00"/>
-                </a:solidFill>
-                <a:latin typeface="나눔바른고딕" panose="020B0603020101020101" pitchFamily="50" charset="-127"/>
-                <a:ea typeface="나눔바른고딕" panose="020B0603020101020101" pitchFamily="50" charset="-127"/>
-              </a:rPr>
               <a:t>요구사항정의</a:t>
             </a:r>
             <a:r>
@@ -29262,7 +26305,7 @@
 </p:sld>
 </file>
 
-<file path=ppt/slides/slide9.xml><?xml version="1.0" encoding="utf-8"?>
+<file path=ppt/slides/slide7.xml><?xml version="1.0" encoding="utf-8"?>
 <p:sld xmlns:a="http://schemas.openxmlformats.org/drawingml/2006/main" xmlns:r="http://schemas.openxmlformats.org/officeDocument/2006/relationships" xmlns:p="http://schemas.openxmlformats.org/presentationml/2006/main">
   <p:cSld>
     <p:spTree>
@@ -29305,7 +26348,7 @@
             </a:pPr>
             <a:fld id="{00000000-1234-1234-1234-123412341234}" type="slidenum">
               <a:rPr lang="en" smtClean="0"/>
-              <a:t>9</a:t>
+              <a:t>7</a:t>
             </a:fld>
             <a:endParaRPr lang="en"/>
           </a:p>
@@ -30925,6 +27968,1792 @@
     <p:extLst>
       <p:ext uri="{BB962C8B-B14F-4D97-AF65-F5344CB8AC3E}">
         <p14:creationId xmlns:p14="http://schemas.microsoft.com/office/powerpoint/2010/main" val="596269431"/>
+      </p:ext>
+    </p:extLst>
+  </p:cSld>
+  <p:clrMapOvr>
+    <a:masterClrMapping/>
+  </p:clrMapOvr>
+  <p:timing>
+    <p:tnLst>
+      <p:par>
+        <p:cTn id="1" dur="indefinite" restart="never" nodeType="tmRoot"/>
+      </p:par>
+    </p:tnLst>
+  </p:timing>
+</p:sld>
+</file>
+
+<file path=ppt/slides/slide8.xml><?xml version="1.0" encoding="utf-8"?>
+<p:sld xmlns:a="http://schemas.openxmlformats.org/drawingml/2006/main" xmlns:r="http://schemas.openxmlformats.org/officeDocument/2006/relationships" xmlns:p="http://schemas.openxmlformats.org/presentationml/2006/main">
+  <p:cSld>
+    <p:spTree>
+      <p:nvGrpSpPr>
+        <p:cNvPr id="1" name=""/>
+        <p:cNvGrpSpPr/>
+        <p:nvPr/>
+      </p:nvGrpSpPr>
+      <p:grpSpPr>
+        <a:xfrm>
+          <a:off x="0" y="0"/>
+          <a:ext cx="0" cy="0"/>
+          <a:chOff x="0" y="0"/>
+          <a:chExt cx="0" cy="0"/>
+        </a:xfrm>
+      </p:grpSpPr>
+      <p:sp>
+        <p:nvSpPr>
+          <p:cNvPr id="2" name="슬라이드 번호 개체 틀 1"/>
+          <p:cNvSpPr>
+            <a:spLocks noGrp="1"/>
+          </p:cNvSpPr>
+          <p:nvPr>
+            <p:ph type="sldNum" idx="12"/>
+          </p:nvPr>
+        </p:nvSpPr>
+        <p:spPr/>
+        <p:txBody>
+          <a:bodyPr/>
+          <a:lstStyle/>
+          <a:p>
+            <a:pPr marL="0" lvl="0" indent="0" algn="ctr" rtl="0">
+              <a:spcBef>
+                <a:spcPts val="0"/>
+              </a:spcBef>
+              <a:spcAft>
+                <a:spcPts val="0"/>
+              </a:spcAft>
+              <a:buNone/>
+            </a:pPr>
+            <a:fld id="{00000000-1234-1234-1234-123412341234}" type="slidenum">
+              <a:rPr lang="en" smtClean="0"/>
+              <a:t>8</a:t>
+            </a:fld>
+            <a:endParaRPr lang="en"/>
+          </a:p>
+        </p:txBody>
+      </p:sp>
+      <p:sp>
+        <p:nvSpPr>
+          <p:cNvPr id="3" name="직사각형 2"/>
+          <p:cNvSpPr/>
+          <p:nvPr/>
+        </p:nvSpPr>
+        <p:spPr>
+          <a:xfrm>
+            <a:off x="0" y="0"/>
+            <a:ext cx="9144000" cy="5143500"/>
+          </a:xfrm>
+          <a:prstGeom prst="rect">
+            <a:avLst/>
+          </a:prstGeom>
+          <a:solidFill>
+            <a:schemeClr val="bg1"/>
+          </a:solidFill>
+          <a:ln>
+            <a:noFill/>
+          </a:ln>
+        </p:spPr>
+        <p:style>
+          <a:lnRef idx="2">
+            <a:schemeClr val="accent1">
+              <a:shade val="50000"/>
+            </a:schemeClr>
+          </a:lnRef>
+          <a:fillRef idx="1">
+            <a:schemeClr val="accent1"/>
+          </a:fillRef>
+          <a:effectRef idx="0">
+            <a:schemeClr val="accent1"/>
+          </a:effectRef>
+          <a:fontRef idx="minor">
+            <a:schemeClr val="lt1"/>
+          </a:fontRef>
+        </p:style>
+        <p:txBody>
+          <a:bodyPr rtlCol="0" anchor="ctr"/>
+          <a:lstStyle/>
+          <a:p>
+            <a:pPr algn="ctr"/>
+            <a:endParaRPr lang="ko-KR" altLang="en-US"/>
+          </a:p>
+        </p:txBody>
+      </p:sp>
+      <p:graphicFrame>
+        <p:nvGraphicFramePr>
+          <p:cNvPr id="5" name="표 4"/>
+          <p:cNvGraphicFramePr>
+            <a:graphicFrameLocks noGrp="1"/>
+          </p:cNvGraphicFramePr>
+          <p:nvPr>
+            <p:extLst>
+              <p:ext uri="{D42A27DB-BD31-4B8C-83A1-F6EECF244321}">
+                <p14:modId xmlns:p14="http://schemas.microsoft.com/office/powerpoint/2010/main" val="3802768189"/>
+              </p:ext>
+            </p:extLst>
+          </p:nvPr>
+        </p:nvGraphicFramePr>
+        <p:xfrm>
+          <a:off x="251519" y="771545"/>
+          <a:ext cx="8640961" cy="3974949"/>
+        </p:xfrm>
+        <a:graphic>
+          <a:graphicData uri="http://schemas.openxmlformats.org/drawingml/2006/table">
+            <a:tbl>
+              <a:tblPr>
+                <a:tableStyleId>{FA2A6AB6-C1E5-4FC5-B20B-5785A829AD62}</a:tableStyleId>
+              </a:tblPr>
+              <a:tblGrid>
+                <a:gridCol w="836896"/>
+                <a:gridCol w="1223962"/>
+                <a:gridCol w="1690533"/>
+                <a:gridCol w="4889570"/>
+              </a:tblGrid>
+              <a:tr h="360045">
+                <a:tc>
+                  <a:txBody>
+                    <a:bodyPr/>
+                    <a:lstStyle/>
+                    <a:p>
+                      <a:pPr algn="ctr" fontAlgn="ctr"/>
+                      <a:r>
+                        <a:rPr lang="ko-KR" altLang="en-US" sz="800" b="1" u="none" strike="noStrike" dirty="0">
+                          <a:solidFill>
+                            <a:schemeClr val="bg1"/>
+                          </a:solidFill>
+                          <a:effectLst/>
+                        </a:rPr>
+                        <a:t>구분</a:t>
+                      </a:r>
+                      <a:endParaRPr lang="ko-KR" altLang="en-US" sz="800" b="1" i="0" u="none" strike="noStrike" dirty="0">
+                        <a:solidFill>
+                          <a:schemeClr val="bg1"/>
+                        </a:solidFill>
+                        <a:effectLst/>
+                        <a:latin typeface="Dotum"/>
+                      </a:endParaRPr>
+                    </a:p>
+                  </a:txBody>
+                  <a:tcPr marL="5314" marR="5314" marT="5314" marB="0" anchor="ctr">
+                    <a:solidFill>
+                      <a:srgbClr val="FF9E00"/>
+                    </a:solidFill>
+                  </a:tcPr>
+                </a:tc>
+                <a:tc>
+                  <a:txBody>
+                    <a:bodyPr/>
+                    <a:lstStyle/>
+                    <a:p>
+                      <a:pPr algn="ctr" fontAlgn="ctr"/>
+                      <a:r>
+                        <a:rPr lang="ko-KR" altLang="en-US" sz="800" b="1" u="none" strike="noStrike" dirty="0">
+                          <a:solidFill>
+                            <a:schemeClr val="bg1"/>
+                          </a:solidFill>
+                          <a:effectLst/>
+                        </a:rPr>
+                        <a:t>서비스</a:t>
+                      </a:r>
+                      <a:r>
+                        <a:rPr lang="en-US" altLang="ko-KR" sz="800" b="1" u="none" strike="noStrike" dirty="0">
+                          <a:solidFill>
+                            <a:schemeClr val="bg1"/>
+                          </a:solidFill>
+                          <a:effectLst/>
+                        </a:rPr>
+                        <a:t>(</a:t>
+                      </a:r>
+                      <a:r>
+                        <a:rPr lang="ko-KR" altLang="en-US" sz="800" b="1" u="none" strike="noStrike" dirty="0">
+                          <a:solidFill>
+                            <a:schemeClr val="bg1"/>
+                          </a:solidFill>
+                          <a:effectLst/>
+                        </a:rPr>
+                        <a:t>메뉴</a:t>
+                      </a:r>
+                      <a:r>
+                        <a:rPr lang="en-US" altLang="ko-KR" sz="800" b="1" u="none" strike="noStrike" dirty="0">
+                          <a:solidFill>
+                            <a:schemeClr val="bg1"/>
+                          </a:solidFill>
+                          <a:effectLst/>
+                        </a:rPr>
+                        <a:t>)</a:t>
+                      </a:r>
+                      <a:endParaRPr lang="en-US" altLang="ko-KR" sz="800" b="1" i="0" u="none" strike="noStrike" dirty="0">
+                        <a:solidFill>
+                          <a:schemeClr val="bg1"/>
+                        </a:solidFill>
+                        <a:effectLst/>
+                        <a:latin typeface="Dotum"/>
+                      </a:endParaRPr>
+                    </a:p>
+                  </a:txBody>
+                  <a:tcPr marL="5314" marR="5314" marT="5314" marB="0" anchor="ctr">
+                    <a:solidFill>
+                      <a:srgbClr val="FF9E00"/>
+                    </a:solidFill>
+                  </a:tcPr>
+                </a:tc>
+                <a:tc>
+                  <a:txBody>
+                    <a:bodyPr/>
+                    <a:lstStyle/>
+                    <a:p>
+                      <a:pPr algn="ctr" fontAlgn="ctr"/>
+                      <a:r>
+                        <a:rPr lang="ko-KR" altLang="en-US" sz="800" b="1" u="none" strike="noStrike" dirty="0">
+                          <a:solidFill>
+                            <a:schemeClr val="bg1"/>
+                          </a:solidFill>
+                          <a:effectLst/>
+                        </a:rPr>
+                        <a:t>필요 기능</a:t>
+                      </a:r>
+                      <a:endParaRPr lang="ko-KR" altLang="en-US" sz="800" b="1" i="0" u="none" strike="noStrike" dirty="0">
+                        <a:solidFill>
+                          <a:schemeClr val="bg1"/>
+                        </a:solidFill>
+                        <a:effectLst/>
+                        <a:latin typeface="Dotum"/>
+                      </a:endParaRPr>
+                    </a:p>
+                  </a:txBody>
+                  <a:tcPr marL="5314" marR="5314" marT="5314" marB="0" anchor="ctr">
+                    <a:solidFill>
+                      <a:srgbClr val="FF9E00"/>
+                    </a:solidFill>
+                  </a:tcPr>
+                </a:tc>
+                <a:tc>
+                  <a:txBody>
+                    <a:bodyPr/>
+                    <a:lstStyle/>
+                    <a:p>
+                      <a:pPr algn="ctr" fontAlgn="ctr"/>
+                      <a:r>
+                        <a:rPr lang="ko-KR" altLang="en-US" sz="800" b="1" u="none" strike="noStrike" dirty="0">
+                          <a:solidFill>
+                            <a:schemeClr val="bg1"/>
+                          </a:solidFill>
+                          <a:effectLst/>
+                        </a:rPr>
+                        <a:t>기능 설명</a:t>
+                      </a:r>
+                      <a:endParaRPr lang="ko-KR" altLang="en-US" sz="800" b="1" i="0" u="none" strike="noStrike" dirty="0">
+                        <a:solidFill>
+                          <a:schemeClr val="bg1"/>
+                        </a:solidFill>
+                        <a:effectLst/>
+                        <a:latin typeface="Dotum"/>
+                      </a:endParaRPr>
+                    </a:p>
+                  </a:txBody>
+                  <a:tcPr marL="5314" marR="5314" marT="5314" marB="0" anchor="ctr">
+                    <a:solidFill>
+                      <a:srgbClr val="FF9E00"/>
+                    </a:solidFill>
+                  </a:tcPr>
+                </a:tc>
+              </a:tr>
+              <a:tr h="602484">
+                <a:tc rowSpan="3">
+                  <a:txBody>
+                    <a:bodyPr/>
+                    <a:lstStyle/>
+                    <a:p>
+                      <a:pPr algn="ctr" fontAlgn="ctr"/>
+                      <a:r>
+                        <a:rPr lang="ko-KR" altLang="en-US" sz="800" u="none" strike="noStrike" dirty="0" smtClean="0">
+                          <a:effectLst/>
+                        </a:rPr>
+                        <a:t>사용자</a:t>
+                      </a:r>
+                      <a:endParaRPr lang="ko-KR" altLang="en-US" sz="800" b="0" i="0" u="none" strike="noStrike" dirty="0">
+                        <a:solidFill>
+                          <a:srgbClr val="000000"/>
+                        </a:solidFill>
+                        <a:effectLst/>
+                        <a:latin typeface="맑은 고딕"/>
+                      </a:endParaRPr>
+                    </a:p>
+                  </a:txBody>
+                  <a:tcPr marL="5314" marR="5314" marT="5314" marB="0" anchor="ctr"/>
+                </a:tc>
+                <a:tc rowSpan="3">
+                  <a:txBody>
+                    <a:bodyPr/>
+                    <a:lstStyle/>
+                    <a:p>
+                      <a:pPr algn="ctr" fontAlgn="ctr"/>
+                      <a:r>
+                        <a:rPr lang="ko-KR" altLang="en-US" sz="800" u="none" strike="noStrike" dirty="0">
+                          <a:effectLst/>
+                        </a:rPr>
+                        <a:t>고객센터</a:t>
+                      </a:r>
+                      <a:endParaRPr lang="ko-KR" altLang="en-US" sz="800" b="0" i="0" u="none" strike="noStrike" dirty="0">
+                        <a:solidFill>
+                          <a:srgbClr val="000000"/>
+                        </a:solidFill>
+                        <a:effectLst/>
+                        <a:latin typeface="맑은 고딕"/>
+                      </a:endParaRPr>
+                    </a:p>
+                  </a:txBody>
+                  <a:tcPr marL="5314" marR="5314" marT="5314" marB="0" anchor="ctr"/>
+                </a:tc>
+                <a:tc>
+                  <a:txBody>
+                    <a:bodyPr/>
+                    <a:lstStyle/>
+                    <a:p>
+                      <a:pPr algn="ctr" fontAlgn="ctr"/>
+                      <a:r>
+                        <a:rPr lang="ko-KR" altLang="en-US" sz="800" u="none" strike="noStrike" dirty="0">
+                          <a:effectLst/>
+                        </a:rPr>
+                        <a:t>실시간 채팅 상담</a:t>
+                      </a:r>
+                      <a:endParaRPr lang="ko-KR" altLang="en-US" sz="800" b="0" i="0" u="none" strike="noStrike" dirty="0">
+                        <a:solidFill>
+                          <a:srgbClr val="000000"/>
+                        </a:solidFill>
+                        <a:effectLst/>
+                        <a:latin typeface="맑은 고딕"/>
+                      </a:endParaRPr>
+                    </a:p>
+                  </a:txBody>
+                  <a:tcPr marL="5314" marR="5314" marT="5314" marB="0" anchor="ctr"/>
+                </a:tc>
+                <a:tc>
+                  <a:txBody>
+                    <a:bodyPr/>
+                    <a:lstStyle/>
+                    <a:p>
+                      <a:pPr algn="l" fontAlgn="ctr"/>
+                      <a:r>
+                        <a:rPr lang="ko-KR" altLang="en-US" sz="800" u="none" strike="noStrike" dirty="0">
+                          <a:effectLst/>
+                        </a:rPr>
+                        <a:t>문의 글 등록하면 관리자가 답변을 해주는 형태</a:t>
+                      </a:r>
+                      <a:r>
+                        <a:rPr lang="en-US" altLang="ko-KR" sz="800" u="none" strike="noStrike" dirty="0">
+                          <a:effectLst/>
+                        </a:rPr>
+                        <a:t>, </a:t>
+                      </a:r>
+                      <a:r>
+                        <a:rPr lang="ko-KR" altLang="en-US" sz="800" u="none" strike="noStrike" dirty="0">
+                          <a:effectLst/>
+                        </a:rPr>
+                        <a:t>바로 답변이 진행이 되면 채팅 형식으로 진행</a:t>
+                      </a:r>
+                      <a:r>
+                        <a:rPr lang="en-US" altLang="ko-KR" sz="800" u="none" strike="noStrike" dirty="0">
+                          <a:effectLst/>
+                        </a:rPr>
+                        <a:t>, </a:t>
+                      </a:r>
+                      <a:r>
+                        <a:rPr lang="ko-KR" altLang="en-US" sz="800" u="none" strike="noStrike" dirty="0">
+                          <a:effectLst/>
+                        </a:rPr>
+                        <a:t>바로 답변이 안되면 시간이 지난 후 확인 가능 하도록</a:t>
+                      </a:r>
+                      <a:endParaRPr lang="ko-KR" altLang="en-US" sz="800" b="0" i="0" u="none" strike="noStrike" dirty="0">
+                        <a:solidFill>
+                          <a:srgbClr val="000000"/>
+                        </a:solidFill>
+                        <a:effectLst/>
+                        <a:latin typeface="맑은 고딕"/>
+                      </a:endParaRPr>
+                    </a:p>
+                  </a:txBody>
+                  <a:tcPr marL="63768" marR="5314" marT="5314" marB="0" anchor="ctr"/>
+                </a:tc>
+              </a:tr>
+              <a:tr h="602484">
+                <a:tc vMerge="1">
+                  <a:txBody>
+                    <a:bodyPr/>
+                    <a:lstStyle/>
+                    <a:p>
+                      <a:pPr algn="l" fontAlgn="ctr"/>
+                      <a:endParaRPr lang="ko-KR" altLang="en-US" sz="600" b="0" i="0" u="none" strike="noStrike" dirty="0">
+                        <a:solidFill>
+                          <a:srgbClr val="000000"/>
+                        </a:solidFill>
+                        <a:effectLst/>
+                        <a:latin typeface="맑은 고딕"/>
+                      </a:endParaRPr>
+                    </a:p>
+                  </a:txBody>
+                  <a:tcPr marL="5314" marR="5314" marT="5314" marB="0" anchor="ctr"/>
+                </a:tc>
+                <a:tc vMerge="1">
+                  <a:txBody>
+                    <a:bodyPr/>
+                    <a:lstStyle/>
+                    <a:p>
+                      <a:pPr latinLnBrk="1"/>
+                      <a:endParaRPr lang="ko-KR" altLang="en-US"/>
+                    </a:p>
+                  </a:txBody>
+                  <a:tcPr/>
+                </a:tc>
+                <a:tc>
+                  <a:txBody>
+                    <a:bodyPr/>
+                    <a:lstStyle/>
+                    <a:p>
+                      <a:pPr algn="ctr" fontAlgn="ctr"/>
+                      <a:r>
+                        <a:rPr lang="ko-KR" altLang="en-US" sz="800" u="none" strike="noStrike">
+                          <a:effectLst/>
+                        </a:rPr>
+                        <a:t>공지사항</a:t>
+                      </a:r>
+                      <a:endParaRPr lang="ko-KR" altLang="en-US" sz="800" b="0" i="0" u="none" strike="noStrike">
+                        <a:solidFill>
+                          <a:srgbClr val="000000"/>
+                        </a:solidFill>
+                        <a:effectLst/>
+                        <a:latin typeface="맑은 고딕"/>
+                      </a:endParaRPr>
+                    </a:p>
+                  </a:txBody>
+                  <a:tcPr marL="5314" marR="5314" marT="5314" marB="0" anchor="ctr"/>
+                </a:tc>
+                <a:tc>
+                  <a:txBody>
+                    <a:bodyPr/>
+                    <a:lstStyle/>
+                    <a:p>
+                      <a:pPr algn="l" fontAlgn="ctr"/>
+                      <a:r>
+                        <a:rPr lang="ko-KR" altLang="en-US" sz="800" u="none" strike="noStrike">
+                          <a:effectLst/>
+                        </a:rPr>
+                        <a:t>이슈 및 사이트 공지사항</a:t>
+                      </a:r>
+                      <a:endParaRPr lang="ko-KR" altLang="en-US" sz="800" b="0" i="0" u="none" strike="noStrike">
+                        <a:solidFill>
+                          <a:srgbClr val="000000"/>
+                        </a:solidFill>
+                        <a:effectLst/>
+                        <a:latin typeface="맑은 고딕"/>
+                      </a:endParaRPr>
+                    </a:p>
+                  </a:txBody>
+                  <a:tcPr marL="63768" marR="5314" marT="5314" marB="0" anchor="ctr"/>
+                </a:tc>
+              </a:tr>
+              <a:tr h="602484">
+                <a:tc vMerge="1">
+                  <a:txBody>
+                    <a:bodyPr/>
+                    <a:lstStyle/>
+                    <a:p>
+                      <a:pPr algn="l" fontAlgn="ctr"/>
+                      <a:endParaRPr lang="ko-KR" altLang="en-US" sz="600" b="0" i="0" u="none" strike="noStrike" dirty="0">
+                        <a:solidFill>
+                          <a:srgbClr val="000000"/>
+                        </a:solidFill>
+                        <a:effectLst/>
+                        <a:latin typeface="맑은 고딕"/>
+                      </a:endParaRPr>
+                    </a:p>
+                  </a:txBody>
+                  <a:tcPr marL="5314" marR="5314" marT="5314" marB="0" anchor="ctr"/>
+                </a:tc>
+                <a:tc vMerge="1">
+                  <a:txBody>
+                    <a:bodyPr/>
+                    <a:lstStyle/>
+                    <a:p>
+                      <a:pPr latinLnBrk="1"/>
+                      <a:endParaRPr lang="ko-KR" altLang="en-US"/>
+                    </a:p>
+                  </a:txBody>
+                  <a:tcPr/>
+                </a:tc>
+                <a:tc>
+                  <a:txBody>
+                    <a:bodyPr/>
+                    <a:lstStyle/>
+                    <a:p>
+                      <a:pPr algn="ctr" fontAlgn="ctr"/>
+                      <a:r>
+                        <a:rPr lang="en-US" sz="800" u="none" strike="noStrike" dirty="0">
+                          <a:effectLst/>
+                        </a:rPr>
+                        <a:t>FAQ</a:t>
+                      </a:r>
+                      <a:endParaRPr lang="en-US" sz="800" b="0" i="0" u="none" strike="noStrike" dirty="0">
+                        <a:solidFill>
+                          <a:srgbClr val="000000"/>
+                        </a:solidFill>
+                        <a:effectLst/>
+                        <a:latin typeface="맑은 고딕"/>
+                      </a:endParaRPr>
+                    </a:p>
+                  </a:txBody>
+                  <a:tcPr marL="5314" marR="5314" marT="5314" marB="0" anchor="ctr"/>
+                </a:tc>
+                <a:tc>
+                  <a:txBody>
+                    <a:bodyPr/>
+                    <a:lstStyle/>
+                    <a:p>
+                      <a:pPr algn="l" fontAlgn="ctr"/>
+                      <a:r>
+                        <a:rPr lang="ko-KR" altLang="en-US" sz="800" u="none" strike="noStrike">
+                          <a:effectLst/>
+                        </a:rPr>
+                        <a:t>회사 메인 컨셉 소개 및 펀딩 참여</a:t>
+                      </a:r>
+                      <a:r>
+                        <a:rPr lang="en-US" altLang="ko-KR" sz="800" u="none" strike="noStrike">
+                          <a:effectLst/>
+                        </a:rPr>
+                        <a:t>, </a:t>
+                      </a:r>
+                      <a:r>
+                        <a:rPr lang="ko-KR" altLang="en-US" sz="800" u="none" strike="noStrike">
+                          <a:effectLst/>
+                        </a:rPr>
+                        <a:t>펀딩 오픈</a:t>
+                      </a:r>
+                      <a:r>
+                        <a:rPr lang="en-US" altLang="ko-KR" sz="800" u="none" strike="noStrike">
+                          <a:effectLst/>
+                        </a:rPr>
+                        <a:t>, </a:t>
+                      </a:r>
+                      <a:r>
+                        <a:rPr lang="ko-KR" altLang="en-US" sz="800" u="none" strike="noStrike">
+                          <a:effectLst/>
+                        </a:rPr>
+                        <a:t>사이트 이용 방법 등 자주 묻는 질문</a:t>
+                      </a:r>
+                      <a:endParaRPr lang="ko-KR" altLang="en-US" sz="800" b="0" i="0" u="none" strike="noStrike">
+                        <a:solidFill>
+                          <a:srgbClr val="000000"/>
+                        </a:solidFill>
+                        <a:effectLst/>
+                        <a:latin typeface="맑은 고딕"/>
+                      </a:endParaRPr>
+                    </a:p>
+                  </a:txBody>
+                  <a:tcPr marL="63768" marR="5314" marT="5314" marB="0" anchor="ctr"/>
+                </a:tc>
+              </a:tr>
+              <a:tr h="602484">
+                <a:tc rowSpan="3">
+                  <a:txBody>
+                    <a:bodyPr/>
+                    <a:lstStyle/>
+                    <a:p>
+                      <a:pPr algn="ctr" fontAlgn="ctr"/>
+                      <a:r>
+                        <a:rPr lang="ko-KR" altLang="en-US" sz="800" u="none" strike="noStrike" dirty="0" smtClean="0">
+                          <a:effectLst/>
+                        </a:rPr>
+                        <a:t>관리자</a:t>
+                      </a:r>
+                      <a:endParaRPr lang="ko-KR" altLang="en-US" sz="800" b="0" i="0" u="none" strike="noStrike" dirty="0">
+                        <a:solidFill>
+                          <a:srgbClr val="000000"/>
+                        </a:solidFill>
+                        <a:effectLst/>
+                        <a:latin typeface="Dotum"/>
+                      </a:endParaRPr>
+                    </a:p>
+                  </a:txBody>
+                  <a:tcPr marL="5314" marR="5314" marT="5314" marB="0" anchor="ctr"/>
+                </a:tc>
+                <a:tc rowSpan="3">
+                  <a:txBody>
+                    <a:bodyPr/>
+                    <a:lstStyle/>
+                    <a:p>
+                      <a:pPr algn="ctr" fontAlgn="ctr"/>
+                      <a:r>
+                        <a:rPr lang="ko-KR" altLang="en-US" sz="800" u="none" strike="noStrike">
+                          <a:effectLst/>
+                        </a:rPr>
+                        <a:t>고객센터 관리</a:t>
+                      </a:r>
+                      <a:endParaRPr lang="ko-KR" altLang="en-US" sz="800" b="0" i="0" u="none" strike="noStrike">
+                        <a:solidFill>
+                          <a:srgbClr val="000000"/>
+                        </a:solidFill>
+                        <a:effectLst/>
+                        <a:latin typeface="Dotum"/>
+                      </a:endParaRPr>
+                    </a:p>
+                  </a:txBody>
+                  <a:tcPr marL="5314" marR="5314" marT="5314" marB="0" anchor="ctr"/>
+                </a:tc>
+                <a:tc>
+                  <a:txBody>
+                    <a:bodyPr/>
+                    <a:lstStyle/>
+                    <a:p>
+                      <a:pPr algn="ctr" fontAlgn="ctr"/>
+                      <a:r>
+                        <a:rPr lang="ko-KR" altLang="en-US" sz="800" u="none" strike="noStrike" dirty="0">
+                          <a:effectLst/>
+                        </a:rPr>
+                        <a:t>공지사항 </a:t>
+                      </a:r>
+                      <a:endParaRPr lang="ko-KR" altLang="en-US" sz="800" b="0" i="0" u="none" strike="noStrike" dirty="0">
+                        <a:solidFill>
+                          <a:srgbClr val="000000"/>
+                        </a:solidFill>
+                        <a:effectLst/>
+                        <a:latin typeface="Dotum"/>
+                      </a:endParaRPr>
+                    </a:p>
+                  </a:txBody>
+                  <a:tcPr marL="5314" marR="5314" marT="5314" marB="0" anchor="ctr"/>
+                </a:tc>
+                <a:tc>
+                  <a:txBody>
+                    <a:bodyPr/>
+                    <a:lstStyle/>
+                    <a:p>
+                      <a:pPr algn="l" fontAlgn="ctr"/>
+                      <a:r>
+                        <a:rPr lang="ko-KR" altLang="en-US" sz="800" u="none" strike="noStrike" dirty="0">
+                          <a:effectLst/>
+                        </a:rPr>
+                        <a:t>공지사항 목록</a:t>
+                      </a:r>
+                      <a:r>
+                        <a:rPr lang="en-US" altLang="ko-KR" sz="800" u="none" strike="noStrike" dirty="0">
+                          <a:effectLst/>
+                        </a:rPr>
+                        <a:t>, </a:t>
+                      </a:r>
+                      <a:r>
+                        <a:rPr lang="ko-KR" altLang="en-US" sz="800" u="none" strike="noStrike" dirty="0">
+                          <a:effectLst/>
+                        </a:rPr>
+                        <a:t>공지사항 등록 및 수정</a:t>
+                      </a:r>
+                      <a:endParaRPr lang="ko-KR" altLang="en-US" sz="800" b="0" i="0" u="none" strike="noStrike" dirty="0">
+                        <a:solidFill>
+                          <a:srgbClr val="000000"/>
+                        </a:solidFill>
+                        <a:effectLst/>
+                        <a:latin typeface="Dotum"/>
+                      </a:endParaRPr>
+                    </a:p>
+                  </a:txBody>
+                  <a:tcPr marL="63768" marR="5314" marT="5314" marB="0" anchor="ctr"/>
+                </a:tc>
+              </a:tr>
+              <a:tr h="602484">
+                <a:tc vMerge="1">
+                  <a:txBody>
+                    <a:bodyPr/>
+                    <a:lstStyle/>
+                    <a:p>
+                      <a:pPr algn="ctr" fontAlgn="ctr"/>
+                      <a:endParaRPr lang="ko-KR" altLang="en-US" sz="600" b="0" i="0" u="none" strike="noStrike" dirty="0">
+                        <a:solidFill>
+                          <a:srgbClr val="000000"/>
+                        </a:solidFill>
+                        <a:effectLst/>
+                        <a:latin typeface="Dotum"/>
+                      </a:endParaRPr>
+                    </a:p>
+                  </a:txBody>
+                  <a:tcPr marL="5314" marR="5314" marT="5314" marB="0" anchor="ctr"/>
+                </a:tc>
+                <a:tc vMerge="1">
+                  <a:txBody>
+                    <a:bodyPr/>
+                    <a:lstStyle/>
+                    <a:p>
+                      <a:pPr latinLnBrk="1"/>
+                      <a:endParaRPr lang="ko-KR" altLang="en-US"/>
+                    </a:p>
+                  </a:txBody>
+                  <a:tcPr/>
+                </a:tc>
+                <a:tc>
+                  <a:txBody>
+                    <a:bodyPr/>
+                    <a:lstStyle/>
+                    <a:p>
+                      <a:pPr algn="ctr" fontAlgn="ctr"/>
+                      <a:r>
+                        <a:rPr lang="en-US" sz="800" u="none" strike="noStrike" dirty="0">
+                          <a:effectLst/>
+                        </a:rPr>
+                        <a:t>FAQ</a:t>
+                      </a:r>
+                      <a:endParaRPr lang="en-US" sz="800" b="0" i="0" u="none" strike="noStrike" dirty="0">
+                        <a:solidFill>
+                          <a:srgbClr val="000000"/>
+                        </a:solidFill>
+                        <a:effectLst/>
+                        <a:latin typeface="Dotum"/>
+                      </a:endParaRPr>
+                    </a:p>
+                  </a:txBody>
+                  <a:tcPr marL="5314" marR="5314" marT="5314" marB="0" anchor="ctr"/>
+                </a:tc>
+                <a:tc>
+                  <a:txBody>
+                    <a:bodyPr/>
+                    <a:lstStyle/>
+                    <a:p>
+                      <a:pPr algn="l" fontAlgn="ctr"/>
+                      <a:r>
+                        <a:rPr lang="en-US" altLang="ko-KR" sz="800" u="none" strike="noStrike" dirty="0">
+                          <a:effectLst/>
+                        </a:rPr>
+                        <a:t>FAQ </a:t>
+                      </a:r>
+                      <a:r>
+                        <a:rPr lang="ko-KR" altLang="en-US" sz="800" u="none" strike="noStrike" dirty="0">
+                          <a:effectLst/>
+                        </a:rPr>
+                        <a:t>목록</a:t>
+                      </a:r>
+                      <a:r>
+                        <a:rPr lang="en-US" altLang="ko-KR" sz="800" u="none" strike="noStrike" dirty="0">
+                          <a:effectLst/>
+                        </a:rPr>
+                        <a:t>, FAQ </a:t>
+                      </a:r>
+                      <a:r>
+                        <a:rPr lang="ko-KR" altLang="en-US" sz="800" u="none" strike="noStrike" dirty="0">
+                          <a:effectLst/>
+                        </a:rPr>
+                        <a:t>등록 및 수정</a:t>
+                      </a:r>
+                      <a:endParaRPr lang="ko-KR" altLang="en-US" sz="800" b="0" i="0" u="none" strike="noStrike" dirty="0">
+                        <a:solidFill>
+                          <a:srgbClr val="000000"/>
+                        </a:solidFill>
+                        <a:effectLst/>
+                        <a:latin typeface="Dotum"/>
+                      </a:endParaRPr>
+                    </a:p>
+                  </a:txBody>
+                  <a:tcPr marL="63768" marR="5314" marT="5314" marB="0" anchor="ctr"/>
+                </a:tc>
+              </a:tr>
+              <a:tr h="602484">
+                <a:tc vMerge="1">
+                  <a:txBody>
+                    <a:bodyPr/>
+                    <a:lstStyle/>
+                    <a:p>
+                      <a:pPr algn="ctr" fontAlgn="ctr"/>
+                      <a:endParaRPr lang="ko-KR" altLang="en-US" sz="600" b="0" i="0" u="none" strike="noStrike" dirty="0">
+                        <a:solidFill>
+                          <a:srgbClr val="000000"/>
+                        </a:solidFill>
+                        <a:effectLst/>
+                        <a:latin typeface="Dotum"/>
+                      </a:endParaRPr>
+                    </a:p>
+                  </a:txBody>
+                  <a:tcPr marL="5314" marR="5314" marT="5314" marB="0" anchor="ctr"/>
+                </a:tc>
+                <a:tc vMerge="1">
+                  <a:txBody>
+                    <a:bodyPr/>
+                    <a:lstStyle/>
+                    <a:p>
+                      <a:pPr latinLnBrk="1"/>
+                      <a:endParaRPr lang="ko-KR" altLang="en-US"/>
+                    </a:p>
+                  </a:txBody>
+                  <a:tcPr/>
+                </a:tc>
+                <a:tc>
+                  <a:txBody>
+                    <a:bodyPr/>
+                    <a:lstStyle/>
+                    <a:p>
+                      <a:pPr algn="ctr" fontAlgn="ctr"/>
+                      <a:r>
+                        <a:rPr lang="ko-KR" altLang="en-US" sz="800" u="none" strike="noStrike">
+                          <a:effectLst/>
+                        </a:rPr>
+                        <a:t>실시간 채팅 상담 관리</a:t>
+                      </a:r>
+                      <a:endParaRPr lang="ko-KR" altLang="en-US" sz="800" b="0" i="0" u="none" strike="noStrike">
+                        <a:solidFill>
+                          <a:srgbClr val="000000"/>
+                        </a:solidFill>
+                        <a:effectLst/>
+                        <a:latin typeface="Dotum"/>
+                      </a:endParaRPr>
+                    </a:p>
+                  </a:txBody>
+                  <a:tcPr marL="5314" marR="5314" marT="5314" marB="0" anchor="ctr"/>
+                </a:tc>
+                <a:tc>
+                  <a:txBody>
+                    <a:bodyPr/>
+                    <a:lstStyle/>
+                    <a:p>
+                      <a:pPr algn="l" fontAlgn="ctr"/>
+                      <a:r>
+                        <a:rPr lang="ko-KR" altLang="en-US" sz="800" u="none" strike="noStrike" dirty="0">
+                          <a:effectLst/>
+                        </a:rPr>
+                        <a:t>회원들의 </a:t>
+                      </a:r>
+                      <a:r>
+                        <a:rPr lang="en-US" altLang="ko-KR" sz="800" u="none" strike="noStrike" dirty="0">
+                          <a:effectLst/>
+                        </a:rPr>
+                        <a:t>1:1</a:t>
+                      </a:r>
+                      <a:r>
+                        <a:rPr lang="ko-KR" altLang="en-US" sz="800" u="none" strike="noStrike" dirty="0">
+                          <a:effectLst/>
+                        </a:rPr>
+                        <a:t>문의와 채팅 문의 답변 작성</a:t>
+                      </a:r>
+                      <a:endParaRPr lang="ko-KR" altLang="en-US" sz="800" b="0" i="0" u="none" strike="noStrike" dirty="0">
+                        <a:solidFill>
+                          <a:srgbClr val="000000"/>
+                        </a:solidFill>
+                        <a:effectLst/>
+                        <a:latin typeface="Dotum"/>
+                      </a:endParaRPr>
+                    </a:p>
+                  </a:txBody>
+                  <a:tcPr marL="63768" marR="5314" marT="5314" marB="0" anchor="ctr"/>
+                </a:tc>
+              </a:tr>
+            </a:tbl>
+          </a:graphicData>
+        </a:graphic>
+      </p:graphicFrame>
+      <p:sp>
+        <p:nvSpPr>
+          <p:cNvPr id="6" name="직사각형 5"/>
+          <p:cNvSpPr/>
+          <p:nvPr/>
+        </p:nvSpPr>
+        <p:spPr>
+          <a:xfrm>
+            <a:off x="219114" y="195486"/>
+            <a:ext cx="1112851" cy="400110"/>
+          </a:xfrm>
+          <a:prstGeom prst="rect">
+            <a:avLst/>
+          </a:prstGeom>
+        </p:spPr>
+        <p:txBody>
+          <a:bodyPr wrap="square">
+            <a:spAutoFit/>
+          </a:bodyPr>
+          <a:lstStyle/>
+          <a:p>
+            <a:r>
+              <a:rPr lang="ko-KR" altLang="en-US" sz="2000" b="1" dirty="0" smtClean="0">
+                <a:solidFill>
+                  <a:srgbClr val="FF9E00"/>
+                </a:solidFill>
+                <a:latin typeface="+mj-ea"/>
+                <a:ea typeface="+mj-ea"/>
+              </a:rPr>
+              <a:t>한송우</a:t>
+            </a:r>
+            <a:endParaRPr lang="ko-KR" altLang="en-US" sz="2000" b="1" dirty="0">
+              <a:latin typeface="+mj-ea"/>
+              <a:ea typeface="+mj-ea"/>
+            </a:endParaRPr>
+          </a:p>
+        </p:txBody>
+      </p:sp>
+    </p:spTree>
+    <p:extLst>
+      <p:ext uri="{BB962C8B-B14F-4D97-AF65-F5344CB8AC3E}">
+        <p14:creationId xmlns:p14="http://schemas.microsoft.com/office/powerpoint/2010/main" val="4110185827"/>
+      </p:ext>
+    </p:extLst>
+  </p:cSld>
+  <p:clrMapOvr>
+    <a:masterClrMapping/>
+  </p:clrMapOvr>
+  <p:timing>
+    <p:tnLst>
+      <p:par>
+        <p:cTn id="1" dur="indefinite" restart="never" nodeType="tmRoot"/>
+      </p:par>
+    </p:tnLst>
+  </p:timing>
+</p:sld>
+</file>
+
+<file path=ppt/slides/slide9.xml><?xml version="1.0" encoding="utf-8"?>
+<p:sld xmlns:a="http://schemas.openxmlformats.org/drawingml/2006/main" xmlns:r="http://schemas.openxmlformats.org/officeDocument/2006/relationships" xmlns:p="http://schemas.openxmlformats.org/presentationml/2006/main">
+  <p:cSld>
+    <p:spTree>
+      <p:nvGrpSpPr>
+        <p:cNvPr id="1" name=""/>
+        <p:cNvGrpSpPr/>
+        <p:nvPr/>
+      </p:nvGrpSpPr>
+      <p:grpSpPr>
+        <a:xfrm>
+          <a:off x="0" y="0"/>
+          <a:ext cx="0" cy="0"/>
+          <a:chOff x="0" y="0"/>
+          <a:chExt cx="0" cy="0"/>
+        </a:xfrm>
+      </p:grpSpPr>
+      <p:sp>
+        <p:nvSpPr>
+          <p:cNvPr id="3" name="직사각형 2"/>
+          <p:cNvSpPr/>
+          <p:nvPr/>
+        </p:nvSpPr>
+        <p:spPr>
+          <a:xfrm>
+            <a:off x="0" y="0"/>
+            <a:ext cx="9144000" cy="5143500"/>
+          </a:xfrm>
+          <a:prstGeom prst="rect">
+            <a:avLst/>
+          </a:prstGeom>
+          <a:solidFill>
+            <a:schemeClr val="bg1"/>
+          </a:solidFill>
+          <a:ln>
+            <a:noFill/>
+          </a:ln>
+        </p:spPr>
+        <p:style>
+          <a:lnRef idx="2">
+            <a:schemeClr val="accent1">
+              <a:shade val="50000"/>
+            </a:schemeClr>
+          </a:lnRef>
+          <a:fillRef idx="1">
+            <a:schemeClr val="accent1"/>
+          </a:fillRef>
+          <a:effectRef idx="0">
+            <a:schemeClr val="accent1"/>
+          </a:effectRef>
+          <a:fontRef idx="minor">
+            <a:schemeClr val="lt1"/>
+          </a:fontRef>
+        </p:style>
+        <p:txBody>
+          <a:bodyPr rtlCol="0" anchor="ctr"/>
+          <a:lstStyle/>
+          <a:p>
+            <a:pPr algn="ctr"/>
+            <a:endParaRPr lang="ko-KR" altLang="en-US"/>
+          </a:p>
+        </p:txBody>
+      </p:sp>
+      <p:graphicFrame>
+        <p:nvGraphicFramePr>
+          <p:cNvPr id="4" name="표 3"/>
+          <p:cNvGraphicFramePr>
+            <a:graphicFrameLocks noGrp="1"/>
+          </p:cNvGraphicFramePr>
+          <p:nvPr>
+            <p:extLst>
+              <p:ext uri="{D42A27DB-BD31-4B8C-83A1-F6EECF244321}">
+                <p14:modId xmlns:p14="http://schemas.microsoft.com/office/powerpoint/2010/main" val="893917691"/>
+              </p:ext>
+            </p:extLst>
+          </p:nvPr>
+        </p:nvGraphicFramePr>
+        <p:xfrm>
+          <a:off x="251520" y="771552"/>
+          <a:ext cx="8496944" cy="4037726"/>
+        </p:xfrm>
+        <a:graphic>
+          <a:graphicData uri="http://schemas.openxmlformats.org/drawingml/2006/table">
+            <a:tbl>
+              <a:tblPr>
+                <a:tableStyleId>{FA2A6AB6-C1E5-4FC5-B20B-5785A829AD62}</a:tableStyleId>
+              </a:tblPr>
+              <a:tblGrid>
+                <a:gridCol w="822948"/>
+                <a:gridCol w="1203563"/>
+                <a:gridCol w="1662357"/>
+                <a:gridCol w="4808076"/>
+              </a:tblGrid>
+              <a:tr h="360038">
+                <a:tc>
+                  <a:txBody>
+                    <a:bodyPr/>
+                    <a:lstStyle/>
+                    <a:p>
+                      <a:pPr algn="ctr" fontAlgn="ctr"/>
+                      <a:r>
+                        <a:rPr lang="ko-KR" altLang="en-US" sz="800" b="1" u="none" strike="noStrike" dirty="0">
+                          <a:solidFill>
+                            <a:schemeClr val="bg1"/>
+                          </a:solidFill>
+                          <a:effectLst/>
+                        </a:rPr>
+                        <a:t>구분</a:t>
+                      </a:r>
+                      <a:endParaRPr lang="ko-KR" altLang="en-US" sz="800" b="1" i="0" u="none" strike="noStrike" dirty="0">
+                        <a:solidFill>
+                          <a:schemeClr val="bg1"/>
+                        </a:solidFill>
+                        <a:effectLst/>
+                        <a:latin typeface="Dotum"/>
+                      </a:endParaRPr>
+                    </a:p>
+                  </a:txBody>
+                  <a:tcPr marL="5314" marR="5314" marT="5314" marB="0" anchor="ctr">
+                    <a:solidFill>
+                      <a:srgbClr val="FF9E00"/>
+                    </a:solidFill>
+                  </a:tcPr>
+                </a:tc>
+                <a:tc>
+                  <a:txBody>
+                    <a:bodyPr/>
+                    <a:lstStyle/>
+                    <a:p>
+                      <a:pPr algn="ctr" fontAlgn="ctr"/>
+                      <a:r>
+                        <a:rPr lang="ko-KR" altLang="en-US" sz="800" b="1" u="none" strike="noStrike" dirty="0">
+                          <a:solidFill>
+                            <a:schemeClr val="bg1"/>
+                          </a:solidFill>
+                          <a:effectLst/>
+                        </a:rPr>
+                        <a:t>서비스</a:t>
+                      </a:r>
+                      <a:r>
+                        <a:rPr lang="en-US" altLang="ko-KR" sz="800" b="1" u="none" strike="noStrike" dirty="0">
+                          <a:solidFill>
+                            <a:schemeClr val="bg1"/>
+                          </a:solidFill>
+                          <a:effectLst/>
+                        </a:rPr>
+                        <a:t>(</a:t>
+                      </a:r>
+                      <a:r>
+                        <a:rPr lang="ko-KR" altLang="en-US" sz="800" b="1" u="none" strike="noStrike" dirty="0">
+                          <a:solidFill>
+                            <a:schemeClr val="bg1"/>
+                          </a:solidFill>
+                          <a:effectLst/>
+                        </a:rPr>
+                        <a:t>메뉴</a:t>
+                      </a:r>
+                      <a:r>
+                        <a:rPr lang="en-US" altLang="ko-KR" sz="800" b="1" u="none" strike="noStrike" dirty="0">
+                          <a:solidFill>
+                            <a:schemeClr val="bg1"/>
+                          </a:solidFill>
+                          <a:effectLst/>
+                        </a:rPr>
+                        <a:t>)</a:t>
+                      </a:r>
+                      <a:endParaRPr lang="en-US" altLang="ko-KR" sz="800" b="1" i="0" u="none" strike="noStrike" dirty="0">
+                        <a:solidFill>
+                          <a:schemeClr val="bg1"/>
+                        </a:solidFill>
+                        <a:effectLst/>
+                        <a:latin typeface="Dotum"/>
+                      </a:endParaRPr>
+                    </a:p>
+                  </a:txBody>
+                  <a:tcPr marL="5314" marR="5314" marT="5314" marB="0" anchor="ctr">
+                    <a:solidFill>
+                      <a:srgbClr val="FF9E00"/>
+                    </a:solidFill>
+                  </a:tcPr>
+                </a:tc>
+                <a:tc>
+                  <a:txBody>
+                    <a:bodyPr/>
+                    <a:lstStyle/>
+                    <a:p>
+                      <a:pPr algn="ctr" fontAlgn="ctr"/>
+                      <a:r>
+                        <a:rPr lang="ko-KR" altLang="en-US" sz="800" b="1" u="none" strike="noStrike" dirty="0">
+                          <a:solidFill>
+                            <a:schemeClr val="bg1"/>
+                          </a:solidFill>
+                          <a:effectLst/>
+                        </a:rPr>
+                        <a:t>필요 기능</a:t>
+                      </a:r>
+                      <a:endParaRPr lang="ko-KR" altLang="en-US" sz="800" b="1" i="0" u="none" strike="noStrike" dirty="0">
+                        <a:solidFill>
+                          <a:schemeClr val="bg1"/>
+                        </a:solidFill>
+                        <a:effectLst/>
+                        <a:latin typeface="Dotum"/>
+                      </a:endParaRPr>
+                    </a:p>
+                  </a:txBody>
+                  <a:tcPr marL="5314" marR="5314" marT="5314" marB="0" anchor="ctr">
+                    <a:solidFill>
+                      <a:srgbClr val="FF9E00"/>
+                    </a:solidFill>
+                  </a:tcPr>
+                </a:tc>
+                <a:tc>
+                  <a:txBody>
+                    <a:bodyPr/>
+                    <a:lstStyle/>
+                    <a:p>
+                      <a:pPr algn="ctr" fontAlgn="ctr"/>
+                      <a:r>
+                        <a:rPr lang="ko-KR" altLang="en-US" sz="800" b="1" u="none" strike="noStrike" dirty="0">
+                          <a:solidFill>
+                            <a:schemeClr val="bg1"/>
+                          </a:solidFill>
+                          <a:effectLst/>
+                        </a:rPr>
+                        <a:t>기능 설명</a:t>
+                      </a:r>
+                      <a:endParaRPr lang="ko-KR" altLang="en-US" sz="800" b="1" i="0" u="none" strike="noStrike" dirty="0">
+                        <a:solidFill>
+                          <a:schemeClr val="bg1"/>
+                        </a:solidFill>
+                        <a:effectLst/>
+                        <a:latin typeface="Dotum"/>
+                      </a:endParaRPr>
+                    </a:p>
+                  </a:txBody>
+                  <a:tcPr marL="5314" marR="5314" marT="5314" marB="0" anchor="ctr">
+                    <a:solidFill>
+                      <a:srgbClr val="FF9E00"/>
+                    </a:solidFill>
+                  </a:tcPr>
+                </a:tc>
+              </a:tr>
+              <a:tr h="612948">
+                <a:tc rowSpan="6">
+                  <a:txBody>
+                    <a:bodyPr/>
+                    <a:lstStyle/>
+                    <a:p>
+                      <a:pPr algn="ctr" fontAlgn="ctr"/>
+                      <a:r>
+                        <a:rPr lang="ko-KR" altLang="en-US" sz="800" u="none" strike="noStrike" dirty="0" smtClean="0">
+                          <a:effectLst/>
+                        </a:rPr>
+                        <a:t>사용자</a:t>
+                      </a:r>
+                      <a:endParaRPr lang="ko-KR" altLang="en-US" sz="800" b="0" i="0" u="none" strike="noStrike" dirty="0">
+                        <a:solidFill>
+                          <a:srgbClr val="000000"/>
+                        </a:solidFill>
+                        <a:effectLst/>
+                        <a:latin typeface="맑은 고딕"/>
+                      </a:endParaRPr>
+                    </a:p>
+                  </a:txBody>
+                  <a:tcPr marL="5314" marR="5314" marT="5314" marB="0" anchor="ctr"/>
+                </a:tc>
+                <a:tc rowSpan="6">
+                  <a:txBody>
+                    <a:bodyPr/>
+                    <a:lstStyle/>
+                    <a:p>
+                      <a:pPr algn="ctr" fontAlgn="ctr"/>
+                      <a:r>
+                        <a:rPr lang="ko-KR" altLang="en-US" sz="800" u="none" strike="noStrike" dirty="0" err="1">
+                          <a:effectLst/>
+                        </a:rPr>
+                        <a:t>마이페이지</a:t>
+                      </a:r>
+                      <a:endParaRPr lang="ko-KR" altLang="en-US" sz="800" b="0" i="0" u="none" strike="noStrike" dirty="0">
+                        <a:solidFill>
+                          <a:srgbClr val="000000"/>
+                        </a:solidFill>
+                        <a:effectLst/>
+                        <a:latin typeface="맑은 고딕"/>
+                      </a:endParaRPr>
+                    </a:p>
+                  </a:txBody>
+                  <a:tcPr marL="5314" marR="5314" marT="5314" marB="0" anchor="ctr"/>
+                </a:tc>
+                <a:tc>
+                  <a:txBody>
+                    <a:bodyPr/>
+                    <a:lstStyle/>
+                    <a:p>
+                      <a:pPr algn="ctr" fontAlgn="ctr"/>
+                      <a:r>
+                        <a:rPr lang="ko-KR" altLang="en-US" sz="800" u="none" strike="noStrike">
+                          <a:effectLst/>
+                        </a:rPr>
+                        <a:t>회원정보변경</a:t>
+                      </a:r>
+                      <a:endParaRPr lang="ko-KR" altLang="en-US" sz="800" b="0" i="0" u="none" strike="noStrike">
+                        <a:solidFill>
+                          <a:srgbClr val="000000"/>
+                        </a:solidFill>
+                        <a:effectLst/>
+                        <a:latin typeface="맑은 고딕"/>
+                      </a:endParaRPr>
+                    </a:p>
+                  </a:txBody>
+                  <a:tcPr marL="5314" marR="5314" marT="5314" marB="0" anchor="ctr"/>
+                </a:tc>
+                <a:tc>
+                  <a:txBody>
+                    <a:bodyPr/>
+                    <a:lstStyle/>
+                    <a:p>
+                      <a:pPr algn="l" fontAlgn="ctr"/>
+                      <a:r>
+                        <a:rPr lang="ko-KR" altLang="en-US" sz="800" u="none" strike="noStrike">
+                          <a:effectLst/>
+                        </a:rPr>
+                        <a:t>회원가입시 입력한 정보를 수정</a:t>
+                      </a:r>
+                      <a:r>
+                        <a:rPr lang="en-US" altLang="ko-KR" sz="800" u="none" strike="noStrike">
+                          <a:effectLst/>
+                        </a:rPr>
+                        <a:t>, </a:t>
+                      </a:r>
+                      <a:r>
+                        <a:rPr lang="ko-KR" altLang="en-US" sz="800" u="none" strike="noStrike">
+                          <a:effectLst/>
+                        </a:rPr>
+                        <a:t>관심 카테고리 설정</a:t>
+                      </a:r>
+                      <a:endParaRPr lang="ko-KR" altLang="en-US" sz="800" b="0" i="0" u="none" strike="noStrike">
+                        <a:solidFill>
+                          <a:srgbClr val="000000"/>
+                        </a:solidFill>
+                        <a:effectLst/>
+                        <a:latin typeface="맑은 고딕"/>
+                      </a:endParaRPr>
+                    </a:p>
+                  </a:txBody>
+                  <a:tcPr marL="63768" marR="5314" marT="5314" marB="0" anchor="ctr"/>
+                </a:tc>
+              </a:tr>
+              <a:tr h="612948">
+                <a:tc vMerge="1">
+                  <a:txBody>
+                    <a:bodyPr/>
+                    <a:lstStyle/>
+                    <a:p>
+                      <a:pPr algn="l" fontAlgn="ctr"/>
+                      <a:endParaRPr lang="ko-KR" altLang="en-US" sz="600" b="0" i="0" u="none" strike="noStrike" dirty="0">
+                        <a:solidFill>
+                          <a:srgbClr val="000000"/>
+                        </a:solidFill>
+                        <a:effectLst/>
+                        <a:latin typeface="맑은 고딕"/>
+                      </a:endParaRPr>
+                    </a:p>
+                  </a:txBody>
+                  <a:tcPr marL="5314" marR="5314" marT="5314" marB="0" anchor="ctr"/>
+                </a:tc>
+                <a:tc vMerge="1">
+                  <a:txBody>
+                    <a:bodyPr/>
+                    <a:lstStyle/>
+                    <a:p>
+                      <a:pPr latinLnBrk="1"/>
+                      <a:endParaRPr lang="ko-KR" altLang="en-US"/>
+                    </a:p>
+                  </a:txBody>
+                  <a:tcPr/>
+                </a:tc>
+                <a:tc>
+                  <a:txBody>
+                    <a:bodyPr/>
+                    <a:lstStyle/>
+                    <a:p>
+                      <a:pPr algn="ctr" fontAlgn="ctr"/>
+                      <a:r>
+                        <a:rPr lang="ko-KR" altLang="en-US" sz="800" u="none" strike="noStrike">
+                          <a:effectLst/>
+                        </a:rPr>
+                        <a:t>회원탈퇴</a:t>
+                      </a:r>
+                      <a:endParaRPr lang="ko-KR" altLang="en-US" sz="800" b="0" i="0" u="none" strike="noStrike">
+                        <a:solidFill>
+                          <a:srgbClr val="000000"/>
+                        </a:solidFill>
+                        <a:effectLst/>
+                        <a:latin typeface="맑은 고딕"/>
+                      </a:endParaRPr>
+                    </a:p>
+                  </a:txBody>
+                  <a:tcPr marL="5314" marR="5314" marT="5314" marB="0" anchor="ctr"/>
+                </a:tc>
+                <a:tc>
+                  <a:txBody>
+                    <a:bodyPr/>
+                    <a:lstStyle/>
+                    <a:p>
+                      <a:pPr algn="l" fontAlgn="ctr"/>
+                      <a:r>
+                        <a:rPr lang="ko-KR" altLang="en-US" sz="800" u="none" strike="noStrike">
+                          <a:effectLst/>
+                        </a:rPr>
+                        <a:t>프로필 수정 페이지 내 회원탈퇴 버튼을 통해 탈퇴 가능</a:t>
+                      </a:r>
+                      <a:endParaRPr lang="ko-KR" altLang="en-US" sz="800" b="0" i="0" u="none" strike="noStrike">
+                        <a:solidFill>
+                          <a:srgbClr val="000000"/>
+                        </a:solidFill>
+                        <a:effectLst/>
+                        <a:latin typeface="맑은 고딕"/>
+                      </a:endParaRPr>
+                    </a:p>
+                  </a:txBody>
+                  <a:tcPr marL="63768" marR="5314" marT="5314" marB="0" anchor="ctr"/>
+                </a:tc>
+              </a:tr>
+              <a:tr h="612948">
+                <a:tc vMerge="1">
+                  <a:txBody>
+                    <a:bodyPr/>
+                    <a:lstStyle/>
+                    <a:p>
+                      <a:pPr algn="l" fontAlgn="ctr"/>
+                      <a:endParaRPr lang="ko-KR" altLang="en-US" sz="600" b="0" i="0" u="none" strike="noStrike" dirty="0">
+                        <a:solidFill>
+                          <a:srgbClr val="000000"/>
+                        </a:solidFill>
+                        <a:effectLst/>
+                        <a:latin typeface="맑은 고딕"/>
+                      </a:endParaRPr>
+                    </a:p>
+                  </a:txBody>
+                  <a:tcPr marL="5314" marR="5314" marT="5314" marB="0" anchor="ctr"/>
+                </a:tc>
+                <a:tc vMerge="1">
+                  <a:txBody>
+                    <a:bodyPr/>
+                    <a:lstStyle/>
+                    <a:p>
+                      <a:pPr latinLnBrk="1"/>
+                      <a:endParaRPr lang="ko-KR" altLang="en-US"/>
+                    </a:p>
+                  </a:txBody>
+                  <a:tcPr/>
+                </a:tc>
+                <a:tc>
+                  <a:txBody>
+                    <a:bodyPr/>
+                    <a:lstStyle/>
+                    <a:p>
+                      <a:pPr algn="ctr" fontAlgn="ctr"/>
+                      <a:r>
+                        <a:rPr lang="ko-KR" altLang="en-US" sz="800" u="none" strike="noStrike">
+                          <a:effectLst/>
+                        </a:rPr>
+                        <a:t>나의 계좌</a:t>
+                      </a:r>
+                      <a:endParaRPr lang="ko-KR" altLang="en-US" sz="800" b="0" i="0" u="none" strike="noStrike">
+                        <a:solidFill>
+                          <a:srgbClr val="000000"/>
+                        </a:solidFill>
+                        <a:effectLst/>
+                        <a:latin typeface="맑은 고딕"/>
+                      </a:endParaRPr>
+                    </a:p>
+                  </a:txBody>
+                  <a:tcPr marL="5314" marR="5314" marT="5314" marB="0" anchor="ctr"/>
+                </a:tc>
+                <a:tc>
+                  <a:txBody>
+                    <a:bodyPr/>
+                    <a:lstStyle/>
+                    <a:p>
+                      <a:pPr algn="l" fontAlgn="ctr"/>
+                      <a:r>
+                        <a:rPr lang="ko-KR" altLang="en-US" sz="800" u="none" strike="noStrike" dirty="0">
+                          <a:effectLst/>
+                        </a:rPr>
+                        <a:t>수익금 정산 받을 계좌 등록 및 수정</a:t>
+                      </a:r>
+                      <a:r>
+                        <a:rPr lang="en-US" altLang="ko-KR" sz="800" u="none" strike="noStrike" dirty="0">
+                          <a:effectLst/>
+                        </a:rPr>
+                        <a:t>, </a:t>
+                      </a:r>
+                      <a:r>
+                        <a:rPr lang="ko-KR" altLang="en-US" sz="800" u="none" strike="noStrike" dirty="0">
+                          <a:effectLst/>
+                        </a:rPr>
+                        <a:t>예치금 충전 및 이용내역</a:t>
+                      </a:r>
+                      <a:r>
+                        <a:rPr lang="en-US" altLang="ko-KR" sz="800" u="none" strike="noStrike" dirty="0">
+                          <a:effectLst/>
+                        </a:rPr>
+                        <a:t>, </a:t>
+                      </a:r>
+                      <a:r>
+                        <a:rPr lang="ko-KR" altLang="en-US" sz="800" u="none" strike="noStrike" dirty="0">
+                          <a:effectLst/>
+                        </a:rPr>
+                        <a:t>출금</a:t>
+                      </a:r>
+                      <a:endParaRPr lang="ko-KR" altLang="en-US" sz="800" b="0" i="0" u="none" strike="noStrike" dirty="0">
+                        <a:solidFill>
+                          <a:srgbClr val="000000"/>
+                        </a:solidFill>
+                        <a:effectLst/>
+                        <a:latin typeface="맑은 고딕"/>
+                      </a:endParaRPr>
+                    </a:p>
+                  </a:txBody>
+                  <a:tcPr marL="63768" marR="5314" marT="5314" marB="0" anchor="ctr"/>
+                </a:tc>
+              </a:tr>
+              <a:tr h="612948">
+                <a:tc vMerge="1">
+                  <a:txBody>
+                    <a:bodyPr/>
+                    <a:lstStyle/>
+                    <a:p>
+                      <a:pPr algn="l" fontAlgn="ctr"/>
+                      <a:endParaRPr lang="ko-KR" altLang="en-US" sz="600" b="0" i="0" u="none" strike="noStrike">
+                        <a:solidFill>
+                          <a:srgbClr val="000000"/>
+                        </a:solidFill>
+                        <a:effectLst/>
+                        <a:latin typeface="맑은 고딕"/>
+                      </a:endParaRPr>
+                    </a:p>
+                  </a:txBody>
+                  <a:tcPr marL="5314" marR="5314" marT="5314" marB="0" anchor="ctr"/>
+                </a:tc>
+                <a:tc vMerge="1">
+                  <a:txBody>
+                    <a:bodyPr/>
+                    <a:lstStyle/>
+                    <a:p>
+                      <a:pPr latinLnBrk="1"/>
+                      <a:endParaRPr lang="ko-KR" altLang="en-US"/>
+                    </a:p>
+                  </a:txBody>
+                  <a:tcPr/>
+                </a:tc>
+                <a:tc>
+                  <a:txBody>
+                    <a:bodyPr/>
+                    <a:lstStyle/>
+                    <a:p>
+                      <a:pPr algn="ctr" fontAlgn="ctr"/>
+                      <a:r>
+                        <a:rPr lang="ko-KR" altLang="en-US" sz="800" u="none" strike="noStrike" dirty="0">
+                          <a:effectLst/>
+                        </a:rPr>
+                        <a:t>나의 </a:t>
+                      </a:r>
+                      <a:r>
+                        <a:rPr lang="ko-KR" altLang="en-US" sz="800" u="none" strike="noStrike" dirty="0" err="1">
+                          <a:effectLst/>
+                        </a:rPr>
+                        <a:t>펀딩</a:t>
+                      </a:r>
+                      <a:endParaRPr lang="ko-KR" altLang="en-US" sz="800" b="0" i="0" u="none" strike="noStrike" dirty="0">
+                        <a:solidFill>
+                          <a:srgbClr val="000000"/>
+                        </a:solidFill>
+                        <a:effectLst/>
+                        <a:latin typeface="맑은 고딕"/>
+                      </a:endParaRPr>
+                    </a:p>
+                  </a:txBody>
+                  <a:tcPr marL="5314" marR="5314" marT="5314" marB="0" anchor="ctr"/>
+                </a:tc>
+                <a:tc>
+                  <a:txBody>
+                    <a:bodyPr/>
+                    <a:lstStyle/>
+                    <a:p>
+                      <a:pPr algn="l" fontAlgn="ctr"/>
+                      <a:r>
+                        <a:rPr lang="ko-KR" altLang="en-US" sz="800" u="none" strike="noStrike" dirty="0" err="1">
+                          <a:effectLst/>
+                        </a:rPr>
+                        <a:t>펀딩한</a:t>
+                      </a:r>
+                      <a:r>
+                        <a:rPr lang="ko-KR" altLang="en-US" sz="800" u="none" strike="noStrike" dirty="0">
+                          <a:effectLst/>
+                        </a:rPr>
+                        <a:t> 프로젝트의 목록</a:t>
+                      </a:r>
+                      <a:r>
+                        <a:rPr lang="en-US" altLang="ko-KR" sz="800" u="none" strike="noStrike" dirty="0">
+                          <a:effectLst/>
+                        </a:rPr>
+                        <a:t>, </a:t>
+                      </a:r>
+                      <a:r>
+                        <a:rPr lang="ko-KR" altLang="en-US" sz="800" u="none" strike="noStrike" dirty="0">
+                          <a:effectLst/>
+                        </a:rPr>
+                        <a:t>진행상태 확인</a:t>
+                      </a:r>
+                      <a:endParaRPr lang="ko-KR" altLang="en-US" sz="800" b="0" i="0" u="none" strike="noStrike" dirty="0">
+                        <a:solidFill>
+                          <a:srgbClr val="000000"/>
+                        </a:solidFill>
+                        <a:effectLst/>
+                        <a:latin typeface="맑은 고딕"/>
+                      </a:endParaRPr>
+                    </a:p>
+                  </a:txBody>
+                  <a:tcPr marL="63768" marR="5314" marT="5314" marB="0" anchor="ctr"/>
+                </a:tc>
+              </a:tr>
+              <a:tr h="612948">
+                <a:tc vMerge="1">
+                  <a:txBody>
+                    <a:bodyPr/>
+                    <a:lstStyle/>
+                    <a:p>
+                      <a:pPr algn="l" fontAlgn="ctr"/>
+                      <a:endParaRPr lang="ko-KR" altLang="en-US" sz="600" b="0" i="0" u="none" strike="noStrike" dirty="0">
+                        <a:solidFill>
+                          <a:srgbClr val="000000"/>
+                        </a:solidFill>
+                        <a:effectLst/>
+                        <a:latin typeface="맑은 고딕"/>
+                      </a:endParaRPr>
+                    </a:p>
+                  </a:txBody>
+                  <a:tcPr marL="5314" marR="5314" marT="5314" marB="0" anchor="ctr"/>
+                </a:tc>
+                <a:tc vMerge="1">
+                  <a:txBody>
+                    <a:bodyPr/>
+                    <a:lstStyle/>
+                    <a:p>
+                      <a:pPr latinLnBrk="1"/>
+                      <a:endParaRPr lang="ko-KR" altLang="en-US"/>
+                    </a:p>
+                  </a:txBody>
+                  <a:tcPr/>
+                </a:tc>
+                <a:tc>
+                  <a:txBody>
+                    <a:bodyPr/>
+                    <a:lstStyle/>
+                    <a:p>
+                      <a:pPr algn="ctr" fontAlgn="ctr"/>
+                      <a:r>
+                        <a:rPr lang="ko-KR" altLang="en-US" sz="800" u="none" strike="noStrike" dirty="0">
+                          <a:effectLst/>
+                        </a:rPr>
+                        <a:t>관심 프로젝트</a:t>
+                      </a:r>
+                      <a:endParaRPr lang="ko-KR" altLang="en-US" sz="800" b="0" i="0" u="none" strike="noStrike" dirty="0">
+                        <a:solidFill>
+                          <a:srgbClr val="000000"/>
+                        </a:solidFill>
+                        <a:effectLst/>
+                        <a:latin typeface="맑은 고딕"/>
+                      </a:endParaRPr>
+                    </a:p>
+                  </a:txBody>
+                  <a:tcPr marL="5314" marR="5314" marT="5314" marB="0" anchor="ctr"/>
+                </a:tc>
+                <a:tc>
+                  <a:txBody>
+                    <a:bodyPr/>
+                    <a:lstStyle/>
+                    <a:p>
+                      <a:pPr algn="l" fontAlgn="ctr"/>
+                      <a:r>
+                        <a:rPr lang="ko-KR" altLang="en-US" sz="800" u="none" strike="noStrike" dirty="0">
+                          <a:effectLst/>
+                        </a:rPr>
+                        <a:t>관심 프로젝트 목록 및 관리</a:t>
+                      </a:r>
+                      <a:endParaRPr lang="ko-KR" altLang="en-US" sz="800" b="0" i="0" u="none" strike="noStrike" dirty="0">
+                        <a:solidFill>
+                          <a:srgbClr val="000000"/>
+                        </a:solidFill>
+                        <a:effectLst/>
+                        <a:latin typeface="맑은 고딕"/>
+                      </a:endParaRPr>
+                    </a:p>
+                  </a:txBody>
+                  <a:tcPr marL="63768" marR="5314" marT="5314" marB="0" anchor="ctr"/>
+                </a:tc>
+              </a:tr>
+              <a:tr h="612948">
+                <a:tc vMerge="1">
+                  <a:txBody>
+                    <a:bodyPr/>
+                    <a:lstStyle/>
+                    <a:p>
+                      <a:pPr algn="l" fontAlgn="ctr"/>
+                      <a:endParaRPr lang="ko-KR" altLang="en-US" sz="600" b="0" i="0" u="none" strike="noStrike" dirty="0">
+                        <a:solidFill>
+                          <a:srgbClr val="000000"/>
+                        </a:solidFill>
+                        <a:effectLst/>
+                        <a:latin typeface="맑은 고딕"/>
+                      </a:endParaRPr>
+                    </a:p>
+                  </a:txBody>
+                  <a:tcPr marL="5314" marR="5314" marT="5314" marB="0" anchor="ctr"/>
+                </a:tc>
+                <a:tc vMerge="1">
+                  <a:txBody>
+                    <a:bodyPr/>
+                    <a:lstStyle/>
+                    <a:p>
+                      <a:pPr latinLnBrk="1"/>
+                      <a:endParaRPr lang="ko-KR" altLang="en-US"/>
+                    </a:p>
+                  </a:txBody>
+                  <a:tcPr/>
+                </a:tc>
+                <a:tc>
+                  <a:txBody>
+                    <a:bodyPr/>
+                    <a:lstStyle/>
+                    <a:p>
+                      <a:pPr algn="ctr" fontAlgn="ctr"/>
+                      <a:r>
+                        <a:rPr lang="ko-KR" altLang="en-US" sz="800" u="none" strike="noStrike" dirty="0">
+                          <a:effectLst/>
+                        </a:rPr>
+                        <a:t>주문조회</a:t>
+                      </a:r>
+                      <a:endParaRPr lang="ko-KR" altLang="en-US" sz="800" b="0" i="0" u="none" strike="noStrike" dirty="0">
+                        <a:solidFill>
+                          <a:srgbClr val="000000"/>
+                        </a:solidFill>
+                        <a:effectLst/>
+                        <a:latin typeface="맑은 고딕"/>
+                      </a:endParaRPr>
+                    </a:p>
+                  </a:txBody>
+                  <a:tcPr marL="5314" marR="5314" marT="5314" marB="0" anchor="ctr"/>
+                </a:tc>
+                <a:tc>
+                  <a:txBody>
+                    <a:bodyPr/>
+                    <a:lstStyle/>
+                    <a:p>
+                      <a:pPr algn="l" fontAlgn="ctr"/>
+                      <a:r>
+                        <a:rPr lang="ko-KR" altLang="en-US" sz="800" u="none" strike="noStrike" dirty="0" err="1">
+                          <a:effectLst/>
+                        </a:rPr>
+                        <a:t>리워드</a:t>
+                      </a:r>
+                      <a:r>
+                        <a:rPr lang="ko-KR" altLang="en-US" sz="800" u="none" strike="noStrike" dirty="0">
+                          <a:effectLst/>
+                        </a:rPr>
+                        <a:t> </a:t>
+                      </a:r>
+                      <a:r>
+                        <a:rPr lang="ko-KR" altLang="en-US" sz="800" u="none" strike="noStrike" dirty="0" err="1">
+                          <a:effectLst/>
+                        </a:rPr>
+                        <a:t>샵에서</a:t>
+                      </a:r>
+                      <a:r>
+                        <a:rPr lang="ko-KR" altLang="en-US" sz="800" u="none" strike="noStrike" dirty="0">
+                          <a:effectLst/>
+                        </a:rPr>
+                        <a:t> 구매한 상품의 주문</a:t>
+                      </a:r>
+                      <a:r>
+                        <a:rPr lang="en-US" altLang="ko-KR" sz="800" u="none" strike="noStrike" dirty="0">
+                          <a:effectLst/>
+                        </a:rPr>
+                        <a:t>/</a:t>
+                      </a:r>
+                      <a:r>
+                        <a:rPr lang="ko-KR" altLang="en-US" sz="800" u="none" strike="noStrike" dirty="0">
+                          <a:effectLst/>
+                        </a:rPr>
+                        <a:t>배송 조회</a:t>
+                      </a:r>
+                      <a:endParaRPr lang="ko-KR" altLang="en-US" sz="800" b="0" i="0" u="none" strike="noStrike" dirty="0">
+                        <a:solidFill>
+                          <a:srgbClr val="000000"/>
+                        </a:solidFill>
+                        <a:effectLst/>
+                        <a:latin typeface="맑은 고딕"/>
+                      </a:endParaRPr>
+                    </a:p>
+                  </a:txBody>
+                  <a:tcPr marL="63768" marR="5314" marT="5314" marB="0" anchor="ctr"/>
+                </a:tc>
+              </a:tr>
+            </a:tbl>
+          </a:graphicData>
+        </a:graphic>
+      </p:graphicFrame>
+      <p:sp>
+        <p:nvSpPr>
+          <p:cNvPr id="6" name="직사각형 5"/>
+          <p:cNvSpPr/>
+          <p:nvPr/>
+        </p:nvSpPr>
+        <p:spPr>
+          <a:xfrm>
+            <a:off x="219114" y="195486"/>
+            <a:ext cx="1112851" cy="400110"/>
+          </a:xfrm>
+          <a:prstGeom prst="rect">
+            <a:avLst/>
+          </a:prstGeom>
+        </p:spPr>
+        <p:txBody>
+          <a:bodyPr wrap="square">
+            <a:spAutoFit/>
+          </a:bodyPr>
+          <a:lstStyle/>
+          <a:p>
+            <a:r>
+              <a:rPr lang="ko-KR" altLang="en-US" sz="2000" b="1" dirty="0" smtClean="0">
+                <a:solidFill>
+                  <a:srgbClr val="FF9E00"/>
+                </a:solidFill>
+                <a:latin typeface="+mj-ea"/>
+                <a:ea typeface="+mj-ea"/>
+              </a:rPr>
+              <a:t>유서희</a:t>
+            </a:r>
+            <a:endParaRPr lang="ko-KR" altLang="en-US" sz="2000" b="1" dirty="0">
+              <a:latin typeface="+mj-ea"/>
+              <a:ea typeface="+mj-ea"/>
+            </a:endParaRPr>
+          </a:p>
+        </p:txBody>
+      </p:sp>
+    </p:spTree>
+    <p:extLst>
+      <p:ext uri="{BB962C8B-B14F-4D97-AF65-F5344CB8AC3E}">
+        <p14:creationId xmlns:p14="http://schemas.microsoft.com/office/powerpoint/2010/main" val="4115892243"/>
       </p:ext>
     </p:extLst>
   </p:cSld>
